--- a/TDD_BDD Introduction.pptx
+++ b/TDD_BDD Introduction.pptx
@@ -22,7 +22,7 @@
     <p:sldId id="304" r:id="rId13"/>
     <p:sldId id="305" r:id="rId14"/>
     <p:sldId id="306" r:id="rId15"/>
-    <p:sldId id="307" r:id="rId16"/>
+    <p:sldId id="317" r:id="rId16"/>
     <p:sldId id="308" r:id="rId17"/>
     <p:sldId id="309" r:id="rId18"/>
     <p:sldId id="311" r:id="rId19"/>
@@ -231,7 +231,7 @@
           <a:p>
             <a:fld id="{3C74A5D0-F500-4656-A06F-8877668FA90E}" type="datetimeFigureOut">
               <a:rPr lang="en-US" smtClean="0"/>
-              <a:t>9/16/2019</a:t>
+              <a:t>9/17/2019</a:t>
             </a:fld>
             <a:endParaRPr lang="en-US"/>
           </a:p>
@@ -709,6 +709,174 @@
 </file>
 
 <file path=ppt/notesSlides/notesSlide3.xml><?xml version="1.0" encoding="utf-8"?>
+<p:notes xmlns:a="http://schemas.openxmlformats.org/drawingml/2006/main" xmlns:r="http://schemas.openxmlformats.org/officeDocument/2006/relationships" xmlns:p="http://schemas.openxmlformats.org/presentationml/2006/main">
+  <p:cSld>
+    <p:spTree>
+      <p:nvGrpSpPr>
+        <p:cNvPr id="1" name=""/>
+        <p:cNvGrpSpPr/>
+        <p:nvPr/>
+      </p:nvGrpSpPr>
+      <p:grpSpPr>
+        <a:xfrm>
+          <a:off x="0" y="0"/>
+          <a:ext cx="0" cy="0"/>
+          <a:chOff x="0" y="0"/>
+          <a:chExt cx="0" cy="0"/>
+        </a:xfrm>
+      </p:grpSpPr>
+      <p:sp>
+        <p:nvSpPr>
+          <p:cNvPr id="2" name="Slide Image Placeholder 1"/>
+          <p:cNvSpPr>
+            <a:spLocks noGrp="1" noRot="1" noChangeAspect="1"/>
+          </p:cNvSpPr>
+          <p:nvPr>
+            <p:ph type="sldImg"/>
+          </p:nvPr>
+        </p:nvSpPr>
+        <p:spPr/>
+      </p:sp>
+      <p:sp>
+        <p:nvSpPr>
+          <p:cNvPr id="3" name="Notes Placeholder 2"/>
+          <p:cNvSpPr>
+            <a:spLocks noGrp="1"/>
+          </p:cNvSpPr>
+          <p:nvPr>
+            <p:ph type="body" idx="1"/>
+          </p:nvPr>
+        </p:nvSpPr>
+        <p:spPr/>
+        <p:txBody>
+          <a:bodyPr/>
+          <a:lstStyle/>
+          <a:p>
+            <a:endParaRPr lang="fa-IR" dirty="0"/>
+          </a:p>
+        </p:txBody>
+      </p:sp>
+      <p:sp>
+        <p:nvSpPr>
+          <p:cNvPr id="4" name="Slide Number Placeholder 3"/>
+          <p:cNvSpPr>
+            <a:spLocks noGrp="1"/>
+          </p:cNvSpPr>
+          <p:nvPr>
+            <p:ph type="sldNum" sz="quarter" idx="10"/>
+          </p:nvPr>
+        </p:nvSpPr>
+        <p:spPr/>
+        <p:txBody>
+          <a:bodyPr/>
+          <a:lstStyle/>
+          <a:p>
+            <a:fld id="{C2454028-0B7A-4366-8D40-A23547F3B64D}" type="slidenum">
+              <a:rPr lang="en-US" smtClean="0"/>
+              <a:t>4</a:t>
+            </a:fld>
+            <a:endParaRPr lang="en-US"/>
+          </a:p>
+        </p:txBody>
+      </p:sp>
+    </p:spTree>
+    <p:extLst>
+      <p:ext uri="{BB962C8B-B14F-4D97-AF65-F5344CB8AC3E}">
+        <p14:creationId xmlns:p14="http://schemas.microsoft.com/office/powerpoint/2010/main" val="3384715996"/>
+      </p:ext>
+    </p:extLst>
+  </p:cSld>
+  <p:clrMapOvr>
+    <a:masterClrMapping/>
+  </p:clrMapOvr>
+</p:notes>
+</file>
+
+<file path=ppt/notesSlides/notesSlide4.xml><?xml version="1.0" encoding="utf-8"?>
+<p:notes xmlns:a="http://schemas.openxmlformats.org/drawingml/2006/main" xmlns:r="http://schemas.openxmlformats.org/officeDocument/2006/relationships" xmlns:p="http://schemas.openxmlformats.org/presentationml/2006/main">
+  <p:cSld>
+    <p:spTree>
+      <p:nvGrpSpPr>
+        <p:cNvPr id="1" name=""/>
+        <p:cNvGrpSpPr/>
+        <p:nvPr/>
+      </p:nvGrpSpPr>
+      <p:grpSpPr>
+        <a:xfrm>
+          <a:off x="0" y="0"/>
+          <a:ext cx="0" cy="0"/>
+          <a:chOff x="0" y="0"/>
+          <a:chExt cx="0" cy="0"/>
+        </a:xfrm>
+      </p:grpSpPr>
+      <p:sp>
+        <p:nvSpPr>
+          <p:cNvPr id="2" name="Slide Image Placeholder 1"/>
+          <p:cNvSpPr>
+            <a:spLocks noGrp="1" noRot="1" noChangeAspect="1"/>
+          </p:cNvSpPr>
+          <p:nvPr>
+            <p:ph type="sldImg"/>
+          </p:nvPr>
+        </p:nvSpPr>
+        <p:spPr/>
+      </p:sp>
+      <p:sp>
+        <p:nvSpPr>
+          <p:cNvPr id="3" name="Notes Placeholder 2"/>
+          <p:cNvSpPr>
+            <a:spLocks noGrp="1"/>
+          </p:cNvSpPr>
+          <p:nvPr>
+            <p:ph type="body" idx="1"/>
+          </p:nvPr>
+        </p:nvSpPr>
+        <p:spPr/>
+        <p:txBody>
+          <a:bodyPr/>
+          <a:lstStyle/>
+          <a:p>
+            <a:endParaRPr lang="fa-IR" dirty="0"/>
+          </a:p>
+        </p:txBody>
+      </p:sp>
+      <p:sp>
+        <p:nvSpPr>
+          <p:cNvPr id="4" name="Slide Number Placeholder 3"/>
+          <p:cNvSpPr>
+            <a:spLocks noGrp="1"/>
+          </p:cNvSpPr>
+          <p:nvPr>
+            <p:ph type="sldNum" sz="quarter" idx="10"/>
+          </p:nvPr>
+        </p:nvSpPr>
+        <p:spPr/>
+        <p:txBody>
+          <a:bodyPr/>
+          <a:lstStyle/>
+          <a:p>
+            <a:fld id="{C2454028-0B7A-4366-8D40-A23547F3B64D}" type="slidenum">
+              <a:rPr lang="en-US" smtClean="0"/>
+              <a:t>11</a:t>
+            </a:fld>
+            <a:endParaRPr lang="en-US"/>
+          </a:p>
+        </p:txBody>
+      </p:sp>
+    </p:spTree>
+    <p:extLst>
+      <p:ext uri="{BB962C8B-B14F-4D97-AF65-F5344CB8AC3E}">
+        <p14:creationId xmlns:p14="http://schemas.microsoft.com/office/powerpoint/2010/main" val="80050091"/>
+      </p:ext>
+    </p:extLst>
+  </p:cSld>
+  <p:clrMapOvr>
+    <a:masterClrMapping/>
+  </p:clrMapOvr>
+</p:notes>
+</file>
+
+<file path=ppt/notesSlides/notesSlide5.xml><?xml version="1.0" encoding="utf-8"?>
 <p:notes xmlns:a="http://schemas.openxmlformats.org/drawingml/2006/main" xmlns:r="http://schemas.openxmlformats.org/officeDocument/2006/relationships" xmlns:p="http://schemas.openxmlformats.org/presentationml/2006/main">
   <p:cSld>
     <p:spTree>
@@ -2135,7 +2303,7 @@
           <a:p>
             <a:fld id="{F3B70C1F-EA92-4B9F-A69C-D9C40072B96D}" type="datetimeFigureOut">
               <a:rPr lang="en-US" smtClean="0"/>
-              <a:t>9/16/2019</a:t>
+              <a:t>9/17/2019</a:t>
             </a:fld>
             <a:endParaRPr lang="en-US"/>
           </a:p>
@@ -2305,7 +2473,7 @@
           <a:p>
             <a:fld id="{F3B70C1F-EA92-4B9F-A69C-D9C40072B96D}" type="datetimeFigureOut">
               <a:rPr lang="en-US" smtClean="0"/>
-              <a:t>9/16/2019</a:t>
+              <a:t>9/17/2019</a:t>
             </a:fld>
             <a:endParaRPr lang="en-US"/>
           </a:p>
@@ -2551,7 +2719,7 @@
           <a:p>
             <a:fld id="{F3B70C1F-EA92-4B9F-A69C-D9C40072B96D}" type="datetimeFigureOut">
               <a:rPr lang="en-US" smtClean="0"/>
-              <a:t>9/16/2019</a:t>
+              <a:t>9/17/2019</a:t>
             </a:fld>
             <a:endParaRPr lang="en-US"/>
           </a:p>
@@ -2783,7 +2951,7 @@
           <a:p>
             <a:fld id="{F3B70C1F-EA92-4B9F-A69C-D9C40072B96D}" type="datetimeFigureOut">
               <a:rPr lang="en-US" smtClean="0"/>
-              <a:t>9/16/2019</a:t>
+              <a:t>9/17/2019</a:t>
             </a:fld>
             <a:endParaRPr lang="en-US"/>
           </a:p>
@@ -3150,7 +3318,7 @@
           <a:p>
             <a:fld id="{F3B70C1F-EA92-4B9F-A69C-D9C40072B96D}" type="datetimeFigureOut">
               <a:rPr lang="en-US" smtClean="0"/>
-              <a:t>9/16/2019</a:t>
+              <a:t>9/17/2019</a:t>
             </a:fld>
             <a:endParaRPr lang="en-US"/>
           </a:p>
@@ -3306,7 +3474,7 @@
           <a:p>
             <a:fld id="{F3B70C1F-EA92-4B9F-A69C-D9C40072B96D}" type="datetimeFigureOut">
               <a:rPr lang="en-US" smtClean="0"/>
-              <a:t>9/16/2019</a:t>
+              <a:t>9/17/2019</a:t>
             </a:fld>
             <a:endParaRPr lang="en-US"/>
           </a:p>
@@ -3401,7 +3569,7 @@
           <a:p>
             <a:fld id="{F3B70C1F-EA92-4B9F-A69C-D9C40072B96D}" type="datetimeFigureOut">
               <a:rPr lang="en-US" smtClean="0"/>
-              <a:t>9/16/2019</a:t>
+              <a:t>9/17/2019</a:t>
             </a:fld>
             <a:endParaRPr lang="en-US"/>
           </a:p>
@@ -3678,7 +3846,7 @@
           <a:p>
             <a:fld id="{F3B70C1F-EA92-4B9F-A69C-D9C40072B96D}" type="datetimeFigureOut">
               <a:rPr lang="en-US" smtClean="0"/>
-              <a:t>9/16/2019</a:t>
+              <a:t>9/17/2019</a:t>
             </a:fld>
             <a:endParaRPr lang="en-US"/>
           </a:p>
@@ -3935,7 +4103,7 @@
           <a:p>
             <a:fld id="{F3B70C1F-EA92-4B9F-A69C-D9C40072B96D}" type="datetimeFigureOut">
               <a:rPr lang="en-US" smtClean="0"/>
-              <a:t>9/16/2019</a:t>
+              <a:t>9/17/2019</a:t>
             </a:fld>
             <a:endParaRPr lang="en-US"/>
           </a:p>
@@ -4105,7 +4273,7 @@
           <a:p>
             <a:fld id="{F3B70C1F-EA92-4B9F-A69C-D9C40072B96D}" type="datetimeFigureOut">
               <a:rPr lang="en-US" smtClean="0"/>
-              <a:t>9/16/2019</a:t>
+              <a:t>9/17/2019</a:t>
             </a:fld>
             <a:endParaRPr lang="en-US"/>
           </a:p>
@@ -4285,7 +4453,7 @@
           <a:p>
             <a:fld id="{F3B70C1F-EA92-4B9F-A69C-D9C40072B96D}" type="datetimeFigureOut">
               <a:rPr lang="en-US" smtClean="0"/>
-              <a:t>9/16/2019</a:t>
+              <a:t>9/17/2019</a:t>
             </a:fld>
             <a:endParaRPr lang="en-US"/>
           </a:p>
@@ -5539,7 +5707,7 @@
                 <a:sym typeface="Circular Pro Medium"/>
               </a:rPr>
               <a:pPr defTabSz="609585"/>
-              <a:t>9/16/2019</a:t>
+              <a:t>9/17/2019</a:t>
             </a:fld>
             <a:endParaRPr lang="en-US">
               <a:solidFill>
@@ -6916,7 +7084,7 @@
                 <a:sym typeface="Circular Pro Medium"/>
               </a:rPr>
               <a:pPr defTabSz="609585"/>
-              <a:t>9/16/2019</a:t>
+              <a:t>9/17/2019</a:t>
             </a:fld>
             <a:endParaRPr lang="en-US">
               <a:solidFill>
@@ -7518,7 +7686,7 @@
           </a:ln>
           <a:extLst>
             <a:ext uri="{C572A759-6A51-4108-AA02-DFA0A04FC94B}">
-              <ma14:wrappingTextBoxFlag xmlns:ma14="http://schemas.microsoft.com/office/mac/drawingml/2011/main" xmlns="" val="1"/>
+              <ma14:wrappingTextBoxFlag xmlns="" xmlns:ma14="http://schemas.microsoft.com/office/mac/drawingml/2011/main" val="1"/>
             </a:ext>
           </a:extLst>
         </p:spPr>
@@ -8027,6 +8195,96 @@
           </a:p>
         </p:txBody>
       </p:sp>
+      <p:pic>
+        <p:nvPicPr>
+          <p:cNvPr id="5" name="Picture 4"/>
+          <p:cNvPicPr>
+            <a:picLocks noChangeAspect="1"/>
+          </p:cNvPicPr>
+          <p:nvPr/>
+        </p:nvPicPr>
+        <p:blipFill>
+          <a:blip r:embed="rId3">
+            <a:extLst>
+              <a:ext uri="{28A0092B-C50C-407E-A947-70E740481C1C}">
+                <a14:useLocalDpi xmlns:a14="http://schemas.microsoft.com/office/drawing/2010/main" val="0"/>
+              </a:ext>
+            </a:extLst>
+          </a:blip>
+          <a:stretch>
+            <a:fillRect/>
+          </a:stretch>
+        </p:blipFill>
+        <p:spPr>
+          <a:xfrm>
+            <a:off x="8734424" y="1179562"/>
+            <a:ext cx="2619375" cy="1743075"/>
+          </a:xfrm>
+          <a:prstGeom prst="rect">
+            <a:avLst/>
+          </a:prstGeom>
+        </p:spPr>
+      </p:pic>
+      <p:pic>
+        <p:nvPicPr>
+          <p:cNvPr id="7" name="Picture 6"/>
+          <p:cNvPicPr>
+            <a:picLocks noChangeAspect="1"/>
+          </p:cNvPicPr>
+          <p:nvPr/>
+        </p:nvPicPr>
+        <p:blipFill>
+          <a:blip r:embed="rId4" cstate="print">
+            <a:extLst>
+              <a:ext uri="{28A0092B-C50C-407E-A947-70E740481C1C}">
+                <a14:useLocalDpi xmlns:a14="http://schemas.microsoft.com/office/drawing/2010/main" val="0"/>
+              </a:ext>
+            </a:extLst>
+          </a:blip>
+          <a:stretch>
+            <a:fillRect/>
+          </a:stretch>
+        </p:blipFill>
+        <p:spPr>
+          <a:xfrm>
+            <a:off x="8734423" y="2989102"/>
+            <a:ext cx="2619375" cy="1738993"/>
+          </a:xfrm>
+          <a:prstGeom prst="rect">
+            <a:avLst/>
+          </a:prstGeom>
+        </p:spPr>
+      </p:pic>
+      <p:pic>
+        <p:nvPicPr>
+          <p:cNvPr id="8" name="Picture 7"/>
+          <p:cNvPicPr>
+            <a:picLocks noChangeAspect="1"/>
+          </p:cNvPicPr>
+          <p:nvPr/>
+        </p:nvPicPr>
+        <p:blipFill>
+          <a:blip r:embed="rId5">
+            <a:extLst>
+              <a:ext uri="{28A0092B-C50C-407E-A947-70E740481C1C}">
+                <a14:useLocalDpi xmlns:a14="http://schemas.microsoft.com/office/drawing/2010/main" val="0"/>
+              </a:ext>
+            </a:extLst>
+          </a:blip>
+          <a:stretch>
+            <a:fillRect/>
+          </a:stretch>
+        </p:blipFill>
+        <p:spPr>
+          <a:xfrm>
+            <a:off x="8734422" y="4794560"/>
+            <a:ext cx="2619375" cy="1723812"/>
+          </a:xfrm>
+          <a:prstGeom prst="rect">
+            <a:avLst/>
+          </a:prstGeom>
+        </p:spPr>
+      </p:pic>
       <p:sp>
         <p:nvSpPr>
           <p:cNvPr id="4" name="TextBox 3"/>
@@ -8035,8 +8293,8 @@
         </p:nvSpPr>
         <p:spPr>
           <a:xfrm>
-            <a:off x="5333999" y="2798619"/>
-            <a:ext cx="5651675" cy="707886"/>
+            <a:off x="4687228" y="2854165"/>
+            <a:ext cx="7559249" cy="707886"/>
           </a:xfrm>
           <a:prstGeom prst="rect">
             <a:avLst/>
@@ -8055,7 +8313,23 @@
                   <a:srgbClr val="FF0000"/>
                 </a:solidFill>
               </a:rPr>
-              <a:t>The test is in plain English</a:t>
+              <a:t>The </a:t>
+            </a:r>
+            <a:r>
+              <a:rPr lang="en-US" sz="4000" b="1" dirty="0" smtClean="0">
+                <a:solidFill>
+                  <a:srgbClr val="FF0000"/>
+                </a:solidFill>
+              </a:rPr>
+              <a:t>test scenario </a:t>
+            </a:r>
+            <a:r>
+              <a:rPr lang="en-US" sz="4000" b="1" dirty="0" smtClean="0">
+                <a:solidFill>
+                  <a:srgbClr val="FF0000"/>
+                </a:solidFill>
+              </a:rPr>
+              <a:t>is in plain English</a:t>
             </a:r>
           </a:p>
         </p:txBody>
@@ -8175,6 +8449,41 @@
                                   </p:childTnLst>
                                 </p:cTn>
                               </p:par>
+                              <p:par>
+                                <p:cTn id="9" presetID="10" presetClass="entr" presetSubtype="0" fill="hold" nodeType="withEffect">
+                                  <p:stCondLst>
+                                    <p:cond delay="0"/>
+                                  </p:stCondLst>
+                                  <p:childTnLst>
+                                    <p:set>
+                                      <p:cBhvr>
+                                        <p:cTn id="10" dur="1" fill="hold">
+                                          <p:stCondLst>
+                                            <p:cond delay="0"/>
+                                          </p:stCondLst>
+                                        </p:cTn>
+                                        <p:tgtEl>
+                                          <p:spTgt spid="5"/>
+                                        </p:tgtEl>
+                                        <p:attrNameLst>
+                                          <p:attrName>style.visibility</p:attrName>
+                                        </p:attrNameLst>
+                                      </p:cBhvr>
+                                      <p:to>
+                                        <p:strVal val="visible"/>
+                                      </p:to>
+                                    </p:set>
+                                    <p:animEffect transition="in" filter="fade">
+                                      <p:cBhvr>
+                                        <p:cTn id="11" dur="500"/>
+                                        <p:tgtEl>
+                                          <p:spTgt spid="5"/>
+                                        </p:tgtEl>
+                                      </p:cBhvr>
+                                    </p:animEffect>
+                                  </p:childTnLst>
+                                </p:cTn>
+                              </p:par>
                             </p:childTnLst>
                           </p:cTn>
                         </p:par>
@@ -8182,26 +8491,26 @@
                     </p:cTn>
                   </p:par>
                   <p:par>
-                    <p:cTn id="9" fill="hold">
+                    <p:cTn id="12" fill="hold">
                       <p:stCondLst>
                         <p:cond delay="indefinite"/>
                       </p:stCondLst>
                       <p:childTnLst>
                         <p:par>
-                          <p:cTn id="10" fill="hold">
+                          <p:cTn id="13" fill="hold">
                             <p:stCondLst>
                               <p:cond delay="0"/>
                             </p:stCondLst>
                             <p:childTnLst>
                               <p:par>
-                                <p:cTn id="11" presetID="2" presetClass="entr" presetSubtype="4" fill="hold" nodeType="clickEffect">
+                                <p:cTn id="14" presetID="2" presetClass="entr" presetSubtype="4" fill="hold" nodeType="clickEffect">
                                   <p:stCondLst>
                                     <p:cond delay="0"/>
                                   </p:stCondLst>
                                   <p:childTnLst>
                                     <p:set>
                                       <p:cBhvr>
-                                        <p:cTn id="12" dur="1" fill="hold">
+                                        <p:cTn id="15" dur="1" fill="hold">
                                           <p:stCondLst>
                                             <p:cond delay="0"/>
                                           </p:stCondLst>
@@ -8223,7 +8532,7 @@
                                     </p:set>
                                     <p:anim calcmode="lin" valueType="num">
                                       <p:cBhvr additive="base">
-                                        <p:cTn id="13" dur="500" fill="hold"/>
+                                        <p:cTn id="16" dur="500" fill="hold"/>
                                         <p:tgtEl>
                                           <p:spTgt spid="3">
                                             <p:txEl>
@@ -8250,7 +8559,7 @@
                                     </p:anim>
                                     <p:anim calcmode="lin" valueType="num">
                                       <p:cBhvr additive="base">
-                                        <p:cTn id="14" dur="500" fill="hold"/>
+                                        <p:cTn id="17" dur="500" fill="hold"/>
                                         <p:tgtEl>
                                           <p:spTgt spid="3">
                                             <p:txEl>
@@ -8285,26 +8594,26 @@
                     </p:cTn>
                   </p:par>
                   <p:par>
-                    <p:cTn id="15" fill="hold">
+                    <p:cTn id="18" fill="hold">
                       <p:stCondLst>
                         <p:cond delay="indefinite"/>
                       </p:stCondLst>
                       <p:childTnLst>
                         <p:par>
-                          <p:cTn id="16" fill="hold">
+                          <p:cTn id="19" fill="hold">
                             <p:stCondLst>
                               <p:cond delay="0"/>
                             </p:stCondLst>
                             <p:childTnLst>
                               <p:par>
-                                <p:cTn id="17" presetID="2" presetClass="entr" presetSubtype="4" fill="hold" nodeType="clickEffect">
+                                <p:cTn id="20" presetID="2" presetClass="entr" presetSubtype="4" fill="hold" nodeType="clickEffect">
                                   <p:stCondLst>
                                     <p:cond delay="0"/>
                                   </p:stCondLst>
                                   <p:childTnLst>
                                     <p:set>
                                       <p:cBhvr>
-                                        <p:cTn id="18" dur="1" fill="hold">
+                                        <p:cTn id="21" dur="1" fill="hold">
                                           <p:stCondLst>
                                             <p:cond delay="0"/>
                                           </p:stCondLst>
@@ -8326,7 +8635,7 @@
                                     </p:set>
                                     <p:anim calcmode="lin" valueType="num">
                                       <p:cBhvr additive="base">
-                                        <p:cTn id="19" dur="500" fill="hold"/>
+                                        <p:cTn id="22" dur="500" fill="hold"/>
                                         <p:tgtEl>
                                           <p:spTgt spid="3">
                                             <p:txEl>
@@ -8353,7 +8662,7 @@
                                     </p:anim>
                                     <p:anim calcmode="lin" valueType="num">
                                       <p:cBhvr additive="base">
-                                        <p:cTn id="20" dur="500" fill="hold"/>
+                                        <p:cTn id="23" dur="500" fill="hold"/>
                                         <p:tgtEl>
                                           <p:spTgt spid="3">
                                             <p:txEl>
@@ -8388,26 +8697,26 @@
                     </p:cTn>
                   </p:par>
                   <p:par>
-                    <p:cTn id="21" fill="hold">
+                    <p:cTn id="24" fill="hold">
                       <p:stCondLst>
                         <p:cond delay="indefinite"/>
                       </p:stCondLst>
                       <p:childTnLst>
                         <p:par>
-                          <p:cTn id="22" fill="hold">
+                          <p:cTn id="25" fill="hold">
                             <p:stCondLst>
                               <p:cond delay="0"/>
                             </p:stCondLst>
                             <p:childTnLst>
                               <p:par>
-                                <p:cTn id="23" presetID="15" presetClass="entr" presetSubtype="0" fill="hold" nodeType="clickEffect">
+                                <p:cTn id="26" presetID="15" presetClass="entr" presetSubtype="0" fill="hold" nodeType="clickEffect">
                                   <p:stCondLst>
                                     <p:cond delay="0"/>
                                   </p:stCondLst>
                                   <p:childTnLst>
                                     <p:set>
                                       <p:cBhvr>
-                                        <p:cTn id="24" dur="1" fill="hold">
+                                        <p:cTn id="27" dur="1" fill="hold">
                                           <p:stCondLst>
                                             <p:cond delay="0"/>
                                           </p:stCondLst>
@@ -8429,7 +8738,7 @@
                                     </p:set>
                                     <p:anim calcmode="lin" valueType="num">
                                       <p:cBhvr>
-                                        <p:cTn id="25" dur="1000" fill="hold"/>
+                                        <p:cTn id="28" dur="1000" fill="hold"/>
                                         <p:tgtEl>
                                           <p:spTgt spid="3">
                                             <p:txEl>
@@ -8456,7 +8765,7 @@
                                     </p:anim>
                                     <p:anim calcmode="lin" valueType="num">
                                       <p:cBhvr>
-                                        <p:cTn id="26" dur="1000" fill="hold"/>
+                                        <p:cTn id="29" dur="1000" fill="hold"/>
                                         <p:tgtEl>
                                           <p:spTgt spid="3">
                                             <p:txEl>
@@ -8483,7 +8792,7 @@
                                     </p:anim>
                                     <p:anim calcmode="lin" valueType="num">
                                       <p:cBhvr>
-                                        <p:cTn id="27" dur="1000" fill="hold"/>
+                                        <p:cTn id="30" dur="1000" fill="hold"/>
                                         <p:tgtEl>
                                           <p:spTgt spid="3">
                                             <p:txEl>
@@ -8510,7 +8819,7 @@
                                     </p:anim>
                                     <p:anim calcmode="lin" valueType="num">
                                       <p:cBhvr>
-                                        <p:cTn id="28" dur="1000" fill="hold"/>
+                                        <p:cTn id="31" dur="1000" fill="hold"/>
                                         <p:tgtEl>
                                           <p:spTgt spid="3">
                                             <p:txEl>
@@ -8538,6 +8847,41 @@
                                   </p:childTnLst>
                                 </p:cTn>
                               </p:par>
+                              <p:par>
+                                <p:cTn id="32" presetID="10" presetClass="entr" presetSubtype="0" fill="hold" nodeType="withEffect">
+                                  <p:stCondLst>
+                                    <p:cond delay="0"/>
+                                  </p:stCondLst>
+                                  <p:childTnLst>
+                                    <p:set>
+                                      <p:cBhvr>
+                                        <p:cTn id="33" dur="1" fill="hold">
+                                          <p:stCondLst>
+                                            <p:cond delay="0"/>
+                                          </p:stCondLst>
+                                        </p:cTn>
+                                        <p:tgtEl>
+                                          <p:spTgt spid="7"/>
+                                        </p:tgtEl>
+                                        <p:attrNameLst>
+                                          <p:attrName>style.visibility</p:attrName>
+                                        </p:attrNameLst>
+                                      </p:cBhvr>
+                                      <p:to>
+                                        <p:strVal val="visible"/>
+                                      </p:to>
+                                    </p:set>
+                                    <p:animEffect transition="in" filter="fade">
+                                      <p:cBhvr>
+                                        <p:cTn id="34" dur="500"/>
+                                        <p:tgtEl>
+                                          <p:spTgt spid="7"/>
+                                        </p:tgtEl>
+                                      </p:cBhvr>
+                                    </p:animEffect>
+                                  </p:childTnLst>
+                                </p:cTn>
+                              </p:par>
                             </p:childTnLst>
                           </p:cTn>
                         </p:par>
@@ -8545,26 +8889,26 @@
                     </p:cTn>
                   </p:par>
                   <p:par>
-                    <p:cTn id="29" fill="hold">
+                    <p:cTn id="35" fill="hold">
                       <p:stCondLst>
                         <p:cond delay="indefinite"/>
                       </p:stCondLst>
                       <p:childTnLst>
                         <p:par>
-                          <p:cTn id="30" fill="hold">
+                          <p:cTn id="36" fill="hold">
                             <p:stCondLst>
                               <p:cond delay="0"/>
                             </p:stCondLst>
                             <p:childTnLst>
                               <p:par>
-                                <p:cTn id="31" presetID="50" presetClass="entr" presetSubtype="0" decel="100000" fill="hold" nodeType="clickEffect">
+                                <p:cTn id="37" presetID="50" presetClass="entr" presetSubtype="0" decel="100000" fill="hold" nodeType="clickEffect">
                                   <p:stCondLst>
                                     <p:cond delay="0"/>
                                   </p:stCondLst>
                                   <p:childTnLst>
                                     <p:set>
                                       <p:cBhvr>
-                                        <p:cTn id="32" dur="1" fill="hold">
+                                        <p:cTn id="38" dur="1" fill="hold">
                                           <p:stCondLst>
                                             <p:cond delay="0"/>
                                           </p:stCondLst>
@@ -8586,7 +8930,7 @@
                                     </p:set>
                                     <p:anim calcmode="lin" valueType="num">
                                       <p:cBhvr>
-                                        <p:cTn id="33" dur="1000" fill="hold"/>
+                                        <p:cTn id="39" dur="1000" fill="hold"/>
                                         <p:tgtEl>
                                           <p:spTgt spid="3">
                                             <p:txEl>
@@ -8613,7 +8957,7 @@
                                     </p:anim>
                                     <p:anim calcmode="lin" valueType="num">
                                       <p:cBhvr>
-                                        <p:cTn id="34" dur="1000" fill="hold"/>
+                                        <p:cTn id="40" dur="1000" fill="hold"/>
                                         <p:tgtEl>
                                           <p:spTgt spid="3">
                                             <p:txEl>
@@ -8640,7 +8984,7 @@
                                     </p:anim>
                                     <p:animEffect transition="in" filter="fade">
                                       <p:cBhvr>
-                                        <p:cTn id="35" dur="1000"/>
+                                        <p:cTn id="41" dur="1000"/>
                                         <p:tgtEl>
                                           <p:spTgt spid="3">
                                             <p:txEl>
@@ -8660,26 +9004,26 @@
                     </p:cTn>
                   </p:par>
                   <p:par>
-                    <p:cTn id="36" fill="hold">
+                    <p:cTn id="42" fill="hold">
                       <p:stCondLst>
                         <p:cond delay="indefinite"/>
                       </p:stCondLst>
                       <p:childTnLst>
                         <p:par>
-                          <p:cTn id="37" fill="hold">
+                          <p:cTn id="43" fill="hold">
                             <p:stCondLst>
                               <p:cond delay="0"/>
                             </p:stCondLst>
                             <p:childTnLst>
                               <p:par>
-                                <p:cTn id="38" presetID="50" presetClass="entr" presetSubtype="0" decel="100000" fill="hold" nodeType="clickEffect">
+                                <p:cTn id="44" presetID="50" presetClass="entr" presetSubtype="0" decel="100000" fill="hold" nodeType="clickEffect">
                                   <p:stCondLst>
                                     <p:cond delay="0"/>
                                   </p:stCondLst>
                                   <p:childTnLst>
                                     <p:set>
                                       <p:cBhvr>
-                                        <p:cTn id="39" dur="1" fill="hold">
+                                        <p:cTn id="45" dur="1" fill="hold">
                                           <p:stCondLst>
                                             <p:cond delay="0"/>
                                           </p:stCondLst>
@@ -8701,7 +9045,7 @@
                                     </p:set>
                                     <p:anim calcmode="lin" valueType="num">
                                       <p:cBhvr>
-                                        <p:cTn id="40" dur="1000" fill="hold"/>
+                                        <p:cTn id="46" dur="1000" fill="hold"/>
                                         <p:tgtEl>
                                           <p:spTgt spid="3">
                                             <p:txEl>
@@ -8728,7 +9072,7 @@
                                     </p:anim>
                                     <p:anim calcmode="lin" valueType="num">
                                       <p:cBhvr>
-                                        <p:cTn id="41" dur="1000" fill="hold"/>
+                                        <p:cTn id="47" dur="1000" fill="hold"/>
                                         <p:tgtEl>
                                           <p:spTgt spid="3">
                                             <p:txEl>
@@ -8755,7 +9099,7 @@
                                     </p:anim>
                                     <p:animEffect transition="in" filter="fade">
                                       <p:cBhvr>
-                                        <p:cTn id="42" dur="1000"/>
+                                        <p:cTn id="48" dur="1000"/>
                                         <p:tgtEl>
                                           <p:spTgt spid="3">
                                             <p:txEl>
@@ -8775,26 +9119,26 @@
                     </p:cTn>
                   </p:par>
                   <p:par>
-                    <p:cTn id="43" fill="hold">
+                    <p:cTn id="49" fill="hold">
                       <p:stCondLst>
                         <p:cond delay="indefinite"/>
                       </p:stCondLst>
                       <p:childTnLst>
                         <p:par>
-                          <p:cTn id="44" fill="hold">
+                          <p:cTn id="50" fill="hold">
                             <p:stCondLst>
                               <p:cond delay="0"/>
                             </p:stCondLst>
                             <p:childTnLst>
                               <p:par>
-                                <p:cTn id="45" presetID="50" presetClass="entr" presetSubtype="0" decel="100000" fill="hold" nodeType="clickEffect">
+                                <p:cTn id="51" presetID="50" presetClass="entr" presetSubtype="0" decel="100000" fill="hold" nodeType="clickEffect">
                                   <p:stCondLst>
                                     <p:cond delay="0"/>
                                   </p:stCondLst>
                                   <p:childTnLst>
                                     <p:set>
                                       <p:cBhvr>
-                                        <p:cTn id="46" dur="1" fill="hold">
+                                        <p:cTn id="52" dur="1" fill="hold">
                                           <p:stCondLst>
                                             <p:cond delay="0"/>
                                           </p:stCondLst>
@@ -8816,7 +9160,7 @@
                                     </p:set>
                                     <p:anim calcmode="lin" valueType="num">
                                       <p:cBhvr>
-                                        <p:cTn id="47" dur="1000" fill="hold"/>
+                                        <p:cTn id="53" dur="1000" fill="hold"/>
                                         <p:tgtEl>
                                           <p:spTgt spid="3">
                                             <p:txEl>
@@ -8843,7 +9187,7 @@
                                     </p:anim>
                                     <p:anim calcmode="lin" valueType="num">
                                       <p:cBhvr>
-                                        <p:cTn id="48" dur="1000" fill="hold"/>
+                                        <p:cTn id="54" dur="1000" fill="hold"/>
                                         <p:tgtEl>
                                           <p:spTgt spid="3">
                                             <p:txEl>
@@ -8870,7 +9214,7 @@
                                     </p:anim>
                                     <p:animEffect transition="in" filter="fade">
                                       <p:cBhvr>
-                                        <p:cTn id="49" dur="1000"/>
+                                        <p:cTn id="55" dur="1000"/>
                                         <p:tgtEl>
                                           <p:spTgt spid="3">
                                             <p:txEl>
@@ -8883,6 +9227,33 @@
                                   </p:childTnLst>
                                 </p:cTn>
                               </p:par>
+                              <p:par>
+                                <p:cTn id="56" presetID="1" presetClass="entr" presetSubtype="0" fill="hold" nodeType="withEffect">
+                                  <p:stCondLst>
+                                    <p:cond delay="0"/>
+                                  </p:stCondLst>
+                                  <p:childTnLst>
+                                    <p:set>
+                                      <p:cBhvr>
+                                        <p:cTn id="57" dur="1" fill="hold">
+                                          <p:stCondLst>
+                                            <p:cond delay="0"/>
+                                          </p:stCondLst>
+                                        </p:cTn>
+                                        <p:tgtEl>
+                                          <p:spTgt spid="8"/>
+                                        </p:tgtEl>
+                                        <p:attrNameLst>
+                                          <p:attrName>style.visibility</p:attrName>
+                                        </p:attrNameLst>
+                                      </p:cBhvr>
+                                      <p:to>
+                                        <p:strVal val="visible"/>
+                                      </p:to>
+                                    </p:set>
+                                  </p:childTnLst>
+                                </p:cTn>
+                              </p:par>
                             </p:childTnLst>
                           </p:cTn>
                         </p:par>
@@ -8890,26 +9261,26 @@
                     </p:cTn>
                   </p:par>
                   <p:par>
-                    <p:cTn id="50" fill="hold">
+                    <p:cTn id="58" fill="hold">
                       <p:stCondLst>
                         <p:cond delay="indefinite"/>
                       </p:stCondLst>
                       <p:childTnLst>
                         <p:par>
-                          <p:cTn id="51" fill="hold">
+                          <p:cTn id="59" fill="hold">
                             <p:stCondLst>
                               <p:cond delay="0"/>
                             </p:stCondLst>
                             <p:childTnLst>
                               <p:par>
-                                <p:cTn id="52" presetID="52" presetClass="entr" presetSubtype="0" fill="hold" grpId="0" nodeType="clickEffect">
+                                <p:cTn id="60" presetID="52" presetClass="entr" presetSubtype="0" fill="hold" grpId="0" nodeType="clickEffect">
                                   <p:stCondLst>
                                     <p:cond delay="0"/>
                                   </p:stCondLst>
                                   <p:childTnLst>
                                     <p:set>
                                       <p:cBhvr>
-                                        <p:cTn id="53" dur="1" fill="hold">
+                                        <p:cTn id="61" dur="1" fill="hold">
                                           <p:stCondLst>
                                             <p:cond delay="0"/>
                                           </p:stCondLst>
@@ -8927,7 +9298,7 @@
                                     </p:set>
                                     <p:animScale>
                                       <p:cBhvr>
-                                        <p:cTn id="54" dur="1000" decel="50000" fill="hold">
+                                        <p:cTn id="62" dur="1000" decel="50000" fill="hold">
                                           <p:stCondLst>
                                             <p:cond delay="0"/>
                                           </p:stCondLst>
@@ -8941,7 +9312,7 @@
                                     </p:animScale>
                                     <p:animMotion origin="layout" path="M -0.46736 0.92887  C -0.37517 0.88508  -0.02552 0.75279  0.0908 0.66613  C  0.20747 0.57948  0.21649 0.50394  0.23177 0.40825  C 0.24705 0.31256  0.22118 0.15964   0.18264 0.09152  C 0.1441 0.02341  0.03802 0.0  0.0 0.0  " pathEditMode="relative" ptsTypes="">
                                       <p:cBhvr>
-                                        <p:cTn id="55" dur="1000" decel="50000" fill="hold">
+                                        <p:cTn id="63" dur="1000" decel="50000" fill="hold">
                                           <p:stCondLst>
                                             <p:cond delay="0"/>
                                           </p:stCondLst>
@@ -8957,7 +9328,7 @@
                                     </p:animMotion>
                                     <p:animEffect transition="in" filter="fade">
                                       <p:cBhvr>
-                                        <p:cTn id="56" dur="1000"/>
+                                        <p:cTn id="64" dur="1000"/>
                                         <p:tgtEl>
                                           <p:spTgt spid="4"/>
                                         </p:tgtEl>
@@ -9070,12 +9441,20 @@
               <a:buNone/>
             </a:pPr>
             <a:r>
+              <a:rPr lang="en-US" dirty="0" smtClean="0">
+                <a:solidFill>
+                  <a:srgbClr val="7030A0"/>
+                </a:solidFill>
+              </a:rPr>
+              <a:t>Given </a:t>
+            </a:r>
+            <a:r>
               <a:rPr lang="en-US" dirty="0">
                 <a:solidFill>
                   <a:srgbClr val="7030A0"/>
                 </a:solidFill>
               </a:rPr>
-              <a:t>Let’s begin with an example called cash machine:</a:t>
+              <a:t>the account balance is £100</a:t>
             </a:r>
           </a:p>
           <a:p>
@@ -9088,7 +9467,7 @@
                   <a:srgbClr val="7030A0"/>
                 </a:solidFill>
               </a:rPr>
-              <a:t>Given the account balance is £100</a:t>
+              <a:t>	And the card is valid</a:t>
             </a:r>
           </a:p>
           <a:p>
@@ -9101,29 +9480,22 @@
                   <a:srgbClr val="7030A0"/>
                 </a:solidFill>
               </a:rPr>
-              <a:t>	And the card is valid</a:t>
+              <a:t>	And the machine has enough </a:t>
+            </a:r>
+            <a:r>
+              <a:rPr lang="en-US" dirty="0" smtClean="0">
+                <a:solidFill>
+                  <a:srgbClr val="7030A0"/>
+                </a:solidFill>
+              </a:rPr>
+              <a:t>money</a:t>
             </a:r>
           </a:p>
           <a:p>
             <a:pPr marL="0" indent="0" algn="l" rtl="0">
               <a:buNone/>
             </a:pPr>
-            <a:r>
-              <a:rPr lang="en-US" dirty="0">
-                <a:solidFill>
-                  <a:srgbClr val="7030A0"/>
-                </a:solidFill>
-              </a:rPr>
-              <a:t>	And the machine has enough </a:t>
-            </a:r>
-            <a:r>
-              <a:rPr lang="en-US" dirty="0" smtClean="0">
-                <a:solidFill>
-                  <a:srgbClr val="7030A0"/>
-                </a:solidFill>
-              </a:rPr>
-              <a:t>money</a:t>
-            </a:r>
+            <a:endParaRPr lang="en-US" dirty="0" smtClean="0"/>
           </a:p>
           <a:p>
             <a:pPr marL="0" indent="0" algn="l" rtl="0">
@@ -9568,7 +9940,7 @@
         </p:nvSpPr>
         <p:spPr>
           <a:xfrm>
-            <a:off x="2881746" y="5149844"/>
+            <a:off x="2881746" y="5123721"/>
             <a:ext cx="831272" cy="1444918"/>
           </a:xfrm>
           <a:prstGeom prst="leftBrace">
@@ -9849,7 +10221,7 @@
         </p:nvSpPr>
         <p:spPr>
           <a:xfrm>
-            <a:off x="1205346" y="5125746"/>
+            <a:off x="1205345" y="5094147"/>
             <a:ext cx="1676400" cy="1305504"/>
           </a:xfrm>
           <a:prstGeom prst="rect">
@@ -10100,6 +10472,9 @@
                     <p:cTn id="3" fill="hold">
                       <p:stCondLst>
                         <p:cond delay="indefinite"/>
+                        <p:cond evt="onBegin" delay="0">
+                          <p:tn val="2"/>
+                        </p:cond>
                       </p:stCondLst>
                       <p:childTnLst>
                         <p:par>
@@ -10109,7 +10484,7 @@
                             </p:stCondLst>
                             <p:childTnLst>
                               <p:par>
-                                <p:cTn id="5" presetID="25" presetClass="entr" presetSubtype="0" fill="hold" nodeType="clickEffect">
+                                <p:cTn id="5" presetID="25" presetClass="entr" presetSubtype="0" fill="hold" nodeType="withEffect">
                                   <p:stCondLst>
                                     <p:cond delay="0"/>
                                   </p:stCondLst>
@@ -10904,7 +11279,7 @@
                                         <p:tgtEl>
                                           <p:spTgt spid="3">
                                             <p:txEl>
-                                              <p:pRg st="3" end="3"/>
+                                              <p:pRg st="5" end="5"/>
                                             </p:txEl>
                                           </p:spTgt>
                                         </p:tgtEl>
@@ -10926,7 +11301,7 @@
                                         <p:tgtEl>
                                           <p:spTgt spid="3">
                                             <p:txEl>
-                                              <p:pRg st="3" end="3"/>
+                                              <p:pRg st="5" end="5"/>
                                             </p:txEl>
                                           </p:spTgt>
                                         </p:tgtEl>
@@ -10957,7 +11332,7 @@
                                         <p:tgtEl>
                                           <p:spTgt spid="3">
                                             <p:txEl>
-                                              <p:pRg st="3" end="3"/>
+                                              <p:pRg st="5" end="5"/>
                                             </p:txEl>
                                           </p:spTgt>
                                         </p:tgtEl>
@@ -10988,7 +11363,7 @@
                                         <p:tgtEl>
                                           <p:spTgt spid="3">
                                             <p:txEl>
-                                              <p:pRg st="3" end="3"/>
+                                              <p:pRg st="5" end="5"/>
                                             </p:txEl>
                                           </p:spTgt>
                                         </p:tgtEl>
@@ -11015,7 +11390,7 @@
                                         <p:tgtEl>
                                           <p:spTgt spid="3">
                                             <p:txEl>
-                                              <p:pRg st="3" end="3"/>
+                                              <p:pRg st="5" end="5"/>
                                             </p:txEl>
                                           </p:spTgt>
                                         </p:tgtEl>
@@ -11046,7 +11421,7 @@
                                         <p:tgtEl>
                                           <p:spTgt spid="3">
                                             <p:txEl>
-                                              <p:pRg st="3" end="3"/>
+                                              <p:pRg st="5" end="5"/>
                                             </p:txEl>
                                           </p:spTgt>
                                         </p:tgtEl>
@@ -11077,7 +11452,7 @@
                                         <p:tgtEl>
                                           <p:spTgt spid="3">
                                             <p:txEl>
-                                              <p:pRg st="3" end="3"/>
+                                              <p:pRg st="5" end="5"/>
                                             </p:txEl>
                                           </p:spTgt>
                                         </p:tgtEl>
@@ -11108,7 +11483,7 @@
                                         <p:tgtEl>
                                           <p:spTgt spid="3">
                                             <p:txEl>
-                                              <p:pRg st="3" end="3"/>
+                                              <p:pRg st="5" end="5"/>
                                             </p:txEl>
                                           </p:spTgt>
                                         </p:tgtEl>
@@ -11139,7 +11514,7 @@
                                         <p:tgtEl>
                                           <p:spTgt spid="3">
                                             <p:txEl>
-                                              <p:pRg st="3" end="3"/>
+                                              <p:pRg st="5" end="5"/>
                                             </p:txEl>
                                           </p:spTgt>
                                         </p:tgtEl>
@@ -11164,7 +11539,7 @@
                                         <p:tgtEl>
                                           <p:spTgt spid="3">
                                             <p:txEl>
-                                              <p:pRg st="5" end="5"/>
+                                              <p:pRg st="7" end="7"/>
                                             </p:txEl>
                                           </p:spTgt>
                                         </p:tgtEl>
@@ -11186,7 +11561,7 @@
                                         <p:tgtEl>
                                           <p:spTgt spid="3">
                                             <p:txEl>
-                                              <p:pRg st="5" end="5"/>
+                                              <p:pRg st="7" end="7"/>
                                             </p:txEl>
                                           </p:spTgt>
                                         </p:tgtEl>
@@ -11217,7 +11592,7 @@
                                         <p:tgtEl>
                                           <p:spTgt spid="3">
                                             <p:txEl>
-                                              <p:pRg st="5" end="5"/>
+                                              <p:pRg st="7" end="7"/>
                                             </p:txEl>
                                           </p:spTgt>
                                         </p:tgtEl>
@@ -11248,7 +11623,7 @@
                                         <p:tgtEl>
                                           <p:spTgt spid="3">
                                             <p:txEl>
-                                              <p:pRg st="5" end="5"/>
+                                              <p:pRg st="7" end="7"/>
                                             </p:txEl>
                                           </p:spTgt>
                                         </p:tgtEl>
@@ -11275,7 +11650,7 @@
                                         <p:tgtEl>
                                           <p:spTgt spid="3">
                                             <p:txEl>
-                                              <p:pRg st="5" end="5"/>
+                                              <p:pRg st="7" end="7"/>
                                             </p:txEl>
                                           </p:spTgt>
                                         </p:tgtEl>
@@ -11306,7 +11681,7 @@
                                         <p:tgtEl>
                                           <p:spTgt spid="3">
                                             <p:txEl>
-                                              <p:pRg st="5" end="5"/>
+                                              <p:pRg st="7" end="7"/>
                                             </p:txEl>
                                           </p:spTgt>
                                         </p:tgtEl>
@@ -11337,7 +11712,7 @@
                                         <p:tgtEl>
                                           <p:spTgt spid="3">
                                             <p:txEl>
-                                              <p:pRg st="5" end="5"/>
+                                              <p:pRg st="7" end="7"/>
                                             </p:txEl>
                                           </p:spTgt>
                                         </p:tgtEl>
@@ -11368,7 +11743,7 @@
                                         <p:tgtEl>
                                           <p:spTgt spid="3">
                                             <p:txEl>
-                                              <p:pRg st="5" end="5"/>
+                                              <p:pRg st="7" end="7"/>
                                             </p:txEl>
                                           </p:spTgt>
                                         </p:tgtEl>
@@ -11399,7 +11774,7 @@
                                         <p:tgtEl>
                                           <p:spTgt spid="3">
                                             <p:txEl>
-                                              <p:pRg st="5" end="5"/>
+                                              <p:pRg st="7" end="7"/>
                                             </p:txEl>
                                           </p:spTgt>
                                         </p:tgtEl>
@@ -11424,7 +11799,7 @@
                                         <p:tgtEl>
                                           <p:spTgt spid="3">
                                             <p:txEl>
-                                              <p:pRg st="7" end="7"/>
+                                              <p:pRg st="8" end="8"/>
                                             </p:txEl>
                                           </p:spTgt>
                                         </p:tgtEl>
@@ -11446,7 +11821,7 @@
                                         <p:tgtEl>
                                           <p:spTgt spid="3">
                                             <p:txEl>
-                                              <p:pRg st="7" end="7"/>
+                                              <p:pRg st="8" end="8"/>
                                             </p:txEl>
                                           </p:spTgt>
                                         </p:tgtEl>
@@ -11477,7 +11852,7 @@
                                         <p:tgtEl>
                                           <p:spTgt spid="3">
                                             <p:txEl>
-                                              <p:pRg st="7" end="7"/>
+                                              <p:pRg st="8" end="8"/>
                                             </p:txEl>
                                           </p:spTgt>
                                         </p:tgtEl>
@@ -11508,7 +11883,7 @@
                                         <p:tgtEl>
                                           <p:spTgt spid="3">
                                             <p:txEl>
-                                              <p:pRg st="7" end="7"/>
+                                              <p:pRg st="8" end="8"/>
                                             </p:txEl>
                                           </p:spTgt>
                                         </p:tgtEl>
@@ -11535,7 +11910,7 @@
                                         <p:tgtEl>
                                           <p:spTgt spid="3">
                                             <p:txEl>
-                                              <p:pRg st="7" end="7"/>
+                                              <p:pRg st="8" end="8"/>
                                             </p:txEl>
                                           </p:spTgt>
                                         </p:tgtEl>
@@ -11566,7 +11941,7 @@
                                         <p:tgtEl>
                                           <p:spTgt spid="3">
                                             <p:txEl>
-                                              <p:pRg st="7" end="7"/>
+                                              <p:pRg st="8" end="8"/>
                                             </p:txEl>
                                           </p:spTgt>
                                         </p:tgtEl>
@@ -11597,7 +11972,7 @@
                                         <p:tgtEl>
                                           <p:spTgt spid="3">
                                             <p:txEl>
-                                              <p:pRg st="7" end="7"/>
+                                              <p:pRg st="8" end="8"/>
                                             </p:txEl>
                                           </p:spTgt>
                                         </p:tgtEl>
@@ -11628,7 +12003,7 @@
                                         <p:tgtEl>
                                           <p:spTgt spid="3">
                                             <p:txEl>
-                                              <p:pRg st="7" end="7"/>
+                                              <p:pRg st="8" end="8"/>
                                             </p:txEl>
                                           </p:spTgt>
                                         </p:tgtEl>
@@ -11659,7 +12034,7 @@
                                         <p:tgtEl>
                                           <p:spTgt spid="3">
                                             <p:txEl>
-                                              <p:pRg st="7" end="7"/>
+                                              <p:pRg st="8" end="8"/>
                                             </p:txEl>
                                           </p:spTgt>
                                         </p:tgtEl>
@@ -11684,7 +12059,7 @@
                                         <p:tgtEl>
                                           <p:spTgt spid="3">
                                             <p:txEl>
-                                              <p:pRg st="8" end="8"/>
+                                              <p:pRg st="9" end="9"/>
                                             </p:txEl>
                                           </p:spTgt>
                                         </p:tgtEl>
@@ -11706,7 +12081,7 @@
                                         <p:tgtEl>
                                           <p:spTgt spid="3">
                                             <p:txEl>
-                                              <p:pRg st="8" end="8"/>
+                                              <p:pRg st="9" end="9"/>
                                             </p:txEl>
                                           </p:spTgt>
                                         </p:tgtEl>
@@ -11737,7 +12112,7 @@
                                         <p:tgtEl>
                                           <p:spTgt spid="3">
                                             <p:txEl>
-                                              <p:pRg st="8" end="8"/>
+                                              <p:pRg st="9" end="9"/>
                                             </p:txEl>
                                           </p:spTgt>
                                         </p:tgtEl>
@@ -11768,7 +12143,7 @@
                                         <p:tgtEl>
                                           <p:spTgt spid="3">
                                             <p:txEl>
-                                              <p:pRg st="8" end="8"/>
+                                              <p:pRg st="9" end="9"/>
                                             </p:txEl>
                                           </p:spTgt>
                                         </p:tgtEl>
@@ -11795,7 +12170,7 @@
                                         <p:tgtEl>
                                           <p:spTgt spid="3">
                                             <p:txEl>
-                                              <p:pRg st="8" end="8"/>
+                                              <p:pRg st="9" end="9"/>
                                             </p:txEl>
                                           </p:spTgt>
                                         </p:tgtEl>
@@ -11826,7 +12201,7 @@
                                         <p:tgtEl>
                                           <p:spTgt spid="3">
                                             <p:txEl>
-                                              <p:pRg st="8" end="8"/>
+                                              <p:pRg st="9" end="9"/>
                                             </p:txEl>
                                           </p:spTgt>
                                         </p:tgtEl>
@@ -11857,7 +12232,7 @@
                                         <p:tgtEl>
                                           <p:spTgt spid="3">
                                             <p:txEl>
-                                              <p:pRg st="8" end="8"/>
+                                              <p:pRg st="9" end="9"/>
                                             </p:txEl>
                                           </p:spTgt>
                                         </p:tgtEl>
@@ -11888,7 +12263,7 @@
                                         <p:tgtEl>
                                           <p:spTgt spid="3">
                                             <p:txEl>
-                                              <p:pRg st="8" end="8"/>
+                                              <p:pRg st="9" end="9"/>
                                             </p:txEl>
                                           </p:spTgt>
                                         </p:tgtEl>
@@ -11919,266 +12294,6 @@
                                         <p:tgtEl>
                                           <p:spTgt spid="3">
                                             <p:txEl>
-                                              <p:pRg st="8" end="8"/>
-                                            </p:txEl>
-                                          </p:spTgt>
-                                        </p:tgtEl>
-                                      </p:cBhvr>
-                                    </p:animEffect>
-                                  </p:childTnLst>
-                                </p:cTn>
-                              </p:par>
-                              <p:par>
-                                <p:cTn id="75" presetID="25" presetClass="entr" presetSubtype="0" fill="hold" nodeType="withEffect">
-                                  <p:stCondLst>
-                                    <p:cond delay="0"/>
-                                  </p:stCondLst>
-                                  <p:childTnLst>
-                                    <p:set>
-                                      <p:cBhvr>
-                                        <p:cTn id="76" dur="1" fill="hold">
-                                          <p:stCondLst>
-                                            <p:cond delay="0"/>
-                                          </p:stCondLst>
-                                        </p:cTn>
-                                        <p:tgtEl>
-                                          <p:spTgt spid="3">
-                                            <p:txEl>
-                                              <p:pRg st="9" end="9"/>
-                                            </p:txEl>
-                                          </p:spTgt>
-                                        </p:tgtEl>
-                                        <p:attrNameLst>
-                                          <p:attrName>style.visibility</p:attrName>
-                                        </p:attrNameLst>
-                                      </p:cBhvr>
-                                      <p:to>
-                                        <p:strVal val="visible"/>
-                                      </p:to>
-                                    </p:set>
-                                    <p:anim calcmode="lin" valueType="num">
-                                      <p:cBhvr>
-                                        <p:cTn id="77" dur="500" decel="50000" fill="hold">
-                                          <p:stCondLst>
-                                            <p:cond delay="0"/>
-                                          </p:stCondLst>
-                                        </p:cTn>
-                                        <p:tgtEl>
-                                          <p:spTgt spid="3">
-                                            <p:txEl>
-                                              <p:pRg st="9" end="9"/>
-                                            </p:txEl>
-                                          </p:spTgt>
-                                        </p:tgtEl>
-                                        <p:attrNameLst>
-                                          <p:attrName>style.rotation</p:attrName>
-                                        </p:attrNameLst>
-                                      </p:cBhvr>
-                                      <p:tavLst>
-                                        <p:tav tm="0">
-                                          <p:val>
-                                            <p:fltVal val="-90"/>
-                                          </p:val>
-                                        </p:tav>
-                                        <p:tav tm="100000">
-                                          <p:val>
-                                            <p:fltVal val="0"/>
-                                          </p:val>
-                                        </p:tav>
-                                      </p:tavLst>
-                                    </p:anim>
-                                    <p:anim calcmode="lin" valueType="num">
-                                      <p:cBhvr>
-                                        <p:cTn id="78" dur="500" decel="50000" fill="hold">
-                                          <p:stCondLst>
-                                            <p:cond delay="0"/>
-                                          </p:stCondLst>
-                                        </p:cTn>
-                                        <p:tgtEl>
-                                          <p:spTgt spid="3">
-                                            <p:txEl>
-                                              <p:pRg st="9" end="9"/>
-                                            </p:txEl>
-                                          </p:spTgt>
-                                        </p:tgtEl>
-                                        <p:attrNameLst>
-                                          <p:attrName>ppt_w</p:attrName>
-                                        </p:attrNameLst>
-                                      </p:cBhvr>
-                                      <p:tavLst>
-                                        <p:tav tm="0">
-                                          <p:val>
-                                            <p:strVal val="#ppt_w"/>
-                                          </p:val>
-                                        </p:tav>
-                                        <p:tav tm="100000">
-                                          <p:val>
-                                            <p:strVal val="#ppt_w*.05"/>
-                                          </p:val>
-                                        </p:tav>
-                                      </p:tavLst>
-                                    </p:anim>
-                                    <p:anim calcmode="lin" valueType="num">
-                                      <p:cBhvr>
-                                        <p:cTn id="79" dur="500" accel="50000" fill="hold">
-                                          <p:stCondLst>
-                                            <p:cond delay="500"/>
-                                          </p:stCondLst>
-                                        </p:cTn>
-                                        <p:tgtEl>
-                                          <p:spTgt spid="3">
-                                            <p:txEl>
-                                              <p:pRg st="9" end="9"/>
-                                            </p:txEl>
-                                          </p:spTgt>
-                                        </p:tgtEl>
-                                        <p:attrNameLst>
-                                          <p:attrName>ppt_w</p:attrName>
-                                        </p:attrNameLst>
-                                      </p:cBhvr>
-                                      <p:tavLst>
-                                        <p:tav tm="0">
-                                          <p:val>
-                                            <p:strVal val="#ppt_w*.05"/>
-                                          </p:val>
-                                        </p:tav>
-                                        <p:tav tm="100000">
-                                          <p:val>
-                                            <p:strVal val="#ppt_w"/>
-                                          </p:val>
-                                        </p:tav>
-                                      </p:tavLst>
-                                    </p:anim>
-                                    <p:anim calcmode="lin" valueType="num">
-                                      <p:cBhvr>
-                                        <p:cTn id="80" dur="1000" fill="hold"/>
-                                        <p:tgtEl>
-                                          <p:spTgt spid="3">
-                                            <p:txEl>
-                                              <p:pRg st="9" end="9"/>
-                                            </p:txEl>
-                                          </p:spTgt>
-                                        </p:tgtEl>
-                                        <p:attrNameLst>
-                                          <p:attrName>ppt_h</p:attrName>
-                                        </p:attrNameLst>
-                                      </p:cBhvr>
-                                      <p:tavLst>
-                                        <p:tav tm="0">
-                                          <p:val>
-                                            <p:strVal val="#ppt_h"/>
-                                          </p:val>
-                                        </p:tav>
-                                        <p:tav tm="100000">
-                                          <p:val>
-                                            <p:strVal val="#ppt_h"/>
-                                          </p:val>
-                                        </p:tav>
-                                      </p:tavLst>
-                                    </p:anim>
-                                    <p:anim calcmode="lin" valueType="num">
-                                      <p:cBhvr>
-                                        <p:cTn id="81" dur="500" decel="50000" fill="hold">
-                                          <p:stCondLst>
-                                            <p:cond delay="0"/>
-                                          </p:stCondLst>
-                                        </p:cTn>
-                                        <p:tgtEl>
-                                          <p:spTgt spid="3">
-                                            <p:txEl>
-                                              <p:pRg st="9" end="9"/>
-                                            </p:txEl>
-                                          </p:spTgt>
-                                        </p:tgtEl>
-                                        <p:attrNameLst>
-                                          <p:attrName>ppt_x</p:attrName>
-                                        </p:attrNameLst>
-                                      </p:cBhvr>
-                                      <p:tavLst>
-                                        <p:tav tm="0">
-                                          <p:val>
-                                            <p:strVal val="#ppt_x+.4"/>
-                                          </p:val>
-                                        </p:tav>
-                                        <p:tav tm="100000">
-                                          <p:val>
-                                            <p:strVal val="#ppt_x"/>
-                                          </p:val>
-                                        </p:tav>
-                                      </p:tavLst>
-                                    </p:anim>
-                                    <p:anim calcmode="lin" valueType="num">
-                                      <p:cBhvr>
-                                        <p:cTn id="82" dur="500" decel="50000" fill="hold">
-                                          <p:stCondLst>
-                                            <p:cond delay="0"/>
-                                          </p:stCondLst>
-                                        </p:cTn>
-                                        <p:tgtEl>
-                                          <p:spTgt spid="3">
-                                            <p:txEl>
-                                              <p:pRg st="9" end="9"/>
-                                            </p:txEl>
-                                          </p:spTgt>
-                                        </p:tgtEl>
-                                        <p:attrNameLst>
-                                          <p:attrName>ppt_y</p:attrName>
-                                        </p:attrNameLst>
-                                      </p:cBhvr>
-                                      <p:tavLst>
-                                        <p:tav tm="0">
-                                          <p:val>
-                                            <p:strVal val="#ppt_y-.2"/>
-                                          </p:val>
-                                        </p:tav>
-                                        <p:tav tm="100000">
-                                          <p:val>
-                                            <p:strVal val="#ppt_y+.1"/>
-                                          </p:val>
-                                        </p:tav>
-                                      </p:tavLst>
-                                    </p:anim>
-                                    <p:anim calcmode="lin" valueType="num">
-                                      <p:cBhvr>
-                                        <p:cTn id="83" dur="500" accel="50000" fill="hold">
-                                          <p:stCondLst>
-                                            <p:cond delay="500"/>
-                                          </p:stCondLst>
-                                        </p:cTn>
-                                        <p:tgtEl>
-                                          <p:spTgt spid="3">
-                                            <p:txEl>
-                                              <p:pRg st="9" end="9"/>
-                                            </p:txEl>
-                                          </p:spTgt>
-                                        </p:tgtEl>
-                                        <p:attrNameLst>
-                                          <p:attrName>ppt_y</p:attrName>
-                                        </p:attrNameLst>
-                                      </p:cBhvr>
-                                      <p:tavLst>
-                                        <p:tav tm="0">
-                                          <p:val>
-                                            <p:strVal val="#ppt_y+.1"/>
-                                          </p:val>
-                                        </p:tav>
-                                        <p:tav tm="100000">
-                                          <p:val>
-                                            <p:strVal val="#ppt_y"/>
-                                          </p:val>
-                                        </p:tav>
-                                      </p:tavLst>
-                                    </p:anim>
-                                    <p:animEffect transition="in" filter="fade">
-                                      <p:cBhvr>
-                                        <p:cTn id="84" dur="1000" decel="50000">
-                                          <p:stCondLst>
-                                            <p:cond delay="0"/>
-                                          </p:stCondLst>
-                                        </p:cTn>
-                                        <p:tgtEl>
-                                          <p:spTgt spid="3">
-                                            <p:txEl>
                                               <p:pRg st="9" end="9"/>
                                             </p:txEl>
                                           </p:spTgt>
@@ -12195,26 +12310,26 @@
                     </p:cTn>
                   </p:par>
                   <p:par>
-                    <p:cTn id="85" fill="hold">
+                    <p:cTn id="75" fill="hold">
                       <p:stCondLst>
                         <p:cond delay="indefinite"/>
                       </p:stCondLst>
                       <p:childTnLst>
                         <p:par>
-                          <p:cTn id="86" fill="hold">
+                          <p:cTn id="76" fill="hold">
                             <p:stCondLst>
                               <p:cond delay="0"/>
                             </p:stCondLst>
                             <p:childTnLst>
                               <p:par>
-                                <p:cTn id="87" presetID="1" presetClass="entr" presetSubtype="0" fill="hold" grpId="0" nodeType="clickEffect">
+                                <p:cTn id="77" presetID="1" presetClass="entr" presetSubtype="0" fill="hold" grpId="0" nodeType="clickEffect">
                                   <p:stCondLst>
                                     <p:cond delay="0"/>
                                   </p:stCondLst>
                                   <p:childTnLst>
                                     <p:set>
                                       <p:cBhvr>
-                                        <p:cTn id="88" dur="1" fill="hold">
+                                        <p:cTn id="78" dur="1" fill="hold">
                                           <p:stCondLst>
                                             <p:cond delay="0"/>
                                           </p:stCondLst>
@@ -12234,14 +12349,14 @@
                                 </p:cTn>
                               </p:par>
                               <p:par>
-                                <p:cTn id="89" presetID="1" presetClass="entr" presetSubtype="0" fill="hold" grpId="0" nodeType="withEffect">
+                                <p:cTn id="79" presetID="1" presetClass="entr" presetSubtype="0" fill="hold" grpId="0" nodeType="withEffect">
                                   <p:stCondLst>
                                     <p:cond delay="0"/>
                                   </p:stCondLst>
                                   <p:childTnLst>
                                     <p:set>
                                       <p:cBhvr>
-                                        <p:cTn id="90" dur="1" fill="hold">
+                                        <p:cTn id="80" dur="1" fill="hold">
                                           <p:stCondLst>
                                             <p:cond delay="0"/>
                                           </p:stCondLst>
@@ -12261,14 +12376,14 @@
                                 </p:cTn>
                               </p:par>
                               <p:par>
-                                <p:cTn id="91" presetID="1" presetClass="entr" presetSubtype="0" fill="hold" grpId="0" nodeType="withEffect">
+                                <p:cTn id="81" presetID="1" presetClass="entr" presetSubtype="0" fill="hold" grpId="0" nodeType="withEffect">
                                   <p:stCondLst>
                                     <p:cond delay="0"/>
                                   </p:stCondLst>
                                   <p:childTnLst>
                                     <p:set>
                                       <p:cBhvr>
-                                        <p:cTn id="92" dur="1" fill="hold">
+                                        <p:cTn id="82" dur="1" fill="hold">
                                           <p:stCondLst>
                                             <p:cond delay="0"/>
                                           </p:stCondLst>
@@ -12288,14 +12403,14 @@
                                 </p:cTn>
                               </p:par>
                               <p:par>
-                                <p:cTn id="93" presetID="1" presetClass="entr" presetSubtype="0" fill="hold" grpId="0" nodeType="withEffect">
+                                <p:cTn id="83" presetID="1" presetClass="entr" presetSubtype="0" fill="hold" grpId="0" nodeType="withEffect">
                                   <p:stCondLst>
                                     <p:cond delay="0"/>
                                   </p:stCondLst>
                                   <p:childTnLst>
                                     <p:set>
                                       <p:cBhvr>
-                                        <p:cTn id="94" dur="1" fill="hold">
+                                        <p:cTn id="84" dur="1" fill="hold">
                                           <p:stCondLst>
                                             <p:cond delay="0"/>
                                           </p:stCondLst>
@@ -12315,14 +12430,14 @@
                                 </p:cTn>
                               </p:par>
                               <p:par>
-                                <p:cTn id="95" presetID="1" presetClass="entr" presetSubtype="0" fill="hold" grpId="0" nodeType="withEffect">
+                                <p:cTn id="85" presetID="1" presetClass="entr" presetSubtype="0" fill="hold" grpId="0" nodeType="withEffect">
                                   <p:stCondLst>
                                     <p:cond delay="0"/>
                                   </p:stCondLst>
                                   <p:childTnLst>
                                     <p:set>
                                       <p:cBhvr>
-                                        <p:cTn id="96" dur="1" fill="hold">
+                                        <p:cTn id="86" dur="1" fill="hold">
                                           <p:stCondLst>
                                             <p:cond delay="0"/>
                                           </p:stCondLst>
@@ -12342,14 +12457,14 @@
                                 </p:cTn>
                               </p:par>
                               <p:par>
-                                <p:cTn id="97" presetID="1" presetClass="entr" presetSubtype="0" fill="hold" grpId="0" nodeType="withEffect">
+                                <p:cTn id="87" presetID="1" presetClass="entr" presetSubtype="0" fill="hold" grpId="0" nodeType="withEffect">
                                   <p:stCondLst>
                                     <p:cond delay="0"/>
                                   </p:stCondLst>
                                   <p:childTnLst>
                                     <p:set>
                                       <p:cBhvr>
-                                        <p:cTn id="98" dur="1" fill="hold">
+                                        <p:cTn id="88" dur="1" fill="hold">
                                           <p:stCondLst>
                                             <p:cond delay="0"/>
                                           </p:stCondLst>
@@ -12426,25 +12541,6 @@
       </p:grpSpPr>
       <p:sp>
         <p:nvSpPr>
-          <p:cNvPr id="5" name="Content Placeholder 4"/>
-          <p:cNvSpPr>
-            <a:spLocks noGrp="1"/>
-          </p:cNvSpPr>
-          <p:nvPr>
-            <p:ph idx="1"/>
-          </p:nvPr>
-        </p:nvSpPr>
-        <p:spPr/>
-        <p:txBody>
-          <a:bodyPr/>
-          <a:lstStyle/>
-          <a:p>
-            <a:endParaRPr lang="fa-IR" dirty="0"/>
-          </a:p>
-        </p:txBody>
-      </p:sp>
-      <p:sp>
-        <p:nvSpPr>
           <p:cNvPr id="2" name="Title 1"/>
           <p:cNvSpPr>
             <a:spLocks noGrp="1"/>
@@ -12467,6 +12563,156 @@
               <a:t>sections</a:t>
             </a:r>
             <a:endParaRPr lang="fa-IR" dirty="0"/>
+          </a:p>
+        </p:txBody>
+      </p:sp>
+      <p:sp>
+        <p:nvSpPr>
+          <p:cNvPr id="3" name="Content Placeholder 2"/>
+          <p:cNvSpPr>
+            <a:spLocks noGrp="1"/>
+          </p:cNvSpPr>
+          <p:nvPr>
+            <p:ph idx="1"/>
+          </p:nvPr>
+        </p:nvSpPr>
+        <p:spPr>
+          <a:xfrm>
+            <a:off x="3714007" y="1825622"/>
+            <a:ext cx="7640782" cy="4769139"/>
+          </a:xfrm>
+        </p:spPr>
+        <p:txBody>
+          <a:bodyPr>
+            <a:normAutofit/>
+          </a:bodyPr>
+          <a:lstStyle/>
+          <a:p>
+            <a:pPr marL="0" indent="0" algn="l" rtl="0">
+              <a:buNone/>
+            </a:pPr>
+            <a:endParaRPr lang="en-US" dirty="0" smtClean="0">
+              <a:solidFill>
+                <a:srgbClr val="7030A0"/>
+              </a:solidFill>
+            </a:endParaRPr>
+          </a:p>
+          <a:p>
+            <a:pPr marL="0" indent="0" algn="l" rtl="0">
+              <a:buNone/>
+            </a:pPr>
+            <a:r>
+              <a:rPr lang="en-US" sz="5000" dirty="0">
+                <a:solidFill>
+                  <a:srgbClr val="7030A0"/>
+                </a:solidFill>
+              </a:rPr>
+              <a:t>Starting State</a:t>
+            </a:r>
+          </a:p>
+          <a:p>
+            <a:pPr marL="0" indent="0" algn="l" rtl="0">
+              <a:buNone/>
+            </a:pPr>
+            <a:endParaRPr lang="en-US" dirty="0" smtClean="0"/>
+          </a:p>
+          <a:p>
+            <a:pPr marL="0" indent="0" algn="l" rtl="0">
+              <a:buNone/>
+            </a:pPr>
+            <a:endParaRPr lang="en-US" sz="2000" dirty="0" smtClean="0">
+              <a:solidFill>
+                <a:schemeClr val="accent2">
+                  <a:lumMod val="75000"/>
+                </a:schemeClr>
+              </a:solidFill>
+            </a:endParaRPr>
+          </a:p>
+          <a:p>
+            <a:pPr marL="0" indent="0" algn="l" rtl="0">
+              <a:buNone/>
+            </a:pPr>
+            <a:r>
+              <a:rPr lang="en-US" sz="5000" dirty="0" smtClean="0">
+                <a:solidFill>
+                  <a:schemeClr val="accent2">
+                    <a:lumMod val="75000"/>
+                  </a:schemeClr>
+                </a:solidFill>
+              </a:rPr>
+              <a:t>What </a:t>
+            </a:r>
+            <a:r>
+              <a:rPr lang="en-US" sz="5000" dirty="0">
+                <a:solidFill>
+                  <a:schemeClr val="accent2">
+                    <a:lumMod val="75000"/>
+                  </a:schemeClr>
+                </a:solidFill>
+              </a:rPr>
+              <a:t>the user </a:t>
+            </a:r>
+            <a:r>
+              <a:rPr lang="en-US" sz="5000" dirty="0">
+                <a:solidFill>
+                  <a:schemeClr val="accent2">
+                    <a:lumMod val="75000"/>
+                  </a:schemeClr>
+                </a:solidFill>
+              </a:rPr>
+              <a:t>does</a:t>
+            </a:r>
+            <a:endParaRPr lang="en-US" sz="5000" dirty="0">
+              <a:solidFill>
+                <a:schemeClr val="accent2">
+                  <a:lumMod val="75000"/>
+                </a:schemeClr>
+              </a:solidFill>
+            </a:endParaRPr>
+          </a:p>
+          <a:p>
+            <a:pPr marL="0" indent="0" algn="l" rtl="0">
+              <a:buNone/>
+            </a:pPr>
+            <a:endParaRPr lang="en-US" sz="3000" dirty="0" smtClean="0">
+              <a:solidFill>
+                <a:schemeClr val="accent2">
+                  <a:lumMod val="50000"/>
+                </a:schemeClr>
+              </a:solidFill>
+            </a:endParaRPr>
+          </a:p>
+          <a:p>
+            <a:pPr marL="0" indent="0" algn="l" rtl="0">
+              <a:buNone/>
+            </a:pPr>
+            <a:r>
+              <a:rPr lang="en-US" sz="5000" dirty="0" smtClean="0">
+                <a:solidFill>
+                  <a:schemeClr val="accent2">
+                    <a:lumMod val="50000"/>
+                  </a:schemeClr>
+                </a:solidFill>
+              </a:rPr>
+              <a:t>The </a:t>
+            </a:r>
+            <a:r>
+              <a:rPr lang="en-US" sz="5000" dirty="0">
+                <a:solidFill>
+                  <a:schemeClr val="accent2">
+                    <a:lumMod val="50000"/>
+                  </a:schemeClr>
+                </a:solidFill>
+              </a:rPr>
+              <a:t>expected results</a:t>
+            </a:r>
+            <a:endParaRPr lang="fa-IR" sz="5000" dirty="0">
+              <a:solidFill>
+                <a:schemeClr val="accent2">
+                  <a:lumMod val="50000"/>
+                </a:schemeClr>
+              </a:solidFill>
+            </a:endParaRPr>
           </a:p>
         </p:txBody>
       </p:sp>
@@ -12812,7 +13058,7 @@
         </p:nvSpPr>
         <p:spPr>
           <a:xfrm>
-            <a:off x="2881746" y="5149844"/>
+            <a:off x="2881746" y="5123721"/>
             <a:ext cx="831272" cy="1444918"/>
           </a:xfrm>
           <a:prstGeom prst="leftBrace">
@@ -13093,7 +13339,7 @@
         </p:nvSpPr>
         <p:spPr>
           <a:xfrm>
-            <a:off x="1205346" y="5125746"/>
+            <a:off x="1205345" y="5094147"/>
             <a:ext cx="1676400" cy="1305504"/>
           </a:xfrm>
           <a:prstGeom prst="rect">
@@ -13314,284 +13560,23 @@
           </a:p>
         </p:txBody>
       </p:sp>
-      <p:sp>
-        <p:nvSpPr>
-          <p:cNvPr id="11" name="Content Placeholder 2"/>
-          <p:cNvSpPr txBox="1">
-            <a:spLocks/>
-          </p:cNvSpPr>
-          <p:nvPr/>
-        </p:nvSpPr>
-        <p:spPr>
-          <a:xfrm>
-            <a:off x="3711038" y="2306528"/>
-            <a:ext cx="7640782" cy="4769139"/>
-          </a:xfrm>
-          <a:prstGeom prst="rect">
-            <a:avLst/>
-          </a:prstGeom>
-        </p:spPr>
-        <p:txBody>
-          <a:bodyPr vert="horz" lIns="91440" tIns="45720" rIns="91440" bIns="45720" rtlCol="0">
-            <a:normAutofit/>
-          </a:bodyPr>
-          <a:lstStyle>
-            <a:lvl1pPr marL="228600" indent="-228600" algn="r" defTabSz="914400" rtl="1" eaLnBrk="1" latinLnBrk="0" hangingPunct="1">
-              <a:lnSpc>
-                <a:spcPct val="90000"/>
-              </a:lnSpc>
-              <a:spcBef>
-                <a:spcPts val="1000"/>
-              </a:spcBef>
-              <a:buFont typeface="Arial" panose="020B0604020202020204" pitchFamily="34" charset="0"/>
-              <a:buChar char="•"/>
-              <a:defRPr sz="2800" kern="1200">
-                <a:solidFill>
-                  <a:schemeClr val="tx1"/>
-                </a:solidFill>
-                <a:latin typeface="+mn-lt"/>
-                <a:ea typeface="+mn-ea"/>
-                <a:cs typeface="+mn-cs"/>
-              </a:defRPr>
-            </a:lvl1pPr>
-            <a:lvl2pPr marL="685800" indent="-228600" algn="r" defTabSz="914400" rtl="1" eaLnBrk="1" latinLnBrk="0" hangingPunct="1">
-              <a:lnSpc>
-                <a:spcPct val="90000"/>
-              </a:lnSpc>
-              <a:spcBef>
-                <a:spcPts val="500"/>
-              </a:spcBef>
-              <a:buFont typeface="Arial" panose="020B0604020202020204" pitchFamily="34" charset="0"/>
-              <a:buChar char="•"/>
-              <a:defRPr sz="2400" kern="1200">
-                <a:solidFill>
-                  <a:schemeClr val="tx1"/>
-                </a:solidFill>
-                <a:latin typeface="+mn-lt"/>
-                <a:ea typeface="+mn-ea"/>
-                <a:cs typeface="+mn-cs"/>
-              </a:defRPr>
-            </a:lvl2pPr>
-            <a:lvl3pPr marL="1143000" indent="-228600" algn="r" defTabSz="914400" rtl="1" eaLnBrk="1" latinLnBrk="0" hangingPunct="1">
-              <a:lnSpc>
-                <a:spcPct val="90000"/>
-              </a:lnSpc>
-              <a:spcBef>
-                <a:spcPts val="500"/>
-              </a:spcBef>
-              <a:buFont typeface="Arial" panose="020B0604020202020204" pitchFamily="34" charset="0"/>
-              <a:buChar char="•"/>
-              <a:defRPr sz="2000" kern="1200">
-                <a:solidFill>
-                  <a:schemeClr val="tx1"/>
-                </a:solidFill>
-                <a:latin typeface="+mn-lt"/>
-                <a:ea typeface="+mn-ea"/>
-                <a:cs typeface="+mn-cs"/>
-              </a:defRPr>
-            </a:lvl3pPr>
-            <a:lvl4pPr marL="1600200" indent="-228600" algn="r" defTabSz="914400" rtl="1" eaLnBrk="1" latinLnBrk="0" hangingPunct="1">
-              <a:lnSpc>
-                <a:spcPct val="90000"/>
-              </a:lnSpc>
-              <a:spcBef>
-                <a:spcPts val="500"/>
-              </a:spcBef>
-              <a:buFont typeface="Arial" panose="020B0604020202020204" pitchFamily="34" charset="0"/>
-              <a:buChar char="•"/>
-              <a:defRPr sz="1800" kern="1200">
-                <a:solidFill>
-                  <a:schemeClr val="tx1"/>
-                </a:solidFill>
-                <a:latin typeface="+mn-lt"/>
-                <a:ea typeface="+mn-ea"/>
-                <a:cs typeface="+mn-cs"/>
-              </a:defRPr>
-            </a:lvl4pPr>
-            <a:lvl5pPr marL="2057400" indent="-228600" algn="r" defTabSz="914400" rtl="1" eaLnBrk="1" latinLnBrk="0" hangingPunct="1">
-              <a:lnSpc>
-                <a:spcPct val="90000"/>
-              </a:lnSpc>
-              <a:spcBef>
-                <a:spcPts val="500"/>
-              </a:spcBef>
-              <a:buFont typeface="Arial" panose="020B0604020202020204" pitchFamily="34" charset="0"/>
-              <a:buChar char="•"/>
-              <a:defRPr sz="1800" kern="1200">
-                <a:solidFill>
-                  <a:schemeClr val="tx1"/>
-                </a:solidFill>
-                <a:latin typeface="+mn-lt"/>
-                <a:ea typeface="+mn-ea"/>
-                <a:cs typeface="+mn-cs"/>
-              </a:defRPr>
-            </a:lvl5pPr>
-            <a:lvl6pPr marL="2514600" indent="-228600" algn="r" defTabSz="914400" rtl="1" eaLnBrk="1" latinLnBrk="0" hangingPunct="1">
-              <a:lnSpc>
-                <a:spcPct val="90000"/>
-              </a:lnSpc>
-              <a:spcBef>
-                <a:spcPts val="500"/>
-              </a:spcBef>
-              <a:buFont typeface="Arial" panose="020B0604020202020204" pitchFamily="34" charset="0"/>
-              <a:buChar char="•"/>
-              <a:defRPr sz="1800" kern="1200">
-                <a:solidFill>
-                  <a:schemeClr val="tx1"/>
-                </a:solidFill>
-                <a:latin typeface="+mn-lt"/>
-                <a:ea typeface="+mn-ea"/>
-                <a:cs typeface="+mn-cs"/>
-              </a:defRPr>
-            </a:lvl6pPr>
-            <a:lvl7pPr marL="2971800" indent="-228600" algn="r" defTabSz="914400" rtl="1" eaLnBrk="1" latinLnBrk="0" hangingPunct="1">
-              <a:lnSpc>
-                <a:spcPct val="90000"/>
-              </a:lnSpc>
-              <a:spcBef>
-                <a:spcPts val="500"/>
-              </a:spcBef>
-              <a:buFont typeface="Arial" panose="020B0604020202020204" pitchFamily="34" charset="0"/>
-              <a:buChar char="•"/>
-              <a:defRPr sz="1800" kern="1200">
-                <a:solidFill>
-                  <a:schemeClr val="tx1"/>
-                </a:solidFill>
-                <a:latin typeface="+mn-lt"/>
-                <a:ea typeface="+mn-ea"/>
-                <a:cs typeface="+mn-cs"/>
-              </a:defRPr>
-            </a:lvl7pPr>
-            <a:lvl8pPr marL="3429000" indent="-228600" algn="r" defTabSz="914400" rtl="1" eaLnBrk="1" latinLnBrk="0" hangingPunct="1">
-              <a:lnSpc>
-                <a:spcPct val="90000"/>
-              </a:lnSpc>
-              <a:spcBef>
-                <a:spcPts val="500"/>
-              </a:spcBef>
-              <a:buFont typeface="Arial" panose="020B0604020202020204" pitchFamily="34" charset="0"/>
-              <a:buChar char="•"/>
-              <a:defRPr sz="1800" kern="1200">
-                <a:solidFill>
-                  <a:schemeClr val="tx1"/>
-                </a:solidFill>
-                <a:latin typeface="+mn-lt"/>
-                <a:ea typeface="+mn-ea"/>
-                <a:cs typeface="+mn-cs"/>
-              </a:defRPr>
-            </a:lvl8pPr>
-            <a:lvl9pPr marL="3886200" indent="-228600" algn="r" defTabSz="914400" rtl="1" eaLnBrk="1" latinLnBrk="0" hangingPunct="1">
-              <a:lnSpc>
-                <a:spcPct val="90000"/>
-              </a:lnSpc>
-              <a:spcBef>
-                <a:spcPts val="500"/>
-              </a:spcBef>
-              <a:buFont typeface="Arial" panose="020B0604020202020204" pitchFamily="34" charset="0"/>
-              <a:buChar char="•"/>
-              <a:defRPr sz="1800" kern="1200">
-                <a:solidFill>
-                  <a:schemeClr val="tx1"/>
-                </a:solidFill>
-                <a:latin typeface="+mn-lt"/>
-                <a:ea typeface="+mn-ea"/>
-                <a:cs typeface="+mn-cs"/>
-              </a:defRPr>
-            </a:lvl9pPr>
-          </a:lstStyle>
-          <a:p>
-            <a:pPr marL="0" indent="0" algn="l" rtl="0">
-              <a:buFont typeface="Arial" panose="020B0604020202020204" pitchFamily="34" charset="0"/>
-              <a:buNone/>
-            </a:pPr>
-            <a:r>
-              <a:rPr lang="en-US" sz="5000" dirty="0" smtClean="0">
-                <a:solidFill>
-                  <a:srgbClr val="7030A0"/>
-                </a:solidFill>
-              </a:rPr>
-              <a:t>Starting State</a:t>
-            </a:r>
-          </a:p>
-          <a:p>
-            <a:pPr marL="0" indent="0" algn="l" rtl="0">
-              <a:buFont typeface="Arial" panose="020B0604020202020204" pitchFamily="34" charset="0"/>
-              <a:buNone/>
-            </a:pPr>
-            <a:endParaRPr lang="en-US" dirty="0" smtClean="0"/>
-          </a:p>
-          <a:p>
-            <a:pPr marL="0" indent="0" algn="l" rtl="0">
-              <a:buFont typeface="Arial" panose="020B0604020202020204" pitchFamily="34" charset="0"/>
-              <a:buNone/>
-            </a:pPr>
-            <a:endParaRPr lang="en-US" dirty="0" smtClean="0"/>
-          </a:p>
-          <a:p>
-            <a:pPr marL="0" indent="0" algn="l" rtl="0">
-              <a:buFont typeface="Arial" panose="020B0604020202020204" pitchFamily="34" charset="0"/>
-              <a:buNone/>
-            </a:pPr>
-            <a:r>
-              <a:rPr lang="en-US" sz="5000" dirty="0" smtClean="0">
-                <a:solidFill>
-                  <a:schemeClr val="accent2">
-                    <a:lumMod val="75000"/>
-                  </a:schemeClr>
-                </a:solidFill>
-              </a:rPr>
-              <a:t>What the user does</a:t>
-            </a:r>
-          </a:p>
-          <a:p>
-            <a:pPr marL="0" indent="0" algn="l" rtl="0">
-              <a:buFont typeface="Arial" panose="020B0604020202020204" pitchFamily="34" charset="0"/>
-              <a:buNone/>
-            </a:pPr>
-            <a:endParaRPr lang="en-US" dirty="0" smtClean="0"/>
-          </a:p>
-          <a:p>
-            <a:pPr marL="0" indent="0" algn="l" rtl="0">
-              <a:buFont typeface="Arial" panose="020B0604020202020204" pitchFamily="34" charset="0"/>
-              <a:buNone/>
-            </a:pPr>
-            <a:r>
-              <a:rPr lang="en-US" sz="5000" dirty="0" smtClean="0">
-                <a:solidFill>
-                  <a:schemeClr val="accent2">
-                    <a:lumMod val="50000"/>
-                  </a:schemeClr>
-                </a:solidFill>
-              </a:rPr>
-              <a:t>The expected results</a:t>
-            </a:r>
-            <a:endParaRPr lang="fa-IR" sz="5000" dirty="0">
-              <a:solidFill>
-                <a:schemeClr val="accent2">
-                  <a:lumMod val="50000"/>
-                </a:schemeClr>
-              </a:solidFill>
-            </a:endParaRPr>
-          </a:p>
-        </p:txBody>
-      </p:sp>
     </p:spTree>
     <p:extLst>
       <p:ext uri="{BB962C8B-B14F-4D97-AF65-F5344CB8AC3E}">
-        <p14:creationId xmlns:p14="http://schemas.microsoft.com/office/powerpoint/2010/main" val="332488165"/>
+        <p14:creationId xmlns:p14="http://schemas.microsoft.com/office/powerpoint/2010/main" val="2035936229"/>
       </p:ext>
     </p:extLst>
   </p:cSld>
   <p:clrMapOvr>
     <a:masterClrMapping/>
   </p:clrMapOvr>
-  <mc:AlternateContent xmlns:mc="http://schemas.openxmlformats.org/markup-compatibility/2006" xmlns:p14="http://schemas.microsoft.com/office/powerpoint/2010/main">
-    <mc:Choice Requires="p14">
+  <mc:AlternateContent xmlns:mc="http://schemas.openxmlformats.org/markup-compatibility/2006">
+    <mc:Choice xmlns:p14="http://schemas.microsoft.com/office/powerpoint/2010/main" Requires="p14">
       <p:transition spd="med" p14:dur="700">
         <p:fade/>
       </p:transition>
     </mc:Choice>
-    <mc:Fallback xmlns="">
+    <mc:Fallback>
       <p:transition spd="med">
         <p:fade/>
       </p:transition>
@@ -13634,9 +13619,9 @@
                                           </p:stCondLst>
                                         </p:cTn>
                                         <p:tgtEl>
-                                          <p:spTgt spid="11">
+                                          <p:spTgt spid="3">
                                             <p:txEl>
-                                              <p:pRg st="0" end="0"/>
+                                              <p:pRg st="1" end="1"/>
                                             </p:txEl>
                                           </p:spTgt>
                                         </p:tgtEl>
@@ -13652,9 +13637,9 @@
                                       <p:cBhvr>
                                         <p:cTn id="7" dur="500"/>
                                         <p:tgtEl>
-                                          <p:spTgt spid="11">
+                                          <p:spTgt spid="3">
                                             <p:txEl>
-                                              <p:pRg st="0" end="0"/>
+                                              <p:pRg st="1" end="1"/>
                                             </p:txEl>
                                           </p:spTgt>
                                         </p:tgtEl>
@@ -13677,9 +13662,9 @@
                                           </p:stCondLst>
                                         </p:cTn>
                                         <p:tgtEl>
-                                          <p:spTgt spid="11">
+                                          <p:spTgt spid="3">
                                             <p:txEl>
-                                              <p:pRg st="3" end="3"/>
+                                              <p:pRg st="4" end="4"/>
                                             </p:txEl>
                                           </p:spTgt>
                                         </p:tgtEl>
@@ -13695,9 +13680,9 @@
                                       <p:cBhvr>
                                         <p:cTn id="10" dur="500"/>
                                         <p:tgtEl>
-                                          <p:spTgt spid="11">
+                                          <p:spTgt spid="3">
                                             <p:txEl>
-                                              <p:pRg st="3" end="3"/>
+                                              <p:pRg st="4" end="4"/>
                                             </p:txEl>
                                           </p:spTgt>
                                         </p:tgtEl>
@@ -13720,9 +13705,9 @@
                                           </p:stCondLst>
                                         </p:cTn>
                                         <p:tgtEl>
-                                          <p:spTgt spid="11">
+                                          <p:spTgt spid="3">
                                             <p:txEl>
-                                              <p:pRg st="5" end="5"/>
+                                              <p:pRg st="6" end="6"/>
                                             </p:txEl>
                                           </p:spTgt>
                                         </p:tgtEl>
@@ -13738,9 +13723,9 @@
                                       <p:cBhvr>
                                         <p:cTn id="13" dur="500"/>
                                         <p:tgtEl>
-                                          <p:spTgt spid="11">
+                                          <p:spTgt spid="3">
                                             <p:txEl>
-                                              <p:pRg st="5" end="5"/>
+                                              <p:pRg st="6" end="6"/>
                                             </p:txEl>
                                           </p:spTgt>
                                         </p:tgtEl>
@@ -15424,7 +15409,7 @@
           </a:ln>
           <a:extLst>
             <a:ext uri="{C572A759-6A51-4108-AA02-DFA0A04FC94B}">
-              <ma14:wrappingTextBoxFlag xmlns:ma14="http://schemas.microsoft.com/office/mac/drawingml/2011/main" xmlns="" val="1"/>
+              <ma14:wrappingTextBoxFlag xmlns="" xmlns:ma14="http://schemas.microsoft.com/office/mac/drawingml/2011/main" val="1"/>
             </a:ext>
           </a:extLst>
         </p:spPr>
@@ -16204,13 +16189,13 @@
   <p:clrMapOvr>
     <a:masterClrMapping/>
   </p:clrMapOvr>
-  <mc:AlternateContent xmlns:mc="http://schemas.openxmlformats.org/markup-compatibility/2006">
-    <mc:Choice xmlns:p14="http://schemas.microsoft.com/office/powerpoint/2010/main" Requires="p14">
+  <mc:AlternateContent xmlns:mc="http://schemas.openxmlformats.org/markup-compatibility/2006" xmlns:p14="http://schemas.microsoft.com/office/powerpoint/2010/main">
+    <mc:Choice Requires="p14">
       <p:transition spd="med" p14:dur="700">
         <p:fade/>
       </p:transition>
     </mc:Choice>
-    <mc:Fallback>
+    <mc:Fallback xmlns="">
       <p:transition spd="med">
         <p:fade/>
       </p:transition>
@@ -16332,13 +16317,13 @@
   <p:clrMapOvr>
     <a:masterClrMapping/>
   </p:clrMapOvr>
-  <mc:AlternateContent xmlns:mc="http://schemas.openxmlformats.org/markup-compatibility/2006">
-    <mc:Choice xmlns:p14="http://schemas.microsoft.com/office/powerpoint/2010/main" Requires="p14">
+  <mc:AlternateContent xmlns:mc="http://schemas.openxmlformats.org/markup-compatibility/2006" xmlns:p14="http://schemas.microsoft.com/office/powerpoint/2010/main">
+    <mc:Choice Requires="p14">
       <p:transition spd="med" p14:dur="700">
         <p:fade/>
       </p:transition>
     </mc:Choice>
-    <mc:Fallback>
+    <mc:Fallback xmlns="">
       <p:transition spd="med">
         <p:fade/>
       </p:transition>
@@ -16390,7 +16375,7 @@
           </a:ln>
           <a:extLst>
             <a:ext uri="{C572A759-6A51-4108-AA02-DFA0A04FC94B}">
-              <ma14:wrappingTextBoxFlag xmlns:ma14="http://schemas.microsoft.com/office/mac/drawingml/2011/main" xmlns="" val="1"/>
+              <ma14:wrappingTextBoxFlag xmlns="" xmlns:ma14="http://schemas.microsoft.com/office/mac/drawingml/2011/main" val="1"/>
             </a:ext>
           </a:extLst>
         </p:spPr>
@@ -17072,7 +17057,7 @@
           </a:ln>
           <a:extLst>
             <a:ext uri="{C572A759-6A51-4108-AA02-DFA0A04FC94B}">
-              <ma14:wrappingTextBoxFlag xmlns:ma14="http://schemas.microsoft.com/office/mac/drawingml/2011/main" xmlns="" val="1"/>
+              <ma14:wrappingTextBoxFlag xmlns="" xmlns:ma14="http://schemas.microsoft.com/office/mac/drawingml/2011/main" val="1"/>
             </a:ext>
           </a:extLst>
         </p:spPr>
@@ -17765,7 +17750,7 @@
           <p:nvPr/>
         </p:nvPicPr>
         <p:blipFill>
-          <a:blip r:embed="rId2"/>
+          <a:blip r:embed="rId3"/>
           <a:stretch>
             <a:fillRect/>
           </a:stretch>
@@ -17815,7 +17800,9 @@
         </p:nvSpPr>
         <p:spPr/>
         <p:txBody>
-          <a:bodyPr/>
+          <a:bodyPr>
+            <a:normAutofit/>
+          </a:bodyPr>
           <a:lstStyle/>
           <a:p>
             <a:pPr marL="514350" indent="-514350" algn="l" rtl="0">
@@ -17880,7 +17867,11 @@
             </a:r>
             <a:r>
               <a:rPr lang="en-US" dirty="0" smtClean="0"/>
-              <a:t> Code coverage will</a:t>
+              <a:t> </a:t>
+            </a:r>
+            <a:r>
+              <a:rPr lang="en-US" dirty="0" smtClean="0"/>
+              <a:t>The code coverage of </a:t>
             </a:r>
           </a:p>
           <a:p>
@@ -17888,8 +17879,20 @@
               <a:buNone/>
             </a:pPr>
             <a:r>
+              <a:rPr lang="en-US" dirty="0"/>
+              <a:t>u</a:t>
+            </a:r>
+            <a:r>
               <a:rPr lang="en-US" dirty="0" smtClean="0"/>
-              <a:t>be 100%</a:t>
+              <a:t>nit tests</a:t>
+            </a:r>
+            <a:r>
+              <a:rPr lang="en-US" dirty="0" smtClean="0"/>
+              <a:t> will be </a:t>
+            </a:r>
+            <a:r>
+              <a:rPr lang="en-US" dirty="0" smtClean="0"/>
+              <a:t>100%</a:t>
             </a:r>
           </a:p>
         </p:txBody>
@@ -17951,7 +17954,7 @@
           <p:nvPr/>
         </p:nvPicPr>
         <p:blipFill>
-          <a:blip r:embed="rId3"/>
+          <a:blip r:embed="rId4"/>
           <a:stretch>
             <a:fillRect/>
           </a:stretch>
@@ -18433,15 +18436,33 @@
                                   </p:childTnLst>
                                 </p:cTn>
                               </p:par>
+                            </p:childTnLst>
+                          </p:cTn>
+                        </p:par>
+                      </p:childTnLst>
+                    </p:cTn>
+                  </p:par>
+                  <p:par>
+                    <p:cTn id="37" fill="hold">
+                      <p:stCondLst>
+                        <p:cond delay="indefinite"/>
+                      </p:stCondLst>
+                      <p:childTnLst>
+                        <p:par>
+                          <p:cTn id="38" fill="hold">
+                            <p:stCondLst>
+                              <p:cond delay="0"/>
+                            </p:stCondLst>
+                            <p:childTnLst>
                               <p:par>
-                                <p:cTn id="37" presetID="1" presetClass="entr" presetSubtype="0" fill="hold" nodeType="withEffect">
+                                <p:cTn id="39" presetID="1" presetClass="entr" presetSubtype="0" fill="hold" nodeType="clickEffect">
                                   <p:stCondLst>
                                     <p:cond delay="0"/>
                                   </p:stCondLst>
                                   <p:childTnLst>
                                     <p:set>
                                       <p:cBhvr>
-                                        <p:cTn id="38" dur="1" fill="hold">
+                                        <p:cTn id="40" dur="1" fill="hold">
                                           <p:stCondLst>
                                             <p:cond delay="0"/>
                                           </p:stCondLst>

--- a/TDD_BDD Introduction.pptx
+++ b/TDD_BDD Introduction.pptx
@@ -7686,7 +7686,7 @@
           </a:ln>
           <a:extLst>
             <a:ext uri="{C572A759-6A51-4108-AA02-DFA0A04FC94B}">
-              <ma14:wrappingTextBoxFlag xmlns="" xmlns:ma14="http://schemas.microsoft.com/office/mac/drawingml/2011/main" val="1"/>
+              <ma14:wrappingTextBoxFlag xmlns:ma14="http://schemas.microsoft.com/office/mac/drawingml/2011/main" xmlns="" val="1"/>
             </a:ext>
           </a:extLst>
         </p:spPr>
@@ -8313,23 +8313,7 @@
                   <a:srgbClr val="FF0000"/>
                 </a:solidFill>
               </a:rPr>
-              <a:t>The </a:t>
-            </a:r>
-            <a:r>
-              <a:rPr lang="en-US" sz="4000" b="1" dirty="0" smtClean="0">
-                <a:solidFill>
-                  <a:srgbClr val="FF0000"/>
-                </a:solidFill>
-              </a:rPr>
-              <a:t>test scenario </a:t>
-            </a:r>
-            <a:r>
-              <a:rPr lang="en-US" sz="4000" b="1" dirty="0" smtClean="0">
-                <a:solidFill>
-                  <a:srgbClr val="FF0000"/>
-                </a:solidFill>
-              </a:rPr>
-              <a:t>is in plain English</a:t>
+              <a:t>The test scenario is in plain English</a:t>
             </a:r>
           </a:p>
         </p:txBody>
@@ -8997,6 +8981,33 @@
                                   </p:childTnLst>
                                 </p:cTn>
                               </p:par>
+                              <p:par>
+                                <p:cTn id="42" presetID="1" presetClass="entr" presetSubtype="0" fill="hold" nodeType="withEffect">
+                                  <p:stCondLst>
+                                    <p:cond delay="0"/>
+                                  </p:stCondLst>
+                                  <p:childTnLst>
+                                    <p:set>
+                                      <p:cBhvr>
+                                        <p:cTn id="43" dur="1" fill="hold">
+                                          <p:stCondLst>
+                                            <p:cond delay="0"/>
+                                          </p:stCondLst>
+                                        </p:cTn>
+                                        <p:tgtEl>
+                                          <p:spTgt spid="8"/>
+                                        </p:tgtEl>
+                                        <p:attrNameLst>
+                                          <p:attrName>style.visibility</p:attrName>
+                                        </p:attrNameLst>
+                                      </p:cBhvr>
+                                      <p:to>
+                                        <p:strVal val="visible"/>
+                                      </p:to>
+                                    </p:set>
+                                  </p:childTnLst>
+                                </p:cTn>
+                              </p:par>
                             </p:childTnLst>
                           </p:cTn>
                         </p:par>
@@ -9004,26 +9015,26 @@
                     </p:cTn>
                   </p:par>
                   <p:par>
-                    <p:cTn id="42" fill="hold">
+                    <p:cTn id="44" fill="hold">
                       <p:stCondLst>
                         <p:cond delay="indefinite"/>
                       </p:stCondLst>
                       <p:childTnLst>
                         <p:par>
-                          <p:cTn id="43" fill="hold">
+                          <p:cTn id="45" fill="hold">
                             <p:stCondLst>
                               <p:cond delay="0"/>
                             </p:stCondLst>
                             <p:childTnLst>
                               <p:par>
-                                <p:cTn id="44" presetID="50" presetClass="entr" presetSubtype="0" decel="100000" fill="hold" nodeType="clickEffect">
+                                <p:cTn id="46" presetID="50" presetClass="entr" presetSubtype="0" decel="100000" fill="hold" nodeType="clickEffect">
                                   <p:stCondLst>
                                     <p:cond delay="0"/>
                                   </p:stCondLst>
                                   <p:childTnLst>
                                     <p:set>
                                       <p:cBhvr>
-                                        <p:cTn id="45" dur="1" fill="hold">
+                                        <p:cTn id="47" dur="1" fill="hold">
                                           <p:stCondLst>
                                             <p:cond delay="0"/>
                                           </p:stCondLst>
@@ -9045,7 +9056,7 @@
                                     </p:set>
                                     <p:anim calcmode="lin" valueType="num">
                                       <p:cBhvr>
-                                        <p:cTn id="46" dur="1000" fill="hold"/>
+                                        <p:cTn id="48" dur="1000" fill="hold"/>
                                         <p:tgtEl>
                                           <p:spTgt spid="3">
                                             <p:txEl>
@@ -9072,7 +9083,7 @@
                                     </p:anim>
                                     <p:anim calcmode="lin" valueType="num">
                                       <p:cBhvr>
-                                        <p:cTn id="47" dur="1000" fill="hold"/>
+                                        <p:cTn id="49" dur="1000" fill="hold"/>
                                         <p:tgtEl>
                                           <p:spTgt spid="3">
                                             <p:txEl>
@@ -9099,7 +9110,7 @@
                                     </p:anim>
                                     <p:animEffect transition="in" filter="fade">
                                       <p:cBhvr>
-                                        <p:cTn id="48" dur="1000"/>
+                                        <p:cTn id="50" dur="1000"/>
                                         <p:tgtEl>
                                           <p:spTgt spid="3">
                                             <p:txEl>
@@ -9119,26 +9130,26 @@
                     </p:cTn>
                   </p:par>
                   <p:par>
-                    <p:cTn id="49" fill="hold">
+                    <p:cTn id="51" fill="hold">
                       <p:stCondLst>
                         <p:cond delay="indefinite"/>
                       </p:stCondLst>
                       <p:childTnLst>
                         <p:par>
-                          <p:cTn id="50" fill="hold">
+                          <p:cTn id="52" fill="hold">
                             <p:stCondLst>
                               <p:cond delay="0"/>
                             </p:stCondLst>
                             <p:childTnLst>
                               <p:par>
-                                <p:cTn id="51" presetID="50" presetClass="entr" presetSubtype="0" decel="100000" fill="hold" nodeType="clickEffect">
+                                <p:cTn id="53" presetID="50" presetClass="entr" presetSubtype="0" decel="100000" fill="hold" nodeType="clickEffect">
                                   <p:stCondLst>
                                     <p:cond delay="0"/>
                                   </p:stCondLst>
                                   <p:childTnLst>
                                     <p:set>
                                       <p:cBhvr>
-                                        <p:cTn id="52" dur="1" fill="hold">
+                                        <p:cTn id="54" dur="1" fill="hold">
                                           <p:stCondLst>
                                             <p:cond delay="0"/>
                                           </p:stCondLst>
@@ -9160,7 +9171,7 @@
                                     </p:set>
                                     <p:anim calcmode="lin" valueType="num">
                                       <p:cBhvr>
-                                        <p:cTn id="53" dur="1000" fill="hold"/>
+                                        <p:cTn id="55" dur="1000" fill="hold"/>
                                         <p:tgtEl>
                                           <p:spTgt spid="3">
                                             <p:txEl>
@@ -9187,7 +9198,7 @@
                                     </p:anim>
                                     <p:anim calcmode="lin" valueType="num">
                                       <p:cBhvr>
-                                        <p:cTn id="54" dur="1000" fill="hold"/>
+                                        <p:cTn id="56" dur="1000" fill="hold"/>
                                         <p:tgtEl>
                                           <p:spTgt spid="3">
                                             <p:txEl>
@@ -9214,7 +9225,7 @@
                                     </p:anim>
                                     <p:animEffect transition="in" filter="fade">
                                       <p:cBhvr>
-                                        <p:cTn id="55" dur="1000"/>
+                                        <p:cTn id="57" dur="1000"/>
                                         <p:tgtEl>
                                           <p:spTgt spid="3">
                                             <p:txEl>
@@ -9224,33 +9235,6 @@
                                         </p:tgtEl>
                                       </p:cBhvr>
                                     </p:animEffect>
-                                  </p:childTnLst>
-                                </p:cTn>
-                              </p:par>
-                              <p:par>
-                                <p:cTn id="56" presetID="1" presetClass="entr" presetSubtype="0" fill="hold" nodeType="withEffect">
-                                  <p:stCondLst>
-                                    <p:cond delay="0"/>
-                                  </p:stCondLst>
-                                  <p:childTnLst>
-                                    <p:set>
-                                      <p:cBhvr>
-                                        <p:cTn id="57" dur="1" fill="hold">
-                                          <p:stCondLst>
-                                            <p:cond delay="0"/>
-                                          </p:stCondLst>
-                                        </p:cTn>
-                                        <p:tgtEl>
-                                          <p:spTgt spid="8"/>
-                                        </p:tgtEl>
-                                        <p:attrNameLst>
-                                          <p:attrName>style.visibility</p:attrName>
-                                        </p:attrNameLst>
-                                      </p:cBhvr>
-                                      <p:to>
-                                        <p:strVal val="visible"/>
-                                      </p:to>
-                                    </p:set>
                                   </p:childTnLst>
                                 </p:cTn>
                               </p:par>
@@ -12650,25 +12634,8 @@
                   </a:schemeClr>
                 </a:solidFill>
               </a:rPr>
-              <a:t>the user </a:t>
-            </a:r>
-            <a:r>
-              <a:rPr lang="en-US" sz="5000" dirty="0">
-                <a:solidFill>
-                  <a:schemeClr val="accent2">
-                    <a:lumMod val="75000"/>
-                  </a:schemeClr>
-                </a:solidFill>
-              </a:rPr>
-              <a:t>does</a:t>
-            </a:r>
-            <a:endParaRPr lang="en-US" sz="5000" dirty="0">
-              <a:solidFill>
-                <a:schemeClr val="accent2">
-                  <a:lumMod val="75000"/>
-                </a:schemeClr>
-              </a:solidFill>
-            </a:endParaRPr>
+              <a:t>the user does</a:t>
+            </a:r>
           </a:p>
           <a:p>
             <a:pPr marL="0" indent="0" algn="l" rtl="0">
@@ -13570,13 +13537,13 @@
   <p:clrMapOvr>
     <a:masterClrMapping/>
   </p:clrMapOvr>
-  <mc:AlternateContent xmlns:mc="http://schemas.openxmlformats.org/markup-compatibility/2006">
-    <mc:Choice xmlns:p14="http://schemas.microsoft.com/office/powerpoint/2010/main" Requires="p14">
+  <mc:AlternateContent xmlns:mc="http://schemas.openxmlformats.org/markup-compatibility/2006" xmlns:p14="http://schemas.microsoft.com/office/powerpoint/2010/main">
+    <mc:Choice Requires="p14">
       <p:transition spd="med" p14:dur="700">
         <p:fade/>
       </p:transition>
     </mc:Choice>
-    <mc:Fallback>
+    <mc:Fallback xmlns="">
       <p:transition spd="med">
         <p:fade/>
       </p:transition>
@@ -15409,7 +15376,7 @@
           </a:ln>
           <a:extLst>
             <a:ext uri="{C572A759-6A51-4108-AA02-DFA0A04FC94B}">
-              <ma14:wrappingTextBoxFlag xmlns="" xmlns:ma14="http://schemas.microsoft.com/office/mac/drawingml/2011/main" val="1"/>
+              <ma14:wrappingTextBoxFlag xmlns:ma14="http://schemas.microsoft.com/office/mac/drawingml/2011/main" xmlns="" val="1"/>
             </a:ext>
           </a:extLst>
         </p:spPr>
@@ -16375,7 +16342,7 @@
           </a:ln>
           <a:extLst>
             <a:ext uri="{C572A759-6A51-4108-AA02-DFA0A04FC94B}">
-              <ma14:wrappingTextBoxFlag xmlns="" xmlns:ma14="http://schemas.microsoft.com/office/mac/drawingml/2011/main" val="1"/>
+              <ma14:wrappingTextBoxFlag xmlns:ma14="http://schemas.microsoft.com/office/mac/drawingml/2011/main" xmlns="" val="1"/>
             </a:ext>
           </a:extLst>
         </p:spPr>
@@ -17057,7 +17024,7 @@
           </a:ln>
           <a:extLst>
             <a:ext uri="{C572A759-6A51-4108-AA02-DFA0A04FC94B}">
-              <ma14:wrappingTextBoxFlag xmlns="" xmlns:ma14="http://schemas.microsoft.com/office/mac/drawingml/2011/main" val="1"/>
+              <ma14:wrappingTextBoxFlag xmlns:ma14="http://schemas.microsoft.com/office/mac/drawingml/2011/main" xmlns="" val="1"/>
             </a:ext>
           </a:extLst>
         </p:spPr>
@@ -17867,11 +17834,7 @@
             </a:r>
             <a:r>
               <a:rPr lang="en-US" dirty="0" smtClean="0"/>
-              <a:t> </a:t>
-            </a:r>
-            <a:r>
-              <a:rPr lang="en-US" dirty="0" smtClean="0"/>
-              <a:t>The code coverage of </a:t>
+              <a:t> The code coverage of </a:t>
             </a:r>
           </a:p>
           <a:p>
@@ -17884,15 +17847,7 @@
             </a:r>
             <a:r>
               <a:rPr lang="en-US" dirty="0" smtClean="0"/>
-              <a:t>nit tests</a:t>
-            </a:r>
-            <a:r>
-              <a:rPr lang="en-US" dirty="0" smtClean="0"/>
-              <a:t> will be </a:t>
-            </a:r>
-            <a:r>
-              <a:rPr lang="en-US" dirty="0" smtClean="0"/>
-              <a:t>100%</a:t>
+              <a:t>nit tests will be 100%</a:t>
             </a:r>
           </a:p>
         </p:txBody>
@@ -18436,33 +18391,15 @@
                                   </p:childTnLst>
                                 </p:cTn>
                               </p:par>
-                            </p:childTnLst>
-                          </p:cTn>
-                        </p:par>
-                      </p:childTnLst>
-                    </p:cTn>
-                  </p:par>
-                  <p:par>
-                    <p:cTn id="37" fill="hold">
-                      <p:stCondLst>
-                        <p:cond delay="indefinite"/>
-                      </p:stCondLst>
-                      <p:childTnLst>
-                        <p:par>
-                          <p:cTn id="38" fill="hold">
-                            <p:stCondLst>
-                              <p:cond delay="0"/>
-                            </p:stCondLst>
-                            <p:childTnLst>
                               <p:par>
-                                <p:cTn id="39" presetID="1" presetClass="entr" presetSubtype="0" fill="hold" nodeType="clickEffect">
+                                <p:cTn id="37" presetID="1" presetClass="entr" presetSubtype="0" fill="hold" nodeType="withEffect">
                                   <p:stCondLst>
                                     <p:cond delay="0"/>
                                   </p:stCondLst>
                                   <p:childTnLst>
                                     <p:set>
                                       <p:cBhvr>
-                                        <p:cTn id="40" dur="1" fill="hold">
+                                        <p:cTn id="38" dur="1" fill="hold">
                                           <p:stCondLst>
                                             <p:cond delay="0"/>
                                           </p:stCondLst>

--- a/TDD_BDD Introduction.pptx
+++ b/TDD_BDD Introduction.pptx
@@ -7,11 +7,11 @@
     <p:sldMasterId id="2147483716" r:id="rId3"/>
   </p:sldMasterIdLst>
   <p:notesMasterIdLst>
-    <p:notesMasterId r:id="rId26"/>
+    <p:notesMasterId r:id="rId30"/>
   </p:notesMasterIdLst>
   <p:sldIdLst>
     <p:sldId id="256" r:id="rId4"/>
-    <p:sldId id="292" r:id="rId5"/>
+    <p:sldId id="319" r:id="rId5"/>
     <p:sldId id="257" r:id="rId6"/>
     <p:sldId id="298" r:id="rId7"/>
     <p:sldId id="299" r:id="rId8"/>
@@ -24,14 +24,18 @@
     <p:sldId id="306" r:id="rId15"/>
     <p:sldId id="317" r:id="rId16"/>
     <p:sldId id="308" r:id="rId17"/>
-    <p:sldId id="309" r:id="rId18"/>
-    <p:sldId id="311" r:id="rId19"/>
-    <p:sldId id="312" r:id="rId20"/>
-    <p:sldId id="313" r:id="rId21"/>
-    <p:sldId id="314" r:id="rId22"/>
-    <p:sldId id="315" r:id="rId23"/>
-    <p:sldId id="316" r:id="rId24"/>
-    <p:sldId id="290" r:id="rId25"/>
+    <p:sldId id="318" r:id="rId18"/>
+    <p:sldId id="309" r:id="rId19"/>
+    <p:sldId id="311" r:id="rId20"/>
+    <p:sldId id="312" r:id="rId21"/>
+    <p:sldId id="313" r:id="rId22"/>
+    <p:sldId id="314" r:id="rId23"/>
+    <p:sldId id="315" r:id="rId24"/>
+    <p:sldId id="316" r:id="rId25"/>
+    <p:sldId id="321" r:id="rId26"/>
+    <p:sldId id="320" r:id="rId27"/>
+    <p:sldId id="292" r:id="rId28"/>
+    <p:sldId id="290" r:id="rId29"/>
   </p:sldIdLst>
   <p:sldSz cx="12192000" cy="6858000"/>
   <p:notesSz cx="6858000" cy="9144000"/>
@@ -149,6 +153,3113 @@
 </p:presentation>
 </file>
 
+<file path=ppt/diagrams/colors1.xml><?xml version="1.0" encoding="utf-8"?>
+<dgm:colorsDef xmlns:dgm="http://schemas.openxmlformats.org/drawingml/2006/diagram" xmlns:a="http://schemas.openxmlformats.org/drawingml/2006/main" uniqueId="urn:microsoft.com/office/officeart/2005/8/colors/colorful5">
+  <dgm:title val=""/>
+  <dgm:desc val=""/>
+  <dgm:catLst>
+    <dgm:cat type="colorful" pri="10500"/>
+  </dgm:catLst>
+  <dgm:styleLbl name="node0">
+    <dgm:fillClrLst meth="repeat">
+      <a:schemeClr val="accent4"/>
+    </dgm:fillClrLst>
+    <dgm:linClrLst meth="repeat">
+      <a:schemeClr val="lt1"/>
+    </dgm:linClrLst>
+    <dgm:effectClrLst/>
+    <dgm:txLinClrLst/>
+    <dgm:txFillClrLst/>
+    <dgm:txEffectClrLst/>
+  </dgm:styleLbl>
+  <dgm:styleLbl name="node1">
+    <dgm:fillClrLst>
+      <a:schemeClr val="accent5"/>
+      <a:schemeClr val="accent6"/>
+    </dgm:fillClrLst>
+    <dgm:linClrLst meth="repeat">
+      <a:schemeClr val="lt1"/>
+    </dgm:linClrLst>
+    <dgm:effectClrLst/>
+    <dgm:txLinClrLst/>
+    <dgm:txFillClrLst/>
+    <dgm:txEffectClrLst/>
+  </dgm:styleLbl>
+  <dgm:styleLbl name="alignNode1">
+    <dgm:fillClrLst>
+      <a:schemeClr val="accent5"/>
+      <a:schemeClr val="accent6"/>
+    </dgm:fillClrLst>
+    <dgm:linClrLst>
+      <a:schemeClr val="accent5"/>
+      <a:schemeClr val="accent6"/>
+    </dgm:linClrLst>
+    <dgm:effectClrLst/>
+    <dgm:txLinClrLst/>
+    <dgm:txFillClrLst/>
+    <dgm:txEffectClrLst/>
+  </dgm:styleLbl>
+  <dgm:styleLbl name="lnNode1">
+    <dgm:fillClrLst>
+      <a:schemeClr val="accent5"/>
+      <a:schemeClr val="accent6"/>
+    </dgm:fillClrLst>
+    <dgm:linClrLst meth="repeat">
+      <a:schemeClr val="lt1"/>
+    </dgm:linClrLst>
+    <dgm:effectClrLst/>
+    <dgm:txLinClrLst/>
+    <dgm:txFillClrLst/>
+    <dgm:txEffectClrLst/>
+  </dgm:styleLbl>
+  <dgm:styleLbl name="vennNode1">
+    <dgm:fillClrLst>
+      <a:schemeClr val="accent5">
+        <a:alpha val="50000"/>
+      </a:schemeClr>
+      <a:schemeClr val="accent6">
+        <a:alpha val="50000"/>
+      </a:schemeClr>
+    </dgm:fillClrLst>
+    <dgm:linClrLst meth="repeat">
+      <a:schemeClr val="lt1"/>
+    </dgm:linClrLst>
+    <dgm:effectClrLst/>
+    <dgm:txLinClrLst/>
+    <dgm:txFillClrLst/>
+    <dgm:txEffectClrLst/>
+  </dgm:styleLbl>
+  <dgm:styleLbl name="node2">
+    <dgm:fillClrLst>
+      <a:schemeClr val="accent6"/>
+    </dgm:fillClrLst>
+    <dgm:linClrLst meth="repeat">
+      <a:schemeClr val="lt1"/>
+    </dgm:linClrLst>
+    <dgm:effectClrLst/>
+    <dgm:txLinClrLst/>
+    <dgm:txFillClrLst/>
+    <dgm:txEffectClrLst/>
+  </dgm:styleLbl>
+  <dgm:styleLbl name="node3">
+    <dgm:fillClrLst>
+      <a:schemeClr val="accent1"/>
+    </dgm:fillClrLst>
+    <dgm:linClrLst meth="repeat">
+      <a:schemeClr val="lt1"/>
+    </dgm:linClrLst>
+    <dgm:effectClrLst/>
+    <dgm:txLinClrLst/>
+    <dgm:txFillClrLst/>
+    <dgm:txEffectClrLst/>
+  </dgm:styleLbl>
+  <dgm:styleLbl name="node4">
+    <dgm:fillClrLst>
+      <a:schemeClr val="accent2"/>
+    </dgm:fillClrLst>
+    <dgm:linClrLst meth="repeat">
+      <a:schemeClr val="lt1"/>
+    </dgm:linClrLst>
+    <dgm:effectClrLst/>
+    <dgm:txLinClrLst/>
+    <dgm:txFillClrLst/>
+    <dgm:txEffectClrLst/>
+  </dgm:styleLbl>
+  <dgm:styleLbl name="fgImgPlace1">
+    <dgm:fillClrLst>
+      <a:schemeClr val="accent5">
+        <a:tint val="50000"/>
+      </a:schemeClr>
+      <a:schemeClr val="accent6">
+        <a:tint val="50000"/>
+      </a:schemeClr>
+    </dgm:fillClrLst>
+    <dgm:linClrLst meth="repeat">
+      <a:schemeClr val="lt1"/>
+    </dgm:linClrLst>
+    <dgm:effectClrLst/>
+    <dgm:txLinClrLst/>
+    <dgm:txFillClrLst meth="repeat">
+      <a:schemeClr val="lt1"/>
+    </dgm:txFillClrLst>
+    <dgm:txEffectClrLst/>
+  </dgm:styleLbl>
+  <dgm:styleLbl name="alignImgPlace1">
+    <dgm:fillClrLst>
+      <a:schemeClr val="accent5">
+        <a:tint val="50000"/>
+      </a:schemeClr>
+      <a:schemeClr val="accent6">
+        <a:tint val="20000"/>
+      </a:schemeClr>
+    </dgm:fillClrLst>
+    <dgm:linClrLst meth="repeat">
+      <a:schemeClr val="lt1"/>
+    </dgm:linClrLst>
+    <dgm:effectClrLst/>
+    <dgm:txLinClrLst/>
+    <dgm:txFillClrLst meth="repeat">
+      <a:schemeClr val="lt1"/>
+    </dgm:txFillClrLst>
+    <dgm:txEffectClrLst/>
+  </dgm:styleLbl>
+  <dgm:styleLbl name="bgImgPlace1">
+    <dgm:fillClrLst>
+      <a:schemeClr val="accent5">
+        <a:tint val="50000"/>
+      </a:schemeClr>
+      <a:schemeClr val="accent6">
+        <a:tint val="20000"/>
+      </a:schemeClr>
+    </dgm:fillClrLst>
+    <dgm:linClrLst meth="repeat">
+      <a:schemeClr val="lt1"/>
+    </dgm:linClrLst>
+    <dgm:effectClrLst/>
+    <dgm:txLinClrLst/>
+    <dgm:txFillClrLst meth="repeat">
+      <a:schemeClr val="lt1"/>
+    </dgm:txFillClrLst>
+    <dgm:txEffectClrLst/>
+  </dgm:styleLbl>
+  <dgm:styleLbl name="sibTrans2D1">
+    <dgm:fillClrLst>
+      <a:schemeClr val="accent5"/>
+      <a:schemeClr val="accent6"/>
+    </dgm:fillClrLst>
+    <dgm:linClrLst meth="repeat">
+      <a:schemeClr val="lt1"/>
+    </dgm:linClrLst>
+    <dgm:effectClrLst/>
+    <dgm:txLinClrLst/>
+    <dgm:txFillClrLst/>
+    <dgm:txEffectClrLst/>
+  </dgm:styleLbl>
+  <dgm:styleLbl name="fgSibTrans2D1">
+    <dgm:fillClrLst>
+      <a:schemeClr val="accent5"/>
+      <a:schemeClr val="accent6"/>
+    </dgm:fillClrLst>
+    <dgm:linClrLst meth="repeat">
+      <a:schemeClr val="lt1"/>
+    </dgm:linClrLst>
+    <dgm:effectClrLst/>
+    <dgm:txLinClrLst/>
+    <dgm:txFillClrLst meth="repeat">
+      <a:schemeClr val="lt1"/>
+    </dgm:txFillClrLst>
+    <dgm:txEffectClrLst/>
+  </dgm:styleLbl>
+  <dgm:styleLbl name="bgSibTrans2D1">
+    <dgm:fillClrLst>
+      <a:schemeClr val="accent5"/>
+      <a:schemeClr val="accent6"/>
+    </dgm:fillClrLst>
+    <dgm:linClrLst meth="repeat">
+      <a:schemeClr val="lt1"/>
+    </dgm:linClrLst>
+    <dgm:effectClrLst/>
+    <dgm:txLinClrLst/>
+    <dgm:txFillClrLst meth="repeat">
+      <a:schemeClr val="lt1"/>
+    </dgm:txFillClrLst>
+    <dgm:txEffectClrLst/>
+  </dgm:styleLbl>
+  <dgm:styleLbl name="sibTrans1D1">
+    <dgm:fillClrLst/>
+    <dgm:linClrLst>
+      <a:schemeClr val="accent5"/>
+      <a:schemeClr val="accent6"/>
+    </dgm:linClrLst>
+    <dgm:effectClrLst/>
+    <dgm:txLinClrLst/>
+    <dgm:txFillClrLst meth="repeat">
+      <a:schemeClr val="tx1"/>
+    </dgm:txFillClrLst>
+    <dgm:txEffectClrLst/>
+  </dgm:styleLbl>
+  <dgm:styleLbl name="callout">
+    <dgm:fillClrLst meth="repeat">
+      <a:schemeClr val="accent5"/>
+    </dgm:fillClrLst>
+    <dgm:linClrLst meth="repeat">
+      <a:schemeClr val="accent5">
+        <a:tint val="50000"/>
+      </a:schemeClr>
+    </dgm:linClrLst>
+    <dgm:effectClrLst/>
+    <dgm:txLinClrLst/>
+    <dgm:txFillClrLst meth="repeat">
+      <a:schemeClr val="tx1"/>
+    </dgm:txFillClrLst>
+    <dgm:txEffectClrLst/>
+  </dgm:styleLbl>
+  <dgm:styleLbl name="asst0">
+    <dgm:fillClrLst meth="repeat">
+      <a:schemeClr val="accent5"/>
+    </dgm:fillClrLst>
+    <dgm:linClrLst meth="repeat">
+      <a:schemeClr val="lt1">
+        <a:shade val="80000"/>
+      </a:schemeClr>
+    </dgm:linClrLst>
+    <dgm:effectClrLst/>
+    <dgm:txLinClrLst/>
+    <dgm:txFillClrLst/>
+    <dgm:txEffectClrLst/>
+  </dgm:styleLbl>
+  <dgm:styleLbl name="asst1">
+    <dgm:fillClrLst meth="repeat">
+      <a:schemeClr val="accent6"/>
+    </dgm:fillClrLst>
+    <dgm:linClrLst meth="repeat">
+      <a:schemeClr val="lt1">
+        <a:shade val="80000"/>
+      </a:schemeClr>
+    </dgm:linClrLst>
+    <dgm:effectClrLst/>
+    <dgm:txLinClrLst/>
+    <dgm:txFillClrLst/>
+    <dgm:txEffectClrLst/>
+  </dgm:styleLbl>
+  <dgm:styleLbl name="asst2">
+    <dgm:fillClrLst>
+      <a:schemeClr val="accent1"/>
+    </dgm:fillClrLst>
+    <dgm:linClrLst meth="repeat">
+      <a:schemeClr val="lt1"/>
+    </dgm:linClrLst>
+    <dgm:effectClrLst/>
+    <dgm:txLinClrLst/>
+    <dgm:txFillClrLst/>
+    <dgm:txEffectClrLst/>
+  </dgm:styleLbl>
+  <dgm:styleLbl name="asst3">
+    <dgm:fillClrLst>
+      <a:schemeClr val="accent2"/>
+    </dgm:fillClrLst>
+    <dgm:linClrLst meth="repeat">
+      <a:schemeClr val="lt1"/>
+    </dgm:linClrLst>
+    <dgm:effectClrLst/>
+    <dgm:txLinClrLst/>
+    <dgm:txFillClrLst/>
+    <dgm:txEffectClrLst/>
+  </dgm:styleLbl>
+  <dgm:styleLbl name="asst4">
+    <dgm:fillClrLst>
+      <a:schemeClr val="accent3"/>
+    </dgm:fillClrLst>
+    <dgm:linClrLst meth="repeat">
+      <a:schemeClr val="lt1"/>
+    </dgm:linClrLst>
+    <dgm:effectClrLst/>
+    <dgm:txLinClrLst/>
+    <dgm:txFillClrLst/>
+    <dgm:txEffectClrLst/>
+  </dgm:styleLbl>
+  <dgm:styleLbl name="parChTrans2D1">
+    <dgm:fillClrLst meth="repeat">
+      <a:schemeClr val="accent5"/>
+    </dgm:fillClrLst>
+    <dgm:linClrLst meth="repeat">
+      <a:schemeClr val="lt1"/>
+    </dgm:linClrLst>
+    <dgm:effectClrLst/>
+    <dgm:txLinClrLst/>
+    <dgm:txFillClrLst meth="repeat">
+      <a:schemeClr val="lt1"/>
+    </dgm:txFillClrLst>
+    <dgm:txEffectClrLst/>
+  </dgm:styleLbl>
+  <dgm:styleLbl name="parChTrans2D2">
+    <dgm:fillClrLst meth="repeat">
+      <a:schemeClr val="accent6"/>
+    </dgm:fillClrLst>
+    <dgm:linClrLst meth="repeat">
+      <a:schemeClr val="lt1"/>
+    </dgm:linClrLst>
+    <dgm:effectClrLst/>
+    <dgm:txLinClrLst/>
+    <dgm:txFillClrLst/>
+    <dgm:txEffectClrLst/>
+  </dgm:styleLbl>
+  <dgm:styleLbl name="parChTrans2D3">
+    <dgm:fillClrLst meth="repeat">
+      <a:schemeClr val="accent6"/>
+    </dgm:fillClrLst>
+    <dgm:linClrLst meth="repeat">
+      <a:schemeClr val="lt1"/>
+    </dgm:linClrLst>
+    <dgm:effectClrLst/>
+    <dgm:txLinClrLst/>
+    <dgm:txFillClrLst/>
+    <dgm:txEffectClrLst/>
+  </dgm:styleLbl>
+  <dgm:styleLbl name="parChTrans2D4">
+    <dgm:fillClrLst meth="repeat">
+      <a:schemeClr val="accent1"/>
+    </dgm:fillClrLst>
+    <dgm:linClrLst meth="repeat">
+      <a:schemeClr val="lt1"/>
+    </dgm:linClrLst>
+    <dgm:effectClrLst/>
+    <dgm:txLinClrLst/>
+    <dgm:txFillClrLst meth="repeat">
+      <a:schemeClr val="lt1"/>
+    </dgm:txFillClrLst>
+    <dgm:txEffectClrLst/>
+  </dgm:styleLbl>
+  <dgm:styleLbl name="parChTrans1D1">
+    <dgm:fillClrLst meth="repeat">
+      <a:schemeClr val="accent5"/>
+    </dgm:fillClrLst>
+    <dgm:linClrLst meth="repeat">
+      <a:schemeClr val="accent5"/>
+    </dgm:linClrLst>
+    <dgm:effectClrLst/>
+    <dgm:txLinClrLst/>
+    <dgm:txFillClrLst meth="repeat">
+      <a:schemeClr val="tx1"/>
+    </dgm:txFillClrLst>
+    <dgm:txEffectClrLst/>
+  </dgm:styleLbl>
+  <dgm:styleLbl name="parChTrans1D2">
+    <dgm:fillClrLst meth="repeat">
+      <a:schemeClr val="accent6">
+        <a:tint val="90000"/>
+      </a:schemeClr>
+    </dgm:fillClrLst>
+    <dgm:linClrLst meth="repeat">
+      <a:schemeClr val="accent6"/>
+    </dgm:linClrLst>
+    <dgm:effectClrLst/>
+    <dgm:txLinClrLst/>
+    <dgm:txFillClrLst meth="repeat">
+      <a:schemeClr val="tx1"/>
+    </dgm:txFillClrLst>
+    <dgm:txEffectClrLst/>
+  </dgm:styleLbl>
+  <dgm:styleLbl name="parChTrans1D3">
+    <dgm:fillClrLst meth="repeat">
+      <a:schemeClr val="accent6">
+        <a:tint val="70000"/>
+      </a:schemeClr>
+    </dgm:fillClrLst>
+    <dgm:linClrLst meth="repeat">
+      <a:schemeClr val="accent1"/>
+    </dgm:linClrLst>
+    <dgm:effectClrLst/>
+    <dgm:txLinClrLst/>
+    <dgm:txFillClrLst meth="repeat">
+      <a:schemeClr val="tx1"/>
+    </dgm:txFillClrLst>
+    <dgm:txEffectClrLst/>
+  </dgm:styleLbl>
+  <dgm:styleLbl name="parChTrans1D4">
+    <dgm:fillClrLst meth="repeat">
+      <a:schemeClr val="accent6">
+        <a:tint val="50000"/>
+      </a:schemeClr>
+    </dgm:fillClrLst>
+    <dgm:linClrLst meth="repeat">
+      <a:schemeClr val="accent2"/>
+    </dgm:linClrLst>
+    <dgm:effectClrLst/>
+    <dgm:txLinClrLst/>
+    <dgm:txFillClrLst meth="repeat">
+      <a:schemeClr val="tx1"/>
+    </dgm:txFillClrLst>
+    <dgm:txEffectClrLst/>
+  </dgm:styleLbl>
+  <dgm:styleLbl name="fgAcc1">
+    <dgm:fillClrLst meth="repeat">
+      <a:schemeClr val="lt1">
+        <a:alpha val="90000"/>
+      </a:schemeClr>
+    </dgm:fillClrLst>
+    <dgm:linClrLst>
+      <a:schemeClr val="accent5"/>
+      <a:schemeClr val="accent6"/>
+    </dgm:linClrLst>
+    <dgm:effectClrLst/>
+    <dgm:txLinClrLst/>
+    <dgm:txFillClrLst meth="repeat">
+      <a:schemeClr val="dk1"/>
+    </dgm:txFillClrLst>
+    <dgm:txEffectClrLst/>
+  </dgm:styleLbl>
+  <dgm:styleLbl name="conFgAcc1">
+    <dgm:fillClrLst meth="repeat">
+      <a:schemeClr val="lt1">
+        <a:alpha val="90000"/>
+      </a:schemeClr>
+    </dgm:fillClrLst>
+    <dgm:linClrLst>
+      <a:schemeClr val="accent5"/>
+      <a:schemeClr val="accent6"/>
+    </dgm:linClrLst>
+    <dgm:effectClrLst/>
+    <dgm:txLinClrLst/>
+    <dgm:txFillClrLst meth="repeat">
+      <a:schemeClr val="dk1"/>
+    </dgm:txFillClrLst>
+    <dgm:txEffectClrLst/>
+  </dgm:styleLbl>
+  <dgm:styleLbl name="alignAcc1">
+    <dgm:fillClrLst meth="repeat">
+      <a:schemeClr val="lt1">
+        <a:alpha val="90000"/>
+      </a:schemeClr>
+    </dgm:fillClrLst>
+    <dgm:linClrLst>
+      <a:schemeClr val="accent5"/>
+      <a:schemeClr val="accent6"/>
+    </dgm:linClrLst>
+    <dgm:effectClrLst/>
+    <dgm:txLinClrLst/>
+    <dgm:txFillClrLst meth="repeat">
+      <a:schemeClr val="dk1"/>
+    </dgm:txFillClrLst>
+    <dgm:txEffectClrLst/>
+  </dgm:styleLbl>
+  <dgm:styleLbl name="trAlignAcc1">
+    <dgm:fillClrLst meth="repeat">
+      <a:schemeClr val="lt1">
+        <a:alpha val="40000"/>
+      </a:schemeClr>
+    </dgm:fillClrLst>
+    <dgm:linClrLst meth="repeat">
+      <a:schemeClr val="accent5"/>
+    </dgm:linClrLst>
+    <dgm:effectClrLst/>
+    <dgm:txLinClrLst/>
+    <dgm:txFillClrLst meth="repeat">
+      <a:schemeClr val="dk1"/>
+    </dgm:txFillClrLst>
+    <dgm:txEffectClrLst/>
+  </dgm:styleLbl>
+  <dgm:styleLbl name="bgAcc1">
+    <dgm:fillClrLst meth="repeat">
+      <a:schemeClr val="lt1">
+        <a:alpha val="90000"/>
+      </a:schemeClr>
+    </dgm:fillClrLst>
+    <dgm:linClrLst>
+      <a:schemeClr val="accent5"/>
+      <a:schemeClr val="accent6"/>
+    </dgm:linClrLst>
+    <dgm:effectClrLst/>
+    <dgm:txLinClrLst/>
+    <dgm:txFillClrLst meth="repeat">
+      <a:schemeClr val="dk1"/>
+    </dgm:txFillClrLst>
+    <dgm:txEffectClrLst/>
+  </dgm:styleLbl>
+  <dgm:styleLbl name="solidFgAcc1">
+    <dgm:fillClrLst meth="repeat">
+      <a:schemeClr val="lt1"/>
+    </dgm:fillClrLst>
+    <dgm:linClrLst>
+      <a:schemeClr val="accent5"/>
+      <a:schemeClr val="accent6"/>
+    </dgm:linClrLst>
+    <dgm:effectClrLst/>
+    <dgm:txLinClrLst/>
+    <dgm:txFillClrLst meth="repeat">
+      <a:schemeClr val="dk1"/>
+    </dgm:txFillClrLst>
+    <dgm:txEffectClrLst/>
+  </dgm:styleLbl>
+  <dgm:styleLbl name="solidAlignAcc1">
+    <dgm:fillClrLst meth="repeat">
+      <a:schemeClr val="lt1"/>
+    </dgm:fillClrLst>
+    <dgm:linClrLst>
+      <a:schemeClr val="accent5"/>
+      <a:schemeClr val="accent6"/>
+    </dgm:linClrLst>
+    <dgm:effectClrLst/>
+    <dgm:txLinClrLst/>
+    <dgm:txFillClrLst meth="repeat">
+      <a:schemeClr val="dk1"/>
+    </dgm:txFillClrLst>
+    <dgm:txEffectClrLst/>
+  </dgm:styleLbl>
+  <dgm:styleLbl name="solidBgAcc1">
+    <dgm:fillClrLst meth="repeat">
+      <a:schemeClr val="lt1"/>
+    </dgm:fillClrLst>
+    <dgm:linClrLst>
+      <a:schemeClr val="accent5"/>
+      <a:schemeClr val="accent6"/>
+    </dgm:linClrLst>
+    <dgm:effectClrLst/>
+    <dgm:txLinClrLst/>
+    <dgm:txFillClrLst meth="repeat">
+      <a:schemeClr val="dk1"/>
+    </dgm:txFillClrLst>
+    <dgm:txEffectClrLst/>
+  </dgm:styleLbl>
+  <dgm:styleLbl name="fgAccFollowNode1">
+    <dgm:fillClrLst>
+      <a:schemeClr val="accent5">
+        <a:tint val="40000"/>
+        <a:alpha val="90000"/>
+      </a:schemeClr>
+      <a:schemeClr val="accent6">
+        <a:tint val="40000"/>
+        <a:alpha val="90000"/>
+      </a:schemeClr>
+    </dgm:fillClrLst>
+    <dgm:linClrLst>
+      <a:schemeClr val="accent5">
+        <a:tint val="40000"/>
+        <a:alpha val="90000"/>
+      </a:schemeClr>
+      <a:schemeClr val="accent5">
+        <a:tint val="40000"/>
+        <a:alpha val="90000"/>
+      </a:schemeClr>
+    </dgm:linClrLst>
+    <dgm:effectClrLst/>
+    <dgm:txLinClrLst/>
+    <dgm:txFillClrLst meth="repeat">
+      <a:schemeClr val="dk1"/>
+    </dgm:txFillClrLst>
+    <dgm:txEffectClrLst/>
+  </dgm:styleLbl>
+  <dgm:styleLbl name="alignAccFollowNode1">
+    <dgm:fillClrLst>
+      <a:schemeClr val="accent5">
+        <a:tint val="40000"/>
+        <a:alpha val="90000"/>
+      </a:schemeClr>
+      <a:schemeClr val="accent6">
+        <a:tint val="40000"/>
+        <a:alpha val="90000"/>
+      </a:schemeClr>
+    </dgm:fillClrLst>
+    <dgm:linClrLst>
+      <a:schemeClr val="accent5">
+        <a:tint val="40000"/>
+        <a:alpha val="90000"/>
+      </a:schemeClr>
+      <a:schemeClr val="accent6">
+        <a:tint val="40000"/>
+        <a:alpha val="90000"/>
+      </a:schemeClr>
+    </dgm:linClrLst>
+    <dgm:effectClrLst/>
+    <dgm:txLinClrLst/>
+    <dgm:txFillClrLst meth="repeat">
+      <a:schemeClr val="dk1"/>
+    </dgm:txFillClrLst>
+    <dgm:txEffectClrLst/>
+  </dgm:styleLbl>
+  <dgm:styleLbl name="bgAccFollowNode1">
+    <dgm:fillClrLst>
+      <a:schemeClr val="accent5">
+        <a:tint val="40000"/>
+        <a:alpha val="90000"/>
+      </a:schemeClr>
+      <a:schemeClr val="accent6">
+        <a:tint val="40000"/>
+        <a:alpha val="90000"/>
+      </a:schemeClr>
+    </dgm:fillClrLst>
+    <dgm:linClrLst>
+      <a:schemeClr val="accent5">
+        <a:tint val="40000"/>
+        <a:alpha val="90000"/>
+      </a:schemeClr>
+      <a:schemeClr val="accent6">
+        <a:tint val="40000"/>
+        <a:alpha val="90000"/>
+      </a:schemeClr>
+    </dgm:linClrLst>
+    <dgm:effectClrLst/>
+    <dgm:txLinClrLst/>
+    <dgm:txFillClrLst meth="repeat">
+      <a:schemeClr val="dk1"/>
+    </dgm:txFillClrLst>
+    <dgm:txEffectClrLst/>
+  </dgm:styleLbl>
+  <dgm:styleLbl name="fgAcc0">
+    <dgm:fillClrLst meth="repeat">
+      <a:schemeClr val="lt1">
+        <a:alpha val="90000"/>
+      </a:schemeClr>
+    </dgm:fillClrLst>
+    <dgm:linClrLst>
+      <a:schemeClr val="accent4"/>
+    </dgm:linClrLst>
+    <dgm:effectClrLst/>
+    <dgm:txLinClrLst/>
+    <dgm:txFillClrLst meth="repeat">
+      <a:schemeClr val="dk1"/>
+    </dgm:txFillClrLst>
+    <dgm:txEffectClrLst/>
+  </dgm:styleLbl>
+  <dgm:styleLbl name="fgAcc2">
+    <dgm:fillClrLst meth="repeat">
+      <a:schemeClr val="lt1">
+        <a:alpha val="90000"/>
+      </a:schemeClr>
+    </dgm:fillClrLst>
+    <dgm:linClrLst>
+      <a:schemeClr val="accent6"/>
+    </dgm:linClrLst>
+    <dgm:effectClrLst/>
+    <dgm:txLinClrLst/>
+    <dgm:txFillClrLst meth="repeat">
+      <a:schemeClr val="dk1"/>
+    </dgm:txFillClrLst>
+    <dgm:txEffectClrLst/>
+  </dgm:styleLbl>
+  <dgm:styleLbl name="fgAcc3">
+    <dgm:fillClrLst meth="repeat">
+      <a:schemeClr val="lt1">
+        <a:alpha val="90000"/>
+      </a:schemeClr>
+    </dgm:fillClrLst>
+    <dgm:linClrLst>
+      <a:schemeClr val="accent1"/>
+    </dgm:linClrLst>
+    <dgm:effectClrLst/>
+    <dgm:txLinClrLst/>
+    <dgm:txFillClrLst meth="repeat">
+      <a:schemeClr val="dk1"/>
+    </dgm:txFillClrLst>
+    <dgm:txEffectClrLst/>
+  </dgm:styleLbl>
+  <dgm:styleLbl name="fgAcc4">
+    <dgm:fillClrLst meth="repeat">
+      <a:schemeClr val="lt1">
+        <a:alpha val="90000"/>
+      </a:schemeClr>
+    </dgm:fillClrLst>
+    <dgm:linClrLst>
+      <a:schemeClr val="accent2"/>
+    </dgm:linClrLst>
+    <dgm:effectClrLst/>
+    <dgm:txLinClrLst/>
+    <dgm:txFillClrLst meth="repeat">
+      <a:schemeClr val="dk1"/>
+    </dgm:txFillClrLst>
+    <dgm:txEffectClrLst/>
+  </dgm:styleLbl>
+  <dgm:styleLbl name="bgShp">
+    <dgm:fillClrLst meth="repeat">
+      <a:schemeClr val="accent5">
+        <a:tint val="40000"/>
+      </a:schemeClr>
+    </dgm:fillClrLst>
+    <dgm:linClrLst meth="repeat">
+      <a:schemeClr val="dk1"/>
+    </dgm:linClrLst>
+    <dgm:effectClrLst/>
+    <dgm:txLinClrLst/>
+    <dgm:txFillClrLst meth="repeat">
+      <a:schemeClr val="dk1"/>
+    </dgm:txFillClrLst>
+    <dgm:txEffectClrLst/>
+  </dgm:styleLbl>
+  <dgm:styleLbl name="dkBgShp">
+    <dgm:fillClrLst meth="repeat">
+      <a:schemeClr val="accent5">
+        <a:shade val="90000"/>
+      </a:schemeClr>
+    </dgm:fillClrLst>
+    <dgm:linClrLst meth="repeat">
+      <a:schemeClr val="dk1"/>
+    </dgm:linClrLst>
+    <dgm:effectClrLst/>
+    <dgm:txLinClrLst/>
+    <dgm:txFillClrLst meth="repeat">
+      <a:schemeClr val="lt1"/>
+    </dgm:txFillClrLst>
+    <dgm:txEffectClrLst/>
+  </dgm:styleLbl>
+  <dgm:styleLbl name="trBgShp">
+    <dgm:fillClrLst meth="repeat">
+      <a:schemeClr val="accent5">
+        <a:tint val="50000"/>
+        <a:alpha val="40000"/>
+      </a:schemeClr>
+    </dgm:fillClrLst>
+    <dgm:linClrLst meth="repeat">
+      <a:schemeClr val="accent5"/>
+    </dgm:linClrLst>
+    <dgm:effectClrLst/>
+    <dgm:txLinClrLst/>
+    <dgm:txFillClrLst meth="repeat">
+      <a:schemeClr val="lt1"/>
+    </dgm:txFillClrLst>
+    <dgm:txEffectClrLst/>
+  </dgm:styleLbl>
+  <dgm:styleLbl name="fgShp">
+    <dgm:fillClrLst meth="repeat">
+      <a:schemeClr val="accent5">
+        <a:tint val="40000"/>
+      </a:schemeClr>
+    </dgm:fillClrLst>
+    <dgm:linClrLst meth="repeat">
+      <a:schemeClr val="lt1"/>
+    </dgm:linClrLst>
+    <dgm:effectClrLst/>
+    <dgm:txLinClrLst/>
+    <dgm:txFillClrLst meth="repeat">
+      <a:schemeClr val="dk1"/>
+    </dgm:txFillClrLst>
+    <dgm:txEffectClrLst/>
+  </dgm:styleLbl>
+  <dgm:styleLbl name="revTx">
+    <dgm:fillClrLst meth="repeat">
+      <a:schemeClr val="lt1">
+        <a:alpha val="0"/>
+      </a:schemeClr>
+    </dgm:fillClrLst>
+    <dgm:linClrLst meth="repeat">
+      <a:schemeClr val="dk1">
+        <a:alpha val="0"/>
+      </a:schemeClr>
+    </dgm:linClrLst>
+    <dgm:effectClrLst/>
+    <dgm:txLinClrLst/>
+    <dgm:txFillClrLst meth="repeat">
+      <a:schemeClr val="tx1"/>
+    </dgm:txFillClrLst>
+    <dgm:txEffectClrLst/>
+  </dgm:styleLbl>
+</dgm:colorsDef>
+</file>
+
+<file path=ppt/diagrams/data1.xml><?xml version="1.0" encoding="utf-8"?>
+<dgm:dataModel xmlns:dgm="http://schemas.openxmlformats.org/drawingml/2006/diagram" xmlns:a="http://schemas.openxmlformats.org/drawingml/2006/main">
+  <dgm:ptLst>
+    <dgm:pt modelId="{ACBDDFBC-01E5-4CC2-8891-5EA2D367FD7B}" type="doc">
+      <dgm:prSet loTypeId="urn:microsoft.com/office/officeart/2005/8/layout/chevron2" loCatId="process" qsTypeId="urn:microsoft.com/office/officeart/2005/8/quickstyle/simple1" qsCatId="simple" csTypeId="urn:microsoft.com/office/officeart/2005/8/colors/colorful5" csCatId="colorful" phldr="1"/>
+      <dgm:spPr/>
+      <dgm:t>
+        <a:bodyPr/>
+        <a:lstStyle/>
+        <a:p>
+          <a:endParaRPr lang="en-US"/>
+        </a:p>
+      </dgm:t>
+    </dgm:pt>
+    <dgm:pt modelId="{3F8BB553-48DB-4901-BC3A-9006432974CB}">
+      <dgm:prSet phldrT="[Text]" custT="1"/>
+      <dgm:spPr/>
+      <dgm:t>
+        <a:bodyPr/>
+        <a:lstStyle/>
+        <a:p>
+          <a:pPr algn="ctr"/>
+          <a:r>
+            <a:rPr lang="en-IN" sz="1800" b="1" dirty="0">
+              <a:latin typeface="Arial" pitchFamily="34" charset="0"/>
+              <a:cs typeface="Arial" pitchFamily="34" charset="0"/>
+            </a:rPr>
+            <a:t>Business Users </a:t>
+          </a:r>
+          <a:endParaRPr lang="en-US" sz="1800" b="1" dirty="0">
+            <a:latin typeface="Arial" pitchFamily="34" charset="0"/>
+            <a:cs typeface="Arial" pitchFamily="34" charset="0"/>
+          </a:endParaRPr>
+        </a:p>
+      </dgm:t>
+    </dgm:pt>
+    <dgm:pt modelId="{C452B442-A84A-49B8-8770-A29288FA3C11}" type="parTrans" cxnId="{F717CE59-518C-4B84-AA0C-E72932E8F9E7}">
+      <dgm:prSet/>
+      <dgm:spPr/>
+      <dgm:t>
+        <a:bodyPr/>
+        <a:lstStyle/>
+        <a:p>
+          <a:endParaRPr lang="en-US"/>
+        </a:p>
+      </dgm:t>
+    </dgm:pt>
+    <dgm:pt modelId="{F273069B-9671-4635-9B32-CC25486FA0A4}" type="sibTrans" cxnId="{F717CE59-518C-4B84-AA0C-E72932E8F9E7}">
+      <dgm:prSet/>
+      <dgm:spPr/>
+      <dgm:t>
+        <a:bodyPr/>
+        <a:lstStyle/>
+        <a:p>
+          <a:endParaRPr lang="en-US"/>
+        </a:p>
+      </dgm:t>
+    </dgm:pt>
+    <dgm:pt modelId="{0D7BDDB5-87DE-4D45-9F0B-9856F3853635}">
+      <dgm:prSet phldrT="[Text]" custT="1"/>
+      <dgm:spPr/>
+      <dgm:t>
+        <a:bodyPr/>
+        <a:lstStyle/>
+        <a:p>
+          <a:pPr algn="l"/>
+          <a:r>
+            <a:rPr lang="en-IN" sz="1800" b="1" dirty="0">
+              <a:latin typeface="Arial" pitchFamily="34" charset="0"/>
+              <a:cs typeface="Arial" pitchFamily="34" charset="0"/>
+            </a:rPr>
+            <a:t>Test Automation QA’s </a:t>
+          </a:r>
+          <a:r>
+            <a:rPr lang="en-IN" sz="1800" dirty="0">
+              <a:latin typeface="Arial" pitchFamily="34" charset="0"/>
+              <a:cs typeface="Arial" pitchFamily="34" charset="0"/>
+            </a:rPr>
+            <a:t>are responsible for implementing each scenario using the BDD framework, according to the user stories that were created by the business users</a:t>
+          </a:r>
+          <a:endParaRPr lang="en-US" sz="1800" b="0" dirty="0">
+            <a:latin typeface="Arial" pitchFamily="34" charset="0"/>
+            <a:cs typeface="Arial" pitchFamily="34" charset="0"/>
+          </a:endParaRPr>
+        </a:p>
+      </dgm:t>
+    </dgm:pt>
+    <dgm:pt modelId="{991727A3-BC66-4834-90A9-C6D1DDC118C4}" type="parTrans" cxnId="{BA735303-C764-42C8-BFC1-B7F6FD2C934B}">
+      <dgm:prSet/>
+      <dgm:spPr/>
+      <dgm:t>
+        <a:bodyPr/>
+        <a:lstStyle/>
+        <a:p>
+          <a:endParaRPr lang="en-US"/>
+        </a:p>
+      </dgm:t>
+    </dgm:pt>
+    <dgm:pt modelId="{EFF5D862-666B-46C3-B798-D647A2EAB03F}" type="sibTrans" cxnId="{BA735303-C764-42C8-BFC1-B7F6FD2C934B}">
+      <dgm:prSet/>
+      <dgm:spPr/>
+      <dgm:t>
+        <a:bodyPr/>
+        <a:lstStyle/>
+        <a:p>
+          <a:endParaRPr lang="en-US"/>
+        </a:p>
+      </dgm:t>
+    </dgm:pt>
+    <dgm:pt modelId="{3EC688CC-9B74-4DF4-BD13-6DD390A6230B}">
+      <dgm:prSet phldrT="[Text]" custT="1"/>
+      <dgm:spPr/>
+      <dgm:t>
+        <a:bodyPr/>
+        <a:lstStyle/>
+        <a:p>
+          <a:pPr algn="ctr"/>
+          <a:r>
+            <a:rPr lang="en-IN" sz="1800" b="1" dirty="0">
+              <a:latin typeface="Arial" pitchFamily="34" charset="0"/>
+              <a:cs typeface="Arial" pitchFamily="34" charset="0"/>
+            </a:rPr>
+            <a:t>Test Automation QA’s </a:t>
+          </a:r>
+          <a:endParaRPr lang="en-US" sz="1800" b="1" dirty="0">
+            <a:latin typeface="Arial" pitchFamily="34" charset="0"/>
+            <a:cs typeface="Arial" pitchFamily="34" charset="0"/>
+          </a:endParaRPr>
+        </a:p>
+      </dgm:t>
+    </dgm:pt>
+    <dgm:pt modelId="{045AFE43-951F-49B7-81A4-2068B8E15A88}" type="parTrans" cxnId="{9D5796F8-5D37-4FEA-81C3-F2E15E51A838}">
+      <dgm:prSet/>
+      <dgm:spPr/>
+      <dgm:t>
+        <a:bodyPr/>
+        <a:lstStyle/>
+        <a:p>
+          <a:endParaRPr lang="en-US"/>
+        </a:p>
+      </dgm:t>
+    </dgm:pt>
+    <dgm:pt modelId="{ED0B8448-7F66-45D7-B5A3-C31BD327B707}" type="sibTrans" cxnId="{9D5796F8-5D37-4FEA-81C3-F2E15E51A838}">
+      <dgm:prSet/>
+      <dgm:spPr/>
+      <dgm:t>
+        <a:bodyPr/>
+        <a:lstStyle/>
+        <a:p>
+          <a:endParaRPr lang="en-US"/>
+        </a:p>
+      </dgm:t>
+    </dgm:pt>
+    <dgm:pt modelId="{586BA02E-2C83-44D6-917F-92843ABC26FE}">
+      <dgm:prSet custT="1"/>
+      <dgm:spPr/>
+      <dgm:t>
+        <a:bodyPr/>
+        <a:lstStyle/>
+        <a:p>
+          <a:pPr algn="l"/>
+          <a:r>
+            <a:rPr lang="en-IN" sz="1800" b="1" dirty="0">
+              <a:latin typeface="Arial" pitchFamily="34" charset="0"/>
+              <a:cs typeface="Arial" pitchFamily="34" charset="0"/>
+            </a:rPr>
+            <a:t>Business</a:t>
+          </a:r>
+          <a:r>
+            <a:rPr lang="en-IN" sz="1800" dirty="0">
+              <a:latin typeface="Arial" pitchFamily="34" charset="0"/>
+              <a:cs typeface="Arial" pitchFamily="34" charset="0"/>
+            </a:rPr>
+            <a:t> </a:t>
+          </a:r>
+          <a:r>
+            <a:rPr lang="en-IN" sz="1800" b="1" dirty="0">
+              <a:latin typeface="Arial" pitchFamily="34" charset="0"/>
+              <a:cs typeface="Arial" pitchFamily="34" charset="0"/>
+            </a:rPr>
+            <a:t>Users</a:t>
+          </a:r>
+          <a:r>
+            <a:rPr lang="en-IN" sz="1800" dirty="0">
+              <a:latin typeface="Arial" pitchFamily="34" charset="0"/>
+              <a:cs typeface="Arial" pitchFamily="34" charset="0"/>
+            </a:rPr>
+            <a:t> are domain experts and understands application flows from a user’s point of view. This role can be shared with product owner and business analyst</a:t>
+          </a:r>
+          <a:endParaRPr lang="en-US" sz="1800" dirty="0">
+            <a:latin typeface="Arial" pitchFamily="34" charset="0"/>
+            <a:cs typeface="Arial" pitchFamily="34" charset="0"/>
+          </a:endParaRPr>
+        </a:p>
+      </dgm:t>
+    </dgm:pt>
+    <dgm:pt modelId="{1465802E-3A7D-4278-8B0E-C5BFED3C0BCB}" type="parTrans" cxnId="{DDBB4A7B-897E-4066-B1CD-24D628FAADDF}">
+      <dgm:prSet/>
+      <dgm:spPr/>
+      <dgm:t>
+        <a:bodyPr/>
+        <a:lstStyle/>
+        <a:p>
+          <a:endParaRPr lang="en-US"/>
+        </a:p>
+      </dgm:t>
+    </dgm:pt>
+    <dgm:pt modelId="{0EDADA45-1D6F-4CD8-B153-BDFB716645C2}" type="sibTrans" cxnId="{DDBB4A7B-897E-4066-B1CD-24D628FAADDF}">
+      <dgm:prSet/>
+      <dgm:spPr/>
+      <dgm:t>
+        <a:bodyPr/>
+        <a:lstStyle/>
+        <a:p>
+          <a:endParaRPr lang="en-US"/>
+        </a:p>
+      </dgm:t>
+    </dgm:pt>
+    <dgm:pt modelId="{C1E9A2DE-653C-4AAF-BAC7-242EC2D52876}">
+      <dgm:prSet phldrT="[Text]"/>
+      <dgm:spPr/>
+      <dgm:t>
+        <a:bodyPr/>
+        <a:lstStyle/>
+        <a:p>
+          <a:r>
+            <a:rPr lang="en-IN" b="1" dirty="0">
+              <a:latin typeface="Arial" pitchFamily="34" charset="0"/>
+              <a:cs typeface="Arial" pitchFamily="34" charset="0"/>
+            </a:rPr>
+            <a:t>Developer </a:t>
+          </a:r>
+          <a:endParaRPr lang="en-US" b="1" dirty="0">
+            <a:latin typeface="Arial" pitchFamily="34" charset="0"/>
+            <a:cs typeface="Arial" pitchFamily="34" charset="0"/>
+          </a:endParaRPr>
+        </a:p>
+      </dgm:t>
+    </dgm:pt>
+    <dgm:pt modelId="{0CF2CEC2-9381-4CB5-9162-BD1A317D69EC}" type="parTrans" cxnId="{367967B8-CBFA-4926-B9D9-F06A4BEC2874}">
+      <dgm:prSet/>
+      <dgm:spPr/>
+      <dgm:t>
+        <a:bodyPr/>
+        <a:lstStyle/>
+        <a:p>
+          <a:pPr rtl="1"/>
+          <a:endParaRPr lang="fa-IR"/>
+        </a:p>
+      </dgm:t>
+    </dgm:pt>
+    <dgm:pt modelId="{E93AFC08-326A-4D81-8CFC-BA0142A7C781}" type="sibTrans" cxnId="{367967B8-CBFA-4926-B9D9-F06A4BEC2874}">
+      <dgm:prSet/>
+      <dgm:spPr/>
+      <dgm:t>
+        <a:bodyPr/>
+        <a:lstStyle/>
+        <a:p>
+          <a:pPr rtl="1"/>
+          <a:endParaRPr lang="fa-IR"/>
+        </a:p>
+      </dgm:t>
+    </dgm:pt>
+    <dgm:pt modelId="{94DC652A-D785-4694-B4AD-733917B3D241}">
+      <dgm:prSet phldrT="[Text]"/>
+      <dgm:spPr/>
+      <dgm:t>
+        <a:bodyPr/>
+        <a:lstStyle/>
+        <a:p>
+          <a:r>
+            <a:rPr lang="en-IN" b="1" dirty="0">
+              <a:latin typeface="Arial" pitchFamily="34" charset="0"/>
+              <a:cs typeface="Arial" pitchFamily="34" charset="0"/>
+            </a:rPr>
+            <a:t>Developer</a:t>
+          </a:r>
+          <a:r>
+            <a:rPr lang="en-IN" dirty="0">
+              <a:latin typeface="Arial" pitchFamily="34" charset="0"/>
+              <a:cs typeface="Arial" pitchFamily="34" charset="0"/>
+            </a:rPr>
+            <a:t> translates user story scenario into a function which is used to implement the steps into given in acceptance criteria</a:t>
+          </a:r>
+          <a:endParaRPr lang="en-US" dirty="0">
+            <a:latin typeface="Arial" pitchFamily="34" charset="0"/>
+            <a:cs typeface="Arial" pitchFamily="34" charset="0"/>
+          </a:endParaRPr>
+        </a:p>
+      </dgm:t>
+    </dgm:pt>
+    <dgm:pt modelId="{7BB6E05E-E6E7-423E-AAD6-A049AF7B1594}" type="parTrans" cxnId="{0F00A51F-D9ED-4C3F-B07D-8FF2FF23A5EB}">
+      <dgm:prSet/>
+      <dgm:spPr/>
+      <dgm:t>
+        <a:bodyPr/>
+        <a:lstStyle/>
+        <a:p>
+          <a:pPr rtl="1"/>
+          <a:endParaRPr lang="fa-IR"/>
+        </a:p>
+      </dgm:t>
+    </dgm:pt>
+    <dgm:pt modelId="{222606E0-9BC2-4A3F-AE76-A58EC196B842}" type="sibTrans" cxnId="{0F00A51F-D9ED-4C3F-B07D-8FF2FF23A5EB}">
+      <dgm:prSet/>
+      <dgm:spPr/>
+      <dgm:t>
+        <a:bodyPr/>
+        <a:lstStyle/>
+        <a:p>
+          <a:pPr rtl="1"/>
+          <a:endParaRPr lang="fa-IR"/>
+        </a:p>
+      </dgm:t>
+    </dgm:pt>
+    <dgm:pt modelId="{211FBC8A-ECAF-4F26-8AF9-D95E100B47E0}" type="pres">
+      <dgm:prSet presAssocID="{ACBDDFBC-01E5-4CC2-8891-5EA2D367FD7B}" presName="linearFlow" presStyleCnt="0">
+        <dgm:presLayoutVars>
+          <dgm:dir/>
+          <dgm:animLvl val="lvl"/>
+          <dgm:resizeHandles val="exact"/>
+        </dgm:presLayoutVars>
+      </dgm:prSet>
+      <dgm:spPr/>
+      <dgm:t>
+        <a:bodyPr/>
+        <a:lstStyle/>
+        <a:p>
+          <a:endParaRPr lang="en-US"/>
+        </a:p>
+      </dgm:t>
+    </dgm:pt>
+    <dgm:pt modelId="{361FD6E1-91FF-435B-83BB-FFBCC958D7BB}" type="pres">
+      <dgm:prSet presAssocID="{3F8BB553-48DB-4901-BC3A-9006432974CB}" presName="composite" presStyleCnt="0"/>
+      <dgm:spPr/>
+    </dgm:pt>
+    <dgm:pt modelId="{C428F6D7-B04F-4444-8CC6-5A6BD9DC88BD}" type="pres">
+      <dgm:prSet presAssocID="{3F8BB553-48DB-4901-BC3A-9006432974CB}" presName="parentText" presStyleLbl="alignNode1" presStyleIdx="0" presStyleCnt="3">
+        <dgm:presLayoutVars>
+          <dgm:chMax val="1"/>
+          <dgm:bulletEnabled val="1"/>
+        </dgm:presLayoutVars>
+      </dgm:prSet>
+      <dgm:spPr/>
+      <dgm:t>
+        <a:bodyPr/>
+        <a:lstStyle/>
+        <a:p>
+          <a:endParaRPr lang="en-US"/>
+        </a:p>
+      </dgm:t>
+    </dgm:pt>
+    <dgm:pt modelId="{6F5235EF-161E-4D0C-9E5E-DD5C130D3AF5}" type="pres">
+      <dgm:prSet presAssocID="{3F8BB553-48DB-4901-BC3A-9006432974CB}" presName="descendantText" presStyleLbl="alignAcc1" presStyleIdx="0" presStyleCnt="3">
+        <dgm:presLayoutVars>
+          <dgm:bulletEnabled val="1"/>
+        </dgm:presLayoutVars>
+      </dgm:prSet>
+      <dgm:spPr/>
+      <dgm:t>
+        <a:bodyPr/>
+        <a:lstStyle/>
+        <a:p>
+          <a:endParaRPr lang="en-US"/>
+        </a:p>
+      </dgm:t>
+    </dgm:pt>
+    <dgm:pt modelId="{DB59A948-48D3-4A0D-B9CE-1E2FBAF65D06}" type="pres">
+      <dgm:prSet presAssocID="{F273069B-9671-4635-9B32-CC25486FA0A4}" presName="sp" presStyleCnt="0"/>
+      <dgm:spPr/>
+    </dgm:pt>
+    <dgm:pt modelId="{08898D30-931C-4F73-B5CE-5425BFE010DF}" type="pres">
+      <dgm:prSet presAssocID="{3EC688CC-9B74-4DF4-BD13-6DD390A6230B}" presName="composite" presStyleCnt="0"/>
+      <dgm:spPr/>
+    </dgm:pt>
+    <dgm:pt modelId="{F70C7747-D673-45ED-B6DE-E990DCD0C5F6}" type="pres">
+      <dgm:prSet presAssocID="{3EC688CC-9B74-4DF4-BD13-6DD390A6230B}" presName="parentText" presStyleLbl="alignNode1" presStyleIdx="1" presStyleCnt="3">
+        <dgm:presLayoutVars>
+          <dgm:chMax val="1"/>
+          <dgm:bulletEnabled val="1"/>
+        </dgm:presLayoutVars>
+      </dgm:prSet>
+      <dgm:spPr/>
+      <dgm:t>
+        <a:bodyPr/>
+        <a:lstStyle/>
+        <a:p>
+          <a:endParaRPr lang="en-US"/>
+        </a:p>
+      </dgm:t>
+    </dgm:pt>
+    <dgm:pt modelId="{268FFB2C-DBAF-48E2-8D77-683684470F8A}" type="pres">
+      <dgm:prSet presAssocID="{3EC688CC-9B74-4DF4-BD13-6DD390A6230B}" presName="descendantText" presStyleLbl="alignAcc1" presStyleIdx="1" presStyleCnt="3">
+        <dgm:presLayoutVars>
+          <dgm:bulletEnabled val="1"/>
+        </dgm:presLayoutVars>
+      </dgm:prSet>
+      <dgm:spPr/>
+      <dgm:t>
+        <a:bodyPr/>
+        <a:lstStyle/>
+        <a:p>
+          <a:endParaRPr lang="en-US"/>
+        </a:p>
+      </dgm:t>
+    </dgm:pt>
+    <dgm:pt modelId="{2C187AB3-36B0-4957-BA84-989A2D5796CB}" type="pres">
+      <dgm:prSet presAssocID="{ED0B8448-7F66-45D7-B5A3-C31BD327B707}" presName="sp" presStyleCnt="0"/>
+      <dgm:spPr/>
+    </dgm:pt>
+    <dgm:pt modelId="{643B485C-9D61-45B1-9079-3FDC357D3231}" type="pres">
+      <dgm:prSet presAssocID="{C1E9A2DE-653C-4AAF-BAC7-242EC2D52876}" presName="composite" presStyleCnt="0"/>
+      <dgm:spPr/>
+    </dgm:pt>
+    <dgm:pt modelId="{3187AE09-E498-451E-B527-F93981C1E3BB}" type="pres">
+      <dgm:prSet presAssocID="{C1E9A2DE-653C-4AAF-BAC7-242EC2D52876}" presName="parentText" presStyleLbl="alignNode1" presStyleIdx="2" presStyleCnt="3" custLinFactNeighborY="-178">
+        <dgm:presLayoutVars>
+          <dgm:chMax val="1"/>
+          <dgm:bulletEnabled val="1"/>
+        </dgm:presLayoutVars>
+      </dgm:prSet>
+      <dgm:spPr/>
+      <dgm:t>
+        <a:bodyPr/>
+        <a:lstStyle/>
+        <a:p>
+          <a:pPr rtl="1"/>
+          <a:endParaRPr lang="fa-IR"/>
+        </a:p>
+      </dgm:t>
+    </dgm:pt>
+    <dgm:pt modelId="{EE153214-89E6-4E9A-9E46-ED71ED379AD8}" type="pres">
+      <dgm:prSet presAssocID="{C1E9A2DE-653C-4AAF-BAC7-242EC2D52876}" presName="descendantText" presStyleLbl="alignAcc1" presStyleIdx="2" presStyleCnt="3">
+        <dgm:presLayoutVars>
+          <dgm:bulletEnabled val="1"/>
+        </dgm:presLayoutVars>
+      </dgm:prSet>
+      <dgm:spPr/>
+      <dgm:t>
+        <a:bodyPr/>
+        <a:lstStyle/>
+        <a:p>
+          <a:pPr rtl="1"/>
+          <a:endParaRPr lang="fa-IR"/>
+        </a:p>
+      </dgm:t>
+    </dgm:pt>
+  </dgm:ptLst>
+  <dgm:cxnLst>
+    <dgm:cxn modelId="{367967B8-CBFA-4926-B9D9-F06A4BEC2874}" srcId="{ACBDDFBC-01E5-4CC2-8891-5EA2D367FD7B}" destId="{C1E9A2DE-653C-4AAF-BAC7-242EC2D52876}" srcOrd="2" destOrd="0" parTransId="{0CF2CEC2-9381-4CB5-9162-BD1A317D69EC}" sibTransId="{E93AFC08-326A-4D81-8CFC-BA0142A7C781}"/>
+    <dgm:cxn modelId="{F2031042-A51C-47C6-BD35-AF46579D90B9}" type="presOf" srcId="{C1E9A2DE-653C-4AAF-BAC7-242EC2D52876}" destId="{3187AE09-E498-451E-B527-F93981C1E3BB}" srcOrd="0" destOrd="0" presId="urn:microsoft.com/office/officeart/2005/8/layout/chevron2"/>
+    <dgm:cxn modelId="{307FCB9B-C90E-4800-98CD-09E68CA18A1C}" type="presOf" srcId="{0D7BDDB5-87DE-4D45-9F0B-9856F3853635}" destId="{268FFB2C-DBAF-48E2-8D77-683684470F8A}" srcOrd="0" destOrd="0" presId="urn:microsoft.com/office/officeart/2005/8/layout/chevron2"/>
+    <dgm:cxn modelId="{BA735303-C764-42C8-BFC1-B7F6FD2C934B}" srcId="{3EC688CC-9B74-4DF4-BD13-6DD390A6230B}" destId="{0D7BDDB5-87DE-4D45-9F0B-9856F3853635}" srcOrd="0" destOrd="0" parTransId="{991727A3-BC66-4834-90A9-C6D1DDC118C4}" sibTransId="{EFF5D862-666B-46C3-B798-D647A2EAB03F}"/>
+    <dgm:cxn modelId="{0F00A51F-D9ED-4C3F-B07D-8FF2FF23A5EB}" srcId="{C1E9A2DE-653C-4AAF-BAC7-242EC2D52876}" destId="{94DC652A-D785-4694-B4AD-733917B3D241}" srcOrd="0" destOrd="0" parTransId="{7BB6E05E-E6E7-423E-AAD6-A049AF7B1594}" sibTransId="{222606E0-9BC2-4A3F-AE76-A58EC196B842}"/>
+    <dgm:cxn modelId="{DDBB4A7B-897E-4066-B1CD-24D628FAADDF}" srcId="{3F8BB553-48DB-4901-BC3A-9006432974CB}" destId="{586BA02E-2C83-44D6-917F-92843ABC26FE}" srcOrd="0" destOrd="0" parTransId="{1465802E-3A7D-4278-8B0E-C5BFED3C0BCB}" sibTransId="{0EDADA45-1D6F-4CD8-B153-BDFB716645C2}"/>
+    <dgm:cxn modelId="{27413567-BE04-4FA3-9528-C0AFD72BA1C4}" type="presOf" srcId="{3F8BB553-48DB-4901-BC3A-9006432974CB}" destId="{C428F6D7-B04F-4444-8CC6-5A6BD9DC88BD}" srcOrd="0" destOrd="0" presId="urn:microsoft.com/office/officeart/2005/8/layout/chevron2"/>
+    <dgm:cxn modelId="{7ACBE7FB-3A86-41B6-9C10-0D94D3B74751}" type="presOf" srcId="{ACBDDFBC-01E5-4CC2-8891-5EA2D367FD7B}" destId="{211FBC8A-ECAF-4F26-8AF9-D95E100B47E0}" srcOrd="0" destOrd="0" presId="urn:microsoft.com/office/officeart/2005/8/layout/chevron2"/>
+    <dgm:cxn modelId="{F717CE59-518C-4B84-AA0C-E72932E8F9E7}" srcId="{ACBDDFBC-01E5-4CC2-8891-5EA2D367FD7B}" destId="{3F8BB553-48DB-4901-BC3A-9006432974CB}" srcOrd="0" destOrd="0" parTransId="{C452B442-A84A-49B8-8770-A29288FA3C11}" sibTransId="{F273069B-9671-4635-9B32-CC25486FA0A4}"/>
+    <dgm:cxn modelId="{9D5796F8-5D37-4FEA-81C3-F2E15E51A838}" srcId="{ACBDDFBC-01E5-4CC2-8891-5EA2D367FD7B}" destId="{3EC688CC-9B74-4DF4-BD13-6DD390A6230B}" srcOrd="1" destOrd="0" parTransId="{045AFE43-951F-49B7-81A4-2068B8E15A88}" sibTransId="{ED0B8448-7F66-45D7-B5A3-C31BD327B707}"/>
+    <dgm:cxn modelId="{A5A84F18-2902-45A7-A483-D7327D76D94F}" type="presOf" srcId="{586BA02E-2C83-44D6-917F-92843ABC26FE}" destId="{6F5235EF-161E-4D0C-9E5E-DD5C130D3AF5}" srcOrd="0" destOrd="0" presId="urn:microsoft.com/office/officeart/2005/8/layout/chevron2"/>
+    <dgm:cxn modelId="{AEAF9062-9ABC-4360-A2FE-4FCDFA0B781E}" type="presOf" srcId="{94DC652A-D785-4694-B4AD-733917B3D241}" destId="{EE153214-89E6-4E9A-9E46-ED71ED379AD8}" srcOrd="0" destOrd="0" presId="urn:microsoft.com/office/officeart/2005/8/layout/chevron2"/>
+    <dgm:cxn modelId="{A6787D86-C13D-4308-99AE-7FE7A30D86A1}" type="presOf" srcId="{3EC688CC-9B74-4DF4-BD13-6DD390A6230B}" destId="{F70C7747-D673-45ED-B6DE-E990DCD0C5F6}" srcOrd="0" destOrd="0" presId="urn:microsoft.com/office/officeart/2005/8/layout/chevron2"/>
+    <dgm:cxn modelId="{F7541BBD-D86C-4E32-9E27-66291CCCEB37}" type="presParOf" srcId="{211FBC8A-ECAF-4F26-8AF9-D95E100B47E0}" destId="{361FD6E1-91FF-435B-83BB-FFBCC958D7BB}" srcOrd="0" destOrd="0" presId="urn:microsoft.com/office/officeart/2005/8/layout/chevron2"/>
+    <dgm:cxn modelId="{1F4FD12E-599C-4BF3-A2D9-F4804DCD264A}" type="presParOf" srcId="{361FD6E1-91FF-435B-83BB-FFBCC958D7BB}" destId="{C428F6D7-B04F-4444-8CC6-5A6BD9DC88BD}" srcOrd="0" destOrd="0" presId="urn:microsoft.com/office/officeart/2005/8/layout/chevron2"/>
+    <dgm:cxn modelId="{F2F6908A-17E9-4A38-917E-5A35FA698DAE}" type="presParOf" srcId="{361FD6E1-91FF-435B-83BB-FFBCC958D7BB}" destId="{6F5235EF-161E-4D0C-9E5E-DD5C130D3AF5}" srcOrd="1" destOrd="0" presId="urn:microsoft.com/office/officeart/2005/8/layout/chevron2"/>
+    <dgm:cxn modelId="{5772A110-40A6-4C4A-BFD2-F704D32F0D66}" type="presParOf" srcId="{211FBC8A-ECAF-4F26-8AF9-D95E100B47E0}" destId="{DB59A948-48D3-4A0D-B9CE-1E2FBAF65D06}" srcOrd="1" destOrd="0" presId="urn:microsoft.com/office/officeart/2005/8/layout/chevron2"/>
+    <dgm:cxn modelId="{A6BEA0F9-34F4-418E-9EA2-0B589454BE5E}" type="presParOf" srcId="{211FBC8A-ECAF-4F26-8AF9-D95E100B47E0}" destId="{08898D30-931C-4F73-B5CE-5425BFE010DF}" srcOrd="2" destOrd="0" presId="urn:microsoft.com/office/officeart/2005/8/layout/chevron2"/>
+    <dgm:cxn modelId="{56C24F5A-431C-46C0-8600-19AE0F39B3D7}" type="presParOf" srcId="{08898D30-931C-4F73-B5CE-5425BFE010DF}" destId="{F70C7747-D673-45ED-B6DE-E990DCD0C5F6}" srcOrd="0" destOrd="0" presId="urn:microsoft.com/office/officeart/2005/8/layout/chevron2"/>
+    <dgm:cxn modelId="{E480505A-F83E-453F-9A22-49CD0C21A25A}" type="presParOf" srcId="{08898D30-931C-4F73-B5CE-5425BFE010DF}" destId="{268FFB2C-DBAF-48E2-8D77-683684470F8A}" srcOrd="1" destOrd="0" presId="urn:microsoft.com/office/officeart/2005/8/layout/chevron2"/>
+    <dgm:cxn modelId="{F05EDE5D-F53C-44F9-AFEF-B4F16BE1B4E1}" type="presParOf" srcId="{211FBC8A-ECAF-4F26-8AF9-D95E100B47E0}" destId="{2C187AB3-36B0-4957-BA84-989A2D5796CB}" srcOrd="3" destOrd="0" presId="urn:microsoft.com/office/officeart/2005/8/layout/chevron2"/>
+    <dgm:cxn modelId="{7D104BA9-BBA8-48F8-AA7F-2263339A5DE6}" type="presParOf" srcId="{211FBC8A-ECAF-4F26-8AF9-D95E100B47E0}" destId="{643B485C-9D61-45B1-9079-3FDC357D3231}" srcOrd="4" destOrd="0" presId="urn:microsoft.com/office/officeart/2005/8/layout/chevron2"/>
+    <dgm:cxn modelId="{D8D30E85-53E3-4CF4-9738-4045F1559E9E}" type="presParOf" srcId="{643B485C-9D61-45B1-9079-3FDC357D3231}" destId="{3187AE09-E498-451E-B527-F93981C1E3BB}" srcOrd="0" destOrd="0" presId="urn:microsoft.com/office/officeart/2005/8/layout/chevron2"/>
+    <dgm:cxn modelId="{91C8FA5F-06C7-4020-95CD-A515998B2F2E}" type="presParOf" srcId="{643B485C-9D61-45B1-9079-3FDC357D3231}" destId="{EE153214-89E6-4E9A-9E46-ED71ED379AD8}" srcOrd="1" destOrd="0" presId="urn:microsoft.com/office/officeart/2005/8/layout/chevron2"/>
+  </dgm:cxnLst>
+  <dgm:bg/>
+  <dgm:whole/>
+  <dgm:extLst>
+    <a:ext uri="http://schemas.microsoft.com/office/drawing/2008/diagram">
+      <dsp:dataModelExt xmlns:dsp="http://schemas.microsoft.com/office/drawing/2008/diagram" relId="rId6" minVer="http://schemas.openxmlformats.org/drawingml/2006/diagram"/>
+    </a:ext>
+  </dgm:extLst>
+</dgm:dataModel>
+</file>
+
+<file path=ppt/diagrams/drawing1.xml><?xml version="1.0" encoding="utf-8"?>
+<dsp:drawing xmlns:dgm="http://schemas.openxmlformats.org/drawingml/2006/diagram" xmlns:dsp="http://schemas.microsoft.com/office/drawing/2008/diagram" xmlns:a="http://schemas.openxmlformats.org/drawingml/2006/main">
+  <dsp:spTree>
+    <dsp:nvGrpSpPr>
+      <dsp:cNvPr id="0" name=""/>
+      <dsp:cNvGrpSpPr/>
+    </dsp:nvGrpSpPr>
+    <dsp:grpSpPr/>
+    <dsp:sp modelId="{C428F6D7-B04F-4444-8CC6-5A6BD9DC88BD}">
+      <dsp:nvSpPr>
+        <dsp:cNvPr id="0" name=""/>
+        <dsp:cNvSpPr/>
+      </dsp:nvSpPr>
+      <dsp:spPr>
+        <a:xfrm rot="5400000">
+          <a:off x="-274207" y="279950"/>
+          <a:ext cx="1828053" cy="1279637"/>
+        </a:xfrm>
+        <a:prstGeom prst="chevron">
+          <a:avLst/>
+        </a:prstGeom>
+        <a:solidFill>
+          <a:schemeClr val="accent5">
+            <a:hueOff val="0"/>
+            <a:satOff val="0"/>
+            <a:lumOff val="0"/>
+            <a:alphaOff val="0"/>
+          </a:schemeClr>
+        </a:solidFill>
+        <a:ln w="12700" cap="flat" cmpd="sng" algn="ctr">
+          <a:solidFill>
+            <a:schemeClr val="accent5">
+              <a:hueOff val="0"/>
+              <a:satOff val="0"/>
+              <a:lumOff val="0"/>
+              <a:alphaOff val="0"/>
+            </a:schemeClr>
+          </a:solidFill>
+          <a:prstDash val="solid"/>
+          <a:miter lim="800000"/>
+        </a:ln>
+        <a:effectLst/>
+      </dsp:spPr>
+      <dsp:style>
+        <a:lnRef idx="2">
+          <a:scrgbClr r="0" g="0" b="0"/>
+        </a:lnRef>
+        <a:fillRef idx="1">
+          <a:scrgbClr r="0" g="0" b="0"/>
+        </a:fillRef>
+        <a:effectRef idx="0">
+          <a:scrgbClr r="0" g="0" b="0"/>
+        </a:effectRef>
+        <a:fontRef idx="minor">
+          <a:schemeClr val="lt1"/>
+        </a:fontRef>
+      </dsp:style>
+      <dsp:txBody>
+        <a:bodyPr spcFirstLastPara="0" vert="horz" wrap="square" lIns="11430" tIns="11430" rIns="11430" bIns="11430" numCol="1" spcCol="1270" anchor="ctr" anchorCtr="0">
+          <a:noAutofit/>
+        </a:bodyPr>
+        <a:lstStyle/>
+        <a:p>
+          <a:pPr lvl="0" algn="ctr" defTabSz="800100">
+            <a:lnSpc>
+              <a:spcPct val="90000"/>
+            </a:lnSpc>
+            <a:spcBef>
+              <a:spcPct val="0"/>
+            </a:spcBef>
+            <a:spcAft>
+              <a:spcPct val="35000"/>
+            </a:spcAft>
+          </a:pPr>
+          <a:r>
+            <a:rPr lang="en-IN" sz="1800" b="1" kern="1200" dirty="0">
+              <a:latin typeface="Arial" pitchFamily="34" charset="0"/>
+              <a:cs typeface="Arial" pitchFamily="34" charset="0"/>
+            </a:rPr>
+            <a:t>Business Users </a:t>
+          </a:r>
+          <a:endParaRPr lang="en-US" sz="1800" b="1" kern="1200" dirty="0">
+            <a:latin typeface="Arial" pitchFamily="34" charset="0"/>
+            <a:cs typeface="Arial" pitchFamily="34" charset="0"/>
+          </a:endParaRPr>
+        </a:p>
+      </dsp:txBody>
+      <dsp:txXfrm rot="-5400000">
+        <a:off x="2" y="645561"/>
+        <a:ext cx="1279637" cy="548416"/>
+      </dsp:txXfrm>
+    </dsp:sp>
+    <dsp:sp modelId="{6F5235EF-161E-4D0C-9E5E-DD5C130D3AF5}">
+      <dsp:nvSpPr>
+        <dsp:cNvPr id="0" name=""/>
+        <dsp:cNvSpPr/>
+      </dsp:nvSpPr>
+      <dsp:spPr>
+        <a:xfrm rot="5400000">
+          <a:off x="4402185" y="-3116805"/>
+          <a:ext cx="1188234" cy="7433330"/>
+        </a:xfrm>
+        <a:prstGeom prst="round2SameRect">
+          <a:avLst/>
+        </a:prstGeom>
+        <a:solidFill>
+          <a:schemeClr val="lt1">
+            <a:alpha val="90000"/>
+            <a:hueOff val="0"/>
+            <a:satOff val="0"/>
+            <a:lumOff val="0"/>
+            <a:alphaOff val="0"/>
+          </a:schemeClr>
+        </a:solidFill>
+        <a:ln w="12700" cap="flat" cmpd="sng" algn="ctr">
+          <a:solidFill>
+            <a:schemeClr val="accent5">
+              <a:hueOff val="0"/>
+              <a:satOff val="0"/>
+              <a:lumOff val="0"/>
+              <a:alphaOff val="0"/>
+            </a:schemeClr>
+          </a:solidFill>
+          <a:prstDash val="solid"/>
+          <a:miter lim="800000"/>
+        </a:ln>
+        <a:effectLst/>
+      </dsp:spPr>
+      <dsp:style>
+        <a:lnRef idx="2">
+          <a:scrgbClr r="0" g="0" b="0"/>
+        </a:lnRef>
+        <a:fillRef idx="1">
+          <a:scrgbClr r="0" g="0" b="0"/>
+        </a:fillRef>
+        <a:effectRef idx="0">
+          <a:scrgbClr r="0" g="0" b="0"/>
+        </a:effectRef>
+        <a:fontRef idx="minor"/>
+      </dsp:style>
+      <dsp:txBody>
+        <a:bodyPr spcFirstLastPara="0" vert="horz" wrap="square" lIns="128016" tIns="11430" rIns="11430" bIns="11430" numCol="1" spcCol="1270" anchor="ctr" anchorCtr="0">
+          <a:noAutofit/>
+        </a:bodyPr>
+        <a:lstStyle/>
+        <a:p>
+          <a:pPr marL="171450" lvl="1" indent="-171450" algn="l" defTabSz="800100">
+            <a:lnSpc>
+              <a:spcPct val="90000"/>
+            </a:lnSpc>
+            <a:spcBef>
+              <a:spcPct val="0"/>
+            </a:spcBef>
+            <a:spcAft>
+              <a:spcPct val="15000"/>
+            </a:spcAft>
+            <a:buChar char="••"/>
+          </a:pPr>
+          <a:r>
+            <a:rPr lang="en-IN" sz="1800" b="1" kern="1200" dirty="0">
+              <a:latin typeface="Arial" pitchFamily="34" charset="0"/>
+              <a:cs typeface="Arial" pitchFamily="34" charset="0"/>
+            </a:rPr>
+            <a:t>Business</a:t>
+          </a:r>
+          <a:r>
+            <a:rPr lang="en-IN" sz="1800" kern="1200" dirty="0">
+              <a:latin typeface="Arial" pitchFamily="34" charset="0"/>
+              <a:cs typeface="Arial" pitchFamily="34" charset="0"/>
+            </a:rPr>
+            <a:t> </a:t>
+          </a:r>
+          <a:r>
+            <a:rPr lang="en-IN" sz="1800" b="1" kern="1200" dirty="0">
+              <a:latin typeface="Arial" pitchFamily="34" charset="0"/>
+              <a:cs typeface="Arial" pitchFamily="34" charset="0"/>
+            </a:rPr>
+            <a:t>Users</a:t>
+          </a:r>
+          <a:r>
+            <a:rPr lang="en-IN" sz="1800" kern="1200" dirty="0">
+              <a:latin typeface="Arial" pitchFamily="34" charset="0"/>
+              <a:cs typeface="Arial" pitchFamily="34" charset="0"/>
+            </a:rPr>
+            <a:t> are domain experts and understands application flows from a user’s point of view. This role can be shared with product owner and business analyst</a:t>
+          </a:r>
+          <a:endParaRPr lang="en-US" sz="1800" kern="1200" dirty="0">
+            <a:latin typeface="Arial" pitchFamily="34" charset="0"/>
+            <a:cs typeface="Arial" pitchFamily="34" charset="0"/>
+          </a:endParaRPr>
+        </a:p>
+      </dsp:txBody>
+      <dsp:txXfrm rot="-5400000">
+        <a:off x="1279638" y="63747"/>
+        <a:ext cx="7375325" cy="1072224"/>
+      </dsp:txXfrm>
+    </dsp:sp>
+    <dsp:sp modelId="{F70C7747-D673-45ED-B6DE-E990DCD0C5F6}">
+      <dsp:nvSpPr>
+        <dsp:cNvPr id="0" name=""/>
+        <dsp:cNvSpPr/>
+      </dsp:nvSpPr>
+      <dsp:spPr>
+        <a:xfrm rot="5400000">
+          <a:off x="-274207" y="1916465"/>
+          <a:ext cx="1828053" cy="1279637"/>
+        </a:xfrm>
+        <a:prstGeom prst="chevron">
+          <a:avLst/>
+        </a:prstGeom>
+        <a:solidFill>
+          <a:schemeClr val="accent5">
+            <a:hueOff val="-3676672"/>
+            <a:satOff val="-5114"/>
+            <a:lumOff val="-1961"/>
+            <a:alphaOff val="0"/>
+          </a:schemeClr>
+        </a:solidFill>
+        <a:ln w="12700" cap="flat" cmpd="sng" algn="ctr">
+          <a:solidFill>
+            <a:schemeClr val="accent5">
+              <a:hueOff val="-3676672"/>
+              <a:satOff val="-5114"/>
+              <a:lumOff val="-1961"/>
+              <a:alphaOff val="0"/>
+            </a:schemeClr>
+          </a:solidFill>
+          <a:prstDash val="solid"/>
+          <a:miter lim="800000"/>
+        </a:ln>
+        <a:effectLst/>
+      </dsp:spPr>
+      <dsp:style>
+        <a:lnRef idx="2">
+          <a:scrgbClr r="0" g="0" b="0"/>
+        </a:lnRef>
+        <a:fillRef idx="1">
+          <a:scrgbClr r="0" g="0" b="0"/>
+        </a:fillRef>
+        <a:effectRef idx="0">
+          <a:scrgbClr r="0" g="0" b="0"/>
+        </a:effectRef>
+        <a:fontRef idx="minor">
+          <a:schemeClr val="lt1"/>
+        </a:fontRef>
+      </dsp:style>
+      <dsp:txBody>
+        <a:bodyPr spcFirstLastPara="0" vert="horz" wrap="square" lIns="11430" tIns="11430" rIns="11430" bIns="11430" numCol="1" spcCol="1270" anchor="ctr" anchorCtr="0">
+          <a:noAutofit/>
+        </a:bodyPr>
+        <a:lstStyle/>
+        <a:p>
+          <a:pPr lvl="0" algn="ctr" defTabSz="800100">
+            <a:lnSpc>
+              <a:spcPct val="90000"/>
+            </a:lnSpc>
+            <a:spcBef>
+              <a:spcPct val="0"/>
+            </a:spcBef>
+            <a:spcAft>
+              <a:spcPct val="35000"/>
+            </a:spcAft>
+          </a:pPr>
+          <a:r>
+            <a:rPr lang="en-IN" sz="1800" b="1" kern="1200" dirty="0">
+              <a:latin typeface="Arial" pitchFamily="34" charset="0"/>
+              <a:cs typeface="Arial" pitchFamily="34" charset="0"/>
+            </a:rPr>
+            <a:t>Test Automation QA’s </a:t>
+          </a:r>
+          <a:endParaRPr lang="en-US" sz="1800" b="1" kern="1200" dirty="0">
+            <a:latin typeface="Arial" pitchFamily="34" charset="0"/>
+            <a:cs typeface="Arial" pitchFamily="34" charset="0"/>
+          </a:endParaRPr>
+        </a:p>
+      </dsp:txBody>
+      <dsp:txXfrm rot="-5400000">
+        <a:off x="2" y="2282076"/>
+        <a:ext cx="1279637" cy="548416"/>
+      </dsp:txXfrm>
+    </dsp:sp>
+    <dsp:sp modelId="{268FFB2C-DBAF-48E2-8D77-683684470F8A}">
+      <dsp:nvSpPr>
+        <dsp:cNvPr id="0" name=""/>
+        <dsp:cNvSpPr/>
+      </dsp:nvSpPr>
+      <dsp:spPr>
+        <a:xfrm rot="5400000">
+          <a:off x="4401872" y="-1479978"/>
+          <a:ext cx="1188859" cy="7433330"/>
+        </a:xfrm>
+        <a:prstGeom prst="round2SameRect">
+          <a:avLst/>
+        </a:prstGeom>
+        <a:solidFill>
+          <a:schemeClr val="lt1">
+            <a:alpha val="90000"/>
+            <a:hueOff val="0"/>
+            <a:satOff val="0"/>
+            <a:lumOff val="0"/>
+            <a:alphaOff val="0"/>
+          </a:schemeClr>
+        </a:solidFill>
+        <a:ln w="12700" cap="flat" cmpd="sng" algn="ctr">
+          <a:solidFill>
+            <a:schemeClr val="accent5">
+              <a:hueOff val="-3676672"/>
+              <a:satOff val="-5114"/>
+              <a:lumOff val="-1961"/>
+              <a:alphaOff val="0"/>
+            </a:schemeClr>
+          </a:solidFill>
+          <a:prstDash val="solid"/>
+          <a:miter lim="800000"/>
+        </a:ln>
+        <a:effectLst/>
+      </dsp:spPr>
+      <dsp:style>
+        <a:lnRef idx="2">
+          <a:scrgbClr r="0" g="0" b="0"/>
+        </a:lnRef>
+        <a:fillRef idx="1">
+          <a:scrgbClr r="0" g="0" b="0"/>
+        </a:fillRef>
+        <a:effectRef idx="0">
+          <a:scrgbClr r="0" g="0" b="0"/>
+        </a:effectRef>
+        <a:fontRef idx="minor"/>
+      </dsp:style>
+      <dsp:txBody>
+        <a:bodyPr spcFirstLastPara="0" vert="horz" wrap="square" lIns="128016" tIns="11430" rIns="11430" bIns="11430" numCol="1" spcCol="1270" anchor="ctr" anchorCtr="0">
+          <a:noAutofit/>
+        </a:bodyPr>
+        <a:lstStyle/>
+        <a:p>
+          <a:pPr marL="171450" lvl="1" indent="-171450" algn="l" defTabSz="800100">
+            <a:lnSpc>
+              <a:spcPct val="90000"/>
+            </a:lnSpc>
+            <a:spcBef>
+              <a:spcPct val="0"/>
+            </a:spcBef>
+            <a:spcAft>
+              <a:spcPct val="15000"/>
+            </a:spcAft>
+            <a:buChar char="••"/>
+          </a:pPr>
+          <a:r>
+            <a:rPr lang="en-IN" sz="1800" b="1" kern="1200" dirty="0">
+              <a:latin typeface="Arial" pitchFamily="34" charset="0"/>
+              <a:cs typeface="Arial" pitchFamily="34" charset="0"/>
+            </a:rPr>
+            <a:t>Test Automation QA’s </a:t>
+          </a:r>
+          <a:r>
+            <a:rPr lang="en-IN" sz="1800" kern="1200" dirty="0">
+              <a:latin typeface="Arial" pitchFamily="34" charset="0"/>
+              <a:cs typeface="Arial" pitchFamily="34" charset="0"/>
+            </a:rPr>
+            <a:t>are responsible for implementing each scenario using the BDD framework, according to the user stories that were created by the business users</a:t>
+          </a:r>
+          <a:endParaRPr lang="en-US" sz="1800" b="0" kern="1200" dirty="0">
+            <a:latin typeface="Arial" pitchFamily="34" charset="0"/>
+            <a:cs typeface="Arial" pitchFamily="34" charset="0"/>
+          </a:endParaRPr>
+        </a:p>
+      </dsp:txBody>
+      <dsp:txXfrm rot="-5400000">
+        <a:off x="1279637" y="1700292"/>
+        <a:ext cx="7375295" cy="1072789"/>
+      </dsp:txXfrm>
+    </dsp:sp>
+    <dsp:sp modelId="{3187AE09-E498-451E-B527-F93981C1E3BB}">
+      <dsp:nvSpPr>
+        <dsp:cNvPr id="0" name=""/>
+        <dsp:cNvSpPr/>
+      </dsp:nvSpPr>
+      <dsp:spPr>
+        <a:xfrm rot="5400000">
+          <a:off x="-274207" y="3549726"/>
+          <a:ext cx="1828053" cy="1279637"/>
+        </a:xfrm>
+        <a:prstGeom prst="chevron">
+          <a:avLst/>
+        </a:prstGeom>
+        <a:solidFill>
+          <a:schemeClr val="accent5">
+            <a:hueOff val="-7353344"/>
+            <a:satOff val="-10228"/>
+            <a:lumOff val="-3922"/>
+            <a:alphaOff val="0"/>
+          </a:schemeClr>
+        </a:solidFill>
+        <a:ln w="12700" cap="flat" cmpd="sng" algn="ctr">
+          <a:solidFill>
+            <a:schemeClr val="accent5">
+              <a:hueOff val="-7353344"/>
+              <a:satOff val="-10228"/>
+              <a:lumOff val="-3922"/>
+              <a:alphaOff val="0"/>
+            </a:schemeClr>
+          </a:solidFill>
+          <a:prstDash val="solid"/>
+          <a:miter lim="800000"/>
+        </a:ln>
+        <a:effectLst/>
+      </dsp:spPr>
+      <dsp:style>
+        <a:lnRef idx="2">
+          <a:scrgbClr r="0" g="0" b="0"/>
+        </a:lnRef>
+        <a:fillRef idx="1">
+          <a:scrgbClr r="0" g="0" b="0"/>
+        </a:fillRef>
+        <a:effectRef idx="0">
+          <a:scrgbClr r="0" g="0" b="0"/>
+        </a:effectRef>
+        <a:fontRef idx="minor">
+          <a:schemeClr val="lt1"/>
+        </a:fontRef>
+      </dsp:style>
+      <dsp:txBody>
+        <a:bodyPr spcFirstLastPara="0" vert="horz" wrap="square" lIns="12700" tIns="12700" rIns="12700" bIns="12700" numCol="1" spcCol="1270" anchor="ctr" anchorCtr="0">
+          <a:noAutofit/>
+        </a:bodyPr>
+        <a:lstStyle/>
+        <a:p>
+          <a:pPr lvl="0" algn="ctr" defTabSz="889000">
+            <a:lnSpc>
+              <a:spcPct val="90000"/>
+            </a:lnSpc>
+            <a:spcBef>
+              <a:spcPct val="0"/>
+            </a:spcBef>
+            <a:spcAft>
+              <a:spcPct val="35000"/>
+            </a:spcAft>
+          </a:pPr>
+          <a:r>
+            <a:rPr lang="en-IN" sz="2000" b="1" kern="1200" dirty="0">
+              <a:latin typeface="Arial" pitchFamily="34" charset="0"/>
+              <a:cs typeface="Arial" pitchFamily="34" charset="0"/>
+            </a:rPr>
+            <a:t>Developer </a:t>
+          </a:r>
+          <a:endParaRPr lang="en-US" sz="2000" b="1" kern="1200" dirty="0">
+            <a:latin typeface="Arial" pitchFamily="34" charset="0"/>
+            <a:cs typeface="Arial" pitchFamily="34" charset="0"/>
+          </a:endParaRPr>
+        </a:p>
+      </dsp:txBody>
+      <dsp:txXfrm rot="-5400000">
+        <a:off x="2" y="3915337"/>
+        <a:ext cx="1279637" cy="548416"/>
+      </dsp:txXfrm>
+    </dsp:sp>
+    <dsp:sp modelId="{EE153214-89E6-4E9A-9E46-ED71ED379AD8}">
+      <dsp:nvSpPr>
+        <dsp:cNvPr id="0" name=""/>
+        <dsp:cNvSpPr/>
+      </dsp:nvSpPr>
+      <dsp:spPr>
+        <a:xfrm rot="5400000">
+          <a:off x="4402185" y="156224"/>
+          <a:ext cx="1188234" cy="7433330"/>
+        </a:xfrm>
+        <a:prstGeom prst="round2SameRect">
+          <a:avLst/>
+        </a:prstGeom>
+        <a:solidFill>
+          <a:schemeClr val="lt1">
+            <a:alpha val="90000"/>
+            <a:hueOff val="0"/>
+            <a:satOff val="0"/>
+            <a:lumOff val="0"/>
+            <a:alphaOff val="0"/>
+          </a:schemeClr>
+        </a:solidFill>
+        <a:ln w="12700" cap="flat" cmpd="sng" algn="ctr">
+          <a:solidFill>
+            <a:schemeClr val="accent5">
+              <a:hueOff val="-7353344"/>
+              <a:satOff val="-10228"/>
+              <a:lumOff val="-3922"/>
+              <a:alphaOff val="0"/>
+            </a:schemeClr>
+          </a:solidFill>
+          <a:prstDash val="solid"/>
+          <a:miter lim="800000"/>
+        </a:ln>
+        <a:effectLst/>
+      </dsp:spPr>
+      <dsp:style>
+        <a:lnRef idx="2">
+          <a:scrgbClr r="0" g="0" b="0"/>
+        </a:lnRef>
+        <a:fillRef idx="1">
+          <a:scrgbClr r="0" g="0" b="0"/>
+        </a:fillRef>
+        <a:effectRef idx="0">
+          <a:scrgbClr r="0" g="0" b="0"/>
+        </a:effectRef>
+        <a:fontRef idx="minor"/>
+      </dsp:style>
+      <dsp:txBody>
+        <a:bodyPr spcFirstLastPara="0" vert="horz" wrap="square" lIns="184912" tIns="16510" rIns="16510" bIns="16510" numCol="1" spcCol="1270" anchor="ctr" anchorCtr="0">
+          <a:noAutofit/>
+        </a:bodyPr>
+        <a:lstStyle/>
+        <a:p>
+          <a:pPr marL="228600" lvl="1" indent="-228600" algn="l" defTabSz="1155700">
+            <a:lnSpc>
+              <a:spcPct val="90000"/>
+            </a:lnSpc>
+            <a:spcBef>
+              <a:spcPct val="0"/>
+            </a:spcBef>
+            <a:spcAft>
+              <a:spcPct val="15000"/>
+            </a:spcAft>
+            <a:buChar char="••"/>
+          </a:pPr>
+          <a:r>
+            <a:rPr lang="en-IN" sz="2600" b="1" kern="1200" dirty="0">
+              <a:latin typeface="Arial" pitchFamily="34" charset="0"/>
+              <a:cs typeface="Arial" pitchFamily="34" charset="0"/>
+            </a:rPr>
+            <a:t>Developer</a:t>
+          </a:r>
+          <a:r>
+            <a:rPr lang="en-IN" sz="2600" kern="1200" dirty="0">
+              <a:latin typeface="Arial" pitchFamily="34" charset="0"/>
+              <a:cs typeface="Arial" pitchFamily="34" charset="0"/>
+            </a:rPr>
+            <a:t> translates user story scenario into a function which is used to implement the steps into given in acceptance criteria</a:t>
+          </a:r>
+          <a:endParaRPr lang="en-US" sz="2600" kern="1200" dirty="0">
+            <a:latin typeface="Arial" pitchFamily="34" charset="0"/>
+            <a:cs typeface="Arial" pitchFamily="34" charset="0"/>
+          </a:endParaRPr>
+        </a:p>
+      </dsp:txBody>
+      <dsp:txXfrm rot="-5400000">
+        <a:off x="1279638" y="3336777"/>
+        <a:ext cx="7375325" cy="1072224"/>
+      </dsp:txXfrm>
+    </dsp:sp>
+  </dsp:spTree>
+</dsp:drawing>
+</file>
+
+<file path=ppt/diagrams/layout1.xml><?xml version="1.0" encoding="utf-8"?>
+<dgm:layoutDef xmlns:dgm="http://schemas.openxmlformats.org/drawingml/2006/diagram" xmlns:a="http://schemas.openxmlformats.org/drawingml/2006/main" uniqueId="urn:microsoft.com/office/officeart/2005/8/layout/chevron2">
+  <dgm:title val=""/>
+  <dgm:desc val=""/>
+  <dgm:catLst>
+    <dgm:cat type="process" pri="12000"/>
+    <dgm:cat type="list" pri="16000"/>
+    <dgm:cat type="convert" pri="11000"/>
+  </dgm:catLst>
+  <dgm:sampData>
+    <dgm:dataModel>
+      <dgm:ptLst>
+        <dgm:pt modelId="0" type="doc"/>
+        <dgm:pt modelId="1">
+          <dgm:prSet phldr="1"/>
+        </dgm:pt>
+        <dgm:pt modelId="11">
+          <dgm:prSet phldr="1"/>
+        </dgm:pt>
+        <dgm:pt modelId="12">
+          <dgm:prSet phldr="1"/>
+        </dgm:pt>
+        <dgm:pt modelId="2">
+          <dgm:prSet phldr="1"/>
+        </dgm:pt>
+        <dgm:pt modelId="21">
+          <dgm:prSet phldr="1"/>
+        </dgm:pt>
+        <dgm:pt modelId="22">
+          <dgm:prSet phldr="1"/>
+        </dgm:pt>
+        <dgm:pt modelId="3">
+          <dgm:prSet phldr="1"/>
+        </dgm:pt>
+        <dgm:pt modelId="31">
+          <dgm:prSet phldr="1"/>
+        </dgm:pt>
+        <dgm:pt modelId="32">
+          <dgm:prSet phldr="1"/>
+        </dgm:pt>
+      </dgm:ptLst>
+      <dgm:cxnLst>
+        <dgm:cxn modelId="4" srcId="0" destId="1" srcOrd="0" destOrd="0"/>
+        <dgm:cxn modelId="5" srcId="0" destId="2" srcOrd="1" destOrd="0"/>
+        <dgm:cxn modelId="6" srcId="0" destId="3" srcOrd="2" destOrd="0"/>
+        <dgm:cxn modelId="13" srcId="1" destId="11" srcOrd="0" destOrd="0"/>
+        <dgm:cxn modelId="14" srcId="1" destId="12" srcOrd="1" destOrd="0"/>
+        <dgm:cxn modelId="23" srcId="2" destId="21" srcOrd="0" destOrd="0"/>
+        <dgm:cxn modelId="24" srcId="2" destId="22" srcOrd="1" destOrd="0"/>
+        <dgm:cxn modelId="33" srcId="3" destId="31" srcOrd="0" destOrd="0"/>
+        <dgm:cxn modelId="34" srcId="3" destId="32" srcOrd="1" destOrd="0"/>
+      </dgm:cxnLst>
+      <dgm:bg/>
+      <dgm:whole/>
+    </dgm:dataModel>
+  </dgm:sampData>
+  <dgm:styleData>
+    <dgm:dataModel>
+      <dgm:ptLst>
+        <dgm:pt modelId="0" type="doc"/>
+        <dgm:pt modelId="1"/>
+      </dgm:ptLst>
+      <dgm:cxnLst>
+        <dgm:cxn modelId="4" srcId="0" destId="1" srcOrd="0" destOrd="0"/>
+      </dgm:cxnLst>
+      <dgm:bg/>
+      <dgm:whole/>
+    </dgm:dataModel>
+  </dgm:styleData>
+  <dgm:clrData>
+    <dgm:dataModel>
+      <dgm:ptLst>
+        <dgm:pt modelId="0" type="doc"/>
+        <dgm:pt modelId="1"/>
+        <dgm:pt modelId="11"/>
+        <dgm:pt modelId="2"/>
+        <dgm:pt modelId="21"/>
+        <dgm:pt modelId="3"/>
+        <dgm:pt modelId="31"/>
+        <dgm:pt modelId="4"/>
+        <dgm:pt modelId="41"/>
+      </dgm:ptLst>
+      <dgm:cxnLst>
+        <dgm:cxn modelId="5" srcId="0" destId="1" srcOrd="0" destOrd="0"/>
+        <dgm:cxn modelId="6" srcId="0" destId="2" srcOrd="1" destOrd="0"/>
+        <dgm:cxn modelId="7" srcId="0" destId="3" srcOrd="2" destOrd="0"/>
+        <dgm:cxn modelId="8" srcId="0" destId="4" srcOrd="3" destOrd="0"/>
+        <dgm:cxn modelId="13" srcId="1" destId="11" srcOrd="0" destOrd="0"/>
+        <dgm:cxn modelId="23" srcId="2" destId="21" srcOrd="0" destOrd="0"/>
+        <dgm:cxn modelId="33" srcId="3" destId="31" srcOrd="0" destOrd="0"/>
+        <dgm:cxn modelId="43" srcId="4" destId="41" srcOrd="0" destOrd="0"/>
+      </dgm:cxnLst>
+      <dgm:bg/>
+      <dgm:whole/>
+    </dgm:dataModel>
+  </dgm:clrData>
+  <dgm:layoutNode name="linearFlow">
+    <dgm:varLst>
+      <dgm:dir/>
+      <dgm:animLvl val="lvl"/>
+      <dgm:resizeHandles val="exact"/>
+    </dgm:varLst>
+    <dgm:alg type="lin">
+      <dgm:param type="linDir" val="fromT"/>
+      <dgm:param type="nodeHorzAlign" val="l"/>
+    </dgm:alg>
+    <dgm:shape xmlns:r="http://schemas.openxmlformats.org/officeDocument/2006/relationships" r:blip="">
+      <dgm:adjLst/>
+    </dgm:shape>
+    <dgm:presOf/>
+    <dgm:constrLst>
+      <dgm:constr type="h" for="ch" forName="composite" refType="h"/>
+      <dgm:constr type="w" for="ch" forName="composite" refType="w"/>
+      <dgm:constr type="h" for="des" forName="parentText" op="equ"/>
+      <dgm:constr type="h" for="ch" forName="sp" val="-14.88"/>
+      <dgm:constr type="h" for="ch" forName="sp" refType="w" refFor="des" refForName="parentText" op="gte" fact="-0.3"/>
+      <dgm:constr type="primFontSz" for="des" forName="parentText" op="equ" val="65"/>
+      <dgm:constr type="primFontSz" for="des" forName="descendantText" op="equ" val="65"/>
+    </dgm:constrLst>
+    <dgm:ruleLst/>
+    <dgm:forEach name="Name0" axis="ch" ptType="node">
+      <dgm:layoutNode name="composite">
+        <dgm:alg type="composite"/>
+        <dgm:shape xmlns:r="http://schemas.openxmlformats.org/officeDocument/2006/relationships" r:blip="">
+          <dgm:adjLst/>
+        </dgm:shape>
+        <dgm:presOf/>
+        <dgm:choose name="Name1">
+          <dgm:if name="Name2" func="var" arg="dir" op="equ" val="norm">
+            <dgm:constrLst>
+              <dgm:constr type="t" for="ch" forName="parentText"/>
+              <dgm:constr type="l" for="ch" forName="parentText"/>
+              <dgm:constr type="w" for="ch" forName="parentText" refType="w" fact="0.4"/>
+              <dgm:constr type="h" for="ch" forName="parentText" refType="h"/>
+              <dgm:constr type="w" for="ch" forName="parentText" refType="w" op="lte" fact="0.5"/>
+              <dgm:constr type="w" for="ch" forName="parentText" refType="h" refFor="ch" refForName="parentText" op="lte" fact="0.7"/>
+              <dgm:constr type="h" for="ch" forName="parentText" refType="w" refFor="ch" refForName="parentText" op="lte" fact="3"/>
+              <dgm:constr type="l" for="ch" forName="descendantText" refType="w" refFor="ch" refForName="parentText"/>
+              <dgm:constr type="w" for="ch" forName="descendantText" refType="w"/>
+              <dgm:constr type="wOff" for="ch" forName="descendantText" refType="w" refFor="ch" refForName="parentText" fact="-1"/>
+              <dgm:constr type="t" for="ch" forName="descendantText"/>
+              <dgm:constr type="b" for="ch" forName="descendantText" refType="h" refFor="ch" refForName="parentText"/>
+              <dgm:constr type="bOff" for="ch" forName="descendantText" refType="w" refFor="ch" refForName="parentText" fact="-0.5"/>
+            </dgm:constrLst>
+          </dgm:if>
+          <dgm:else name="Name3">
+            <dgm:constrLst>
+              <dgm:constr type="t" for="ch" forName="parentText"/>
+              <dgm:constr type="r" for="ch" forName="parentText" refType="w"/>
+              <dgm:constr type="w" for="ch" forName="parentText" refType="w" fact="0.4"/>
+              <dgm:constr type="h" for="ch" forName="parentText" refType="h"/>
+              <dgm:constr type="w" for="ch" forName="parentText" refType="w" op="lte" fact="0.5"/>
+              <dgm:constr type="w" for="ch" forName="parentText" refType="h" refFor="ch" refForName="parentText" op="lte" fact="0.7"/>
+              <dgm:constr type="h" for="ch" forName="parentText" refType="w" refFor="ch" refForName="parentText" op="lte" fact="3"/>
+              <dgm:constr type="l" for="ch" forName="descendantText"/>
+              <dgm:constr type="w" for="ch" forName="descendantText" refType="w"/>
+              <dgm:constr type="wOff" for="ch" forName="descendantText" refType="w" refFor="ch" refForName="parentText" fact="-1"/>
+              <dgm:constr type="t" for="ch" forName="descendantText"/>
+              <dgm:constr type="b" for="ch" forName="descendantText" refType="h" refFor="ch" refForName="parentText"/>
+              <dgm:constr type="bOff" for="ch" forName="descendantText" refType="w" refFor="ch" refForName="parentText" fact="-0.5"/>
+            </dgm:constrLst>
+          </dgm:else>
+        </dgm:choose>
+        <dgm:ruleLst/>
+        <dgm:layoutNode name="parentText" styleLbl="alignNode1">
+          <dgm:varLst>
+            <dgm:chMax val="1"/>
+            <dgm:bulletEnabled val="1"/>
+          </dgm:varLst>
+          <dgm:alg type="tx"/>
+          <dgm:shape xmlns:r="http://schemas.openxmlformats.org/officeDocument/2006/relationships" rot="90" type="chevron" r:blip="">
+            <dgm:adjLst/>
+          </dgm:shape>
+          <dgm:presOf axis="self" ptType="node"/>
+          <dgm:constrLst>
+            <dgm:constr type="lMarg" refType="primFontSz" fact="0.05"/>
+            <dgm:constr type="rMarg" refType="primFontSz" fact="0.05"/>
+            <dgm:constr type="tMarg" refType="primFontSz" fact="0.05"/>
+            <dgm:constr type="bMarg" refType="primFontSz" fact="0.05"/>
+          </dgm:constrLst>
+          <dgm:ruleLst>
+            <dgm:rule type="h" val="100" fact="NaN" max="NaN"/>
+            <dgm:rule type="primFontSz" val="24" fact="NaN" max="NaN"/>
+            <dgm:rule type="h" val="110" fact="NaN" max="NaN"/>
+            <dgm:rule type="primFontSz" val="18" fact="NaN" max="NaN"/>
+            <dgm:rule type="h" val="INF" fact="NaN" max="NaN"/>
+            <dgm:rule type="primFontSz" val="5" fact="NaN" max="NaN"/>
+          </dgm:ruleLst>
+        </dgm:layoutNode>
+        <dgm:layoutNode name="descendantText" styleLbl="alignAcc1">
+          <dgm:varLst>
+            <dgm:bulletEnabled val="1"/>
+          </dgm:varLst>
+          <dgm:choose name="Name4">
+            <dgm:if name="Name5" func="var" arg="dir" op="equ" val="norm">
+              <dgm:alg type="tx">
+                <dgm:param type="stBulletLvl" val="1"/>
+                <dgm:param type="txAnchorVertCh" val="mid"/>
+              </dgm:alg>
+              <dgm:shape xmlns:r="http://schemas.openxmlformats.org/officeDocument/2006/relationships" rot="90" type="round2SameRect" r:blip="">
+                <dgm:adjLst/>
+              </dgm:shape>
+            </dgm:if>
+            <dgm:else name="Name6">
+              <dgm:alg type="tx">
+                <dgm:param type="stBulletLvl" val="1"/>
+                <dgm:param type="txAnchorVertCh" val="mid"/>
+              </dgm:alg>
+              <dgm:shape xmlns:r="http://schemas.openxmlformats.org/officeDocument/2006/relationships" rot="-90" type="round2SameRect" r:blip="">
+                <dgm:adjLst/>
+              </dgm:shape>
+            </dgm:else>
+          </dgm:choose>
+          <dgm:presOf axis="des" ptType="node"/>
+          <dgm:choose name="Name7">
+            <dgm:if name="Name8" func="var" arg="dir" op="equ" val="norm">
+              <dgm:constrLst>
+                <dgm:constr type="secFontSz" refType="primFontSz"/>
+                <dgm:constr type="tMarg" refType="primFontSz" fact="0.05"/>
+                <dgm:constr type="bMarg" refType="primFontSz" fact="0.05"/>
+                <dgm:constr type="rMarg" refType="primFontSz" fact="0.05"/>
+              </dgm:constrLst>
+            </dgm:if>
+            <dgm:else name="Name9">
+              <dgm:constrLst>
+                <dgm:constr type="secFontSz" refType="primFontSz"/>
+                <dgm:constr type="tMarg" refType="primFontSz" fact="0.05"/>
+                <dgm:constr type="bMarg" refType="primFontSz" fact="0.05"/>
+                <dgm:constr type="lMarg" refType="primFontSz" fact="0.05"/>
+              </dgm:constrLst>
+            </dgm:else>
+          </dgm:choose>
+          <dgm:ruleLst>
+            <dgm:rule type="primFontSz" val="5" fact="NaN" max="NaN"/>
+          </dgm:ruleLst>
+        </dgm:layoutNode>
+      </dgm:layoutNode>
+      <dgm:forEach name="Name10" axis="followSib" ptType="sibTrans" cnt="1">
+        <dgm:layoutNode name="sp">
+          <dgm:alg type="sp"/>
+          <dgm:shape xmlns:r="http://schemas.openxmlformats.org/officeDocument/2006/relationships" r:blip="">
+            <dgm:adjLst/>
+          </dgm:shape>
+          <dgm:presOf axis="self"/>
+          <dgm:constrLst>
+            <dgm:constr type="w" val="1"/>
+            <dgm:constr type="h" val="37.5"/>
+          </dgm:constrLst>
+          <dgm:ruleLst/>
+        </dgm:layoutNode>
+      </dgm:forEach>
+    </dgm:forEach>
+  </dgm:layoutNode>
+</dgm:layoutDef>
+</file>
+
+<file path=ppt/diagrams/quickStyle1.xml><?xml version="1.0" encoding="utf-8"?>
+<dgm:styleDef xmlns:dgm="http://schemas.openxmlformats.org/drawingml/2006/diagram" xmlns:a="http://schemas.openxmlformats.org/drawingml/2006/main" uniqueId="urn:microsoft.com/office/officeart/2005/8/quickstyle/simple1">
+  <dgm:title val=""/>
+  <dgm:desc val=""/>
+  <dgm:catLst>
+    <dgm:cat type="simple" pri="10100"/>
+  </dgm:catLst>
+  <dgm:scene3d>
+    <a:camera prst="orthographicFront"/>
+    <a:lightRig rig="threePt" dir="t"/>
+  </dgm:scene3d>
+  <dgm:styleLbl name="node0">
+    <dgm:scene3d>
+      <a:camera prst="orthographicFront"/>
+      <a:lightRig rig="threePt" dir="t"/>
+    </dgm:scene3d>
+    <dgm:sp3d/>
+    <dgm:txPr/>
+    <dgm:style>
+      <a:lnRef idx="2">
+        <a:scrgbClr r="0" g="0" b="0"/>
+      </a:lnRef>
+      <a:fillRef idx="1">
+        <a:scrgbClr r="0" g="0" b="0"/>
+      </a:fillRef>
+      <a:effectRef idx="0">
+        <a:scrgbClr r="0" g="0" b="0"/>
+      </a:effectRef>
+      <a:fontRef idx="minor">
+        <a:schemeClr val="lt1"/>
+      </a:fontRef>
+    </dgm:style>
+  </dgm:styleLbl>
+  <dgm:styleLbl name="lnNode1">
+    <dgm:scene3d>
+      <a:camera prst="orthographicFront"/>
+      <a:lightRig rig="threePt" dir="t"/>
+    </dgm:scene3d>
+    <dgm:sp3d/>
+    <dgm:txPr/>
+    <dgm:style>
+      <a:lnRef idx="2">
+        <a:scrgbClr r="0" g="0" b="0"/>
+      </a:lnRef>
+      <a:fillRef idx="1">
+        <a:scrgbClr r="0" g="0" b="0"/>
+      </a:fillRef>
+      <a:effectRef idx="0">
+        <a:scrgbClr r="0" g="0" b="0"/>
+      </a:effectRef>
+      <a:fontRef idx="minor">
+        <a:schemeClr val="lt1"/>
+      </a:fontRef>
+    </dgm:style>
+  </dgm:styleLbl>
+  <dgm:styleLbl name="vennNode1">
+    <dgm:scene3d>
+      <a:camera prst="orthographicFront"/>
+      <a:lightRig rig="threePt" dir="t"/>
+    </dgm:scene3d>
+    <dgm:sp3d/>
+    <dgm:txPr/>
+    <dgm:style>
+      <a:lnRef idx="2">
+        <a:scrgbClr r="0" g="0" b="0"/>
+      </a:lnRef>
+      <a:fillRef idx="1">
+        <a:scrgbClr r="0" g="0" b="0"/>
+      </a:fillRef>
+      <a:effectRef idx="0">
+        <a:scrgbClr r="0" g="0" b="0"/>
+      </a:effectRef>
+      <a:fontRef idx="minor">
+        <a:schemeClr val="tx1"/>
+      </a:fontRef>
+    </dgm:style>
+  </dgm:styleLbl>
+  <dgm:styleLbl name="alignNode1">
+    <dgm:scene3d>
+      <a:camera prst="orthographicFront"/>
+      <a:lightRig rig="threePt" dir="t"/>
+    </dgm:scene3d>
+    <dgm:sp3d/>
+    <dgm:txPr/>
+    <dgm:style>
+      <a:lnRef idx="2">
+        <a:scrgbClr r="0" g="0" b="0"/>
+      </a:lnRef>
+      <a:fillRef idx="1">
+        <a:scrgbClr r="0" g="0" b="0"/>
+      </a:fillRef>
+      <a:effectRef idx="0">
+        <a:scrgbClr r="0" g="0" b="0"/>
+      </a:effectRef>
+      <a:fontRef idx="minor">
+        <a:schemeClr val="lt1"/>
+      </a:fontRef>
+    </dgm:style>
+  </dgm:styleLbl>
+  <dgm:styleLbl name="node1">
+    <dgm:scene3d>
+      <a:camera prst="orthographicFront"/>
+      <a:lightRig rig="threePt" dir="t"/>
+    </dgm:scene3d>
+    <dgm:sp3d/>
+    <dgm:txPr/>
+    <dgm:style>
+      <a:lnRef idx="2">
+        <a:scrgbClr r="0" g="0" b="0"/>
+      </a:lnRef>
+      <a:fillRef idx="1">
+        <a:scrgbClr r="0" g="0" b="0"/>
+      </a:fillRef>
+      <a:effectRef idx="0">
+        <a:scrgbClr r="0" g="0" b="0"/>
+      </a:effectRef>
+      <a:fontRef idx="minor">
+        <a:schemeClr val="lt1"/>
+      </a:fontRef>
+    </dgm:style>
+  </dgm:styleLbl>
+  <dgm:styleLbl name="node2">
+    <dgm:scene3d>
+      <a:camera prst="orthographicFront"/>
+      <a:lightRig rig="threePt" dir="t"/>
+    </dgm:scene3d>
+    <dgm:sp3d/>
+    <dgm:txPr/>
+    <dgm:style>
+      <a:lnRef idx="2">
+        <a:scrgbClr r="0" g="0" b="0"/>
+      </a:lnRef>
+      <a:fillRef idx="1">
+        <a:scrgbClr r="0" g="0" b="0"/>
+      </a:fillRef>
+      <a:effectRef idx="0">
+        <a:scrgbClr r="0" g="0" b="0"/>
+      </a:effectRef>
+      <a:fontRef idx="minor">
+        <a:schemeClr val="lt1"/>
+      </a:fontRef>
+    </dgm:style>
+  </dgm:styleLbl>
+  <dgm:styleLbl name="node3">
+    <dgm:scene3d>
+      <a:camera prst="orthographicFront"/>
+      <a:lightRig rig="threePt" dir="t"/>
+    </dgm:scene3d>
+    <dgm:sp3d/>
+    <dgm:txPr/>
+    <dgm:style>
+      <a:lnRef idx="2">
+        <a:scrgbClr r="0" g="0" b="0"/>
+      </a:lnRef>
+      <a:fillRef idx="1">
+        <a:scrgbClr r="0" g="0" b="0"/>
+      </a:fillRef>
+      <a:effectRef idx="0">
+        <a:scrgbClr r="0" g="0" b="0"/>
+      </a:effectRef>
+      <a:fontRef idx="minor">
+        <a:schemeClr val="lt1"/>
+      </a:fontRef>
+    </dgm:style>
+  </dgm:styleLbl>
+  <dgm:styleLbl name="node4">
+    <dgm:scene3d>
+      <a:camera prst="orthographicFront"/>
+      <a:lightRig rig="threePt" dir="t"/>
+    </dgm:scene3d>
+    <dgm:sp3d/>
+    <dgm:txPr/>
+    <dgm:style>
+      <a:lnRef idx="2">
+        <a:scrgbClr r="0" g="0" b="0"/>
+      </a:lnRef>
+      <a:fillRef idx="1">
+        <a:scrgbClr r="0" g="0" b="0"/>
+      </a:fillRef>
+      <a:effectRef idx="0">
+        <a:scrgbClr r="0" g="0" b="0"/>
+      </a:effectRef>
+      <a:fontRef idx="minor">
+        <a:schemeClr val="lt1"/>
+      </a:fontRef>
+    </dgm:style>
+  </dgm:styleLbl>
+  <dgm:styleLbl name="fgImgPlace1">
+    <dgm:scene3d>
+      <a:camera prst="orthographicFront"/>
+      <a:lightRig rig="threePt" dir="t"/>
+    </dgm:scene3d>
+    <dgm:sp3d/>
+    <dgm:txPr/>
+    <dgm:style>
+      <a:lnRef idx="2">
+        <a:scrgbClr r="0" g="0" b="0"/>
+      </a:lnRef>
+      <a:fillRef idx="1">
+        <a:scrgbClr r="0" g="0" b="0"/>
+      </a:fillRef>
+      <a:effectRef idx="0">
+        <a:scrgbClr r="0" g="0" b="0"/>
+      </a:effectRef>
+      <a:fontRef idx="minor"/>
+    </dgm:style>
+  </dgm:styleLbl>
+  <dgm:styleLbl name="alignImgPlace1">
+    <dgm:scene3d>
+      <a:camera prst="orthographicFront"/>
+      <a:lightRig rig="threePt" dir="t"/>
+    </dgm:scene3d>
+    <dgm:sp3d/>
+    <dgm:txPr/>
+    <dgm:style>
+      <a:lnRef idx="2">
+        <a:scrgbClr r="0" g="0" b="0"/>
+      </a:lnRef>
+      <a:fillRef idx="1">
+        <a:scrgbClr r="0" g="0" b="0"/>
+      </a:fillRef>
+      <a:effectRef idx="0">
+        <a:scrgbClr r="0" g="0" b="0"/>
+      </a:effectRef>
+      <a:fontRef idx="minor"/>
+    </dgm:style>
+  </dgm:styleLbl>
+  <dgm:styleLbl name="bgImgPlace1">
+    <dgm:scene3d>
+      <a:camera prst="orthographicFront"/>
+      <a:lightRig rig="threePt" dir="t"/>
+    </dgm:scene3d>
+    <dgm:sp3d/>
+    <dgm:txPr/>
+    <dgm:style>
+      <a:lnRef idx="2">
+        <a:scrgbClr r="0" g="0" b="0"/>
+      </a:lnRef>
+      <a:fillRef idx="1">
+        <a:scrgbClr r="0" g="0" b="0"/>
+      </a:fillRef>
+      <a:effectRef idx="0">
+        <a:scrgbClr r="0" g="0" b="0"/>
+      </a:effectRef>
+      <a:fontRef idx="minor"/>
+    </dgm:style>
+  </dgm:styleLbl>
+  <dgm:styleLbl name="sibTrans2D1">
+    <dgm:scene3d>
+      <a:camera prst="orthographicFront"/>
+      <a:lightRig rig="threePt" dir="t"/>
+    </dgm:scene3d>
+    <dgm:sp3d/>
+    <dgm:txPr/>
+    <dgm:style>
+      <a:lnRef idx="0">
+        <a:scrgbClr r="0" g="0" b="0"/>
+      </a:lnRef>
+      <a:fillRef idx="1">
+        <a:scrgbClr r="0" g="0" b="0"/>
+      </a:fillRef>
+      <a:effectRef idx="0">
+        <a:scrgbClr r="0" g="0" b="0"/>
+      </a:effectRef>
+      <a:fontRef idx="minor">
+        <a:schemeClr val="lt1"/>
+      </a:fontRef>
+    </dgm:style>
+  </dgm:styleLbl>
+  <dgm:styleLbl name="fgSibTrans2D1">
+    <dgm:scene3d>
+      <a:camera prst="orthographicFront"/>
+      <a:lightRig rig="threePt" dir="t"/>
+    </dgm:scene3d>
+    <dgm:sp3d/>
+    <dgm:txPr/>
+    <dgm:style>
+      <a:lnRef idx="0">
+        <a:scrgbClr r="0" g="0" b="0"/>
+      </a:lnRef>
+      <a:fillRef idx="1">
+        <a:scrgbClr r="0" g="0" b="0"/>
+      </a:fillRef>
+      <a:effectRef idx="0">
+        <a:scrgbClr r="0" g="0" b="0"/>
+      </a:effectRef>
+      <a:fontRef idx="minor">
+        <a:schemeClr val="lt1"/>
+      </a:fontRef>
+    </dgm:style>
+  </dgm:styleLbl>
+  <dgm:styleLbl name="bgSibTrans2D1">
+    <dgm:scene3d>
+      <a:camera prst="orthographicFront"/>
+      <a:lightRig rig="threePt" dir="t"/>
+    </dgm:scene3d>
+    <dgm:sp3d/>
+    <dgm:txPr/>
+    <dgm:style>
+      <a:lnRef idx="0">
+        <a:scrgbClr r="0" g="0" b="0"/>
+      </a:lnRef>
+      <a:fillRef idx="1">
+        <a:scrgbClr r="0" g="0" b="0"/>
+      </a:fillRef>
+      <a:effectRef idx="0">
+        <a:scrgbClr r="0" g="0" b="0"/>
+      </a:effectRef>
+      <a:fontRef idx="minor">
+        <a:schemeClr val="lt1"/>
+      </a:fontRef>
+    </dgm:style>
+  </dgm:styleLbl>
+  <dgm:styleLbl name="sibTrans1D1">
+    <dgm:scene3d>
+      <a:camera prst="orthographicFront"/>
+      <a:lightRig rig="threePt" dir="t"/>
+    </dgm:scene3d>
+    <dgm:sp3d/>
+    <dgm:txPr/>
+    <dgm:style>
+      <a:lnRef idx="1">
+        <a:scrgbClr r="0" g="0" b="0"/>
+      </a:lnRef>
+      <a:fillRef idx="0">
+        <a:scrgbClr r="0" g="0" b="0"/>
+      </a:fillRef>
+      <a:effectRef idx="0">
+        <a:scrgbClr r="0" g="0" b="0"/>
+      </a:effectRef>
+      <a:fontRef idx="minor"/>
+    </dgm:style>
+  </dgm:styleLbl>
+  <dgm:styleLbl name="callout">
+    <dgm:scene3d>
+      <a:camera prst="orthographicFront"/>
+      <a:lightRig rig="threePt" dir="t"/>
+    </dgm:scene3d>
+    <dgm:sp3d/>
+    <dgm:txPr/>
+    <dgm:style>
+      <a:lnRef idx="2">
+        <a:scrgbClr r="0" g="0" b="0"/>
+      </a:lnRef>
+      <a:fillRef idx="1">
+        <a:scrgbClr r="0" g="0" b="0"/>
+      </a:fillRef>
+      <a:effectRef idx="0">
+        <a:scrgbClr r="0" g="0" b="0"/>
+      </a:effectRef>
+      <a:fontRef idx="minor"/>
+    </dgm:style>
+  </dgm:styleLbl>
+  <dgm:styleLbl name="asst0">
+    <dgm:scene3d>
+      <a:camera prst="orthographicFront"/>
+      <a:lightRig rig="threePt" dir="t"/>
+    </dgm:scene3d>
+    <dgm:sp3d/>
+    <dgm:txPr/>
+    <dgm:style>
+      <a:lnRef idx="2">
+        <a:scrgbClr r="0" g="0" b="0"/>
+      </a:lnRef>
+      <a:fillRef idx="1">
+        <a:scrgbClr r="0" g="0" b="0"/>
+      </a:fillRef>
+      <a:effectRef idx="0">
+        <a:scrgbClr r="0" g="0" b="0"/>
+      </a:effectRef>
+      <a:fontRef idx="minor">
+        <a:schemeClr val="lt1"/>
+      </a:fontRef>
+    </dgm:style>
+  </dgm:styleLbl>
+  <dgm:styleLbl name="asst1">
+    <dgm:scene3d>
+      <a:camera prst="orthographicFront"/>
+      <a:lightRig rig="threePt" dir="t"/>
+    </dgm:scene3d>
+    <dgm:sp3d/>
+    <dgm:txPr/>
+    <dgm:style>
+      <a:lnRef idx="2">
+        <a:scrgbClr r="0" g="0" b="0"/>
+      </a:lnRef>
+      <a:fillRef idx="1">
+        <a:scrgbClr r="0" g="0" b="0"/>
+      </a:fillRef>
+      <a:effectRef idx="0">
+        <a:scrgbClr r="0" g="0" b="0"/>
+      </a:effectRef>
+      <a:fontRef idx="minor">
+        <a:schemeClr val="lt1"/>
+      </a:fontRef>
+    </dgm:style>
+  </dgm:styleLbl>
+  <dgm:styleLbl name="asst2">
+    <dgm:scene3d>
+      <a:camera prst="orthographicFront"/>
+      <a:lightRig rig="threePt" dir="t"/>
+    </dgm:scene3d>
+    <dgm:sp3d/>
+    <dgm:txPr/>
+    <dgm:style>
+      <a:lnRef idx="2">
+        <a:scrgbClr r="0" g="0" b="0"/>
+      </a:lnRef>
+      <a:fillRef idx="1">
+        <a:scrgbClr r="0" g="0" b="0"/>
+      </a:fillRef>
+      <a:effectRef idx="0">
+        <a:scrgbClr r="0" g="0" b="0"/>
+      </a:effectRef>
+      <a:fontRef idx="minor">
+        <a:schemeClr val="lt1"/>
+      </a:fontRef>
+    </dgm:style>
+  </dgm:styleLbl>
+  <dgm:styleLbl name="asst3">
+    <dgm:scene3d>
+      <a:camera prst="orthographicFront"/>
+      <a:lightRig rig="threePt" dir="t"/>
+    </dgm:scene3d>
+    <dgm:sp3d/>
+    <dgm:txPr/>
+    <dgm:style>
+      <a:lnRef idx="2">
+        <a:scrgbClr r="0" g="0" b="0"/>
+      </a:lnRef>
+      <a:fillRef idx="1">
+        <a:scrgbClr r="0" g="0" b="0"/>
+      </a:fillRef>
+      <a:effectRef idx="0">
+        <a:scrgbClr r="0" g="0" b="0"/>
+      </a:effectRef>
+      <a:fontRef idx="minor">
+        <a:schemeClr val="lt1"/>
+      </a:fontRef>
+    </dgm:style>
+  </dgm:styleLbl>
+  <dgm:styleLbl name="asst4">
+    <dgm:scene3d>
+      <a:camera prst="orthographicFront"/>
+      <a:lightRig rig="threePt" dir="t"/>
+    </dgm:scene3d>
+    <dgm:sp3d/>
+    <dgm:txPr/>
+    <dgm:style>
+      <a:lnRef idx="2">
+        <a:scrgbClr r="0" g="0" b="0"/>
+      </a:lnRef>
+      <a:fillRef idx="1">
+        <a:scrgbClr r="0" g="0" b="0"/>
+      </a:fillRef>
+      <a:effectRef idx="0">
+        <a:scrgbClr r="0" g="0" b="0"/>
+      </a:effectRef>
+      <a:fontRef idx="minor">
+        <a:schemeClr val="lt1"/>
+      </a:fontRef>
+    </dgm:style>
+  </dgm:styleLbl>
+  <dgm:styleLbl name="parChTrans2D1">
+    <dgm:scene3d>
+      <a:camera prst="orthographicFront"/>
+      <a:lightRig rig="threePt" dir="t"/>
+    </dgm:scene3d>
+    <dgm:sp3d/>
+    <dgm:txPr/>
+    <dgm:style>
+      <a:lnRef idx="2">
+        <a:scrgbClr r="0" g="0" b="0"/>
+      </a:lnRef>
+      <a:fillRef idx="1">
+        <a:scrgbClr r="0" g="0" b="0"/>
+      </a:fillRef>
+      <a:effectRef idx="0">
+        <a:scrgbClr r="0" g="0" b="0"/>
+      </a:effectRef>
+      <a:fontRef idx="minor">
+        <a:schemeClr val="lt1"/>
+      </a:fontRef>
+    </dgm:style>
+  </dgm:styleLbl>
+  <dgm:styleLbl name="parChTrans2D2">
+    <dgm:scene3d>
+      <a:camera prst="orthographicFront"/>
+      <a:lightRig rig="threePt" dir="t"/>
+    </dgm:scene3d>
+    <dgm:sp3d/>
+    <dgm:txPr/>
+    <dgm:style>
+      <a:lnRef idx="2">
+        <a:scrgbClr r="0" g="0" b="0"/>
+      </a:lnRef>
+      <a:fillRef idx="1">
+        <a:scrgbClr r="0" g="0" b="0"/>
+      </a:fillRef>
+      <a:effectRef idx="0">
+        <a:scrgbClr r="0" g="0" b="0"/>
+      </a:effectRef>
+      <a:fontRef idx="minor">
+        <a:schemeClr val="lt1"/>
+      </a:fontRef>
+    </dgm:style>
+  </dgm:styleLbl>
+  <dgm:styleLbl name="parChTrans2D3">
+    <dgm:scene3d>
+      <a:camera prst="orthographicFront"/>
+      <a:lightRig rig="threePt" dir="t"/>
+    </dgm:scene3d>
+    <dgm:sp3d/>
+    <dgm:txPr/>
+    <dgm:style>
+      <a:lnRef idx="2">
+        <a:scrgbClr r="0" g="0" b="0"/>
+      </a:lnRef>
+      <a:fillRef idx="1">
+        <a:scrgbClr r="0" g="0" b="0"/>
+      </a:fillRef>
+      <a:effectRef idx="0">
+        <a:scrgbClr r="0" g="0" b="0"/>
+      </a:effectRef>
+      <a:fontRef idx="minor">
+        <a:schemeClr val="lt1"/>
+      </a:fontRef>
+    </dgm:style>
+  </dgm:styleLbl>
+  <dgm:styleLbl name="parChTrans2D4">
+    <dgm:scene3d>
+      <a:camera prst="orthographicFront"/>
+      <a:lightRig rig="threePt" dir="t"/>
+    </dgm:scene3d>
+    <dgm:sp3d/>
+    <dgm:txPr/>
+    <dgm:style>
+      <a:lnRef idx="2">
+        <a:scrgbClr r="0" g="0" b="0"/>
+      </a:lnRef>
+      <a:fillRef idx="1">
+        <a:scrgbClr r="0" g="0" b="0"/>
+      </a:fillRef>
+      <a:effectRef idx="0">
+        <a:scrgbClr r="0" g="0" b="0"/>
+      </a:effectRef>
+      <a:fontRef idx="minor">
+        <a:schemeClr val="lt1"/>
+      </a:fontRef>
+    </dgm:style>
+  </dgm:styleLbl>
+  <dgm:styleLbl name="parChTrans1D1">
+    <dgm:scene3d>
+      <a:camera prst="orthographicFront"/>
+      <a:lightRig rig="threePt" dir="t"/>
+    </dgm:scene3d>
+    <dgm:sp3d/>
+    <dgm:txPr/>
+    <dgm:style>
+      <a:lnRef idx="2">
+        <a:scrgbClr r="0" g="0" b="0"/>
+      </a:lnRef>
+      <a:fillRef idx="0">
+        <a:scrgbClr r="0" g="0" b="0"/>
+      </a:fillRef>
+      <a:effectRef idx="0">
+        <a:scrgbClr r="0" g="0" b="0"/>
+      </a:effectRef>
+      <a:fontRef idx="minor"/>
+    </dgm:style>
+  </dgm:styleLbl>
+  <dgm:styleLbl name="parChTrans1D2">
+    <dgm:scene3d>
+      <a:camera prst="orthographicFront"/>
+      <a:lightRig rig="threePt" dir="t"/>
+    </dgm:scene3d>
+    <dgm:sp3d/>
+    <dgm:txPr/>
+    <dgm:style>
+      <a:lnRef idx="2">
+        <a:scrgbClr r="0" g="0" b="0"/>
+      </a:lnRef>
+      <a:fillRef idx="0">
+        <a:scrgbClr r="0" g="0" b="0"/>
+      </a:fillRef>
+      <a:effectRef idx="0">
+        <a:scrgbClr r="0" g="0" b="0"/>
+      </a:effectRef>
+      <a:fontRef idx="minor"/>
+    </dgm:style>
+  </dgm:styleLbl>
+  <dgm:styleLbl name="parChTrans1D3">
+    <dgm:scene3d>
+      <a:camera prst="orthographicFront"/>
+      <a:lightRig rig="threePt" dir="t"/>
+    </dgm:scene3d>
+    <dgm:sp3d/>
+    <dgm:txPr/>
+    <dgm:style>
+      <a:lnRef idx="2">
+        <a:scrgbClr r="0" g="0" b="0"/>
+      </a:lnRef>
+      <a:fillRef idx="0">
+        <a:scrgbClr r="0" g="0" b="0"/>
+      </a:fillRef>
+      <a:effectRef idx="0">
+        <a:scrgbClr r="0" g="0" b="0"/>
+      </a:effectRef>
+      <a:fontRef idx="minor"/>
+    </dgm:style>
+  </dgm:styleLbl>
+  <dgm:styleLbl name="parChTrans1D4">
+    <dgm:scene3d>
+      <a:camera prst="orthographicFront"/>
+      <a:lightRig rig="threePt" dir="t"/>
+    </dgm:scene3d>
+    <dgm:sp3d/>
+    <dgm:txPr/>
+    <dgm:style>
+      <a:lnRef idx="2">
+        <a:scrgbClr r="0" g="0" b="0"/>
+      </a:lnRef>
+      <a:fillRef idx="0">
+        <a:scrgbClr r="0" g="0" b="0"/>
+      </a:fillRef>
+      <a:effectRef idx="0">
+        <a:scrgbClr r="0" g="0" b="0"/>
+      </a:effectRef>
+      <a:fontRef idx="minor"/>
+    </dgm:style>
+  </dgm:styleLbl>
+  <dgm:styleLbl name="fgAcc1">
+    <dgm:scene3d>
+      <a:camera prst="orthographicFront"/>
+      <a:lightRig rig="threePt" dir="t"/>
+    </dgm:scene3d>
+    <dgm:sp3d/>
+    <dgm:txPr/>
+    <dgm:style>
+      <a:lnRef idx="2">
+        <a:scrgbClr r="0" g="0" b="0"/>
+      </a:lnRef>
+      <a:fillRef idx="1">
+        <a:scrgbClr r="0" g="0" b="0"/>
+      </a:fillRef>
+      <a:effectRef idx="0">
+        <a:scrgbClr r="0" g="0" b="0"/>
+      </a:effectRef>
+      <a:fontRef idx="minor"/>
+    </dgm:style>
+  </dgm:styleLbl>
+  <dgm:styleLbl name="conFgAcc1">
+    <dgm:scene3d>
+      <a:camera prst="orthographicFront"/>
+      <a:lightRig rig="threePt" dir="t"/>
+    </dgm:scene3d>
+    <dgm:sp3d/>
+    <dgm:txPr/>
+    <dgm:style>
+      <a:lnRef idx="2">
+        <a:scrgbClr r="0" g="0" b="0"/>
+      </a:lnRef>
+      <a:fillRef idx="1">
+        <a:scrgbClr r="0" g="0" b="0"/>
+      </a:fillRef>
+      <a:effectRef idx="0">
+        <a:scrgbClr r="0" g="0" b="0"/>
+      </a:effectRef>
+      <a:fontRef idx="minor"/>
+    </dgm:style>
+  </dgm:styleLbl>
+  <dgm:styleLbl name="alignAcc1">
+    <dgm:scene3d>
+      <a:camera prst="orthographicFront"/>
+      <a:lightRig rig="threePt" dir="t"/>
+    </dgm:scene3d>
+    <dgm:sp3d/>
+    <dgm:txPr/>
+    <dgm:style>
+      <a:lnRef idx="2">
+        <a:scrgbClr r="0" g="0" b="0"/>
+      </a:lnRef>
+      <a:fillRef idx="1">
+        <a:scrgbClr r="0" g="0" b="0"/>
+      </a:fillRef>
+      <a:effectRef idx="0">
+        <a:scrgbClr r="0" g="0" b="0"/>
+      </a:effectRef>
+      <a:fontRef idx="minor"/>
+    </dgm:style>
+  </dgm:styleLbl>
+  <dgm:styleLbl name="trAlignAcc1">
+    <dgm:scene3d>
+      <a:camera prst="orthographicFront"/>
+      <a:lightRig rig="threePt" dir="t"/>
+    </dgm:scene3d>
+    <dgm:sp3d/>
+    <dgm:txPr/>
+    <dgm:style>
+      <a:lnRef idx="1">
+        <a:scrgbClr r="0" g="0" b="0"/>
+      </a:lnRef>
+      <a:fillRef idx="1">
+        <a:scrgbClr r="0" g="0" b="0"/>
+      </a:fillRef>
+      <a:effectRef idx="0">
+        <a:scrgbClr r="0" g="0" b="0"/>
+      </a:effectRef>
+      <a:fontRef idx="minor"/>
+    </dgm:style>
+  </dgm:styleLbl>
+  <dgm:styleLbl name="bgAcc1">
+    <dgm:scene3d>
+      <a:camera prst="orthographicFront"/>
+      <a:lightRig rig="threePt" dir="t"/>
+    </dgm:scene3d>
+    <dgm:sp3d/>
+    <dgm:txPr/>
+    <dgm:style>
+      <a:lnRef idx="2">
+        <a:scrgbClr r="0" g="0" b="0"/>
+      </a:lnRef>
+      <a:fillRef idx="1">
+        <a:scrgbClr r="0" g="0" b="0"/>
+      </a:fillRef>
+      <a:effectRef idx="0">
+        <a:scrgbClr r="0" g="0" b="0"/>
+      </a:effectRef>
+      <a:fontRef idx="minor"/>
+    </dgm:style>
+  </dgm:styleLbl>
+  <dgm:styleLbl name="solidFgAcc1">
+    <dgm:scene3d>
+      <a:camera prst="orthographicFront"/>
+      <a:lightRig rig="threePt" dir="t"/>
+    </dgm:scene3d>
+    <dgm:sp3d/>
+    <dgm:txPr/>
+    <dgm:style>
+      <a:lnRef idx="2">
+        <a:scrgbClr r="0" g="0" b="0"/>
+      </a:lnRef>
+      <a:fillRef idx="1">
+        <a:scrgbClr r="0" g="0" b="0"/>
+      </a:fillRef>
+      <a:effectRef idx="0">
+        <a:scrgbClr r="0" g="0" b="0"/>
+      </a:effectRef>
+      <a:fontRef idx="minor"/>
+    </dgm:style>
+  </dgm:styleLbl>
+  <dgm:styleLbl name="solidAlignAcc1">
+    <dgm:scene3d>
+      <a:camera prst="orthographicFront"/>
+      <a:lightRig rig="threePt" dir="t"/>
+    </dgm:scene3d>
+    <dgm:sp3d/>
+    <dgm:txPr/>
+    <dgm:style>
+      <a:lnRef idx="2">
+        <a:scrgbClr r="0" g="0" b="0"/>
+      </a:lnRef>
+      <a:fillRef idx="1">
+        <a:scrgbClr r="0" g="0" b="0"/>
+      </a:fillRef>
+      <a:effectRef idx="0">
+        <a:scrgbClr r="0" g="0" b="0"/>
+      </a:effectRef>
+      <a:fontRef idx="minor"/>
+    </dgm:style>
+  </dgm:styleLbl>
+  <dgm:styleLbl name="solidBgAcc1">
+    <dgm:scene3d>
+      <a:camera prst="orthographicFront"/>
+      <a:lightRig rig="threePt" dir="t"/>
+    </dgm:scene3d>
+    <dgm:sp3d/>
+    <dgm:txPr/>
+    <dgm:style>
+      <a:lnRef idx="2">
+        <a:scrgbClr r="0" g="0" b="0"/>
+      </a:lnRef>
+      <a:fillRef idx="1">
+        <a:scrgbClr r="0" g="0" b="0"/>
+      </a:fillRef>
+      <a:effectRef idx="0">
+        <a:scrgbClr r="0" g="0" b="0"/>
+      </a:effectRef>
+      <a:fontRef idx="minor"/>
+    </dgm:style>
+  </dgm:styleLbl>
+  <dgm:styleLbl name="fgAccFollowNode1">
+    <dgm:scene3d>
+      <a:camera prst="orthographicFront"/>
+      <a:lightRig rig="threePt" dir="t"/>
+    </dgm:scene3d>
+    <dgm:sp3d/>
+    <dgm:txPr/>
+    <dgm:style>
+      <a:lnRef idx="2">
+        <a:scrgbClr r="0" g="0" b="0"/>
+      </a:lnRef>
+      <a:fillRef idx="1">
+        <a:scrgbClr r="0" g="0" b="0"/>
+      </a:fillRef>
+      <a:effectRef idx="0">
+        <a:scrgbClr r="0" g="0" b="0"/>
+      </a:effectRef>
+      <a:fontRef idx="minor"/>
+    </dgm:style>
+  </dgm:styleLbl>
+  <dgm:styleLbl name="alignAccFollowNode1">
+    <dgm:scene3d>
+      <a:camera prst="orthographicFront"/>
+      <a:lightRig rig="threePt" dir="t"/>
+    </dgm:scene3d>
+    <dgm:sp3d/>
+    <dgm:txPr/>
+    <dgm:style>
+      <a:lnRef idx="2">
+        <a:scrgbClr r="0" g="0" b="0"/>
+      </a:lnRef>
+      <a:fillRef idx="1">
+        <a:scrgbClr r="0" g="0" b="0"/>
+      </a:fillRef>
+      <a:effectRef idx="0">
+        <a:scrgbClr r="0" g="0" b="0"/>
+      </a:effectRef>
+      <a:fontRef idx="minor"/>
+    </dgm:style>
+  </dgm:styleLbl>
+  <dgm:styleLbl name="bgAccFollowNode1">
+    <dgm:scene3d>
+      <a:camera prst="orthographicFront"/>
+      <a:lightRig rig="threePt" dir="t"/>
+    </dgm:scene3d>
+    <dgm:sp3d/>
+    <dgm:txPr/>
+    <dgm:style>
+      <a:lnRef idx="2">
+        <a:scrgbClr r="0" g="0" b="0"/>
+      </a:lnRef>
+      <a:fillRef idx="1">
+        <a:scrgbClr r="0" g="0" b="0"/>
+      </a:fillRef>
+      <a:effectRef idx="0">
+        <a:scrgbClr r="0" g="0" b="0"/>
+      </a:effectRef>
+      <a:fontRef idx="minor"/>
+    </dgm:style>
+  </dgm:styleLbl>
+  <dgm:styleLbl name="fgAcc0">
+    <dgm:scene3d>
+      <a:camera prst="orthographicFront"/>
+      <a:lightRig rig="threePt" dir="t"/>
+    </dgm:scene3d>
+    <dgm:sp3d/>
+    <dgm:txPr/>
+    <dgm:style>
+      <a:lnRef idx="2">
+        <a:scrgbClr r="0" g="0" b="0"/>
+      </a:lnRef>
+      <a:fillRef idx="1">
+        <a:scrgbClr r="0" g="0" b="0"/>
+      </a:fillRef>
+      <a:effectRef idx="0">
+        <a:scrgbClr r="0" g="0" b="0"/>
+      </a:effectRef>
+      <a:fontRef idx="minor"/>
+    </dgm:style>
+  </dgm:styleLbl>
+  <dgm:styleLbl name="fgAcc2">
+    <dgm:scene3d>
+      <a:camera prst="orthographicFront"/>
+      <a:lightRig rig="threePt" dir="t"/>
+    </dgm:scene3d>
+    <dgm:sp3d/>
+    <dgm:txPr/>
+    <dgm:style>
+      <a:lnRef idx="2">
+        <a:scrgbClr r="0" g="0" b="0"/>
+      </a:lnRef>
+      <a:fillRef idx="1">
+        <a:scrgbClr r="0" g="0" b="0"/>
+      </a:fillRef>
+      <a:effectRef idx="0">
+        <a:scrgbClr r="0" g="0" b="0"/>
+      </a:effectRef>
+      <a:fontRef idx="minor"/>
+    </dgm:style>
+  </dgm:styleLbl>
+  <dgm:styleLbl name="fgAcc3">
+    <dgm:scene3d>
+      <a:camera prst="orthographicFront"/>
+      <a:lightRig rig="threePt" dir="t"/>
+    </dgm:scene3d>
+    <dgm:sp3d/>
+    <dgm:txPr/>
+    <dgm:style>
+      <a:lnRef idx="2">
+        <a:scrgbClr r="0" g="0" b="0"/>
+      </a:lnRef>
+      <a:fillRef idx="1">
+        <a:scrgbClr r="0" g="0" b="0"/>
+      </a:fillRef>
+      <a:effectRef idx="0">
+        <a:scrgbClr r="0" g="0" b="0"/>
+      </a:effectRef>
+      <a:fontRef idx="minor"/>
+    </dgm:style>
+  </dgm:styleLbl>
+  <dgm:styleLbl name="fgAcc4">
+    <dgm:scene3d>
+      <a:camera prst="orthographicFront"/>
+      <a:lightRig rig="threePt" dir="t"/>
+    </dgm:scene3d>
+    <dgm:sp3d/>
+    <dgm:txPr/>
+    <dgm:style>
+      <a:lnRef idx="2">
+        <a:scrgbClr r="0" g="0" b="0"/>
+      </a:lnRef>
+      <a:fillRef idx="1">
+        <a:scrgbClr r="0" g="0" b="0"/>
+      </a:fillRef>
+      <a:effectRef idx="0">
+        <a:scrgbClr r="0" g="0" b="0"/>
+      </a:effectRef>
+      <a:fontRef idx="minor"/>
+    </dgm:style>
+  </dgm:styleLbl>
+  <dgm:styleLbl name="bgShp">
+    <dgm:scene3d>
+      <a:camera prst="orthographicFront"/>
+      <a:lightRig rig="threePt" dir="t"/>
+    </dgm:scene3d>
+    <dgm:sp3d/>
+    <dgm:txPr/>
+    <dgm:style>
+      <a:lnRef idx="0">
+        <a:scrgbClr r="0" g="0" b="0"/>
+      </a:lnRef>
+      <a:fillRef idx="1">
+        <a:scrgbClr r="0" g="0" b="0"/>
+      </a:fillRef>
+      <a:effectRef idx="0">
+        <a:scrgbClr r="0" g="0" b="0"/>
+      </a:effectRef>
+      <a:fontRef idx="minor"/>
+    </dgm:style>
+  </dgm:styleLbl>
+  <dgm:styleLbl name="dkBgShp">
+    <dgm:scene3d>
+      <a:camera prst="orthographicFront"/>
+      <a:lightRig rig="threePt" dir="t"/>
+    </dgm:scene3d>
+    <dgm:sp3d/>
+    <dgm:txPr/>
+    <dgm:style>
+      <a:lnRef idx="0">
+        <a:scrgbClr r="0" g="0" b="0"/>
+      </a:lnRef>
+      <a:fillRef idx="1">
+        <a:scrgbClr r="0" g="0" b="0"/>
+      </a:fillRef>
+      <a:effectRef idx="0">
+        <a:scrgbClr r="0" g="0" b="0"/>
+      </a:effectRef>
+      <a:fontRef idx="minor"/>
+    </dgm:style>
+  </dgm:styleLbl>
+  <dgm:styleLbl name="trBgShp">
+    <dgm:scene3d>
+      <a:camera prst="orthographicFront"/>
+      <a:lightRig rig="threePt" dir="t"/>
+    </dgm:scene3d>
+    <dgm:sp3d/>
+    <dgm:txPr/>
+    <dgm:style>
+      <a:lnRef idx="0">
+        <a:scrgbClr r="0" g="0" b="0"/>
+      </a:lnRef>
+      <a:fillRef idx="1">
+        <a:scrgbClr r="0" g="0" b="0"/>
+      </a:fillRef>
+      <a:effectRef idx="0">
+        <a:scrgbClr r="0" g="0" b="0"/>
+      </a:effectRef>
+      <a:fontRef idx="minor"/>
+    </dgm:style>
+  </dgm:styleLbl>
+  <dgm:styleLbl name="fgShp">
+    <dgm:scene3d>
+      <a:camera prst="orthographicFront"/>
+      <a:lightRig rig="threePt" dir="t"/>
+    </dgm:scene3d>
+    <dgm:sp3d/>
+    <dgm:txPr/>
+    <dgm:style>
+      <a:lnRef idx="2">
+        <a:scrgbClr r="0" g="0" b="0"/>
+      </a:lnRef>
+      <a:fillRef idx="1">
+        <a:scrgbClr r="0" g="0" b="0"/>
+      </a:fillRef>
+      <a:effectRef idx="0">
+        <a:scrgbClr r="0" g="0" b="0"/>
+      </a:effectRef>
+      <a:fontRef idx="minor"/>
+    </dgm:style>
+  </dgm:styleLbl>
+  <dgm:styleLbl name="revTx">
+    <dgm:scene3d>
+      <a:camera prst="orthographicFront"/>
+      <a:lightRig rig="threePt" dir="t"/>
+    </dgm:scene3d>
+    <dgm:sp3d/>
+    <dgm:txPr/>
+    <dgm:style>
+      <a:lnRef idx="0">
+        <a:scrgbClr r="0" g="0" b="0"/>
+      </a:lnRef>
+      <a:fillRef idx="0">
+        <a:scrgbClr r="0" g="0" b="0"/>
+      </a:fillRef>
+      <a:effectRef idx="0">
+        <a:scrgbClr r="0" g="0" b="0"/>
+      </a:effectRef>
+      <a:fontRef idx="minor"/>
+    </dgm:style>
+  </dgm:styleLbl>
+</dgm:styleDef>
+</file>
+
 <file path=ppt/notesMasters/notesMaster1.xml><?xml version="1.0" encoding="utf-8"?>
 <p:notesMaster xmlns:a="http://schemas.openxmlformats.org/drawingml/2006/main" xmlns:r="http://schemas.openxmlformats.org/officeDocument/2006/relationships" xmlns:p="http://schemas.openxmlformats.org/presentationml/2006/main">
   <p:cSld>
@@ -231,7 +3342,7 @@
           <a:p>
             <a:fld id="{3C74A5D0-F500-4656-A06F-8877668FA90E}" type="datetimeFigureOut">
               <a:rPr lang="en-US" smtClean="0"/>
-              <a:t>9/17/2019</a:t>
+              <a:t>9/18/2019</a:t>
             </a:fld>
             <a:endParaRPr lang="en-US"/>
           </a:p>
@@ -651,24 +3762,7 @@
           <a:bodyPr/>
           <a:lstStyle/>
           <a:p>
-            <a:pPr marL="0" marR="0" lvl="0" indent="0" algn="l" defTabSz="914400" rtl="0" eaLnBrk="1" fontAlgn="auto" latinLnBrk="0" hangingPunct="1">
-              <a:lnSpc>
-                <a:spcPct val="100000"/>
-              </a:lnSpc>
-              <a:spcBef>
-                <a:spcPts val="0"/>
-              </a:spcBef>
-              <a:spcAft>
-                <a:spcPts val="0"/>
-              </a:spcAft>
-              <a:buClrTx/>
-              <a:buSzTx/>
-              <a:buFontTx/>
-              <a:buNone/>
-              <a:tabLst/>
-              <a:defRPr/>
-            </a:pPr>
-            <a:endParaRPr lang="en-US" dirty="0" smtClean="0"/>
+            <a:endParaRPr lang="fa-IR" dirty="0"/>
           </a:p>
         </p:txBody>
       </p:sp>
@@ -689,7 +3783,7 @@
           <a:p>
             <a:fld id="{C2454028-0B7A-4366-8D40-A23547F3B64D}" type="slidenum">
               <a:rPr lang="en-US" smtClean="0"/>
-              <a:t>2</a:t>
+              <a:t>4</a:t>
             </a:fld>
             <a:endParaRPr lang="en-US"/>
           </a:p>
@@ -698,7 +3792,7 @@
     </p:spTree>
     <p:extLst>
       <p:ext uri="{BB962C8B-B14F-4D97-AF65-F5344CB8AC3E}">
-        <p14:creationId xmlns:p14="http://schemas.microsoft.com/office/powerpoint/2010/main" val="4016406261"/>
+        <p14:creationId xmlns:p14="http://schemas.microsoft.com/office/powerpoint/2010/main" val="3384715996"/>
       </p:ext>
     </p:extLst>
   </p:cSld>
@@ -773,7 +3867,7 @@
           <a:p>
             <a:fld id="{C2454028-0B7A-4366-8D40-A23547F3B64D}" type="slidenum">
               <a:rPr lang="en-US" smtClean="0"/>
-              <a:t>4</a:t>
+              <a:t>11</a:t>
             </a:fld>
             <a:endParaRPr lang="en-US"/>
           </a:p>
@@ -782,7 +3876,7 @@
     </p:spTree>
     <p:extLst>
       <p:ext uri="{BB962C8B-B14F-4D97-AF65-F5344CB8AC3E}">
-        <p14:creationId xmlns:p14="http://schemas.microsoft.com/office/powerpoint/2010/main" val="3384715996"/>
+        <p14:creationId xmlns:p14="http://schemas.microsoft.com/office/powerpoint/2010/main" val="80050091"/>
       </p:ext>
     </p:extLst>
   </p:cSld>
@@ -836,7 +3930,7 @@
           <a:bodyPr/>
           <a:lstStyle/>
           <a:p>
-            <a:endParaRPr lang="fa-IR" dirty="0"/>
+            <a:endParaRPr lang="fa-IR"/>
           </a:p>
         </p:txBody>
       </p:sp>
@@ -857,7 +3951,7 @@
           <a:p>
             <a:fld id="{C2454028-0B7A-4366-8D40-A23547F3B64D}" type="slidenum">
               <a:rPr lang="en-US" smtClean="0"/>
-              <a:t>11</a:t>
+              <a:t>15</a:t>
             </a:fld>
             <a:endParaRPr lang="en-US"/>
           </a:p>
@@ -866,7 +3960,7 @@
     </p:spTree>
     <p:extLst>
       <p:ext uri="{BB962C8B-B14F-4D97-AF65-F5344CB8AC3E}">
-        <p14:creationId xmlns:p14="http://schemas.microsoft.com/office/powerpoint/2010/main" val="80050091"/>
+        <p14:creationId xmlns:p14="http://schemas.microsoft.com/office/powerpoint/2010/main" val="1667428087"/>
       </p:ext>
     </p:extLst>
   </p:cSld>
@@ -958,7 +4052,108 @@
           <a:p>
             <a:fld id="{C2454028-0B7A-4366-8D40-A23547F3B64D}" type="slidenum">
               <a:rPr lang="en-US" smtClean="0"/>
-              <a:t>22</a:t>
+              <a:t>25</a:t>
+            </a:fld>
+            <a:endParaRPr lang="en-US"/>
+          </a:p>
+        </p:txBody>
+      </p:sp>
+    </p:spTree>
+    <p:extLst>
+      <p:ext uri="{BB962C8B-B14F-4D97-AF65-F5344CB8AC3E}">
+        <p14:creationId xmlns:p14="http://schemas.microsoft.com/office/powerpoint/2010/main" val="4016406261"/>
+      </p:ext>
+    </p:extLst>
+  </p:cSld>
+  <p:clrMapOvr>
+    <a:masterClrMapping/>
+  </p:clrMapOvr>
+</p:notes>
+</file>
+
+<file path=ppt/notesSlides/notesSlide6.xml><?xml version="1.0" encoding="utf-8"?>
+<p:notes xmlns:a="http://schemas.openxmlformats.org/drawingml/2006/main" xmlns:r="http://schemas.openxmlformats.org/officeDocument/2006/relationships" xmlns:p="http://schemas.openxmlformats.org/presentationml/2006/main">
+  <p:cSld>
+    <p:spTree>
+      <p:nvGrpSpPr>
+        <p:cNvPr id="1" name=""/>
+        <p:cNvGrpSpPr/>
+        <p:nvPr/>
+      </p:nvGrpSpPr>
+      <p:grpSpPr>
+        <a:xfrm>
+          <a:off x="0" y="0"/>
+          <a:ext cx="0" cy="0"/>
+          <a:chOff x="0" y="0"/>
+          <a:chExt cx="0" cy="0"/>
+        </a:xfrm>
+      </p:grpSpPr>
+      <p:sp>
+        <p:nvSpPr>
+          <p:cNvPr id="2" name="Slide Image Placeholder 1"/>
+          <p:cNvSpPr>
+            <a:spLocks noGrp="1" noRot="1" noChangeAspect="1"/>
+          </p:cNvSpPr>
+          <p:nvPr>
+            <p:ph type="sldImg"/>
+          </p:nvPr>
+        </p:nvSpPr>
+        <p:spPr/>
+      </p:sp>
+      <p:sp>
+        <p:nvSpPr>
+          <p:cNvPr id="3" name="Notes Placeholder 2"/>
+          <p:cNvSpPr>
+            <a:spLocks noGrp="1"/>
+          </p:cNvSpPr>
+          <p:nvPr>
+            <p:ph type="body" idx="1"/>
+          </p:nvPr>
+        </p:nvSpPr>
+        <p:spPr/>
+        <p:txBody>
+          <a:bodyPr/>
+          <a:lstStyle/>
+          <a:p>
+            <a:pPr marL="0" marR="0" lvl="0" indent="0" algn="l" defTabSz="914400" rtl="0" eaLnBrk="1" fontAlgn="auto" latinLnBrk="0" hangingPunct="1">
+              <a:lnSpc>
+                <a:spcPct val="100000"/>
+              </a:lnSpc>
+              <a:spcBef>
+                <a:spcPts val="0"/>
+              </a:spcBef>
+              <a:spcAft>
+                <a:spcPts val="0"/>
+              </a:spcAft>
+              <a:buClrTx/>
+              <a:buSzTx/>
+              <a:buFontTx/>
+              <a:buNone/>
+              <a:tabLst/>
+              <a:defRPr/>
+            </a:pPr>
+            <a:endParaRPr lang="en-US" dirty="0" smtClean="0"/>
+          </a:p>
+        </p:txBody>
+      </p:sp>
+      <p:sp>
+        <p:nvSpPr>
+          <p:cNvPr id="4" name="Slide Number Placeholder 3"/>
+          <p:cNvSpPr>
+            <a:spLocks noGrp="1"/>
+          </p:cNvSpPr>
+          <p:nvPr>
+            <p:ph type="sldNum" sz="quarter" idx="10"/>
+          </p:nvPr>
+        </p:nvSpPr>
+        <p:spPr/>
+        <p:txBody>
+          <a:bodyPr/>
+          <a:lstStyle/>
+          <a:p>
+            <a:fld id="{C2454028-0B7A-4366-8D40-A23547F3B64D}" type="slidenum">
+              <a:rPr lang="en-US" smtClean="0"/>
+              <a:t>26</a:t>
             </a:fld>
             <a:endParaRPr lang="en-US"/>
           </a:p>
@@ -2303,7 +5498,7 @@
           <a:p>
             <a:fld id="{F3B70C1F-EA92-4B9F-A69C-D9C40072B96D}" type="datetimeFigureOut">
               <a:rPr lang="en-US" smtClean="0"/>
-              <a:t>9/17/2019</a:t>
+              <a:t>9/18/2019</a:t>
             </a:fld>
             <a:endParaRPr lang="en-US"/>
           </a:p>
@@ -2473,7 +5668,7 @@
           <a:p>
             <a:fld id="{F3B70C1F-EA92-4B9F-A69C-D9C40072B96D}" type="datetimeFigureOut">
               <a:rPr lang="en-US" smtClean="0"/>
-              <a:t>9/17/2019</a:t>
+              <a:t>9/18/2019</a:t>
             </a:fld>
             <a:endParaRPr lang="en-US"/>
           </a:p>
@@ -2719,7 +5914,7 @@
           <a:p>
             <a:fld id="{F3B70C1F-EA92-4B9F-A69C-D9C40072B96D}" type="datetimeFigureOut">
               <a:rPr lang="en-US" smtClean="0"/>
-              <a:t>9/17/2019</a:t>
+              <a:t>9/18/2019</a:t>
             </a:fld>
             <a:endParaRPr lang="en-US"/>
           </a:p>
@@ -2951,7 +6146,7 @@
           <a:p>
             <a:fld id="{F3B70C1F-EA92-4B9F-A69C-D9C40072B96D}" type="datetimeFigureOut">
               <a:rPr lang="en-US" smtClean="0"/>
-              <a:t>9/17/2019</a:t>
+              <a:t>9/18/2019</a:t>
             </a:fld>
             <a:endParaRPr lang="en-US"/>
           </a:p>
@@ -3318,7 +6513,7 @@
           <a:p>
             <a:fld id="{F3B70C1F-EA92-4B9F-A69C-D9C40072B96D}" type="datetimeFigureOut">
               <a:rPr lang="en-US" smtClean="0"/>
-              <a:t>9/17/2019</a:t>
+              <a:t>9/18/2019</a:t>
             </a:fld>
             <a:endParaRPr lang="en-US"/>
           </a:p>
@@ -3474,7 +6669,7 @@
           <a:p>
             <a:fld id="{F3B70C1F-EA92-4B9F-A69C-D9C40072B96D}" type="datetimeFigureOut">
               <a:rPr lang="en-US" smtClean="0"/>
-              <a:t>9/17/2019</a:t>
+              <a:t>9/18/2019</a:t>
             </a:fld>
             <a:endParaRPr lang="en-US"/>
           </a:p>
@@ -3569,7 +6764,7 @@
           <a:p>
             <a:fld id="{F3B70C1F-EA92-4B9F-A69C-D9C40072B96D}" type="datetimeFigureOut">
               <a:rPr lang="en-US" smtClean="0"/>
-              <a:t>9/17/2019</a:t>
+              <a:t>9/18/2019</a:t>
             </a:fld>
             <a:endParaRPr lang="en-US"/>
           </a:p>
@@ -3846,7 +7041,7 @@
           <a:p>
             <a:fld id="{F3B70C1F-EA92-4B9F-A69C-D9C40072B96D}" type="datetimeFigureOut">
               <a:rPr lang="en-US" smtClean="0"/>
-              <a:t>9/17/2019</a:t>
+              <a:t>9/18/2019</a:t>
             </a:fld>
             <a:endParaRPr lang="en-US"/>
           </a:p>
@@ -4103,7 +7298,7 @@
           <a:p>
             <a:fld id="{F3B70C1F-EA92-4B9F-A69C-D9C40072B96D}" type="datetimeFigureOut">
               <a:rPr lang="en-US" smtClean="0"/>
-              <a:t>9/17/2019</a:t>
+              <a:t>9/18/2019</a:t>
             </a:fld>
             <a:endParaRPr lang="en-US"/>
           </a:p>
@@ -4273,7 +7468,7 @@
           <a:p>
             <a:fld id="{F3B70C1F-EA92-4B9F-A69C-D9C40072B96D}" type="datetimeFigureOut">
               <a:rPr lang="en-US" smtClean="0"/>
-              <a:t>9/17/2019</a:t>
+              <a:t>9/18/2019</a:t>
             </a:fld>
             <a:endParaRPr lang="en-US"/>
           </a:p>
@@ -4453,7 +7648,7 @@
           <a:p>
             <a:fld id="{F3B70C1F-EA92-4B9F-A69C-D9C40072B96D}" type="datetimeFigureOut">
               <a:rPr lang="en-US" smtClean="0"/>
-              <a:t>9/17/2019</a:t>
+              <a:t>9/18/2019</a:t>
             </a:fld>
             <a:endParaRPr lang="en-US"/>
           </a:p>
@@ -4511,6 +7706,80 @@
   <p:clrMapOvr>
     <a:masterClrMapping/>
   </p:clrMapOvr>
+</p:sldLayout>
+</file>
+
+<file path=ppt/slideLayouts/slideLayout26.xml><?xml version="1.0" encoding="utf-8"?>
+<p:sldLayout xmlns:a="http://schemas.openxmlformats.org/drawingml/2006/main" xmlns:r="http://schemas.openxmlformats.org/officeDocument/2006/relationships" xmlns:p="http://schemas.openxmlformats.org/presentationml/2006/main" userDrawn="1">
+  <p:cSld name="1_Title Slide">
+    <p:spTree>
+      <p:nvGrpSpPr>
+        <p:cNvPr id="1" name=""/>
+        <p:cNvGrpSpPr/>
+        <p:nvPr/>
+      </p:nvGrpSpPr>
+      <p:grpSpPr>
+        <a:xfrm>
+          <a:off x="0" y="0"/>
+          <a:ext cx="0" cy="0"/>
+          <a:chOff x="0" y="0"/>
+          <a:chExt cx="0" cy="0"/>
+        </a:xfrm>
+      </p:grpSpPr>
+    </p:spTree>
+    <p:extLst>
+      <p:ext uri="{BB962C8B-B14F-4D97-AF65-F5344CB8AC3E}">
+        <p14:creationId xmlns:p14="http://schemas.microsoft.com/office/powerpoint/2010/main" val="2014873445"/>
+      </p:ext>
+    </p:extLst>
+  </p:cSld>
+  <p:clrMapOvr>
+    <a:masterClrMapping/>
+  </p:clrMapOvr>
+  <p:timing>
+    <p:tnLst>
+      <p:par>
+        <p:cTn id="1" dur="indefinite" restart="never" nodeType="tmRoot"/>
+      </p:par>
+    </p:tnLst>
+  </p:timing>
+</p:sldLayout>
+</file>
+
+<file path=ppt/slideLayouts/slideLayout27.xml><?xml version="1.0" encoding="utf-8"?>
+<p:sldLayout xmlns:a="http://schemas.openxmlformats.org/drawingml/2006/main" xmlns:r="http://schemas.openxmlformats.org/officeDocument/2006/relationships" xmlns:p="http://schemas.openxmlformats.org/presentationml/2006/main" userDrawn="1">
+  <p:cSld name="2_Title Slide">
+    <p:spTree>
+      <p:nvGrpSpPr>
+        <p:cNvPr id="1" name=""/>
+        <p:cNvGrpSpPr/>
+        <p:nvPr/>
+      </p:nvGrpSpPr>
+      <p:grpSpPr>
+        <a:xfrm>
+          <a:off x="0" y="0"/>
+          <a:ext cx="0" cy="0"/>
+          <a:chOff x="0" y="0"/>
+          <a:chExt cx="0" cy="0"/>
+        </a:xfrm>
+      </p:grpSpPr>
+    </p:spTree>
+    <p:extLst>
+      <p:ext uri="{BB962C8B-B14F-4D97-AF65-F5344CB8AC3E}">
+        <p14:creationId xmlns:p14="http://schemas.microsoft.com/office/powerpoint/2010/main" val="613193931"/>
+      </p:ext>
+    </p:extLst>
+  </p:cSld>
+  <p:clrMapOvr>
+    <a:masterClrMapping/>
+  </p:clrMapOvr>
+  <p:timing>
+    <p:tnLst>
+      <p:par>
+        <p:cTn id="1" dur="indefinite" restart="never" nodeType="tmRoot"/>
+      </p:par>
+    </p:tnLst>
+  </p:timing>
 </p:sldLayout>
 </file>
 
@@ -5707,7 +8976,7 @@
                 <a:sym typeface="Circular Pro Medium"/>
               </a:rPr>
               <a:pPr defTabSz="609585"/>
-              <a:t>9/17/2019</a:t>
+              <a:t>9/18/2019</a:t>
             </a:fld>
             <a:endParaRPr lang="en-US">
               <a:solidFill>
@@ -7084,7 +10353,7 @@
                 <a:sym typeface="Circular Pro Medium"/>
               </a:rPr>
               <a:pPr defTabSz="609585"/>
-              <a:t>9/17/2019</a:t>
+              <a:t>9/18/2019</a:t>
             </a:fld>
             <a:endParaRPr lang="en-US">
               <a:solidFill>
@@ -7366,6 +10635,8 @@
     <p:sldLayoutId id="2147483725" r:id="rId9"/>
     <p:sldLayoutId id="2147483726" r:id="rId10"/>
     <p:sldLayoutId id="2147483727" r:id="rId11"/>
+    <p:sldLayoutId id="2147483728" r:id="rId12"/>
+    <p:sldLayoutId id="2147483729" r:id="rId13"/>
   </p:sldLayoutIdLst>
   <p:txStyles>
     <p:titleStyle>
@@ -7686,7 +10957,7 @@
           </a:ln>
           <a:extLst>
             <a:ext uri="{C572A759-6A51-4108-AA02-DFA0A04FC94B}">
-              <ma14:wrappingTextBoxFlag xmlns:ma14="http://schemas.microsoft.com/office/mac/drawingml/2011/main" xmlns="" val="1"/>
+              <ma14:wrappingTextBoxFlag xmlns="" xmlns:ma14="http://schemas.microsoft.com/office/mac/drawingml/2011/main" val="1"/>
             </a:ext>
           </a:extLst>
         </p:spPr>
@@ -7918,6 +11189,9 @@
                     <p:cTn id="3" fill="hold">
                       <p:stCondLst>
                         <p:cond delay="indefinite"/>
+                        <p:cond evt="onBegin" delay="0">
+                          <p:tn val="2"/>
+                        </p:cond>
                       </p:stCondLst>
                       <p:childTnLst>
                         <p:par>
@@ -7927,7 +11201,7 @@
                             </p:stCondLst>
                             <p:childTnLst>
                               <p:par>
-                                <p:cTn id="5" presetID="42" presetClass="entr" presetSubtype="0" fill="hold" grpId="0" nodeType="clickEffect">
+                                <p:cTn id="5" presetID="42" presetClass="entr" presetSubtype="0" fill="hold" grpId="0" nodeType="afterEffect">
                                   <p:stCondLst>
                                     <p:cond delay="0"/>
                                   </p:stCondLst>
@@ -14255,136 +17529,757 @@
       </p:grpSpPr>
       <p:sp>
         <p:nvSpPr>
-          <p:cNvPr id="2" name="Title 1"/>
-          <p:cNvSpPr>
-            <a:spLocks noGrp="1"/>
-          </p:cNvSpPr>
-          <p:nvPr>
-            <p:ph type="title"/>
-          </p:nvPr>
+          <p:cNvPr id="13" name="Rectangle 12"/>
+          <p:cNvSpPr/>
+          <p:nvPr/>
         </p:nvSpPr>
-        <p:spPr/>
+        <p:spPr>
+          <a:xfrm>
+            <a:off x="1559497" y="1484784"/>
+            <a:ext cx="3888433" cy="5112568"/>
+          </a:xfrm>
+          <a:prstGeom prst="rect">
+            <a:avLst/>
+          </a:prstGeom>
+          <a:solidFill>
+            <a:schemeClr val="tx2">
+              <a:lumMod val="20000"/>
+              <a:lumOff val="80000"/>
+            </a:schemeClr>
+          </a:solidFill>
+        </p:spPr>
+        <p:style>
+          <a:lnRef idx="1">
+            <a:schemeClr val="accent3"/>
+          </a:lnRef>
+          <a:fillRef idx="2">
+            <a:schemeClr val="accent3"/>
+          </a:fillRef>
+          <a:effectRef idx="1">
+            <a:schemeClr val="accent3"/>
+          </a:effectRef>
+          <a:fontRef idx="minor">
+            <a:schemeClr val="dk1"/>
+          </a:fontRef>
+        </p:style>
         <p:txBody>
-          <a:bodyPr/>
+          <a:bodyPr anchor="ctr"/>
           <a:lstStyle/>
           <a:p>
-            <a:r>
-              <a:rPr lang="en-US" dirty="0" smtClean="0"/>
-              <a:t>When the developers begin their work</a:t>
-            </a:r>
-            <a:endParaRPr lang="fa-IR" dirty="0"/>
+            <a:pPr>
+              <a:defRPr/>
+            </a:pPr>
+            <a:endParaRPr lang="en-IN" sz="1200" dirty="0">
+              <a:latin typeface="Arial" pitchFamily="34" charset="0"/>
+              <a:cs typeface="Arial" pitchFamily="34" charset="0"/>
+            </a:endParaRPr>
+          </a:p>
+          <a:p>
+            <a:pPr>
+              <a:defRPr/>
+            </a:pPr>
+            <a:endParaRPr lang="en-IN" sz="1200" dirty="0">
+              <a:latin typeface="Arial" pitchFamily="34" charset="0"/>
+              <a:cs typeface="Arial" pitchFamily="34" charset="0"/>
+            </a:endParaRPr>
+          </a:p>
+          <a:p>
+            <a:pPr>
+              <a:defRPr/>
+            </a:pPr>
+            <a:endParaRPr lang="en-IN" sz="1200" dirty="0">
+              <a:latin typeface="Arial" pitchFamily="34" charset="0"/>
+              <a:cs typeface="Arial" pitchFamily="34" charset="0"/>
+            </a:endParaRPr>
+          </a:p>
+          <a:p>
+            <a:pPr>
+              <a:defRPr/>
+            </a:pPr>
+            <a:endParaRPr lang="en-IN" sz="1200" dirty="0">
+              <a:latin typeface="Arial" pitchFamily="34" charset="0"/>
+              <a:cs typeface="Arial" pitchFamily="34" charset="0"/>
+            </a:endParaRPr>
+          </a:p>
+          <a:p>
+            <a:pPr>
+              <a:defRPr/>
+            </a:pPr>
+            <a:endParaRPr lang="en-IN" sz="1200" dirty="0">
+              <a:latin typeface="Arial" pitchFamily="34" charset="0"/>
+              <a:cs typeface="Arial" pitchFamily="34" charset="0"/>
+            </a:endParaRPr>
+          </a:p>
+          <a:p>
+            <a:pPr>
+              <a:defRPr/>
+            </a:pPr>
+            <a:endParaRPr lang="en-IN" sz="1200" dirty="0">
+              <a:latin typeface="Arial" pitchFamily="34" charset="0"/>
+              <a:cs typeface="Arial" pitchFamily="34" charset="0"/>
+            </a:endParaRPr>
+          </a:p>
+          <a:p>
+            <a:pPr>
+              <a:defRPr/>
+            </a:pPr>
+            <a:endParaRPr lang="en-IN" sz="1200" dirty="0">
+              <a:latin typeface="Arial" pitchFamily="34" charset="0"/>
+              <a:cs typeface="Arial" pitchFamily="34" charset="0"/>
+            </a:endParaRPr>
+          </a:p>
+          <a:p>
+            <a:pPr>
+              <a:defRPr/>
+            </a:pPr>
+            <a:r>
+              <a:rPr lang="en-IN" sz="1400" dirty="0">
+                <a:latin typeface="Arial" pitchFamily="34" charset="0"/>
+                <a:cs typeface="Arial" pitchFamily="34" charset="0"/>
+              </a:rPr>
+              <a:t> </a:t>
+            </a:r>
+          </a:p>
+          <a:p>
+            <a:pPr>
+              <a:defRPr/>
+            </a:pPr>
+            <a:endParaRPr lang="en-IN" sz="1400" dirty="0">
+              <a:latin typeface="Arial" pitchFamily="34" charset="0"/>
+              <a:cs typeface="Arial" pitchFamily="34" charset="0"/>
+            </a:endParaRPr>
+          </a:p>
+          <a:p>
+            <a:pPr>
+              <a:defRPr/>
+            </a:pPr>
+            <a:r>
+              <a:rPr lang="en-IN" sz="1400" dirty="0">
+                <a:latin typeface="Arial" pitchFamily="34" charset="0"/>
+                <a:cs typeface="Arial" pitchFamily="34" charset="0"/>
+              </a:rPr>
+              <a:t>BDD uses “</a:t>
+            </a:r>
+            <a:r>
+              <a:rPr lang="en-IN" sz="1400" b="1" dirty="0">
+                <a:latin typeface="Arial" pitchFamily="34" charset="0"/>
+                <a:cs typeface="Arial" pitchFamily="34" charset="0"/>
+              </a:rPr>
+              <a:t>Given/When/Then</a:t>
+            </a:r>
+            <a:r>
+              <a:rPr lang="en-IN" sz="1400" dirty="0">
+                <a:latin typeface="Arial" pitchFamily="34" charset="0"/>
+                <a:cs typeface="Arial" pitchFamily="34" charset="0"/>
+              </a:rPr>
+              <a:t>” structure to explain specification</a:t>
+            </a:r>
+          </a:p>
+          <a:p>
+            <a:pPr>
+              <a:defRPr/>
+            </a:pPr>
+            <a:endParaRPr lang="en-IN" sz="1400" dirty="0">
+              <a:latin typeface="Arial" pitchFamily="34" charset="0"/>
+              <a:cs typeface="Arial" pitchFamily="34" charset="0"/>
+            </a:endParaRPr>
+          </a:p>
+          <a:p>
+            <a:r>
+              <a:rPr lang="en-IN" sz="1400" dirty="0">
+                <a:latin typeface="Arial" pitchFamily="34" charset="0"/>
+                <a:cs typeface="Arial" pitchFamily="34" charset="0"/>
+              </a:rPr>
+              <a:t>• </a:t>
+            </a:r>
+            <a:r>
+              <a:rPr lang="en-IN" sz="1400" b="1" dirty="0">
+                <a:latin typeface="Arial" pitchFamily="34" charset="0"/>
+                <a:cs typeface="Arial" pitchFamily="34" charset="0"/>
+              </a:rPr>
+              <a:t>Given</a:t>
+            </a:r>
+            <a:r>
+              <a:rPr lang="en-IN" sz="1400" dirty="0">
+                <a:latin typeface="Arial" pitchFamily="34" charset="0"/>
+                <a:cs typeface="Arial" pitchFamily="34" charset="0"/>
+              </a:rPr>
+              <a:t>: Some initial Condition given by end client (e.g. Given the user has Application </a:t>
+            </a:r>
+            <a:r>
+              <a:rPr lang="en-IN" sz="1400" dirty="0" err="1">
+                <a:latin typeface="Arial" pitchFamily="34" charset="0"/>
+                <a:cs typeface="Arial" pitchFamily="34" charset="0"/>
+              </a:rPr>
+              <a:t>Url</a:t>
+            </a:r>
+            <a:r>
+              <a:rPr lang="en-IN" sz="1400" dirty="0">
+                <a:latin typeface="Arial" pitchFamily="34" charset="0"/>
+                <a:cs typeface="Arial" pitchFamily="34" charset="0"/>
+              </a:rPr>
+              <a:t> and enters the Username/ Password).</a:t>
+            </a:r>
+            <a:endParaRPr lang="en-US" sz="1400" dirty="0">
+              <a:latin typeface="Arial" pitchFamily="34" charset="0"/>
+              <a:cs typeface="Arial" pitchFamily="34" charset="0"/>
+            </a:endParaRPr>
+          </a:p>
+          <a:p>
+            <a:r>
+              <a:rPr lang="en-IN" sz="1400" dirty="0">
+                <a:latin typeface="Arial" pitchFamily="34" charset="0"/>
+                <a:cs typeface="Arial" pitchFamily="34" charset="0"/>
+              </a:rPr>
+              <a:t>• </a:t>
+            </a:r>
+            <a:r>
+              <a:rPr lang="en-IN" sz="1400" b="1" dirty="0">
+                <a:latin typeface="Arial" pitchFamily="34" charset="0"/>
+                <a:cs typeface="Arial" pitchFamily="34" charset="0"/>
+              </a:rPr>
+              <a:t>When</a:t>
+            </a:r>
+            <a:r>
+              <a:rPr lang="en-IN" sz="1400" dirty="0">
+                <a:latin typeface="Arial" pitchFamily="34" charset="0"/>
+                <a:cs typeface="Arial" pitchFamily="34" charset="0"/>
+              </a:rPr>
+              <a:t>: Expected action occurs in application (e.g. When the user presses the Login Button).</a:t>
+            </a:r>
+            <a:endParaRPr lang="en-US" sz="1400" dirty="0">
+              <a:latin typeface="Arial" pitchFamily="34" charset="0"/>
+              <a:cs typeface="Arial" pitchFamily="34" charset="0"/>
+            </a:endParaRPr>
+          </a:p>
+          <a:p>
+            <a:r>
+              <a:rPr lang="en-IN" sz="1400" dirty="0">
+                <a:latin typeface="Arial" pitchFamily="34" charset="0"/>
+                <a:cs typeface="Arial" pitchFamily="34" charset="0"/>
+              </a:rPr>
+              <a:t>• </a:t>
+            </a:r>
+            <a:r>
+              <a:rPr lang="en-IN" sz="1400" b="1" dirty="0">
+                <a:latin typeface="Arial" pitchFamily="34" charset="0"/>
+                <a:cs typeface="Arial" pitchFamily="34" charset="0"/>
+              </a:rPr>
+              <a:t>Then</a:t>
+            </a:r>
+            <a:r>
+              <a:rPr lang="en-IN" sz="1400" dirty="0">
+                <a:latin typeface="Arial" pitchFamily="34" charset="0"/>
+                <a:cs typeface="Arial" pitchFamily="34" charset="0"/>
+              </a:rPr>
+              <a:t>: Expected outcome of the action (e.g. Then I expect to see Application Home Page).</a:t>
+            </a:r>
+            <a:endParaRPr lang="en-US" sz="1400" dirty="0">
+              <a:latin typeface="Arial" pitchFamily="34" charset="0"/>
+              <a:cs typeface="Arial" pitchFamily="34" charset="0"/>
+            </a:endParaRPr>
+          </a:p>
+          <a:p>
+            <a:pPr>
+              <a:defRPr/>
+            </a:pPr>
+            <a:endParaRPr lang="en-IN" dirty="0"/>
+          </a:p>
+          <a:p>
+            <a:pPr>
+              <a:defRPr/>
+            </a:pPr>
+            <a:endParaRPr lang="en-IN" dirty="0"/>
+          </a:p>
+          <a:p>
+            <a:pPr>
+              <a:defRPr/>
+            </a:pPr>
+            <a:endParaRPr lang="en-IN" dirty="0"/>
+          </a:p>
+          <a:p>
+            <a:pPr>
+              <a:defRPr/>
+            </a:pPr>
+            <a:endParaRPr lang="en-IN" dirty="0"/>
+          </a:p>
+          <a:p>
+            <a:pPr>
+              <a:defRPr/>
+            </a:pPr>
+            <a:endParaRPr lang="en-IN" dirty="0"/>
+          </a:p>
+          <a:p>
+            <a:pPr>
+              <a:defRPr/>
+            </a:pPr>
+            <a:endParaRPr lang="en-IN" dirty="0"/>
+          </a:p>
+          <a:p>
+            <a:pPr>
+              <a:defRPr/>
+            </a:pPr>
+            <a:endParaRPr lang="en-IN" dirty="0"/>
+          </a:p>
+          <a:p>
+            <a:pPr>
+              <a:defRPr/>
+            </a:pPr>
+            <a:endParaRPr lang="en-IN" dirty="0"/>
+          </a:p>
+          <a:p>
+            <a:pPr>
+              <a:defRPr/>
+            </a:pPr>
+            <a:endParaRPr lang="en-IN" dirty="0"/>
+          </a:p>
+          <a:p>
+            <a:pPr>
+              <a:defRPr/>
+            </a:pPr>
+            <a:endParaRPr lang="en-IN" dirty="0"/>
+          </a:p>
+          <a:p>
+            <a:pPr>
+              <a:defRPr/>
+            </a:pPr>
+            <a:endParaRPr lang="en-IN" dirty="0"/>
+          </a:p>
+          <a:p>
+            <a:pPr>
+              <a:defRPr/>
+            </a:pPr>
+            <a:endParaRPr lang="en-IN" dirty="0"/>
+          </a:p>
+          <a:p>
+            <a:pPr>
+              <a:defRPr/>
+            </a:pPr>
+            <a:endParaRPr lang="en-IN" dirty="0"/>
+          </a:p>
+          <a:p>
+            <a:pPr>
+              <a:defRPr/>
+            </a:pPr>
+            <a:endParaRPr lang="en-IN" dirty="0"/>
+          </a:p>
+          <a:p>
+            <a:pPr>
+              <a:defRPr/>
+            </a:pPr>
+            <a:endParaRPr lang="en-US" dirty="0"/>
+          </a:p>
+          <a:p>
+            <a:pPr>
+              <a:defRPr/>
+            </a:pPr>
+            <a:endParaRPr lang="en-US" dirty="0"/>
           </a:p>
         </p:txBody>
       </p:sp>
       <p:sp>
         <p:nvSpPr>
-          <p:cNvPr id="3" name="Content Placeholder 2"/>
+          <p:cNvPr id="5" name="Rectangle 1"/>
           <p:cNvSpPr>
-            <a:spLocks noGrp="1"/>
+            <a:spLocks noChangeArrowheads="1"/>
           </p:cNvSpPr>
-          <p:nvPr>
-            <p:ph idx="1"/>
-          </p:nvPr>
+          <p:nvPr/>
         </p:nvSpPr>
-        <p:spPr/>
+        <p:spPr bwMode="auto">
+          <a:xfrm>
+            <a:off x="1487489" y="641885"/>
+            <a:ext cx="8064896" cy="1323439"/>
+          </a:xfrm>
+          <a:prstGeom prst="rect">
+            <a:avLst/>
+          </a:prstGeom>
+          <a:noFill/>
+          <a:ln w="9525">
+            <a:noFill/>
+            <a:miter lim="800000"/>
+            <a:headEnd/>
+            <a:tailEnd/>
+          </a:ln>
+        </p:spPr>
         <p:txBody>
-          <a:bodyPr/>
+          <a:bodyPr wrap="square">
+            <a:spAutoFit/>
+          </a:bodyPr>
           <a:lstStyle/>
           <a:p>
-            <a:pPr algn="l" rtl="0"/>
-            <a:r>
-              <a:rPr lang="en-US" dirty="0" smtClean="0">
-                <a:solidFill>
-                  <a:schemeClr val="accent2">
-                    <a:lumMod val="50000"/>
-                  </a:schemeClr>
-                </a:solidFill>
+            <a:pPr eaLnBrk="1" hangingPunct="1"/>
+            <a:r>
+              <a:rPr lang="en-US" sz="4400" dirty="0">
+                <a:latin typeface="+mj-lt"/>
+                <a:ea typeface="+mj-ea"/>
+                <a:cs typeface="+mj-cs"/>
               </a:rPr>
-              <a:t>Behavioral Test</a:t>
-            </a:r>
-          </a:p>
-          <a:p>
-            <a:pPr algn="l" rtl="0"/>
-            <a:endParaRPr lang="en-US" dirty="0">
-              <a:solidFill>
-                <a:schemeClr val="accent2">
-                  <a:lumMod val="50000"/>
-                </a:schemeClr>
-              </a:solidFill>
-            </a:endParaRPr>
-          </a:p>
-          <a:p>
-            <a:pPr algn="l" rtl="0"/>
-            <a:r>
-              <a:rPr lang="en-US" dirty="0" smtClean="0">
-                <a:solidFill>
-                  <a:schemeClr val="accent2">
-                    <a:lumMod val="50000"/>
-                  </a:schemeClr>
-                </a:solidFill>
-              </a:rPr>
-              <a:t>Behavioral Test</a:t>
-            </a:r>
-          </a:p>
-          <a:p>
-            <a:pPr algn="l" rtl="0"/>
-            <a:endParaRPr lang="en-US" dirty="0">
-              <a:solidFill>
-                <a:schemeClr val="accent2">
-                  <a:lumMod val="50000"/>
-                </a:schemeClr>
-              </a:solidFill>
-            </a:endParaRPr>
-          </a:p>
-          <a:p>
-            <a:pPr algn="l" rtl="0"/>
-            <a:r>
-              <a:rPr lang="en-US" dirty="0" smtClean="0">
-                <a:solidFill>
-                  <a:schemeClr val="accent2">
-                    <a:lumMod val="50000"/>
-                  </a:schemeClr>
-                </a:solidFill>
-              </a:rPr>
-              <a:t>…</a:t>
-            </a:r>
-          </a:p>
-          <a:p>
-            <a:pPr algn="l" rtl="0"/>
-            <a:endParaRPr lang="en-US" dirty="0">
-              <a:solidFill>
-                <a:schemeClr val="accent2">
-                  <a:lumMod val="50000"/>
-                </a:schemeClr>
-              </a:solidFill>
-            </a:endParaRPr>
-          </a:p>
-          <a:p>
-            <a:pPr algn="l" rtl="0"/>
-            <a:r>
-              <a:rPr lang="en-US" dirty="0" smtClean="0">
-                <a:solidFill>
-                  <a:schemeClr val="accent2">
-                    <a:lumMod val="50000"/>
-                  </a:schemeClr>
-                </a:solidFill>
-              </a:rPr>
-              <a:t>Behavioral Test</a:t>
-            </a:r>
-            <a:endParaRPr lang="fa-IR" dirty="0">
-              <a:solidFill>
-                <a:schemeClr val="accent2">
-                  <a:lumMod val="50000"/>
-                </a:schemeClr>
-              </a:solidFill>
-            </a:endParaRPr>
+              <a:t>BDD Structure And Code Behind </a:t>
+            </a:r>
+          </a:p>
+          <a:p>
+            <a:endParaRPr lang="en-US" b="1" dirty="0"/>
+          </a:p>
+          <a:p>
+            <a:endParaRPr lang="en-US" b="1" dirty="0"/>
           </a:p>
         </p:txBody>
       </p:sp>
+      <p:sp>
+        <p:nvSpPr>
+          <p:cNvPr id="22530" name="Rectangle 2"/>
+          <p:cNvSpPr>
+            <a:spLocks noChangeArrowheads="1"/>
+          </p:cNvSpPr>
+          <p:nvPr/>
+        </p:nvSpPr>
+        <p:spPr bwMode="auto">
+          <a:xfrm>
+            <a:off x="1524001" y="-184666"/>
+            <a:ext cx="184731" cy="369332"/>
+          </a:xfrm>
+          <a:prstGeom prst="rect">
+            <a:avLst/>
+          </a:prstGeom>
+          <a:noFill/>
+          <a:ln w="9525">
+            <a:noFill/>
+            <a:miter lim="800000"/>
+            <a:headEnd/>
+            <a:tailEnd/>
+          </a:ln>
+          <a:effectLst/>
+        </p:spPr>
+        <p:txBody>
+          <a:bodyPr vert="horz" wrap="none" lIns="91440" tIns="45720" rIns="91440" bIns="45720" numCol="1" anchor="ctr" anchorCtr="0" compatLnSpc="1">
+            <a:prstTxWarp prst="textNoShape">
+              <a:avLst/>
+            </a:prstTxWarp>
+            <a:spAutoFit/>
+          </a:bodyPr>
+          <a:lstStyle/>
+          <a:p>
+            <a:endParaRPr lang="en-US"/>
+          </a:p>
+        </p:txBody>
+      </p:sp>
+      <p:sp>
+        <p:nvSpPr>
+          <p:cNvPr id="21" name="Rectangle 20"/>
+          <p:cNvSpPr/>
+          <p:nvPr/>
+        </p:nvSpPr>
+        <p:spPr>
+          <a:xfrm>
+            <a:off x="5591944" y="1484785"/>
+            <a:ext cx="4896544" cy="5112567"/>
+          </a:xfrm>
+          <a:prstGeom prst="rect">
+            <a:avLst/>
+          </a:prstGeom>
+          <a:solidFill>
+            <a:schemeClr val="accent6"/>
+          </a:solidFill>
+        </p:spPr>
+        <p:style>
+          <a:lnRef idx="1">
+            <a:schemeClr val="accent2"/>
+          </a:lnRef>
+          <a:fillRef idx="2">
+            <a:schemeClr val="accent2"/>
+          </a:fillRef>
+          <a:effectRef idx="1">
+            <a:schemeClr val="accent2"/>
+          </a:effectRef>
+          <a:fontRef idx="minor">
+            <a:schemeClr val="dk1"/>
+          </a:fontRef>
+        </p:style>
+        <p:txBody>
+          <a:bodyPr wrap="square">
+            <a:spAutoFit/>
+          </a:bodyPr>
+          <a:lstStyle/>
+          <a:p>
+            <a:pPr marL="228600" indent="-228600">
+              <a:buFont typeface="Wingdings" pitchFamily="2" charset="2"/>
+              <a:buChar char="Ø"/>
+            </a:pPr>
+            <a:r>
+              <a:rPr lang="en-IN" sz="1400" dirty="0">
+                <a:latin typeface="Arial" pitchFamily="34" charset="0"/>
+                <a:cs typeface="Arial" pitchFamily="34" charset="0"/>
+              </a:rPr>
+              <a:t>Automation QA translates each step into a method, which is used to implement its Given/When/Then step</a:t>
+            </a:r>
+          </a:p>
+          <a:p>
+            <a:pPr marL="228600" indent="-228600"/>
+            <a:r>
+              <a:rPr lang="en-IN" sz="1400" dirty="0">
+                <a:latin typeface="Arial" pitchFamily="34" charset="0"/>
+                <a:cs typeface="Arial" pitchFamily="34" charset="0"/>
+              </a:rPr>
+              <a:t>  </a:t>
+            </a:r>
+          </a:p>
+          <a:p>
+            <a:pPr marL="228600" indent="-228600">
+              <a:buFont typeface="Wingdings" pitchFamily="2" charset="2"/>
+              <a:buChar char="Ø"/>
+            </a:pPr>
+            <a:r>
+              <a:rPr lang="en-IN" sz="1400" dirty="0">
+                <a:latin typeface="Arial" pitchFamily="34" charset="0"/>
+                <a:cs typeface="Arial" pitchFamily="34" charset="0"/>
+              </a:rPr>
+              <a:t>The entire scenario is tested by running the corresponding methods step by step</a:t>
+            </a:r>
+          </a:p>
+          <a:p>
+            <a:pPr marL="228600" indent="-228600">
+              <a:buFont typeface="Wingdings" pitchFamily="2" charset="2"/>
+              <a:buChar char="Ø"/>
+            </a:pPr>
+            <a:endParaRPr lang="en-IN" sz="1400" dirty="0">
+              <a:latin typeface="Arial" pitchFamily="34" charset="0"/>
+              <a:cs typeface="Arial" pitchFamily="34" charset="0"/>
+            </a:endParaRPr>
+          </a:p>
+          <a:p>
+            <a:pPr marL="228600" indent="-228600">
+              <a:buFont typeface="Wingdings" pitchFamily="2" charset="2"/>
+              <a:buChar char="Ø"/>
+            </a:pPr>
+            <a:endParaRPr lang="en-IN" sz="1400" dirty="0">
+              <a:latin typeface="Arial" pitchFamily="34" charset="0"/>
+              <a:cs typeface="Arial" pitchFamily="34" charset="0"/>
+            </a:endParaRPr>
+          </a:p>
+          <a:p>
+            <a:pPr marL="228600" indent="-228600">
+              <a:buFont typeface="Wingdings" pitchFamily="2" charset="2"/>
+              <a:buChar char="Ø"/>
+            </a:pPr>
+            <a:endParaRPr lang="en-IN" sz="1400" dirty="0">
+              <a:latin typeface="Arial" pitchFamily="34" charset="0"/>
+              <a:cs typeface="Arial" pitchFamily="34" charset="0"/>
+            </a:endParaRPr>
+          </a:p>
+          <a:p>
+            <a:pPr marL="228600" indent="-228600">
+              <a:buFont typeface="Wingdings" pitchFamily="2" charset="2"/>
+              <a:buChar char="Ø"/>
+            </a:pPr>
+            <a:endParaRPr lang="en-IN" sz="1400" dirty="0">
+              <a:latin typeface="Arial" pitchFamily="34" charset="0"/>
+              <a:cs typeface="Arial" pitchFamily="34" charset="0"/>
+            </a:endParaRPr>
+          </a:p>
+          <a:p>
+            <a:pPr marL="228600" indent="-228600">
+              <a:buFont typeface="Wingdings" pitchFamily="2" charset="2"/>
+              <a:buChar char="Ø"/>
+            </a:pPr>
+            <a:endParaRPr lang="en-IN" sz="1400" dirty="0">
+              <a:latin typeface="Arial" pitchFamily="34" charset="0"/>
+              <a:cs typeface="Arial" pitchFamily="34" charset="0"/>
+            </a:endParaRPr>
+          </a:p>
+          <a:p>
+            <a:pPr marL="228600" indent="-228600">
+              <a:buFont typeface="Wingdings" pitchFamily="2" charset="2"/>
+              <a:buChar char="Ø"/>
+            </a:pPr>
+            <a:endParaRPr lang="en-IN" sz="1400" dirty="0">
+              <a:latin typeface="Arial" pitchFamily="34" charset="0"/>
+              <a:cs typeface="Arial" pitchFamily="34" charset="0"/>
+            </a:endParaRPr>
+          </a:p>
+          <a:p>
+            <a:pPr marL="228600" indent="-228600">
+              <a:buFont typeface="Wingdings" pitchFamily="2" charset="2"/>
+              <a:buChar char="Ø"/>
+            </a:pPr>
+            <a:endParaRPr lang="en-IN" sz="1400" dirty="0">
+              <a:latin typeface="Arial" pitchFamily="34" charset="0"/>
+              <a:cs typeface="Arial" pitchFamily="34" charset="0"/>
+            </a:endParaRPr>
+          </a:p>
+          <a:p>
+            <a:pPr marL="228600" indent="-228600">
+              <a:buFont typeface="Wingdings" pitchFamily="2" charset="2"/>
+              <a:buChar char="Ø"/>
+            </a:pPr>
+            <a:endParaRPr lang="en-IN" sz="1400" dirty="0">
+              <a:latin typeface="Arial" pitchFamily="34" charset="0"/>
+              <a:cs typeface="Arial" pitchFamily="34" charset="0"/>
+            </a:endParaRPr>
+          </a:p>
+          <a:p>
+            <a:pPr marL="228600" indent="-228600">
+              <a:buFont typeface="Wingdings" pitchFamily="2" charset="2"/>
+              <a:buChar char="Ø"/>
+            </a:pPr>
+            <a:endParaRPr lang="en-IN" sz="1400" dirty="0">
+              <a:latin typeface="Arial" pitchFamily="34" charset="0"/>
+              <a:cs typeface="Arial" pitchFamily="34" charset="0"/>
+            </a:endParaRPr>
+          </a:p>
+          <a:p>
+            <a:pPr marL="228600" indent="-228600">
+              <a:buFont typeface="Wingdings" pitchFamily="2" charset="2"/>
+              <a:buChar char="Ø"/>
+            </a:pPr>
+            <a:endParaRPr lang="en-IN" sz="1400" dirty="0">
+              <a:latin typeface="Arial" pitchFamily="34" charset="0"/>
+              <a:cs typeface="Arial" pitchFamily="34" charset="0"/>
+            </a:endParaRPr>
+          </a:p>
+          <a:p>
+            <a:pPr marL="228600" indent="-228600">
+              <a:buFont typeface="Wingdings" pitchFamily="2" charset="2"/>
+              <a:buChar char="Ø"/>
+            </a:pPr>
+            <a:endParaRPr lang="en-IN" sz="1400" dirty="0">
+              <a:latin typeface="Arial" pitchFamily="34" charset="0"/>
+              <a:cs typeface="Arial" pitchFamily="34" charset="0"/>
+            </a:endParaRPr>
+          </a:p>
+          <a:p>
+            <a:pPr marL="228600" indent="-228600">
+              <a:buFont typeface="Wingdings" pitchFamily="2" charset="2"/>
+              <a:buChar char="Ø"/>
+            </a:pPr>
+            <a:endParaRPr lang="en-IN" sz="1400" dirty="0">
+              <a:latin typeface="Arial" pitchFamily="34" charset="0"/>
+              <a:cs typeface="Arial" pitchFamily="34" charset="0"/>
+            </a:endParaRPr>
+          </a:p>
+          <a:p>
+            <a:pPr marL="228600" indent="-228600">
+              <a:buFont typeface="Wingdings" pitchFamily="2" charset="2"/>
+              <a:buChar char="Ø"/>
+            </a:pPr>
+            <a:endParaRPr lang="en-IN" sz="1400" dirty="0">
+              <a:latin typeface="Arial" pitchFamily="34" charset="0"/>
+              <a:cs typeface="Arial" pitchFamily="34" charset="0"/>
+            </a:endParaRPr>
+          </a:p>
+          <a:p>
+            <a:pPr marL="228600" indent="-228600">
+              <a:buFont typeface="Wingdings" pitchFamily="2" charset="2"/>
+              <a:buChar char="Ø"/>
+            </a:pPr>
+            <a:endParaRPr lang="en-IN" sz="1400" dirty="0">
+              <a:latin typeface="Arial" pitchFamily="34" charset="0"/>
+              <a:cs typeface="Arial" pitchFamily="34" charset="0"/>
+            </a:endParaRPr>
+          </a:p>
+          <a:p>
+            <a:pPr marL="228600" indent="-228600">
+              <a:buFont typeface="Wingdings" pitchFamily="2" charset="2"/>
+              <a:buChar char="Ø"/>
+            </a:pPr>
+            <a:endParaRPr lang="en-IN" sz="1400" dirty="0">
+              <a:latin typeface="Arial" pitchFamily="34" charset="0"/>
+              <a:cs typeface="Arial" pitchFamily="34" charset="0"/>
+            </a:endParaRPr>
+          </a:p>
+          <a:p>
+            <a:pPr marL="228600" indent="-228600">
+              <a:buFont typeface="Wingdings" pitchFamily="2" charset="2"/>
+              <a:buChar char="Ø"/>
+            </a:pPr>
+            <a:endParaRPr lang="en-IN" sz="1400" dirty="0">
+              <a:latin typeface="Arial" pitchFamily="34" charset="0"/>
+              <a:cs typeface="Arial" pitchFamily="34" charset="0"/>
+            </a:endParaRPr>
+          </a:p>
+          <a:p>
+            <a:pPr marL="228600" indent="-228600"/>
+            <a:endParaRPr lang="en-IN" sz="1400" dirty="0">
+              <a:latin typeface="Arial" pitchFamily="34" charset="0"/>
+              <a:cs typeface="Arial" pitchFamily="34" charset="0"/>
+            </a:endParaRPr>
+          </a:p>
+          <a:p>
+            <a:pPr marL="228600" indent="-228600"/>
+            <a:endParaRPr lang="en-US" sz="1400" dirty="0">
+              <a:latin typeface="Arial" pitchFamily="34" charset="0"/>
+              <a:cs typeface="Arial" pitchFamily="34" charset="0"/>
+            </a:endParaRPr>
+          </a:p>
+        </p:txBody>
+      </p:sp>
+      <p:pic>
+        <p:nvPicPr>
+          <p:cNvPr id="16" name="Picture 15"/>
+          <p:cNvPicPr/>
+          <p:nvPr/>
+        </p:nvPicPr>
+        <p:blipFill>
+          <a:blip r:embed="rId3" cstate="print"/>
+          <a:srcRect/>
+          <a:stretch>
+            <a:fillRect/>
+          </a:stretch>
+        </p:blipFill>
+        <p:spPr bwMode="auto">
+          <a:xfrm>
+            <a:off x="1631505" y="3789040"/>
+            <a:ext cx="3744415" cy="2808312"/>
+          </a:xfrm>
+          <a:prstGeom prst="rect">
+            <a:avLst/>
+          </a:prstGeom>
+          <a:solidFill>
+            <a:srgbClr val="FFFFFF"/>
+          </a:solidFill>
+          <a:ln w="9525">
+            <a:noFill/>
+            <a:miter lim="800000"/>
+            <a:headEnd/>
+            <a:tailEnd/>
+          </a:ln>
+        </p:spPr>
+      </p:pic>
+      <p:pic>
+        <p:nvPicPr>
+          <p:cNvPr id="17" name="Picture 16"/>
+          <p:cNvPicPr/>
+          <p:nvPr/>
+        </p:nvPicPr>
+        <p:blipFill>
+          <a:blip r:embed="rId4" cstate="print"/>
+          <a:srcRect/>
+          <a:stretch>
+            <a:fillRect/>
+          </a:stretch>
+        </p:blipFill>
+        <p:spPr bwMode="auto">
+          <a:xfrm>
+            <a:off x="5663952" y="2708920"/>
+            <a:ext cx="4752528" cy="3744416"/>
+          </a:xfrm>
+          <a:prstGeom prst="rect">
+            <a:avLst/>
+          </a:prstGeom>
+          <a:solidFill>
+            <a:srgbClr val="FFFFFF"/>
+          </a:solidFill>
+          <a:ln w="9525">
+            <a:noFill/>
+            <a:miter lim="800000"/>
+            <a:headEnd/>
+            <a:tailEnd/>
+          </a:ln>
+        </p:spPr>
+      </p:pic>
     </p:spTree>
     <p:extLst>
       <p:ext uri="{BB962C8B-B14F-4D97-AF65-F5344CB8AC3E}">
-        <p14:creationId xmlns:p14="http://schemas.microsoft.com/office/powerpoint/2010/main" val="2667353948"/>
+        <p14:creationId xmlns:p14="http://schemas.microsoft.com/office/powerpoint/2010/main" val="229890456"/>
       </p:ext>
     </p:extLst>
   </p:cSld>
@@ -14394,9 +18289,180 @@
   <p:timing>
     <p:tnLst>
       <p:par>
-        <p:cTn id="1" dur="indefinite" restart="never" nodeType="tmRoot"/>
+        <p:cTn id="1" dur="indefinite" restart="never" nodeType="tmRoot">
+          <p:childTnLst>
+            <p:seq concurrent="1" nextAc="seek">
+              <p:cTn id="2" dur="indefinite" nodeType="mainSeq">
+                <p:childTnLst>
+                  <p:par>
+                    <p:cTn id="3" fill="hold">
+                      <p:stCondLst>
+                        <p:cond delay="indefinite"/>
+                      </p:stCondLst>
+                      <p:childTnLst>
+                        <p:par>
+                          <p:cTn id="4" fill="hold">
+                            <p:stCondLst>
+                              <p:cond delay="0"/>
+                            </p:stCondLst>
+                            <p:childTnLst>
+                              <p:par>
+                                <p:cTn id="5" presetID="1" presetClass="entr" presetSubtype="0" fill="hold" grpId="0" nodeType="clickEffect">
+                                  <p:stCondLst>
+                                    <p:cond delay="0"/>
+                                  </p:stCondLst>
+                                  <p:childTnLst>
+                                    <p:set>
+                                      <p:cBhvr>
+                                        <p:cTn id="6" dur="1" fill="hold">
+                                          <p:stCondLst>
+                                            <p:cond delay="0"/>
+                                          </p:stCondLst>
+                                        </p:cTn>
+                                        <p:tgtEl>
+                                          <p:spTgt spid="13"/>
+                                        </p:tgtEl>
+                                        <p:attrNameLst>
+                                          <p:attrName>style.visibility</p:attrName>
+                                        </p:attrNameLst>
+                                      </p:cBhvr>
+                                      <p:to>
+                                        <p:strVal val="visible"/>
+                                      </p:to>
+                                    </p:set>
+                                  </p:childTnLst>
+                                </p:cTn>
+                              </p:par>
+                              <p:par>
+                                <p:cTn id="7" presetID="1" presetClass="entr" presetSubtype="0" fill="hold" nodeType="withEffect">
+                                  <p:stCondLst>
+                                    <p:cond delay="0"/>
+                                  </p:stCondLst>
+                                  <p:childTnLst>
+                                    <p:set>
+                                      <p:cBhvr>
+                                        <p:cTn id="8" dur="1" fill="hold">
+                                          <p:stCondLst>
+                                            <p:cond delay="0"/>
+                                          </p:stCondLst>
+                                        </p:cTn>
+                                        <p:tgtEl>
+                                          <p:spTgt spid="16"/>
+                                        </p:tgtEl>
+                                        <p:attrNameLst>
+                                          <p:attrName>style.visibility</p:attrName>
+                                        </p:attrNameLst>
+                                      </p:cBhvr>
+                                      <p:to>
+                                        <p:strVal val="visible"/>
+                                      </p:to>
+                                    </p:set>
+                                  </p:childTnLst>
+                                </p:cTn>
+                              </p:par>
+                            </p:childTnLst>
+                          </p:cTn>
+                        </p:par>
+                      </p:childTnLst>
+                    </p:cTn>
+                  </p:par>
+                  <p:par>
+                    <p:cTn id="9" fill="hold">
+                      <p:stCondLst>
+                        <p:cond delay="indefinite"/>
+                      </p:stCondLst>
+                      <p:childTnLst>
+                        <p:par>
+                          <p:cTn id="10" fill="hold">
+                            <p:stCondLst>
+                              <p:cond delay="0"/>
+                            </p:stCondLst>
+                            <p:childTnLst>
+                              <p:par>
+                                <p:cTn id="11" presetID="1" presetClass="entr" presetSubtype="0" fill="hold" grpId="0" nodeType="clickEffect">
+                                  <p:stCondLst>
+                                    <p:cond delay="0"/>
+                                  </p:stCondLst>
+                                  <p:childTnLst>
+                                    <p:set>
+                                      <p:cBhvr>
+                                        <p:cTn id="12" dur="1" fill="hold">
+                                          <p:stCondLst>
+                                            <p:cond delay="0"/>
+                                          </p:stCondLst>
+                                        </p:cTn>
+                                        <p:tgtEl>
+                                          <p:spTgt spid="21"/>
+                                        </p:tgtEl>
+                                        <p:attrNameLst>
+                                          <p:attrName>style.visibility</p:attrName>
+                                        </p:attrNameLst>
+                                      </p:cBhvr>
+                                      <p:to>
+                                        <p:strVal val="visible"/>
+                                      </p:to>
+                                    </p:set>
+                                  </p:childTnLst>
+                                </p:cTn>
+                              </p:par>
+                              <p:par>
+                                <p:cTn id="13" presetID="1" presetClass="entr" presetSubtype="0" fill="hold" nodeType="withEffect">
+                                  <p:stCondLst>
+                                    <p:cond delay="0"/>
+                                  </p:stCondLst>
+                                  <p:childTnLst>
+                                    <p:set>
+                                      <p:cBhvr>
+                                        <p:cTn id="14" dur="1" fill="hold">
+                                          <p:stCondLst>
+                                            <p:cond delay="0"/>
+                                          </p:stCondLst>
+                                        </p:cTn>
+                                        <p:tgtEl>
+                                          <p:spTgt spid="17"/>
+                                        </p:tgtEl>
+                                        <p:attrNameLst>
+                                          <p:attrName>style.visibility</p:attrName>
+                                        </p:attrNameLst>
+                                      </p:cBhvr>
+                                      <p:to>
+                                        <p:strVal val="visible"/>
+                                      </p:to>
+                                    </p:set>
+                                  </p:childTnLst>
+                                </p:cTn>
+                              </p:par>
+                            </p:childTnLst>
+                          </p:cTn>
+                        </p:par>
+                      </p:childTnLst>
+                    </p:cTn>
+                  </p:par>
+                </p:childTnLst>
+              </p:cTn>
+              <p:prevCondLst>
+                <p:cond evt="onPrev" delay="0">
+                  <p:tgtEl>
+                    <p:sldTgt/>
+                  </p:tgtEl>
+                </p:cond>
+              </p:prevCondLst>
+              <p:nextCondLst>
+                <p:cond evt="onNext" delay="0">
+                  <p:tgtEl>
+                    <p:sldTgt/>
+                  </p:tgtEl>
+                </p:cond>
+              </p:nextCondLst>
+            </p:seq>
+          </p:childTnLst>
+        </p:cTn>
       </p:par>
     </p:tnLst>
+    <p:bldLst>
+      <p:bldP spid="13" grpId="0" animBg="1"/>
+      <p:bldP spid="21" grpId="0" animBg="1"/>
+    </p:bldLst>
   </p:timing>
 </p:sld>
 </file>
@@ -14460,18 +18526,12 @@
             <a:r>
               <a:rPr lang="en-US" dirty="0" smtClean="0">
                 <a:solidFill>
-                  <a:schemeClr val="accent6"/>
+                  <a:schemeClr val="accent2">
+                    <a:lumMod val="50000"/>
+                  </a:schemeClr>
                 </a:solidFill>
               </a:rPr>
-              <a:t>Behavioral Test	</a:t>
-            </a:r>
-            <a:r>
-              <a:rPr lang="en-US" dirty="0" smtClean="0">
-                <a:solidFill>
-                  <a:schemeClr val="accent5"/>
-                </a:solidFill>
-              </a:rPr>
-              <a:t>New Feature</a:t>
+              <a:t>Behavioral Test</a:t>
             </a:r>
           </a:p>
           <a:p>
@@ -14555,25 +18615,13 @@
     </p:spTree>
     <p:extLst>
       <p:ext uri="{BB962C8B-B14F-4D97-AF65-F5344CB8AC3E}">
-        <p14:creationId xmlns:p14="http://schemas.microsoft.com/office/powerpoint/2010/main" val="3894212532"/>
+        <p14:creationId xmlns:p14="http://schemas.microsoft.com/office/powerpoint/2010/main" val="2667353948"/>
       </p:ext>
     </p:extLst>
   </p:cSld>
   <p:clrMapOvr>
     <a:masterClrMapping/>
   </p:clrMapOvr>
-  <mc:AlternateContent xmlns:mc="http://schemas.openxmlformats.org/markup-compatibility/2006" xmlns:p14="http://schemas.microsoft.com/office/powerpoint/2010/main">
-    <mc:Choice Requires="p14">
-      <p:transition spd="med" p14:dur="700">
-        <p:fade/>
-      </p:transition>
-    </mc:Choice>
-    <mc:Fallback xmlns="">
-      <p:transition spd="med">
-        <p:fade/>
-      </p:transition>
-    </mc:Fallback>
-  </mc:AlternateContent>
   <p:timing>
     <p:tnLst>
       <p:par>
@@ -14670,42 +18718,15 @@
           <a:p>
             <a:pPr algn="l" rtl="0"/>
             <a:r>
-              <a:rPr lang="en-US" dirty="0">
-                <a:solidFill>
-                  <a:schemeClr val="accent6"/>
+              <a:rPr lang="en-US" dirty="0" smtClean="0">
+                <a:solidFill>
+                  <a:schemeClr val="accent2">
+                    <a:lumMod val="50000"/>
+                  </a:schemeClr>
                 </a:solidFill>
               </a:rPr>
-              <a:t>Behavioral </a:t>
-            </a:r>
-            <a:r>
-              <a:rPr lang="en-US" dirty="0" smtClean="0">
-                <a:solidFill>
-                  <a:schemeClr val="accent6"/>
-                </a:solidFill>
-              </a:rPr>
-              <a:t>Test	</a:t>
-            </a:r>
-            <a:r>
-              <a:rPr lang="en-US" dirty="0">
-                <a:solidFill>
-                  <a:schemeClr val="accent5"/>
-                </a:solidFill>
-              </a:rPr>
-              <a:t>New </a:t>
-            </a:r>
-            <a:r>
-              <a:rPr lang="en-US" dirty="0" smtClean="0">
-                <a:solidFill>
-                  <a:schemeClr val="accent5"/>
-                </a:solidFill>
-              </a:rPr>
-              <a:t>Feature</a:t>
-            </a:r>
-            <a:endParaRPr lang="en-US" dirty="0">
-              <a:solidFill>
-                <a:schemeClr val="accent6"/>
-              </a:solidFill>
-            </a:endParaRPr>
+              <a:t>Behavioral Test</a:t>
+            </a:r>
           </a:p>
           <a:p>
             <a:pPr algn="l" rtl="0"/>
@@ -14765,7 +18786,7 @@
     </p:spTree>
     <p:extLst>
       <p:ext uri="{BB962C8B-B14F-4D97-AF65-F5344CB8AC3E}">
-        <p14:creationId xmlns:p14="http://schemas.microsoft.com/office/powerpoint/2010/main" val="1928248716"/>
+        <p14:creationId xmlns:p14="http://schemas.microsoft.com/office/powerpoint/2010/main" val="3894212532"/>
       </p:ext>
     </p:extLst>
   </p:cSld>
@@ -14930,6 +18951,216 @@
           <a:p>
             <a:pPr algn="l" rtl="0"/>
             <a:r>
+              <a:rPr lang="en-US" dirty="0" smtClean="0">
+                <a:solidFill>
+                  <a:schemeClr val="accent2">
+                    <a:lumMod val="50000"/>
+                  </a:schemeClr>
+                </a:solidFill>
+              </a:rPr>
+              <a:t>…</a:t>
+            </a:r>
+          </a:p>
+          <a:p>
+            <a:pPr algn="l" rtl="0"/>
+            <a:endParaRPr lang="en-US" dirty="0">
+              <a:solidFill>
+                <a:schemeClr val="accent2">
+                  <a:lumMod val="50000"/>
+                </a:schemeClr>
+              </a:solidFill>
+            </a:endParaRPr>
+          </a:p>
+          <a:p>
+            <a:pPr algn="l" rtl="0"/>
+            <a:r>
+              <a:rPr lang="en-US" dirty="0" smtClean="0">
+                <a:solidFill>
+                  <a:schemeClr val="accent2">
+                    <a:lumMod val="50000"/>
+                  </a:schemeClr>
+                </a:solidFill>
+              </a:rPr>
+              <a:t>Behavioral Test</a:t>
+            </a:r>
+            <a:endParaRPr lang="fa-IR" dirty="0">
+              <a:solidFill>
+                <a:schemeClr val="accent2">
+                  <a:lumMod val="50000"/>
+                </a:schemeClr>
+              </a:solidFill>
+            </a:endParaRPr>
+          </a:p>
+        </p:txBody>
+      </p:sp>
+    </p:spTree>
+    <p:extLst>
+      <p:ext uri="{BB962C8B-B14F-4D97-AF65-F5344CB8AC3E}">
+        <p14:creationId xmlns:p14="http://schemas.microsoft.com/office/powerpoint/2010/main" val="1928248716"/>
+      </p:ext>
+    </p:extLst>
+  </p:cSld>
+  <p:clrMapOvr>
+    <a:masterClrMapping/>
+  </p:clrMapOvr>
+  <mc:AlternateContent xmlns:mc="http://schemas.openxmlformats.org/markup-compatibility/2006" xmlns:p14="http://schemas.microsoft.com/office/powerpoint/2010/main">
+    <mc:Choice Requires="p14">
+      <p:transition spd="med" p14:dur="700">
+        <p:fade/>
+      </p:transition>
+    </mc:Choice>
+    <mc:Fallback xmlns="">
+      <p:transition spd="med">
+        <p:fade/>
+      </p:transition>
+    </mc:Fallback>
+  </mc:AlternateContent>
+  <p:timing>
+    <p:tnLst>
+      <p:par>
+        <p:cTn id="1" dur="indefinite" restart="never" nodeType="tmRoot"/>
+      </p:par>
+    </p:tnLst>
+  </p:timing>
+</p:sld>
+</file>
+
+<file path=ppt/slides/slide19.xml><?xml version="1.0" encoding="utf-8"?>
+<p:sld xmlns:a="http://schemas.openxmlformats.org/drawingml/2006/main" xmlns:r="http://schemas.openxmlformats.org/officeDocument/2006/relationships" xmlns:p="http://schemas.openxmlformats.org/presentationml/2006/main">
+  <p:cSld>
+    <p:spTree>
+      <p:nvGrpSpPr>
+        <p:cNvPr id="1" name=""/>
+        <p:cNvGrpSpPr/>
+        <p:nvPr/>
+      </p:nvGrpSpPr>
+      <p:grpSpPr>
+        <a:xfrm>
+          <a:off x="0" y="0"/>
+          <a:ext cx="0" cy="0"/>
+          <a:chOff x="0" y="0"/>
+          <a:chExt cx="0" cy="0"/>
+        </a:xfrm>
+      </p:grpSpPr>
+      <p:sp>
+        <p:nvSpPr>
+          <p:cNvPr id="2" name="Title 1"/>
+          <p:cNvSpPr>
+            <a:spLocks noGrp="1"/>
+          </p:cNvSpPr>
+          <p:nvPr>
+            <p:ph type="title"/>
+          </p:nvPr>
+        </p:nvSpPr>
+        <p:spPr/>
+        <p:txBody>
+          <a:bodyPr/>
+          <a:lstStyle/>
+          <a:p>
+            <a:r>
+              <a:rPr lang="en-US" dirty="0" smtClean="0"/>
+              <a:t>When the developers begin their work</a:t>
+            </a:r>
+            <a:endParaRPr lang="fa-IR" dirty="0"/>
+          </a:p>
+        </p:txBody>
+      </p:sp>
+      <p:sp>
+        <p:nvSpPr>
+          <p:cNvPr id="3" name="Content Placeholder 2"/>
+          <p:cNvSpPr>
+            <a:spLocks noGrp="1"/>
+          </p:cNvSpPr>
+          <p:nvPr>
+            <p:ph idx="1"/>
+          </p:nvPr>
+        </p:nvSpPr>
+        <p:spPr/>
+        <p:txBody>
+          <a:bodyPr/>
+          <a:lstStyle/>
+          <a:p>
+            <a:pPr algn="l" rtl="0"/>
+            <a:r>
+              <a:rPr lang="en-US" dirty="0" smtClean="0">
+                <a:solidFill>
+                  <a:schemeClr val="accent6"/>
+                </a:solidFill>
+              </a:rPr>
+              <a:t>Behavioral Test	</a:t>
+            </a:r>
+            <a:r>
+              <a:rPr lang="en-US" dirty="0" smtClean="0">
+                <a:solidFill>
+                  <a:schemeClr val="accent5"/>
+                </a:solidFill>
+              </a:rPr>
+              <a:t>New Feature</a:t>
+            </a:r>
+          </a:p>
+          <a:p>
+            <a:pPr algn="l" rtl="0"/>
+            <a:endParaRPr lang="en-US" dirty="0">
+              <a:solidFill>
+                <a:schemeClr val="accent2">
+                  <a:lumMod val="50000"/>
+                </a:schemeClr>
+              </a:solidFill>
+            </a:endParaRPr>
+          </a:p>
+          <a:p>
+            <a:pPr algn="l" rtl="0"/>
+            <a:r>
+              <a:rPr lang="en-US" dirty="0">
+                <a:solidFill>
+                  <a:schemeClr val="accent6"/>
+                </a:solidFill>
+              </a:rPr>
+              <a:t>Behavioral </a:t>
+            </a:r>
+            <a:r>
+              <a:rPr lang="en-US" dirty="0" smtClean="0">
+                <a:solidFill>
+                  <a:schemeClr val="accent6"/>
+                </a:solidFill>
+              </a:rPr>
+              <a:t>Test	</a:t>
+            </a:r>
+            <a:r>
+              <a:rPr lang="en-US" dirty="0">
+                <a:solidFill>
+                  <a:schemeClr val="accent5"/>
+                </a:solidFill>
+              </a:rPr>
+              <a:t>New </a:t>
+            </a:r>
+            <a:r>
+              <a:rPr lang="en-US" dirty="0" smtClean="0">
+                <a:solidFill>
+                  <a:schemeClr val="accent5"/>
+                </a:solidFill>
+              </a:rPr>
+              <a:t>Feature</a:t>
+            </a:r>
+            <a:endParaRPr lang="en-US" dirty="0">
+              <a:solidFill>
+                <a:schemeClr val="accent6"/>
+              </a:solidFill>
+            </a:endParaRPr>
+          </a:p>
+          <a:p>
+            <a:pPr algn="l" rtl="0"/>
+            <a:endParaRPr lang="en-US" dirty="0">
+              <a:solidFill>
+                <a:schemeClr val="accent2">
+                  <a:lumMod val="50000"/>
+                </a:schemeClr>
+              </a:solidFill>
+            </a:endParaRPr>
+          </a:p>
+          <a:p>
+            <a:pPr algn="l" rtl="0"/>
+            <a:r>
               <a:rPr lang="en-US" dirty="0">
                 <a:solidFill>
                   <a:schemeClr val="accent6"/>
@@ -15012,7 +19243,1367 @@
 </p:sld>
 </file>
 
-<file path=ppt/slides/slide19.xml><?xml version="1.0" encoding="utf-8"?>
+<file path=ppt/slides/slide2.xml><?xml version="1.0" encoding="utf-8"?>
+<p:sld xmlns:a="http://schemas.openxmlformats.org/drawingml/2006/main" xmlns:r="http://schemas.openxmlformats.org/officeDocument/2006/relationships" xmlns:p="http://schemas.openxmlformats.org/presentationml/2006/main">
+  <p:cSld>
+    <p:spTree>
+      <p:nvGrpSpPr>
+        <p:cNvPr id="1" name=""/>
+        <p:cNvGrpSpPr/>
+        <p:nvPr/>
+      </p:nvGrpSpPr>
+      <p:grpSpPr>
+        <a:xfrm>
+          <a:off x="0" y="0"/>
+          <a:ext cx="0" cy="0"/>
+          <a:chOff x="0" y="0"/>
+          <a:chExt cx="0" cy="0"/>
+        </a:xfrm>
+      </p:grpSpPr>
+      <p:sp>
+        <p:nvSpPr>
+          <p:cNvPr id="2" name="Title 1"/>
+          <p:cNvSpPr>
+            <a:spLocks noGrp="1"/>
+          </p:cNvSpPr>
+          <p:nvPr>
+            <p:ph type="title"/>
+          </p:nvPr>
+        </p:nvSpPr>
+        <p:spPr/>
+        <p:txBody>
+          <a:bodyPr/>
+          <a:lstStyle/>
+          <a:p>
+            <a:pPr rtl="0"/>
+            <a:r>
+              <a:rPr lang="en-US" dirty="0" smtClean="0"/>
+              <a:t>Current Software Development Life Cycle</a:t>
+            </a:r>
+            <a:endParaRPr lang="fa-IR" dirty="0"/>
+          </a:p>
+        </p:txBody>
+      </p:sp>
+      <p:cxnSp>
+        <p:nvCxnSpPr>
+          <p:cNvPr id="11" name="Curved Connector 10"/>
+          <p:cNvCxnSpPr>
+            <a:stCxn id="19" idx="3"/>
+            <a:endCxn id="21" idx="3"/>
+          </p:cNvCxnSpPr>
+          <p:nvPr/>
+        </p:nvCxnSpPr>
+        <p:spPr>
+          <a:xfrm>
+            <a:off x="3485981" y="2186780"/>
+            <a:ext cx="520814" cy="733806"/>
+          </a:xfrm>
+          <a:prstGeom prst="curvedConnector3">
+            <a:avLst>
+              <a:gd name="adj1" fmla="val 143893"/>
+            </a:avLst>
+          </a:prstGeom>
+          <a:ln>
+            <a:prstDash val="dash"/>
+            <a:tailEnd type="triangle"/>
+          </a:ln>
+        </p:spPr>
+        <p:style>
+          <a:lnRef idx="1">
+            <a:schemeClr val="accent3"/>
+          </a:lnRef>
+          <a:fillRef idx="0">
+            <a:schemeClr val="accent3"/>
+          </a:fillRef>
+          <a:effectRef idx="0">
+            <a:schemeClr val="accent3"/>
+          </a:effectRef>
+          <a:fontRef idx="minor">
+            <a:schemeClr val="tx1"/>
+          </a:fontRef>
+        </p:style>
+      </p:cxnSp>
+      <p:cxnSp>
+        <p:nvCxnSpPr>
+          <p:cNvPr id="13" name="Curved Connector 12"/>
+          <p:cNvCxnSpPr>
+            <a:stCxn id="21" idx="1"/>
+            <a:endCxn id="25" idx="1"/>
+          </p:cNvCxnSpPr>
+          <p:nvPr/>
+        </p:nvCxnSpPr>
+        <p:spPr>
+          <a:xfrm rot="10800000" flipH="1" flipV="1">
+            <a:off x="1330604" y="2920586"/>
+            <a:ext cx="533061" cy="748092"/>
+          </a:xfrm>
+          <a:prstGeom prst="curvedConnector3">
+            <a:avLst>
+              <a:gd name="adj1" fmla="val -42884"/>
+            </a:avLst>
+          </a:prstGeom>
+          <a:ln>
+            <a:prstDash val="dash"/>
+            <a:tailEnd type="triangle"/>
+          </a:ln>
+        </p:spPr>
+        <p:style>
+          <a:lnRef idx="1">
+            <a:schemeClr val="accent3"/>
+          </a:lnRef>
+          <a:fillRef idx="0">
+            <a:schemeClr val="accent3"/>
+          </a:fillRef>
+          <a:effectRef idx="0">
+            <a:schemeClr val="accent3"/>
+          </a:effectRef>
+          <a:fontRef idx="minor">
+            <a:schemeClr val="tx1"/>
+          </a:fontRef>
+        </p:style>
+      </p:cxnSp>
+      <p:pic>
+        <p:nvPicPr>
+          <p:cNvPr id="19" name="Picture 18"/>
+          <p:cNvPicPr>
+            <a:picLocks noChangeAspect="1"/>
+          </p:cNvPicPr>
+          <p:nvPr/>
+        </p:nvPicPr>
+        <p:blipFill>
+          <a:blip r:embed="rId2"/>
+          <a:stretch>
+            <a:fillRect/>
+          </a:stretch>
+        </p:blipFill>
+        <p:spPr>
+          <a:xfrm>
+            <a:off x="800267" y="1901065"/>
+            <a:ext cx="2685714" cy="571429"/>
+          </a:xfrm>
+          <a:prstGeom prst="rect">
+            <a:avLst/>
+          </a:prstGeom>
+        </p:spPr>
+      </p:pic>
+      <p:pic>
+        <p:nvPicPr>
+          <p:cNvPr id="21" name="Picture 20"/>
+          <p:cNvPicPr>
+            <a:picLocks noChangeAspect="1"/>
+          </p:cNvPicPr>
+          <p:nvPr/>
+        </p:nvPicPr>
+        <p:blipFill>
+          <a:blip r:embed="rId3"/>
+          <a:stretch>
+            <a:fillRect/>
+          </a:stretch>
+        </p:blipFill>
+        <p:spPr>
+          <a:xfrm>
+            <a:off x="1330605" y="2630110"/>
+            <a:ext cx="2676190" cy="580952"/>
+          </a:xfrm>
+          <a:prstGeom prst="rect">
+            <a:avLst/>
+          </a:prstGeom>
+        </p:spPr>
+      </p:pic>
+      <p:pic>
+        <p:nvPicPr>
+          <p:cNvPr id="25" name="Picture 24"/>
+          <p:cNvPicPr>
+            <a:picLocks noChangeAspect="1"/>
+          </p:cNvPicPr>
+          <p:nvPr/>
+        </p:nvPicPr>
+        <p:blipFill>
+          <a:blip r:embed="rId4"/>
+          <a:stretch>
+            <a:fillRect/>
+          </a:stretch>
+        </p:blipFill>
+        <p:spPr>
+          <a:xfrm>
+            <a:off x="1863666" y="3368678"/>
+            <a:ext cx="2685714" cy="600000"/>
+          </a:xfrm>
+          <a:prstGeom prst="rect">
+            <a:avLst/>
+          </a:prstGeom>
+        </p:spPr>
+      </p:pic>
+      <p:pic>
+        <p:nvPicPr>
+          <p:cNvPr id="26" name="Picture 25"/>
+          <p:cNvPicPr>
+            <a:picLocks noChangeAspect="1"/>
+          </p:cNvPicPr>
+          <p:nvPr/>
+        </p:nvPicPr>
+        <p:blipFill>
+          <a:blip r:embed="rId5"/>
+          <a:stretch>
+            <a:fillRect/>
+          </a:stretch>
+        </p:blipFill>
+        <p:spPr>
+          <a:xfrm>
+            <a:off x="2414416" y="4126294"/>
+            <a:ext cx="2685714" cy="590476"/>
+          </a:xfrm>
+          <a:prstGeom prst="rect">
+            <a:avLst/>
+          </a:prstGeom>
+        </p:spPr>
+      </p:pic>
+      <p:pic>
+        <p:nvPicPr>
+          <p:cNvPr id="27" name="Picture 26"/>
+          <p:cNvPicPr>
+            <a:picLocks noChangeAspect="1"/>
+          </p:cNvPicPr>
+          <p:nvPr/>
+        </p:nvPicPr>
+        <p:blipFill>
+          <a:blip r:embed="rId6"/>
+          <a:stretch>
+            <a:fillRect/>
+          </a:stretch>
+        </p:blipFill>
+        <p:spPr>
+          <a:xfrm>
+            <a:off x="2947474" y="4874386"/>
+            <a:ext cx="2685714" cy="580952"/>
+          </a:xfrm>
+          <a:prstGeom prst="rect">
+            <a:avLst/>
+          </a:prstGeom>
+        </p:spPr>
+      </p:pic>
+      <p:cxnSp>
+        <p:nvCxnSpPr>
+          <p:cNvPr id="33" name="Curved Connector 32"/>
+          <p:cNvCxnSpPr>
+            <a:stCxn id="25" idx="3"/>
+            <a:endCxn id="26" idx="3"/>
+          </p:cNvCxnSpPr>
+          <p:nvPr/>
+        </p:nvCxnSpPr>
+        <p:spPr>
+          <a:xfrm>
+            <a:off x="4549380" y="3668678"/>
+            <a:ext cx="550750" cy="752854"/>
+          </a:xfrm>
+          <a:prstGeom prst="curvedConnector3">
+            <a:avLst>
+              <a:gd name="adj1" fmla="val 141507"/>
+            </a:avLst>
+          </a:prstGeom>
+          <a:ln>
+            <a:prstDash val="dash"/>
+            <a:tailEnd type="triangle"/>
+          </a:ln>
+        </p:spPr>
+        <p:style>
+          <a:lnRef idx="1">
+            <a:schemeClr val="accent3"/>
+          </a:lnRef>
+          <a:fillRef idx="0">
+            <a:schemeClr val="accent3"/>
+          </a:fillRef>
+          <a:effectRef idx="0">
+            <a:schemeClr val="accent3"/>
+          </a:effectRef>
+          <a:fontRef idx="minor">
+            <a:schemeClr val="tx1"/>
+          </a:fontRef>
+        </p:style>
+      </p:cxnSp>
+      <p:cxnSp>
+        <p:nvCxnSpPr>
+          <p:cNvPr id="36" name="Curved Connector 35"/>
+          <p:cNvCxnSpPr>
+            <a:stCxn id="26" idx="1"/>
+            <a:endCxn id="27" idx="1"/>
+          </p:cNvCxnSpPr>
+          <p:nvPr/>
+        </p:nvCxnSpPr>
+        <p:spPr>
+          <a:xfrm rot="10800000" flipH="1" flipV="1">
+            <a:off x="2414416" y="4421532"/>
+            <a:ext cx="533058" cy="743330"/>
+          </a:xfrm>
+          <a:prstGeom prst="curvedConnector3">
+            <a:avLst>
+              <a:gd name="adj1" fmla="val -42885"/>
+            </a:avLst>
+          </a:prstGeom>
+          <a:ln>
+            <a:prstDash val="dash"/>
+            <a:tailEnd type="triangle"/>
+          </a:ln>
+        </p:spPr>
+        <p:style>
+          <a:lnRef idx="1">
+            <a:schemeClr val="accent3"/>
+          </a:lnRef>
+          <a:fillRef idx="0">
+            <a:schemeClr val="accent3"/>
+          </a:fillRef>
+          <a:effectRef idx="0">
+            <a:schemeClr val="accent3"/>
+          </a:effectRef>
+          <a:fontRef idx="minor">
+            <a:schemeClr val="tx1"/>
+          </a:fontRef>
+        </p:style>
+      </p:cxnSp>
+      <p:sp>
+        <p:nvSpPr>
+          <p:cNvPr id="39" name="Content Placeholder 2"/>
+          <p:cNvSpPr>
+            <a:spLocks noGrp="1"/>
+          </p:cNvSpPr>
+          <p:nvPr>
+            <p:ph idx="1"/>
+          </p:nvPr>
+        </p:nvSpPr>
+        <p:spPr>
+          <a:xfrm>
+            <a:off x="5641357" y="1793009"/>
+            <a:ext cx="6180529" cy="4351338"/>
+          </a:xfrm>
+        </p:spPr>
+        <p:txBody>
+          <a:bodyPr>
+            <a:normAutofit/>
+          </a:bodyPr>
+          <a:lstStyle/>
+          <a:p>
+            <a:pPr algn="l" rtl="0"/>
+            <a:r>
+              <a:rPr lang="en-IN" sz="2200" dirty="0">
+                <a:latin typeface="Arial" pitchFamily="34" charset="0"/>
+                <a:cs typeface="Arial" pitchFamily="34" charset="0"/>
+              </a:rPr>
+              <a:t>Requirements might be </a:t>
+            </a:r>
+            <a:r>
+              <a:rPr lang="en-IN" sz="2200" u="sng" dirty="0">
+                <a:latin typeface="Arial" pitchFamily="34" charset="0"/>
+                <a:cs typeface="Arial" pitchFamily="34" charset="0"/>
+              </a:rPr>
+              <a:t>misunderstood by each of the project team </a:t>
+            </a:r>
+            <a:r>
+              <a:rPr lang="en-IN" sz="2200" u="sng" dirty="0" smtClean="0">
+                <a:latin typeface="Arial" pitchFamily="34" charset="0"/>
+                <a:cs typeface="Arial" pitchFamily="34" charset="0"/>
+              </a:rPr>
+              <a:t>members</a:t>
+            </a:r>
+            <a:endParaRPr lang="en-US" sz="2200" dirty="0">
+              <a:latin typeface="Arial" pitchFamily="34" charset="0"/>
+              <a:cs typeface="Arial" pitchFamily="34" charset="0"/>
+            </a:endParaRPr>
+          </a:p>
+          <a:p>
+            <a:pPr algn="l" rtl="0"/>
+            <a:r>
+              <a:rPr lang="en-IN" sz="2200" dirty="0">
+                <a:latin typeface="Arial" pitchFamily="34" charset="0"/>
+                <a:cs typeface="Arial" pitchFamily="34" charset="0"/>
+              </a:rPr>
+              <a:t>Based on this incorrect understanding, a </a:t>
+            </a:r>
+            <a:r>
+              <a:rPr lang="en-IN" sz="2200" u="sng" dirty="0">
+                <a:latin typeface="Arial" pitchFamily="34" charset="0"/>
+                <a:cs typeface="Arial" pitchFamily="34" charset="0"/>
+              </a:rPr>
+              <a:t>faulty or buggy product is developed</a:t>
+            </a:r>
+            <a:endParaRPr lang="en-US" sz="2200" u="sng" dirty="0">
+              <a:latin typeface="Arial" pitchFamily="34" charset="0"/>
+              <a:cs typeface="Arial" pitchFamily="34" charset="0"/>
+            </a:endParaRPr>
+          </a:p>
+          <a:p>
+            <a:pPr algn="l" rtl="0"/>
+            <a:r>
+              <a:rPr lang="en-IN" sz="2200" dirty="0">
+                <a:latin typeface="Arial" pitchFamily="34" charset="0"/>
+                <a:cs typeface="Arial" pitchFamily="34" charset="0"/>
+              </a:rPr>
+              <a:t>It’s expected that the </a:t>
+            </a:r>
+            <a:r>
+              <a:rPr lang="en-IN" sz="2200" u="sng" dirty="0">
+                <a:latin typeface="Arial" pitchFamily="34" charset="0"/>
+                <a:cs typeface="Arial" pitchFamily="34" charset="0"/>
+              </a:rPr>
+              <a:t>first step</a:t>
+            </a:r>
+            <a:r>
+              <a:rPr lang="en-IN" sz="2200" dirty="0">
+                <a:latin typeface="Arial" pitchFamily="34" charset="0"/>
+                <a:cs typeface="Arial" pitchFamily="34" charset="0"/>
+              </a:rPr>
+              <a:t> in every project is a </a:t>
+            </a:r>
+            <a:r>
+              <a:rPr lang="en-IN" sz="2200" u="sng" dirty="0">
+                <a:latin typeface="Arial" pitchFamily="34" charset="0"/>
+                <a:cs typeface="Arial" pitchFamily="34" charset="0"/>
+              </a:rPr>
+              <a:t>discussion about the features</a:t>
+            </a:r>
+            <a:r>
+              <a:rPr lang="en-IN" sz="2200" dirty="0">
+                <a:latin typeface="Arial" pitchFamily="34" charset="0"/>
+                <a:cs typeface="Arial" pitchFamily="34" charset="0"/>
+              </a:rPr>
+              <a:t>, and behaviours of the software to be built</a:t>
+            </a:r>
+            <a:endParaRPr lang="en-US" sz="2200" dirty="0">
+              <a:latin typeface="Arial" pitchFamily="34" charset="0"/>
+              <a:cs typeface="Arial" pitchFamily="34" charset="0"/>
+            </a:endParaRPr>
+          </a:p>
+          <a:p>
+            <a:pPr algn="l" rtl="0"/>
+            <a:r>
+              <a:rPr lang="en-IN" sz="2200" dirty="0">
+                <a:latin typeface="Arial" pitchFamily="34" charset="0"/>
+                <a:cs typeface="Arial" pitchFamily="34" charset="0"/>
+              </a:rPr>
+              <a:t>Many teams using Scrum and other agile methods suffer </a:t>
+            </a:r>
+            <a:r>
+              <a:rPr lang="en-IN" sz="2200" u="sng" dirty="0" smtClean="0">
+                <a:latin typeface="Arial" pitchFamily="34" charset="0"/>
+                <a:cs typeface="Arial" pitchFamily="34" charset="0"/>
+              </a:rPr>
+              <a:t>where to begin</a:t>
+            </a:r>
+            <a:endParaRPr lang="en-US" sz="2200" u="sng" dirty="0">
+              <a:latin typeface="Arial" pitchFamily="34" charset="0"/>
+              <a:cs typeface="Arial" pitchFamily="34" charset="0"/>
+            </a:endParaRPr>
+          </a:p>
+        </p:txBody>
+      </p:sp>
+    </p:spTree>
+    <p:extLst>
+      <p:ext uri="{BB962C8B-B14F-4D97-AF65-F5344CB8AC3E}">
+        <p14:creationId xmlns:p14="http://schemas.microsoft.com/office/powerpoint/2010/main" val="2725567312"/>
+      </p:ext>
+    </p:extLst>
+  </p:cSld>
+  <p:clrMapOvr>
+    <a:masterClrMapping/>
+  </p:clrMapOvr>
+  <p:timing>
+    <p:tnLst>
+      <p:par>
+        <p:cTn id="1" dur="indefinite" restart="never" nodeType="tmRoot">
+          <p:childTnLst>
+            <p:seq concurrent="1" nextAc="seek">
+              <p:cTn id="2" dur="indefinite" nodeType="mainSeq">
+                <p:childTnLst>
+                  <p:par>
+                    <p:cTn id="3" fill="hold">
+                      <p:stCondLst>
+                        <p:cond delay="indefinite"/>
+                      </p:stCondLst>
+                      <p:childTnLst>
+                        <p:par>
+                          <p:cTn id="4" fill="hold">
+                            <p:stCondLst>
+                              <p:cond delay="0"/>
+                            </p:stCondLst>
+                            <p:childTnLst>
+                              <p:par>
+                                <p:cTn id="5" presetID="10" presetClass="entr" presetSubtype="0" fill="hold" nodeType="clickEffect">
+                                  <p:stCondLst>
+                                    <p:cond delay="0"/>
+                                  </p:stCondLst>
+                                  <p:childTnLst>
+                                    <p:set>
+                                      <p:cBhvr>
+                                        <p:cTn id="6" dur="1" fill="hold">
+                                          <p:stCondLst>
+                                            <p:cond delay="0"/>
+                                          </p:stCondLst>
+                                        </p:cTn>
+                                        <p:tgtEl>
+                                          <p:spTgt spid="19"/>
+                                        </p:tgtEl>
+                                        <p:attrNameLst>
+                                          <p:attrName>style.visibility</p:attrName>
+                                        </p:attrNameLst>
+                                      </p:cBhvr>
+                                      <p:to>
+                                        <p:strVal val="visible"/>
+                                      </p:to>
+                                    </p:set>
+                                    <p:animEffect transition="in" filter="fade">
+                                      <p:cBhvr>
+                                        <p:cTn id="7" dur="500"/>
+                                        <p:tgtEl>
+                                          <p:spTgt spid="19"/>
+                                        </p:tgtEl>
+                                      </p:cBhvr>
+                                    </p:animEffect>
+                                  </p:childTnLst>
+                                </p:cTn>
+                              </p:par>
+                            </p:childTnLst>
+                          </p:cTn>
+                        </p:par>
+                      </p:childTnLst>
+                    </p:cTn>
+                  </p:par>
+                  <p:par>
+                    <p:cTn id="8" fill="hold">
+                      <p:stCondLst>
+                        <p:cond delay="indefinite"/>
+                      </p:stCondLst>
+                      <p:childTnLst>
+                        <p:par>
+                          <p:cTn id="9" fill="hold">
+                            <p:stCondLst>
+                              <p:cond delay="0"/>
+                            </p:stCondLst>
+                            <p:childTnLst>
+                              <p:par>
+                                <p:cTn id="10" presetID="10" presetClass="entr" presetSubtype="0" fill="hold" nodeType="clickEffect">
+                                  <p:stCondLst>
+                                    <p:cond delay="0"/>
+                                  </p:stCondLst>
+                                  <p:childTnLst>
+                                    <p:set>
+                                      <p:cBhvr>
+                                        <p:cTn id="11" dur="1" fill="hold">
+                                          <p:stCondLst>
+                                            <p:cond delay="0"/>
+                                          </p:stCondLst>
+                                        </p:cTn>
+                                        <p:tgtEl>
+                                          <p:spTgt spid="11"/>
+                                        </p:tgtEl>
+                                        <p:attrNameLst>
+                                          <p:attrName>style.visibility</p:attrName>
+                                        </p:attrNameLst>
+                                      </p:cBhvr>
+                                      <p:to>
+                                        <p:strVal val="visible"/>
+                                      </p:to>
+                                    </p:set>
+                                    <p:animEffect transition="in" filter="fade">
+                                      <p:cBhvr>
+                                        <p:cTn id="12" dur="500"/>
+                                        <p:tgtEl>
+                                          <p:spTgt spid="11"/>
+                                        </p:tgtEl>
+                                      </p:cBhvr>
+                                    </p:animEffect>
+                                  </p:childTnLst>
+                                </p:cTn>
+                              </p:par>
+                              <p:par>
+                                <p:cTn id="13" presetID="10" presetClass="entr" presetSubtype="0" fill="hold" nodeType="withEffect">
+                                  <p:stCondLst>
+                                    <p:cond delay="0"/>
+                                  </p:stCondLst>
+                                  <p:childTnLst>
+                                    <p:set>
+                                      <p:cBhvr>
+                                        <p:cTn id="14" dur="1" fill="hold">
+                                          <p:stCondLst>
+                                            <p:cond delay="0"/>
+                                          </p:stCondLst>
+                                        </p:cTn>
+                                        <p:tgtEl>
+                                          <p:spTgt spid="21"/>
+                                        </p:tgtEl>
+                                        <p:attrNameLst>
+                                          <p:attrName>style.visibility</p:attrName>
+                                        </p:attrNameLst>
+                                      </p:cBhvr>
+                                      <p:to>
+                                        <p:strVal val="visible"/>
+                                      </p:to>
+                                    </p:set>
+                                    <p:animEffect transition="in" filter="fade">
+                                      <p:cBhvr>
+                                        <p:cTn id="15" dur="500"/>
+                                        <p:tgtEl>
+                                          <p:spTgt spid="21"/>
+                                        </p:tgtEl>
+                                      </p:cBhvr>
+                                    </p:animEffect>
+                                  </p:childTnLst>
+                                </p:cTn>
+                              </p:par>
+                            </p:childTnLst>
+                          </p:cTn>
+                        </p:par>
+                      </p:childTnLst>
+                    </p:cTn>
+                  </p:par>
+                  <p:par>
+                    <p:cTn id="16" fill="hold">
+                      <p:stCondLst>
+                        <p:cond delay="indefinite"/>
+                      </p:stCondLst>
+                      <p:childTnLst>
+                        <p:par>
+                          <p:cTn id="17" fill="hold">
+                            <p:stCondLst>
+                              <p:cond delay="0"/>
+                            </p:stCondLst>
+                            <p:childTnLst>
+                              <p:par>
+                                <p:cTn id="18" presetID="10" presetClass="entr" presetSubtype="0" fill="hold" nodeType="clickEffect">
+                                  <p:stCondLst>
+                                    <p:cond delay="0"/>
+                                  </p:stCondLst>
+                                  <p:childTnLst>
+                                    <p:set>
+                                      <p:cBhvr>
+                                        <p:cTn id="19" dur="1" fill="hold">
+                                          <p:stCondLst>
+                                            <p:cond delay="0"/>
+                                          </p:stCondLst>
+                                        </p:cTn>
+                                        <p:tgtEl>
+                                          <p:spTgt spid="13"/>
+                                        </p:tgtEl>
+                                        <p:attrNameLst>
+                                          <p:attrName>style.visibility</p:attrName>
+                                        </p:attrNameLst>
+                                      </p:cBhvr>
+                                      <p:to>
+                                        <p:strVal val="visible"/>
+                                      </p:to>
+                                    </p:set>
+                                    <p:animEffect transition="in" filter="fade">
+                                      <p:cBhvr>
+                                        <p:cTn id="20" dur="500"/>
+                                        <p:tgtEl>
+                                          <p:spTgt spid="13"/>
+                                        </p:tgtEl>
+                                      </p:cBhvr>
+                                    </p:animEffect>
+                                  </p:childTnLst>
+                                </p:cTn>
+                              </p:par>
+                              <p:par>
+                                <p:cTn id="21" presetID="10" presetClass="entr" presetSubtype="0" fill="hold" nodeType="withEffect">
+                                  <p:stCondLst>
+                                    <p:cond delay="0"/>
+                                  </p:stCondLst>
+                                  <p:childTnLst>
+                                    <p:set>
+                                      <p:cBhvr>
+                                        <p:cTn id="22" dur="1" fill="hold">
+                                          <p:stCondLst>
+                                            <p:cond delay="0"/>
+                                          </p:stCondLst>
+                                        </p:cTn>
+                                        <p:tgtEl>
+                                          <p:spTgt spid="25"/>
+                                        </p:tgtEl>
+                                        <p:attrNameLst>
+                                          <p:attrName>style.visibility</p:attrName>
+                                        </p:attrNameLst>
+                                      </p:cBhvr>
+                                      <p:to>
+                                        <p:strVal val="visible"/>
+                                      </p:to>
+                                    </p:set>
+                                    <p:animEffect transition="in" filter="fade">
+                                      <p:cBhvr>
+                                        <p:cTn id="23" dur="500"/>
+                                        <p:tgtEl>
+                                          <p:spTgt spid="25"/>
+                                        </p:tgtEl>
+                                      </p:cBhvr>
+                                    </p:animEffect>
+                                  </p:childTnLst>
+                                </p:cTn>
+                              </p:par>
+                            </p:childTnLst>
+                          </p:cTn>
+                        </p:par>
+                      </p:childTnLst>
+                    </p:cTn>
+                  </p:par>
+                  <p:par>
+                    <p:cTn id="24" fill="hold">
+                      <p:stCondLst>
+                        <p:cond delay="indefinite"/>
+                      </p:stCondLst>
+                      <p:childTnLst>
+                        <p:par>
+                          <p:cTn id="25" fill="hold">
+                            <p:stCondLst>
+                              <p:cond delay="0"/>
+                            </p:stCondLst>
+                            <p:childTnLst>
+                              <p:par>
+                                <p:cTn id="26" presetID="10" presetClass="entr" presetSubtype="0" fill="hold" nodeType="clickEffect">
+                                  <p:stCondLst>
+                                    <p:cond delay="0"/>
+                                  </p:stCondLst>
+                                  <p:childTnLst>
+                                    <p:set>
+                                      <p:cBhvr>
+                                        <p:cTn id="27" dur="1" fill="hold">
+                                          <p:stCondLst>
+                                            <p:cond delay="0"/>
+                                          </p:stCondLst>
+                                        </p:cTn>
+                                        <p:tgtEl>
+                                          <p:spTgt spid="33"/>
+                                        </p:tgtEl>
+                                        <p:attrNameLst>
+                                          <p:attrName>style.visibility</p:attrName>
+                                        </p:attrNameLst>
+                                      </p:cBhvr>
+                                      <p:to>
+                                        <p:strVal val="visible"/>
+                                      </p:to>
+                                    </p:set>
+                                    <p:animEffect transition="in" filter="fade">
+                                      <p:cBhvr>
+                                        <p:cTn id="28" dur="500"/>
+                                        <p:tgtEl>
+                                          <p:spTgt spid="33"/>
+                                        </p:tgtEl>
+                                      </p:cBhvr>
+                                    </p:animEffect>
+                                  </p:childTnLst>
+                                </p:cTn>
+                              </p:par>
+                              <p:par>
+                                <p:cTn id="29" presetID="10" presetClass="entr" presetSubtype="0" fill="hold" nodeType="withEffect">
+                                  <p:stCondLst>
+                                    <p:cond delay="0"/>
+                                  </p:stCondLst>
+                                  <p:childTnLst>
+                                    <p:set>
+                                      <p:cBhvr>
+                                        <p:cTn id="30" dur="1" fill="hold">
+                                          <p:stCondLst>
+                                            <p:cond delay="0"/>
+                                          </p:stCondLst>
+                                        </p:cTn>
+                                        <p:tgtEl>
+                                          <p:spTgt spid="26"/>
+                                        </p:tgtEl>
+                                        <p:attrNameLst>
+                                          <p:attrName>style.visibility</p:attrName>
+                                        </p:attrNameLst>
+                                      </p:cBhvr>
+                                      <p:to>
+                                        <p:strVal val="visible"/>
+                                      </p:to>
+                                    </p:set>
+                                    <p:animEffect transition="in" filter="fade">
+                                      <p:cBhvr>
+                                        <p:cTn id="31" dur="500"/>
+                                        <p:tgtEl>
+                                          <p:spTgt spid="26"/>
+                                        </p:tgtEl>
+                                      </p:cBhvr>
+                                    </p:animEffect>
+                                  </p:childTnLst>
+                                </p:cTn>
+                              </p:par>
+                            </p:childTnLst>
+                          </p:cTn>
+                        </p:par>
+                      </p:childTnLst>
+                    </p:cTn>
+                  </p:par>
+                  <p:par>
+                    <p:cTn id="32" fill="hold">
+                      <p:stCondLst>
+                        <p:cond delay="indefinite"/>
+                      </p:stCondLst>
+                      <p:childTnLst>
+                        <p:par>
+                          <p:cTn id="33" fill="hold">
+                            <p:stCondLst>
+                              <p:cond delay="0"/>
+                            </p:stCondLst>
+                            <p:childTnLst>
+                              <p:par>
+                                <p:cTn id="34" presetID="10" presetClass="entr" presetSubtype="0" fill="hold" nodeType="clickEffect">
+                                  <p:stCondLst>
+                                    <p:cond delay="0"/>
+                                  </p:stCondLst>
+                                  <p:childTnLst>
+                                    <p:set>
+                                      <p:cBhvr>
+                                        <p:cTn id="35" dur="1" fill="hold">
+                                          <p:stCondLst>
+                                            <p:cond delay="0"/>
+                                          </p:stCondLst>
+                                        </p:cTn>
+                                        <p:tgtEl>
+                                          <p:spTgt spid="36"/>
+                                        </p:tgtEl>
+                                        <p:attrNameLst>
+                                          <p:attrName>style.visibility</p:attrName>
+                                        </p:attrNameLst>
+                                      </p:cBhvr>
+                                      <p:to>
+                                        <p:strVal val="visible"/>
+                                      </p:to>
+                                    </p:set>
+                                    <p:animEffect transition="in" filter="fade">
+                                      <p:cBhvr>
+                                        <p:cTn id="36" dur="500"/>
+                                        <p:tgtEl>
+                                          <p:spTgt spid="36"/>
+                                        </p:tgtEl>
+                                      </p:cBhvr>
+                                    </p:animEffect>
+                                  </p:childTnLst>
+                                </p:cTn>
+                              </p:par>
+                              <p:par>
+                                <p:cTn id="37" presetID="10" presetClass="entr" presetSubtype="0" fill="hold" nodeType="withEffect">
+                                  <p:stCondLst>
+                                    <p:cond delay="0"/>
+                                  </p:stCondLst>
+                                  <p:childTnLst>
+                                    <p:set>
+                                      <p:cBhvr>
+                                        <p:cTn id="38" dur="1" fill="hold">
+                                          <p:stCondLst>
+                                            <p:cond delay="0"/>
+                                          </p:stCondLst>
+                                        </p:cTn>
+                                        <p:tgtEl>
+                                          <p:spTgt spid="27"/>
+                                        </p:tgtEl>
+                                        <p:attrNameLst>
+                                          <p:attrName>style.visibility</p:attrName>
+                                        </p:attrNameLst>
+                                      </p:cBhvr>
+                                      <p:to>
+                                        <p:strVal val="visible"/>
+                                      </p:to>
+                                    </p:set>
+                                    <p:animEffect transition="in" filter="fade">
+                                      <p:cBhvr>
+                                        <p:cTn id="39" dur="500"/>
+                                        <p:tgtEl>
+                                          <p:spTgt spid="27"/>
+                                        </p:tgtEl>
+                                      </p:cBhvr>
+                                    </p:animEffect>
+                                  </p:childTnLst>
+                                </p:cTn>
+                              </p:par>
+                            </p:childTnLst>
+                          </p:cTn>
+                        </p:par>
+                      </p:childTnLst>
+                    </p:cTn>
+                  </p:par>
+                  <p:par>
+                    <p:cTn id="40" fill="hold">
+                      <p:stCondLst>
+                        <p:cond delay="indefinite"/>
+                      </p:stCondLst>
+                      <p:childTnLst>
+                        <p:par>
+                          <p:cTn id="41" fill="hold">
+                            <p:stCondLst>
+                              <p:cond delay="0"/>
+                            </p:stCondLst>
+                            <p:childTnLst>
+                              <p:par>
+                                <p:cTn id="42" presetID="50" presetClass="entr" presetSubtype="0" decel="100000" fill="hold" nodeType="clickEffect">
+                                  <p:stCondLst>
+                                    <p:cond delay="0"/>
+                                  </p:stCondLst>
+                                  <p:childTnLst>
+                                    <p:set>
+                                      <p:cBhvr>
+                                        <p:cTn id="43" dur="1" fill="hold">
+                                          <p:stCondLst>
+                                            <p:cond delay="0"/>
+                                          </p:stCondLst>
+                                        </p:cTn>
+                                        <p:tgtEl>
+                                          <p:spTgt spid="39">
+                                            <p:txEl>
+                                              <p:pRg st="0" end="0"/>
+                                            </p:txEl>
+                                          </p:spTgt>
+                                        </p:tgtEl>
+                                        <p:attrNameLst>
+                                          <p:attrName>style.visibility</p:attrName>
+                                        </p:attrNameLst>
+                                      </p:cBhvr>
+                                      <p:to>
+                                        <p:strVal val="visible"/>
+                                      </p:to>
+                                    </p:set>
+                                    <p:anim calcmode="lin" valueType="num">
+                                      <p:cBhvr>
+                                        <p:cTn id="44" dur="1000" fill="hold"/>
+                                        <p:tgtEl>
+                                          <p:spTgt spid="39">
+                                            <p:txEl>
+                                              <p:pRg st="0" end="0"/>
+                                            </p:txEl>
+                                          </p:spTgt>
+                                        </p:tgtEl>
+                                        <p:attrNameLst>
+                                          <p:attrName>ppt_w</p:attrName>
+                                        </p:attrNameLst>
+                                      </p:cBhvr>
+                                      <p:tavLst>
+                                        <p:tav tm="0">
+                                          <p:val>
+                                            <p:strVal val="#ppt_w+.3"/>
+                                          </p:val>
+                                        </p:tav>
+                                        <p:tav tm="100000">
+                                          <p:val>
+                                            <p:strVal val="#ppt_w"/>
+                                          </p:val>
+                                        </p:tav>
+                                      </p:tavLst>
+                                    </p:anim>
+                                    <p:anim calcmode="lin" valueType="num">
+                                      <p:cBhvr>
+                                        <p:cTn id="45" dur="1000" fill="hold"/>
+                                        <p:tgtEl>
+                                          <p:spTgt spid="39">
+                                            <p:txEl>
+                                              <p:pRg st="0" end="0"/>
+                                            </p:txEl>
+                                          </p:spTgt>
+                                        </p:tgtEl>
+                                        <p:attrNameLst>
+                                          <p:attrName>ppt_h</p:attrName>
+                                        </p:attrNameLst>
+                                      </p:cBhvr>
+                                      <p:tavLst>
+                                        <p:tav tm="0">
+                                          <p:val>
+                                            <p:strVal val="#ppt_h"/>
+                                          </p:val>
+                                        </p:tav>
+                                        <p:tav tm="100000">
+                                          <p:val>
+                                            <p:strVal val="#ppt_h"/>
+                                          </p:val>
+                                        </p:tav>
+                                      </p:tavLst>
+                                    </p:anim>
+                                    <p:animEffect transition="in" filter="fade">
+                                      <p:cBhvr>
+                                        <p:cTn id="46" dur="1000"/>
+                                        <p:tgtEl>
+                                          <p:spTgt spid="39">
+                                            <p:txEl>
+                                              <p:pRg st="0" end="0"/>
+                                            </p:txEl>
+                                          </p:spTgt>
+                                        </p:tgtEl>
+                                      </p:cBhvr>
+                                    </p:animEffect>
+                                  </p:childTnLst>
+                                </p:cTn>
+                              </p:par>
+                            </p:childTnLst>
+                          </p:cTn>
+                        </p:par>
+                      </p:childTnLst>
+                    </p:cTn>
+                  </p:par>
+                  <p:par>
+                    <p:cTn id="47" fill="hold">
+                      <p:stCondLst>
+                        <p:cond delay="indefinite"/>
+                      </p:stCondLst>
+                      <p:childTnLst>
+                        <p:par>
+                          <p:cTn id="48" fill="hold">
+                            <p:stCondLst>
+                              <p:cond delay="0"/>
+                            </p:stCondLst>
+                            <p:childTnLst>
+                              <p:par>
+                                <p:cTn id="49" presetID="50" presetClass="entr" presetSubtype="0" decel="100000" fill="hold" nodeType="clickEffect">
+                                  <p:stCondLst>
+                                    <p:cond delay="0"/>
+                                  </p:stCondLst>
+                                  <p:childTnLst>
+                                    <p:set>
+                                      <p:cBhvr>
+                                        <p:cTn id="50" dur="1" fill="hold">
+                                          <p:stCondLst>
+                                            <p:cond delay="0"/>
+                                          </p:stCondLst>
+                                        </p:cTn>
+                                        <p:tgtEl>
+                                          <p:spTgt spid="39">
+                                            <p:txEl>
+                                              <p:pRg st="1" end="1"/>
+                                            </p:txEl>
+                                          </p:spTgt>
+                                        </p:tgtEl>
+                                        <p:attrNameLst>
+                                          <p:attrName>style.visibility</p:attrName>
+                                        </p:attrNameLst>
+                                      </p:cBhvr>
+                                      <p:to>
+                                        <p:strVal val="visible"/>
+                                      </p:to>
+                                    </p:set>
+                                    <p:anim calcmode="lin" valueType="num">
+                                      <p:cBhvr>
+                                        <p:cTn id="51" dur="1000" fill="hold"/>
+                                        <p:tgtEl>
+                                          <p:spTgt spid="39">
+                                            <p:txEl>
+                                              <p:pRg st="1" end="1"/>
+                                            </p:txEl>
+                                          </p:spTgt>
+                                        </p:tgtEl>
+                                        <p:attrNameLst>
+                                          <p:attrName>ppt_w</p:attrName>
+                                        </p:attrNameLst>
+                                      </p:cBhvr>
+                                      <p:tavLst>
+                                        <p:tav tm="0">
+                                          <p:val>
+                                            <p:strVal val="#ppt_w+.3"/>
+                                          </p:val>
+                                        </p:tav>
+                                        <p:tav tm="100000">
+                                          <p:val>
+                                            <p:strVal val="#ppt_w"/>
+                                          </p:val>
+                                        </p:tav>
+                                      </p:tavLst>
+                                    </p:anim>
+                                    <p:anim calcmode="lin" valueType="num">
+                                      <p:cBhvr>
+                                        <p:cTn id="52" dur="1000" fill="hold"/>
+                                        <p:tgtEl>
+                                          <p:spTgt spid="39">
+                                            <p:txEl>
+                                              <p:pRg st="1" end="1"/>
+                                            </p:txEl>
+                                          </p:spTgt>
+                                        </p:tgtEl>
+                                        <p:attrNameLst>
+                                          <p:attrName>ppt_h</p:attrName>
+                                        </p:attrNameLst>
+                                      </p:cBhvr>
+                                      <p:tavLst>
+                                        <p:tav tm="0">
+                                          <p:val>
+                                            <p:strVal val="#ppt_h"/>
+                                          </p:val>
+                                        </p:tav>
+                                        <p:tav tm="100000">
+                                          <p:val>
+                                            <p:strVal val="#ppt_h"/>
+                                          </p:val>
+                                        </p:tav>
+                                      </p:tavLst>
+                                    </p:anim>
+                                    <p:animEffect transition="in" filter="fade">
+                                      <p:cBhvr>
+                                        <p:cTn id="53" dur="1000"/>
+                                        <p:tgtEl>
+                                          <p:spTgt spid="39">
+                                            <p:txEl>
+                                              <p:pRg st="1" end="1"/>
+                                            </p:txEl>
+                                          </p:spTgt>
+                                        </p:tgtEl>
+                                      </p:cBhvr>
+                                    </p:animEffect>
+                                  </p:childTnLst>
+                                </p:cTn>
+                              </p:par>
+                            </p:childTnLst>
+                          </p:cTn>
+                        </p:par>
+                      </p:childTnLst>
+                    </p:cTn>
+                  </p:par>
+                  <p:par>
+                    <p:cTn id="54" fill="hold">
+                      <p:stCondLst>
+                        <p:cond delay="indefinite"/>
+                      </p:stCondLst>
+                      <p:childTnLst>
+                        <p:par>
+                          <p:cTn id="55" fill="hold">
+                            <p:stCondLst>
+                              <p:cond delay="0"/>
+                            </p:stCondLst>
+                            <p:childTnLst>
+                              <p:par>
+                                <p:cTn id="56" presetID="50" presetClass="entr" presetSubtype="0" decel="100000" fill="hold" nodeType="clickEffect">
+                                  <p:stCondLst>
+                                    <p:cond delay="0"/>
+                                  </p:stCondLst>
+                                  <p:childTnLst>
+                                    <p:set>
+                                      <p:cBhvr>
+                                        <p:cTn id="57" dur="1" fill="hold">
+                                          <p:stCondLst>
+                                            <p:cond delay="0"/>
+                                          </p:stCondLst>
+                                        </p:cTn>
+                                        <p:tgtEl>
+                                          <p:spTgt spid="39">
+                                            <p:txEl>
+                                              <p:pRg st="2" end="2"/>
+                                            </p:txEl>
+                                          </p:spTgt>
+                                        </p:tgtEl>
+                                        <p:attrNameLst>
+                                          <p:attrName>style.visibility</p:attrName>
+                                        </p:attrNameLst>
+                                      </p:cBhvr>
+                                      <p:to>
+                                        <p:strVal val="visible"/>
+                                      </p:to>
+                                    </p:set>
+                                    <p:anim calcmode="lin" valueType="num">
+                                      <p:cBhvr>
+                                        <p:cTn id="58" dur="1000" fill="hold"/>
+                                        <p:tgtEl>
+                                          <p:spTgt spid="39">
+                                            <p:txEl>
+                                              <p:pRg st="2" end="2"/>
+                                            </p:txEl>
+                                          </p:spTgt>
+                                        </p:tgtEl>
+                                        <p:attrNameLst>
+                                          <p:attrName>ppt_w</p:attrName>
+                                        </p:attrNameLst>
+                                      </p:cBhvr>
+                                      <p:tavLst>
+                                        <p:tav tm="0">
+                                          <p:val>
+                                            <p:strVal val="#ppt_w+.3"/>
+                                          </p:val>
+                                        </p:tav>
+                                        <p:tav tm="100000">
+                                          <p:val>
+                                            <p:strVal val="#ppt_w"/>
+                                          </p:val>
+                                        </p:tav>
+                                      </p:tavLst>
+                                    </p:anim>
+                                    <p:anim calcmode="lin" valueType="num">
+                                      <p:cBhvr>
+                                        <p:cTn id="59" dur="1000" fill="hold"/>
+                                        <p:tgtEl>
+                                          <p:spTgt spid="39">
+                                            <p:txEl>
+                                              <p:pRg st="2" end="2"/>
+                                            </p:txEl>
+                                          </p:spTgt>
+                                        </p:tgtEl>
+                                        <p:attrNameLst>
+                                          <p:attrName>ppt_h</p:attrName>
+                                        </p:attrNameLst>
+                                      </p:cBhvr>
+                                      <p:tavLst>
+                                        <p:tav tm="0">
+                                          <p:val>
+                                            <p:strVal val="#ppt_h"/>
+                                          </p:val>
+                                        </p:tav>
+                                        <p:tav tm="100000">
+                                          <p:val>
+                                            <p:strVal val="#ppt_h"/>
+                                          </p:val>
+                                        </p:tav>
+                                      </p:tavLst>
+                                    </p:anim>
+                                    <p:animEffect transition="in" filter="fade">
+                                      <p:cBhvr>
+                                        <p:cTn id="60" dur="1000"/>
+                                        <p:tgtEl>
+                                          <p:spTgt spid="39">
+                                            <p:txEl>
+                                              <p:pRg st="2" end="2"/>
+                                            </p:txEl>
+                                          </p:spTgt>
+                                        </p:tgtEl>
+                                      </p:cBhvr>
+                                    </p:animEffect>
+                                  </p:childTnLst>
+                                </p:cTn>
+                              </p:par>
+                            </p:childTnLst>
+                          </p:cTn>
+                        </p:par>
+                      </p:childTnLst>
+                    </p:cTn>
+                  </p:par>
+                  <p:par>
+                    <p:cTn id="61" fill="hold">
+                      <p:stCondLst>
+                        <p:cond delay="indefinite"/>
+                      </p:stCondLst>
+                      <p:childTnLst>
+                        <p:par>
+                          <p:cTn id="62" fill="hold">
+                            <p:stCondLst>
+                              <p:cond delay="0"/>
+                            </p:stCondLst>
+                            <p:childTnLst>
+                              <p:par>
+                                <p:cTn id="63" presetID="50" presetClass="entr" presetSubtype="0" decel="100000" fill="hold" nodeType="clickEffect">
+                                  <p:stCondLst>
+                                    <p:cond delay="0"/>
+                                  </p:stCondLst>
+                                  <p:childTnLst>
+                                    <p:set>
+                                      <p:cBhvr>
+                                        <p:cTn id="64" dur="1" fill="hold">
+                                          <p:stCondLst>
+                                            <p:cond delay="0"/>
+                                          </p:stCondLst>
+                                        </p:cTn>
+                                        <p:tgtEl>
+                                          <p:spTgt spid="39">
+                                            <p:txEl>
+                                              <p:pRg st="3" end="3"/>
+                                            </p:txEl>
+                                          </p:spTgt>
+                                        </p:tgtEl>
+                                        <p:attrNameLst>
+                                          <p:attrName>style.visibility</p:attrName>
+                                        </p:attrNameLst>
+                                      </p:cBhvr>
+                                      <p:to>
+                                        <p:strVal val="visible"/>
+                                      </p:to>
+                                    </p:set>
+                                    <p:anim calcmode="lin" valueType="num">
+                                      <p:cBhvr>
+                                        <p:cTn id="65" dur="1000" fill="hold"/>
+                                        <p:tgtEl>
+                                          <p:spTgt spid="39">
+                                            <p:txEl>
+                                              <p:pRg st="3" end="3"/>
+                                            </p:txEl>
+                                          </p:spTgt>
+                                        </p:tgtEl>
+                                        <p:attrNameLst>
+                                          <p:attrName>ppt_w</p:attrName>
+                                        </p:attrNameLst>
+                                      </p:cBhvr>
+                                      <p:tavLst>
+                                        <p:tav tm="0">
+                                          <p:val>
+                                            <p:strVal val="#ppt_w+.3"/>
+                                          </p:val>
+                                        </p:tav>
+                                        <p:tav tm="100000">
+                                          <p:val>
+                                            <p:strVal val="#ppt_w"/>
+                                          </p:val>
+                                        </p:tav>
+                                      </p:tavLst>
+                                    </p:anim>
+                                    <p:anim calcmode="lin" valueType="num">
+                                      <p:cBhvr>
+                                        <p:cTn id="66" dur="1000" fill="hold"/>
+                                        <p:tgtEl>
+                                          <p:spTgt spid="39">
+                                            <p:txEl>
+                                              <p:pRg st="3" end="3"/>
+                                            </p:txEl>
+                                          </p:spTgt>
+                                        </p:tgtEl>
+                                        <p:attrNameLst>
+                                          <p:attrName>ppt_h</p:attrName>
+                                        </p:attrNameLst>
+                                      </p:cBhvr>
+                                      <p:tavLst>
+                                        <p:tav tm="0">
+                                          <p:val>
+                                            <p:strVal val="#ppt_h"/>
+                                          </p:val>
+                                        </p:tav>
+                                        <p:tav tm="100000">
+                                          <p:val>
+                                            <p:strVal val="#ppt_h"/>
+                                          </p:val>
+                                        </p:tav>
+                                      </p:tavLst>
+                                    </p:anim>
+                                    <p:animEffect transition="in" filter="fade">
+                                      <p:cBhvr>
+                                        <p:cTn id="67" dur="1000"/>
+                                        <p:tgtEl>
+                                          <p:spTgt spid="39">
+                                            <p:txEl>
+                                              <p:pRg st="3" end="3"/>
+                                            </p:txEl>
+                                          </p:spTgt>
+                                        </p:tgtEl>
+                                      </p:cBhvr>
+                                    </p:animEffect>
+                                  </p:childTnLst>
+                                </p:cTn>
+                              </p:par>
+                            </p:childTnLst>
+                          </p:cTn>
+                        </p:par>
+                      </p:childTnLst>
+                    </p:cTn>
+                  </p:par>
+                </p:childTnLst>
+              </p:cTn>
+              <p:prevCondLst>
+                <p:cond evt="onPrev" delay="0">
+                  <p:tgtEl>
+                    <p:sldTgt/>
+                  </p:tgtEl>
+                </p:cond>
+              </p:prevCondLst>
+              <p:nextCondLst>
+                <p:cond evt="onNext" delay="0">
+                  <p:tgtEl>
+                    <p:sldTgt/>
+                  </p:tgtEl>
+                </p:cond>
+              </p:nextCondLst>
+            </p:seq>
+          </p:childTnLst>
+        </p:cTn>
+      </p:par>
+    </p:tnLst>
+  </p:timing>
+</p:sld>
+</file>
+
+<file path=ppt/slides/slide20.xml><?xml version="1.0" encoding="utf-8"?>
 <p:sld xmlns:a="http://schemas.openxmlformats.org/drawingml/2006/main" xmlns:r="http://schemas.openxmlformats.org/officeDocument/2006/relationships" xmlns:p="http://schemas.openxmlformats.org/presentationml/2006/main">
   <p:cSld>
     <p:spTree>
@@ -15340,717 +20931,7 @@
 </p:sld>
 </file>
 
-<file path=ppt/slides/slide2.xml><?xml version="1.0" encoding="utf-8"?>
-<p:sld xmlns:a="http://schemas.openxmlformats.org/drawingml/2006/main" xmlns:r="http://schemas.openxmlformats.org/officeDocument/2006/relationships" xmlns:p="http://schemas.openxmlformats.org/presentationml/2006/main">
-  <p:cSld>
-    <p:spTree>
-      <p:nvGrpSpPr>
-        <p:cNvPr id="1" name=""/>
-        <p:cNvGrpSpPr/>
-        <p:nvPr/>
-      </p:nvGrpSpPr>
-      <p:grpSpPr>
-        <a:xfrm>
-          <a:off x="0" y="0"/>
-          <a:ext cx="0" cy="0"/>
-          <a:chOff x="0" y="0"/>
-          <a:chExt cx="0" cy="0"/>
-        </a:xfrm>
-      </p:grpSpPr>
-      <p:sp>
-        <p:nvSpPr>
-          <p:cNvPr id="31" name="Shape 30"/>
-          <p:cNvSpPr/>
-          <p:nvPr/>
-        </p:nvSpPr>
-        <p:spPr>
-          <a:xfrm>
-            <a:off x="154745" y="315344"/>
-            <a:ext cx="11929403" cy="553998"/>
-          </a:xfrm>
-          <a:prstGeom prst="rect">
-            <a:avLst/>
-          </a:prstGeom>
-          <a:ln w="12700">
-            <a:miter lim="400000"/>
-          </a:ln>
-          <a:extLst>
-            <a:ext uri="{C572A759-6A51-4108-AA02-DFA0A04FC94B}">
-              <ma14:wrappingTextBoxFlag xmlns:ma14="http://schemas.microsoft.com/office/mac/drawingml/2011/main" xmlns="" val="1"/>
-            </a:ext>
-          </a:extLst>
-        </p:spPr>
-        <p:txBody>
-          <a:bodyPr wrap="square" lIns="0" tIns="0" rIns="0" bIns="0" anchor="ctr">
-            <a:spAutoFit/>
-          </a:bodyPr>
-          <a:lstStyle>
-            <a:lvl1pPr algn="ctr" defTabSz="390525">
-              <a:defRPr sz="4400">
-                <a:solidFill>
-                  <a:srgbClr val="FFFFFF"/>
-                </a:solidFill>
-              </a:defRPr>
-            </a:lvl1pPr>
-          </a:lstStyle>
-          <a:p>
-            <a:r>
-              <a:rPr lang="en-US" sz="3600" dirty="0">
-                <a:solidFill>
-                  <a:schemeClr val="tx1"/>
-                </a:solidFill>
-              </a:rPr>
-              <a:t>W. Edwards </a:t>
-            </a:r>
-            <a:r>
-              <a:rPr lang="en-US" sz="3600" dirty="0" smtClean="0">
-                <a:solidFill>
-                  <a:schemeClr val="tx1"/>
-                </a:solidFill>
-              </a:rPr>
-              <a:t>Deming</a:t>
-            </a:r>
-            <a:r>
-              <a:rPr lang="en-US" sz="3600" baseline="30000" dirty="0" smtClean="0">
-                <a:solidFill>
-                  <a:schemeClr val="tx1"/>
-                </a:solidFill>
-              </a:rPr>
-              <a:t>1</a:t>
-            </a:r>
-            <a:endParaRPr sz="3600" baseline="30000" dirty="0">
-              <a:solidFill>
-                <a:schemeClr val="tx1"/>
-              </a:solidFill>
-            </a:endParaRPr>
-          </a:p>
-        </p:txBody>
-      </p:sp>
-      <p:sp>
-        <p:nvSpPr>
-          <p:cNvPr id="32" name="Content Placeholder 2"/>
-          <p:cNvSpPr txBox="1">
-            <a:spLocks/>
-          </p:cNvSpPr>
-          <p:nvPr/>
-        </p:nvSpPr>
-        <p:spPr>
-          <a:xfrm>
-            <a:off x="531151" y="1524001"/>
-            <a:ext cx="7126949" cy="4419600"/>
-          </a:xfrm>
-          <a:prstGeom prst="rect">
-            <a:avLst/>
-          </a:prstGeom>
-        </p:spPr>
-        <p:txBody>
-          <a:bodyPr vert="horz" lIns="91440" tIns="45720" rIns="91440" bIns="45720" rtlCol="0">
-            <a:normAutofit/>
-          </a:bodyPr>
-          <a:lstStyle>
-            <a:lvl1pPr marL="0" indent="0" algn="ctr" defTabSz="914400" rtl="0" eaLnBrk="1" latinLnBrk="0" hangingPunct="1">
-              <a:lnSpc>
-                <a:spcPct val="90000"/>
-              </a:lnSpc>
-              <a:spcBef>
-                <a:spcPts val="1000"/>
-              </a:spcBef>
-              <a:buFont typeface="Arial" panose="020B0604020202020204" pitchFamily="34" charset="0"/>
-              <a:buNone/>
-              <a:defRPr sz="2400" kern="1200">
-                <a:solidFill>
-                  <a:schemeClr val="tx1"/>
-                </a:solidFill>
-                <a:latin typeface="+mn-lt"/>
-                <a:ea typeface="+mn-ea"/>
-                <a:cs typeface="+mn-cs"/>
-              </a:defRPr>
-            </a:lvl1pPr>
-            <a:lvl2pPr marL="457200" indent="0" algn="ctr" defTabSz="914400" rtl="0" eaLnBrk="1" latinLnBrk="0" hangingPunct="1">
-              <a:lnSpc>
-                <a:spcPct val="90000"/>
-              </a:lnSpc>
-              <a:spcBef>
-                <a:spcPts val="500"/>
-              </a:spcBef>
-              <a:buFont typeface="Arial" panose="020B0604020202020204" pitchFamily="34" charset="0"/>
-              <a:buNone/>
-              <a:defRPr sz="2000" kern="1200">
-                <a:solidFill>
-                  <a:schemeClr val="tx1"/>
-                </a:solidFill>
-                <a:latin typeface="+mn-lt"/>
-                <a:ea typeface="+mn-ea"/>
-                <a:cs typeface="+mn-cs"/>
-              </a:defRPr>
-            </a:lvl2pPr>
-            <a:lvl3pPr marL="914400" indent="0" algn="ctr" defTabSz="914400" rtl="0" eaLnBrk="1" latinLnBrk="0" hangingPunct="1">
-              <a:lnSpc>
-                <a:spcPct val="90000"/>
-              </a:lnSpc>
-              <a:spcBef>
-                <a:spcPts val="500"/>
-              </a:spcBef>
-              <a:buFont typeface="Arial" panose="020B0604020202020204" pitchFamily="34" charset="0"/>
-              <a:buNone/>
-              <a:defRPr sz="1800" kern="1200">
-                <a:solidFill>
-                  <a:schemeClr val="tx1"/>
-                </a:solidFill>
-                <a:latin typeface="+mn-lt"/>
-                <a:ea typeface="+mn-ea"/>
-                <a:cs typeface="+mn-cs"/>
-              </a:defRPr>
-            </a:lvl3pPr>
-            <a:lvl4pPr marL="1371600" indent="0" algn="ctr" defTabSz="914400" rtl="0" eaLnBrk="1" latinLnBrk="0" hangingPunct="1">
-              <a:lnSpc>
-                <a:spcPct val="90000"/>
-              </a:lnSpc>
-              <a:spcBef>
-                <a:spcPts val="500"/>
-              </a:spcBef>
-              <a:buFont typeface="Arial" panose="020B0604020202020204" pitchFamily="34" charset="0"/>
-              <a:buNone/>
-              <a:defRPr sz="1600" kern="1200">
-                <a:solidFill>
-                  <a:schemeClr val="tx1"/>
-                </a:solidFill>
-                <a:latin typeface="+mn-lt"/>
-                <a:ea typeface="+mn-ea"/>
-                <a:cs typeface="+mn-cs"/>
-              </a:defRPr>
-            </a:lvl4pPr>
-            <a:lvl5pPr marL="1828800" indent="0" algn="ctr" defTabSz="914400" rtl="0" eaLnBrk="1" latinLnBrk="0" hangingPunct="1">
-              <a:lnSpc>
-                <a:spcPct val="90000"/>
-              </a:lnSpc>
-              <a:spcBef>
-                <a:spcPts val="500"/>
-              </a:spcBef>
-              <a:buFont typeface="Arial" panose="020B0604020202020204" pitchFamily="34" charset="0"/>
-              <a:buNone/>
-              <a:defRPr sz="1600" kern="1200">
-                <a:solidFill>
-                  <a:schemeClr val="tx1"/>
-                </a:solidFill>
-                <a:latin typeface="+mn-lt"/>
-                <a:ea typeface="+mn-ea"/>
-                <a:cs typeface="+mn-cs"/>
-              </a:defRPr>
-            </a:lvl5pPr>
-            <a:lvl6pPr marL="2286000" indent="0" algn="ctr" defTabSz="914400" rtl="0" eaLnBrk="1" latinLnBrk="0" hangingPunct="1">
-              <a:lnSpc>
-                <a:spcPct val="90000"/>
-              </a:lnSpc>
-              <a:spcBef>
-                <a:spcPts val="500"/>
-              </a:spcBef>
-              <a:buFont typeface="Arial" panose="020B0604020202020204" pitchFamily="34" charset="0"/>
-              <a:buNone/>
-              <a:defRPr sz="1600" kern="1200">
-                <a:solidFill>
-                  <a:schemeClr val="tx1"/>
-                </a:solidFill>
-                <a:latin typeface="+mn-lt"/>
-                <a:ea typeface="+mn-ea"/>
-                <a:cs typeface="+mn-cs"/>
-              </a:defRPr>
-            </a:lvl6pPr>
-            <a:lvl7pPr marL="2743200" indent="0" algn="ctr" defTabSz="914400" rtl="0" eaLnBrk="1" latinLnBrk="0" hangingPunct="1">
-              <a:lnSpc>
-                <a:spcPct val="90000"/>
-              </a:lnSpc>
-              <a:spcBef>
-                <a:spcPts val="500"/>
-              </a:spcBef>
-              <a:buFont typeface="Arial" panose="020B0604020202020204" pitchFamily="34" charset="0"/>
-              <a:buNone/>
-              <a:defRPr sz="1600" kern="1200">
-                <a:solidFill>
-                  <a:schemeClr val="tx1"/>
-                </a:solidFill>
-                <a:latin typeface="+mn-lt"/>
-                <a:ea typeface="+mn-ea"/>
-                <a:cs typeface="+mn-cs"/>
-              </a:defRPr>
-            </a:lvl7pPr>
-            <a:lvl8pPr marL="3200400" indent="0" algn="ctr" defTabSz="914400" rtl="0" eaLnBrk="1" latinLnBrk="0" hangingPunct="1">
-              <a:lnSpc>
-                <a:spcPct val="90000"/>
-              </a:lnSpc>
-              <a:spcBef>
-                <a:spcPts val="500"/>
-              </a:spcBef>
-              <a:buFont typeface="Arial" panose="020B0604020202020204" pitchFamily="34" charset="0"/>
-              <a:buNone/>
-              <a:defRPr sz="1600" kern="1200">
-                <a:solidFill>
-                  <a:schemeClr val="tx1"/>
-                </a:solidFill>
-                <a:latin typeface="+mn-lt"/>
-                <a:ea typeface="+mn-ea"/>
-                <a:cs typeface="+mn-cs"/>
-              </a:defRPr>
-            </a:lvl8pPr>
-            <a:lvl9pPr marL="3657600" indent="0" algn="ctr" defTabSz="914400" rtl="0" eaLnBrk="1" latinLnBrk="0" hangingPunct="1">
-              <a:lnSpc>
-                <a:spcPct val="90000"/>
-              </a:lnSpc>
-              <a:spcBef>
-                <a:spcPts val="500"/>
-              </a:spcBef>
-              <a:buFont typeface="Arial" panose="020B0604020202020204" pitchFamily="34" charset="0"/>
-              <a:buNone/>
-              <a:defRPr sz="1600" kern="1200">
-                <a:solidFill>
-                  <a:schemeClr val="tx1"/>
-                </a:solidFill>
-                <a:latin typeface="+mn-lt"/>
-                <a:ea typeface="+mn-ea"/>
-                <a:cs typeface="+mn-cs"/>
-              </a:defRPr>
-            </a:lvl9pPr>
-          </a:lstStyle>
-          <a:p>
-            <a:pPr algn="l"/>
-            <a:r>
-              <a:rPr lang="en-US" sz="2800" dirty="0"/>
-              <a:t>“Quality comes not from inspection, but from improvement of the production process. </a:t>
-            </a:r>
-            <a:r>
-              <a:rPr lang="en-US" sz="2800" dirty="0" smtClean="0"/>
-              <a:t>“</a:t>
-            </a:r>
-          </a:p>
-        </p:txBody>
-      </p:sp>
-      <p:pic>
-        <p:nvPicPr>
-          <p:cNvPr id="2" name="Picture 1"/>
-          <p:cNvPicPr>
-            <a:picLocks noChangeAspect="1"/>
-          </p:cNvPicPr>
-          <p:nvPr/>
-        </p:nvPicPr>
-        <p:blipFill>
-          <a:blip r:embed="rId3"/>
-          <a:stretch>
-            <a:fillRect/>
-          </a:stretch>
-        </p:blipFill>
-        <p:spPr>
-          <a:xfrm>
-            <a:off x="8020050" y="1524001"/>
-            <a:ext cx="3726329" cy="4419600"/>
-          </a:xfrm>
-          <a:prstGeom prst="rect">
-            <a:avLst/>
-          </a:prstGeom>
-        </p:spPr>
-      </p:pic>
-      <p:sp>
-        <p:nvSpPr>
-          <p:cNvPr id="3" name="Footer Placeholder 2"/>
-          <p:cNvSpPr>
-            <a:spLocks noGrp="1"/>
-          </p:cNvSpPr>
-          <p:nvPr>
-            <p:ph type="ftr" sz="quarter" idx="11"/>
-          </p:nvPr>
-        </p:nvSpPr>
-        <p:spPr>
-          <a:xfrm>
-            <a:off x="531151" y="6356350"/>
-            <a:ext cx="8727149" cy="365125"/>
-          </a:xfrm>
-        </p:spPr>
-        <p:txBody>
-          <a:bodyPr/>
-          <a:lstStyle/>
-          <a:p>
-            <a:r>
-              <a:rPr lang="en-US" dirty="0"/>
-              <a:t>1. was an American statistician, college professor, author, lecturer, and consultant, known for his work in the field of quality management</a:t>
-            </a:r>
-          </a:p>
-        </p:txBody>
-      </p:sp>
-      <p:sp>
-        <p:nvSpPr>
-          <p:cNvPr id="6" name="Content Placeholder 2"/>
-          <p:cNvSpPr txBox="1">
-            <a:spLocks/>
-          </p:cNvSpPr>
-          <p:nvPr/>
-        </p:nvSpPr>
-        <p:spPr>
-          <a:xfrm>
-            <a:off x="531151" y="2438400"/>
-            <a:ext cx="7126949" cy="4419600"/>
-          </a:xfrm>
-          <a:prstGeom prst="rect">
-            <a:avLst/>
-          </a:prstGeom>
-        </p:spPr>
-        <p:txBody>
-          <a:bodyPr vert="horz" lIns="91440" tIns="45720" rIns="91440" bIns="45720" rtlCol="0">
-            <a:normAutofit/>
-          </a:bodyPr>
-          <a:lstStyle>
-            <a:lvl1pPr marL="0" indent="0" algn="ctr" defTabSz="914400" rtl="0" eaLnBrk="1" latinLnBrk="0" hangingPunct="1">
-              <a:lnSpc>
-                <a:spcPct val="90000"/>
-              </a:lnSpc>
-              <a:spcBef>
-                <a:spcPts val="1000"/>
-              </a:spcBef>
-              <a:buFont typeface="Arial" panose="020B0604020202020204" pitchFamily="34" charset="0"/>
-              <a:buNone/>
-              <a:defRPr sz="2400" kern="1200">
-                <a:solidFill>
-                  <a:schemeClr val="tx1"/>
-                </a:solidFill>
-                <a:latin typeface="+mn-lt"/>
-                <a:ea typeface="+mn-ea"/>
-                <a:cs typeface="+mn-cs"/>
-              </a:defRPr>
-            </a:lvl1pPr>
-            <a:lvl2pPr marL="457200" indent="0" algn="ctr" defTabSz="914400" rtl="0" eaLnBrk="1" latinLnBrk="0" hangingPunct="1">
-              <a:lnSpc>
-                <a:spcPct val="90000"/>
-              </a:lnSpc>
-              <a:spcBef>
-                <a:spcPts val="500"/>
-              </a:spcBef>
-              <a:buFont typeface="Arial" panose="020B0604020202020204" pitchFamily="34" charset="0"/>
-              <a:buNone/>
-              <a:defRPr sz="2000" kern="1200">
-                <a:solidFill>
-                  <a:schemeClr val="tx1"/>
-                </a:solidFill>
-                <a:latin typeface="+mn-lt"/>
-                <a:ea typeface="+mn-ea"/>
-                <a:cs typeface="+mn-cs"/>
-              </a:defRPr>
-            </a:lvl2pPr>
-            <a:lvl3pPr marL="914400" indent="0" algn="ctr" defTabSz="914400" rtl="0" eaLnBrk="1" latinLnBrk="0" hangingPunct="1">
-              <a:lnSpc>
-                <a:spcPct val="90000"/>
-              </a:lnSpc>
-              <a:spcBef>
-                <a:spcPts val="500"/>
-              </a:spcBef>
-              <a:buFont typeface="Arial" panose="020B0604020202020204" pitchFamily="34" charset="0"/>
-              <a:buNone/>
-              <a:defRPr sz="1800" kern="1200">
-                <a:solidFill>
-                  <a:schemeClr val="tx1"/>
-                </a:solidFill>
-                <a:latin typeface="+mn-lt"/>
-                <a:ea typeface="+mn-ea"/>
-                <a:cs typeface="+mn-cs"/>
-              </a:defRPr>
-            </a:lvl3pPr>
-            <a:lvl4pPr marL="1371600" indent="0" algn="ctr" defTabSz="914400" rtl="0" eaLnBrk="1" latinLnBrk="0" hangingPunct="1">
-              <a:lnSpc>
-                <a:spcPct val="90000"/>
-              </a:lnSpc>
-              <a:spcBef>
-                <a:spcPts val="500"/>
-              </a:spcBef>
-              <a:buFont typeface="Arial" panose="020B0604020202020204" pitchFamily="34" charset="0"/>
-              <a:buNone/>
-              <a:defRPr sz="1600" kern="1200">
-                <a:solidFill>
-                  <a:schemeClr val="tx1"/>
-                </a:solidFill>
-                <a:latin typeface="+mn-lt"/>
-                <a:ea typeface="+mn-ea"/>
-                <a:cs typeface="+mn-cs"/>
-              </a:defRPr>
-            </a:lvl4pPr>
-            <a:lvl5pPr marL="1828800" indent="0" algn="ctr" defTabSz="914400" rtl="0" eaLnBrk="1" latinLnBrk="0" hangingPunct="1">
-              <a:lnSpc>
-                <a:spcPct val="90000"/>
-              </a:lnSpc>
-              <a:spcBef>
-                <a:spcPts val="500"/>
-              </a:spcBef>
-              <a:buFont typeface="Arial" panose="020B0604020202020204" pitchFamily="34" charset="0"/>
-              <a:buNone/>
-              <a:defRPr sz="1600" kern="1200">
-                <a:solidFill>
-                  <a:schemeClr val="tx1"/>
-                </a:solidFill>
-                <a:latin typeface="+mn-lt"/>
-                <a:ea typeface="+mn-ea"/>
-                <a:cs typeface="+mn-cs"/>
-              </a:defRPr>
-            </a:lvl5pPr>
-            <a:lvl6pPr marL="2286000" indent="0" algn="ctr" defTabSz="914400" rtl="0" eaLnBrk="1" latinLnBrk="0" hangingPunct="1">
-              <a:lnSpc>
-                <a:spcPct val="90000"/>
-              </a:lnSpc>
-              <a:spcBef>
-                <a:spcPts val="500"/>
-              </a:spcBef>
-              <a:buFont typeface="Arial" panose="020B0604020202020204" pitchFamily="34" charset="0"/>
-              <a:buNone/>
-              <a:defRPr sz="1600" kern="1200">
-                <a:solidFill>
-                  <a:schemeClr val="tx1"/>
-                </a:solidFill>
-                <a:latin typeface="+mn-lt"/>
-                <a:ea typeface="+mn-ea"/>
-                <a:cs typeface="+mn-cs"/>
-              </a:defRPr>
-            </a:lvl6pPr>
-            <a:lvl7pPr marL="2743200" indent="0" algn="ctr" defTabSz="914400" rtl="0" eaLnBrk="1" latinLnBrk="0" hangingPunct="1">
-              <a:lnSpc>
-                <a:spcPct val="90000"/>
-              </a:lnSpc>
-              <a:spcBef>
-                <a:spcPts val="500"/>
-              </a:spcBef>
-              <a:buFont typeface="Arial" panose="020B0604020202020204" pitchFamily="34" charset="0"/>
-              <a:buNone/>
-              <a:defRPr sz="1600" kern="1200">
-                <a:solidFill>
-                  <a:schemeClr val="tx1"/>
-                </a:solidFill>
-                <a:latin typeface="+mn-lt"/>
-                <a:ea typeface="+mn-ea"/>
-                <a:cs typeface="+mn-cs"/>
-              </a:defRPr>
-            </a:lvl7pPr>
-            <a:lvl8pPr marL="3200400" indent="0" algn="ctr" defTabSz="914400" rtl="0" eaLnBrk="1" latinLnBrk="0" hangingPunct="1">
-              <a:lnSpc>
-                <a:spcPct val="90000"/>
-              </a:lnSpc>
-              <a:spcBef>
-                <a:spcPts val="500"/>
-              </a:spcBef>
-              <a:buFont typeface="Arial" panose="020B0604020202020204" pitchFamily="34" charset="0"/>
-              <a:buNone/>
-              <a:defRPr sz="1600" kern="1200">
-                <a:solidFill>
-                  <a:schemeClr val="tx1"/>
-                </a:solidFill>
-                <a:latin typeface="+mn-lt"/>
-                <a:ea typeface="+mn-ea"/>
-                <a:cs typeface="+mn-cs"/>
-              </a:defRPr>
-            </a:lvl8pPr>
-            <a:lvl9pPr marL="3657600" indent="0" algn="ctr" defTabSz="914400" rtl="0" eaLnBrk="1" latinLnBrk="0" hangingPunct="1">
-              <a:lnSpc>
-                <a:spcPct val="90000"/>
-              </a:lnSpc>
-              <a:spcBef>
-                <a:spcPts val="500"/>
-              </a:spcBef>
-              <a:buFont typeface="Arial" panose="020B0604020202020204" pitchFamily="34" charset="0"/>
-              <a:buNone/>
-              <a:defRPr sz="1600" kern="1200">
-                <a:solidFill>
-                  <a:schemeClr val="tx1"/>
-                </a:solidFill>
-                <a:latin typeface="+mn-lt"/>
-                <a:ea typeface="+mn-ea"/>
-                <a:cs typeface="+mn-cs"/>
-              </a:defRPr>
-            </a:lvl9pPr>
-          </a:lstStyle>
-          <a:p>
-            <a:pPr algn="l"/>
-            <a:r>
-              <a:rPr lang="en-US" sz="2800" dirty="0" smtClean="0"/>
-              <a:t>“</a:t>
-            </a:r>
-            <a:r>
-              <a:rPr lang="en-US" sz="2800" dirty="0"/>
-              <a:t>We cannot rely on mass inspection to improve </a:t>
-            </a:r>
-            <a:r>
-              <a:rPr lang="en-US" sz="2800" dirty="0" smtClean="0"/>
-              <a:t>quality… </a:t>
-            </a:r>
-            <a:r>
-              <a:rPr lang="en-US" sz="2800" dirty="0"/>
-              <a:t>As Harold S. Dodge said many years ago, 'You cannot inspect quality into a product.' The quality is there or it isn't by the time it's inspected. </a:t>
-            </a:r>
-            <a:r>
-              <a:rPr lang="en-US" sz="2800" dirty="0" smtClean="0"/>
-              <a:t>“</a:t>
-            </a:r>
-          </a:p>
-        </p:txBody>
-      </p:sp>
-    </p:spTree>
-    <p:extLst>
-      <p:ext uri="{BB962C8B-B14F-4D97-AF65-F5344CB8AC3E}">
-        <p14:creationId xmlns:p14="http://schemas.microsoft.com/office/powerpoint/2010/main" val="1284197915"/>
-      </p:ext>
-    </p:extLst>
-  </p:cSld>
-  <p:clrMapOvr>
-    <a:masterClrMapping/>
-  </p:clrMapOvr>
-  <p:timing>
-    <p:tnLst>
-      <p:par>
-        <p:cTn id="1" dur="indefinite" restart="never" nodeType="tmRoot">
-          <p:childTnLst>
-            <p:seq concurrent="1" nextAc="seek">
-              <p:cTn id="2" dur="indefinite" nodeType="mainSeq">
-                <p:childTnLst>
-                  <p:par>
-                    <p:cTn id="3" fill="hold">
-                      <p:stCondLst>
-                        <p:cond delay="indefinite"/>
-                      </p:stCondLst>
-                      <p:childTnLst>
-                        <p:par>
-                          <p:cTn id="4" fill="hold">
-                            <p:stCondLst>
-                              <p:cond delay="0"/>
-                            </p:stCondLst>
-                            <p:childTnLst>
-                              <p:par>
-                                <p:cTn id="5" presetID="22" presetClass="entr" presetSubtype="8" fill="hold" nodeType="clickEffect">
-                                  <p:stCondLst>
-                                    <p:cond delay="0"/>
-                                  </p:stCondLst>
-                                  <p:childTnLst>
-                                    <p:set>
-                                      <p:cBhvr>
-                                        <p:cTn id="6" dur="1" fill="hold">
-                                          <p:stCondLst>
-                                            <p:cond delay="0"/>
-                                          </p:stCondLst>
-                                        </p:cTn>
-                                        <p:tgtEl>
-                                          <p:spTgt spid="32">
-                                            <p:txEl>
-                                              <p:pRg st="0" end="0"/>
-                                            </p:txEl>
-                                          </p:spTgt>
-                                        </p:tgtEl>
-                                        <p:attrNameLst>
-                                          <p:attrName>style.visibility</p:attrName>
-                                        </p:attrNameLst>
-                                      </p:cBhvr>
-                                      <p:to>
-                                        <p:strVal val="visible"/>
-                                      </p:to>
-                                    </p:set>
-                                    <p:animEffect transition="in" filter="wipe(left)">
-                                      <p:cBhvr>
-                                        <p:cTn id="7" dur="500"/>
-                                        <p:tgtEl>
-                                          <p:spTgt spid="32">
-                                            <p:txEl>
-                                              <p:pRg st="0" end="0"/>
-                                            </p:txEl>
-                                          </p:spTgt>
-                                        </p:tgtEl>
-                                      </p:cBhvr>
-                                    </p:animEffect>
-                                  </p:childTnLst>
-                                </p:cTn>
-                              </p:par>
-                            </p:childTnLst>
-                          </p:cTn>
-                        </p:par>
-                      </p:childTnLst>
-                    </p:cTn>
-                  </p:par>
-                  <p:par>
-                    <p:cTn id="8" fill="hold">
-                      <p:stCondLst>
-                        <p:cond delay="indefinite"/>
-                      </p:stCondLst>
-                      <p:childTnLst>
-                        <p:par>
-                          <p:cTn id="9" fill="hold">
-                            <p:stCondLst>
-                              <p:cond delay="0"/>
-                            </p:stCondLst>
-                            <p:childTnLst>
-                              <p:par>
-                                <p:cTn id="10" presetID="22" presetClass="entr" presetSubtype="8" fill="hold" nodeType="clickEffect">
-                                  <p:stCondLst>
-                                    <p:cond delay="0"/>
-                                  </p:stCondLst>
-                                  <p:childTnLst>
-                                    <p:set>
-                                      <p:cBhvr>
-                                        <p:cTn id="11" dur="1" fill="hold">
-                                          <p:stCondLst>
-                                            <p:cond delay="0"/>
-                                          </p:stCondLst>
-                                        </p:cTn>
-                                        <p:tgtEl>
-                                          <p:spTgt spid="6">
-                                            <p:txEl>
-                                              <p:pRg st="0" end="0"/>
-                                            </p:txEl>
-                                          </p:spTgt>
-                                        </p:tgtEl>
-                                        <p:attrNameLst>
-                                          <p:attrName>style.visibility</p:attrName>
-                                        </p:attrNameLst>
-                                      </p:cBhvr>
-                                      <p:to>
-                                        <p:strVal val="visible"/>
-                                      </p:to>
-                                    </p:set>
-                                    <p:animEffect transition="in" filter="wipe(left)">
-                                      <p:cBhvr>
-                                        <p:cTn id="12" dur="500"/>
-                                        <p:tgtEl>
-                                          <p:spTgt spid="6">
-                                            <p:txEl>
-                                              <p:pRg st="0" end="0"/>
-                                            </p:txEl>
-                                          </p:spTgt>
-                                        </p:tgtEl>
-                                      </p:cBhvr>
-                                    </p:animEffect>
-                                  </p:childTnLst>
-                                </p:cTn>
-                              </p:par>
-                            </p:childTnLst>
-                          </p:cTn>
-                        </p:par>
-                      </p:childTnLst>
-                    </p:cTn>
-                  </p:par>
-                </p:childTnLst>
-              </p:cTn>
-              <p:prevCondLst>
-                <p:cond evt="onPrev" delay="0">
-                  <p:tgtEl>
-                    <p:sldTgt/>
-                  </p:tgtEl>
-                </p:cond>
-              </p:prevCondLst>
-              <p:nextCondLst>
-                <p:cond evt="onNext" delay="0">
-                  <p:tgtEl>
-                    <p:sldTgt/>
-                  </p:tgtEl>
-                </p:cond>
-              </p:nextCondLst>
-            </p:seq>
-          </p:childTnLst>
-        </p:cTn>
-      </p:par>
-    </p:tnLst>
-  </p:timing>
-</p:sld>
-</file>
-
-<file path=ppt/slides/slide20.xml><?xml version="1.0" encoding="utf-8"?>
+<file path=ppt/slides/slide21.xml><?xml version="1.0" encoding="utf-8"?>
 <p:sld xmlns:a="http://schemas.openxmlformats.org/drawingml/2006/main" xmlns:r="http://schemas.openxmlformats.org/officeDocument/2006/relationships" xmlns:p="http://schemas.openxmlformats.org/presentationml/2006/main">
   <p:cSld>
     <p:spTree>
@@ -16125,7 +21006,7 @@
         <p:spPr>
           <a:xfrm>
             <a:off x="1197428" y="1859632"/>
-            <a:ext cx="1737720" cy="369332"/>
+            <a:ext cx="4004366" cy="369332"/>
           </a:xfrm>
           <a:prstGeom prst="rect">
             <a:avLst/>
@@ -16140,7 +21021,11 @@
           <a:p>
             <a:r>
               <a:rPr lang="en-US" dirty="0" smtClean="0"/>
-              <a:t>Integration Class</a:t>
+              <a:t>Integration </a:t>
+            </a:r>
+            <a:r>
+              <a:rPr lang="en-US" dirty="0" smtClean="0"/>
+              <a:t>Class With Spring Framework</a:t>
             </a:r>
             <a:endParaRPr lang="fa-IR" dirty="0"/>
           </a:p>
@@ -16150,134 +21035,6 @@
     <p:extLst>
       <p:ext uri="{BB962C8B-B14F-4D97-AF65-F5344CB8AC3E}">
         <p14:creationId xmlns:p14="http://schemas.microsoft.com/office/powerpoint/2010/main" val="2433695455"/>
-      </p:ext>
-    </p:extLst>
-  </p:cSld>
-  <p:clrMapOvr>
-    <a:masterClrMapping/>
-  </p:clrMapOvr>
-  <mc:AlternateContent xmlns:mc="http://schemas.openxmlformats.org/markup-compatibility/2006" xmlns:p14="http://schemas.microsoft.com/office/powerpoint/2010/main">
-    <mc:Choice Requires="p14">
-      <p:transition spd="med" p14:dur="700">
-        <p:fade/>
-      </p:transition>
-    </mc:Choice>
-    <mc:Fallback xmlns="">
-      <p:transition spd="med">
-        <p:fade/>
-      </p:transition>
-    </mc:Fallback>
-  </mc:AlternateContent>
-  <p:timing>
-    <p:tnLst>
-      <p:par>
-        <p:cTn id="1" dur="indefinite" restart="never" nodeType="tmRoot"/>
-      </p:par>
-    </p:tnLst>
-  </p:timing>
-</p:sld>
-</file>
-
-<file path=ppt/slides/slide21.xml><?xml version="1.0" encoding="utf-8"?>
-<p:sld xmlns:a="http://schemas.openxmlformats.org/drawingml/2006/main" xmlns:r="http://schemas.openxmlformats.org/officeDocument/2006/relationships" xmlns:p="http://schemas.openxmlformats.org/presentationml/2006/main">
-  <p:cSld>
-    <p:spTree>
-      <p:nvGrpSpPr>
-        <p:cNvPr id="1" name=""/>
-        <p:cNvGrpSpPr/>
-        <p:nvPr/>
-      </p:nvGrpSpPr>
-      <p:grpSpPr>
-        <a:xfrm>
-          <a:off x="0" y="0"/>
-          <a:ext cx="0" cy="0"/>
-          <a:chOff x="0" y="0"/>
-          <a:chExt cx="0" cy="0"/>
-        </a:xfrm>
-      </p:grpSpPr>
-      <p:sp>
-        <p:nvSpPr>
-          <p:cNvPr id="2" name="Title 1"/>
-          <p:cNvSpPr>
-            <a:spLocks noGrp="1"/>
-          </p:cNvSpPr>
-          <p:nvPr>
-            <p:ph type="title"/>
-          </p:nvPr>
-        </p:nvSpPr>
-        <p:spPr/>
-        <p:txBody>
-          <a:bodyPr/>
-          <a:lstStyle/>
-          <a:p>
-            <a:r>
-              <a:rPr lang="en-US" dirty="0"/>
-              <a:t>We use Cucumber for BDD</a:t>
-            </a:r>
-            <a:endParaRPr lang="fa-IR" dirty="0"/>
-          </a:p>
-        </p:txBody>
-      </p:sp>
-      <p:pic>
-        <p:nvPicPr>
-          <p:cNvPr id="4" name="Content Placeholder 3"/>
-          <p:cNvPicPr>
-            <a:picLocks noGrp="1" noChangeAspect="1"/>
-          </p:cNvPicPr>
-          <p:nvPr>
-            <p:ph idx="1"/>
-          </p:nvPr>
-        </p:nvPicPr>
-        <p:blipFill>
-          <a:blip r:embed="rId2"/>
-          <a:stretch>
-            <a:fillRect/>
-          </a:stretch>
-        </p:blipFill>
-        <p:spPr>
-          <a:xfrm>
-            <a:off x="1176310" y="2060020"/>
-            <a:ext cx="6878461" cy="4351338"/>
-          </a:xfrm>
-          <a:prstGeom prst="rect">
-            <a:avLst/>
-          </a:prstGeom>
-        </p:spPr>
-      </p:pic>
-      <p:sp>
-        <p:nvSpPr>
-          <p:cNvPr id="5" name="TextBox 4"/>
-          <p:cNvSpPr txBox="1"/>
-          <p:nvPr/>
-        </p:nvSpPr>
-        <p:spPr>
-          <a:xfrm>
-            <a:off x="1176310" y="1690688"/>
-            <a:ext cx="2082814" cy="369332"/>
-          </a:xfrm>
-          <a:prstGeom prst="rect">
-            <a:avLst/>
-          </a:prstGeom>
-          <a:noFill/>
-        </p:spPr>
-        <p:txBody>
-          <a:bodyPr wrap="none" rtlCol="1">
-            <a:spAutoFit/>
-          </a:bodyPr>
-          <a:lstStyle/>
-          <a:p>
-            <a:r>
-              <a:rPr lang="en-US" dirty="0" smtClean="0"/>
-              <a:t>Corresponding Class</a:t>
-            </a:r>
-            <a:endParaRPr lang="fa-IR" dirty="0"/>
-          </a:p>
-        </p:txBody>
-      </p:sp>
-    </p:spTree>
-    <p:extLst>
-      <p:ext uri="{BB962C8B-B14F-4D97-AF65-F5344CB8AC3E}">
-        <p14:creationId xmlns:p14="http://schemas.microsoft.com/office/powerpoint/2010/main" val="3507362640"/>
       </p:ext>
     </p:extLst>
   </p:cSld>
@@ -16325,6 +21082,1024 @@
       </p:grpSpPr>
       <p:sp>
         <p:nvSpPr>
+          <p:cNvPr id="2" name="Title 1"/>
+          <p:cNvSpPr>
+            <a:spLocks noGrp="1"/>
+          </p:cNvSpPr>
+          <p:nvPr>
+            <p:ph type="title"/>
+          </p:nvPr>
+        </p:nvSpPr>
+        <p:spPr/>
+        <p:txBody>
+          <a:bodyPr/>
+          <a:lstStyle/>
+          <a:p>
+            <a:r>
+              <a:rPr lang="en-US" dirty="0"/>
+              <a:t>We use Cucumber for BDD</a:t>
+            </a:r>
+            <a:endParaRPr lang="fa-IR" dirty="0"/>
+          </a:p>
+        </p:txBody>
+      </p:sp>
+      <p:pic>
+        <p:nvPicPr>
+          <p:cNvPr id="4" name="Content Placeholder 3"/>
+          <p:cNvPicPr>
+            <a:picLocks noGrp="1" noChangeAspect="1"/>
+          </p:cNvPicPr>
+          <p:nvPr>
+            <p:ph idx="1"/>
+          </p:nvPr>
+        </p:nvPicPr>
+        <p:blipFill>
+          <a:blip r:embed="rId2"/>
+          <a:stretch>
+            <a:fillRect/>
+          </a:stretch>
+        </p:blipFill>
+        <p:spPr>
+          <a:xfrm>
+            <a:off x="1176310" y="2060020"/>
+            <a:ext cx="6878461" cy="4351338"/>
+          </a:xfrm>
+          <a:prstGeom prst="rect">
+            <a:avLst/>
+          </a:prstGeom>
+        </p:spPr>
+      </p:pic>
+      <p:sp>
+        <p:nvSpPr>
+          <p:cNvPr id="5" name="TextBox 4"/>
+          <p:cNvSpPr txBox="1"/>
+          <p:nvPr/>
+        </p:nvSpPr>
+        <p:spPr>
+          <a:xfrm>
+            <a:off x="1176310" y="1690688"/>
+            <a:ext cx="2641813" cy="369332"/>
+          </a:xfrm>
+          <a:prstGeom prst="rect">
+            <a:avLst/>
+          </a:prstGeom>
+          <a:noFill/>
+        </p:spPr>
+        <p:txBody>
+          <a:bodyPr wrap="none" rtlCol="1">
+            <a:spAutoFit/>
+          </a:bodyPr>
+          <a:lstStyle/>
+          <a:p>
+            <a:r>
+              <a:rPr lang="en-US" dirty="0" smtClean="0"/>
+              <a:t>Corresponding Steps </a:t>
+            </a:r>
+            <a:r>
+              <a:rPr lang="en-US" dirty="0" smtClean="0"/>
+              <a:t>Class</a:t>
+            </a:r>
+            <a:endParaRPr lang="fa-IR" dirty="0"/>
+          </a:p>
+        </p:txBody>
+      </p:sp>
+    </p:spTree>
+    <p:extLst>
+      <p:ext uri="{BB962C8B-B14F-4D97-AF65-F5344CB8AC3E}">
+        <p14:creationId xmlns:p14="http://schemas.microsoft.com/office/powerpoint/2010/main" val="3507362640"/>
+      </p:ext>
+    </p:extLst>
+  </p:cSld>
+  <p:clrMapOvr>
+    <a:masterClrMapping/>
+  </p:clrMapOvr>
+  <mc:AlternateContent xmlns:mc="http://schemas.openxmlformats.org/markup-compatibility/2006" xmlns:p14="http://schemas.microsoft.com/office/powerpoint/2010/main">
+    <mc:Choice Requires="p14">
+      <p:transition spd="med" p14:dur="700">
+        <p:fade/>
+      </p:transition>
+    </mc:Choice>
+    <mc:Fallback xmlns="">
+      <p:transition spd="med">
+        <p:fade/>
+      </p:transition>
+    </mc:Fallback>
+  </mc:AlternateContent>
+  <p:timing>
+    <p:tnLst>
+      <p:par>
+        <p:cTn id="1" dur="indefinite" restart="never" nodeType="tmRoot"/>
+      </p:par>
+    </p:tnLst>
+  </p:timing>
+</p:sld>
+</file>
+
+<file path=ppt/slides/slide23.xml><?xml version="1.0" encoding="utf-8"?>
+<p:sld xmlns:a="http://schemas.openxmlformats.org/drawingml/2006/main" xmlns:r="http://schemas.openxmlformats.org/officeDocument/2006/relationships" xmlns:p="http://schemas.openxmlformats.org/presentationml/2006/main">
+  <p:cSld>
+    <p:spTree>
+      <p:nvGrpSpPr>
+        <p:cNvPr id="1" name=""/>
+        <p:cNvGrpSpPr/>
+        <p:nvPr/>
+      </p:nvGrpSpPr>
+      <p:grpSpPr>
+        <a:xfrm>
+          <a:off x="0" y="0"/>
+          <a:ext cx="0" cy="0"/>
+          <a:chOff x="0" y="0"/>
+          <a:chExt cx="0" cy="0"/>
+        </a:xfrm>
+      </p:grpSpPr>
+      <p:sp>
+        <p:nvSpPr>
+          <p:cNvPr id="5" name="Rectangle 1"/>
+          <p:cNvSpPr>
+            <a:spLocks noChangeArrowheads="1"/>
+          </p:cNvSpPr>
+          <p:nvPr/>
+        </p:nvSpPr>
+        <p:spPr bwMode="auto">
+          <a:xfrm>
+            <a:off x="1596008" y="554924"/>
+            <a:ext cx="6012730" cy="1323439"/>
+          </a:xfrm>
+          <a:prstGeom prst="rect">
+            <a:avLst/>
+          </a:prstGeom>
+          <a:noFill/>
+          <a:ln w="9525">
+            <a:noFill/>
+            <a:miter lim="800000"/>
+            <a:headEnd/>
+            <a:tailEnd/>
+          </a:ln>
+        </p:spPr>
+        <p:txBody>
+          <a:bodyPr wrap="square">
+            <a:spAutoFit/>
+          </a:bodyPr>
+          <a:lstStyle/>
+          <a:p>
+            <a:pPr eaLnBrk="1" hangingPunct="1"/>
+            <a:r>
+              <a:rPr lang="en-US" sz="4400" dirty="0">
+                <a:latin typeface="+mj-lt"/>
+                <a:ea typeface="+mj-ea"/>
+                <a:cs typeface="+mj-cs"/>
+              </a:rPr>
+              <a:t>BDD Team Roles</a:t>
+            </a:r>
+          </a:p>
+          <a:p>
+            <a:endParaRPr lang="en-US" b="1" dirty="0"/>
+          </a:p>
+          <a:p>
+            <a:endParaRPr lang="en-US" b="1" dirty="0"/>
+          </a:p>
+        </p:txBody>
+      </p:sp>
+      <p:graphicFrame>
+        <p:nvGraphicFramePr>
+          <p:cNvPr id="10" name="Diagram 9"/>
+          <p:cNvGraphicFramePr/>
+          <p:nvPr>
+            <p:extLst>
+              <p:ext uri="{D42A27DB-BD31-4B8C-83A1-F6EECF244321}">
+                <p14:modId xmlns:p14="http://schemas.microsoft.com/office/powerpoint/2010/main" val="2089712486"/>
+              </p:ext>
+            </p:extLst>
+          </p:nvPr>
+        </p:nvGraphicFramePr>
+        <p:xfrm>
+          <a:off x="1775520" y="1412776"/>
+          <a:ext cx="8712968" cy="5112568"/>
+        </p:xfrm>
+        <a:graphic>
+          <a:graphicData uri="http://schemas.openxmlformats.org/drawingml/2006/diagram">
+            <dgm:relIds xmlns:dgm="http://schemas.openxmlformats.org/drawingml/2006/diagram" xmlns:r="http://schemas.openxmlformats.org/officeDocument/2006/relationships" r:dm="rId2" r:lo="rId3" r:qs="rId4" r:cs="rId5"/>
+          </a:graphicData>
+        </a:graphic>
+      </p:graphicFrame>
+    </p:spTree>
+    <p:extLst>
+      <p:ext uri="{BB962C8B-B14F-4D97-AF65-F5344CB8AC3E}">
+        <p14:creationId xmlns:p14="http://schemas.microsoft.com/office/powerpoint/2010/main" val="1695714597"/>
+      </p:ext>
+    </p:extLst>
+  </p:cSld>
+  <p:clrMapOvr>
+    <a:masterClrMapping/>
+  </p:clrMapOvr>
+  <p:timing>
+    <p:tnLst>
+      <p:par>
+        <p:cTn id="1" dur="indefinite" restart="never" nodeType="tmRoot">
+          <p:childTnLst>
+            <p:seq concurrent="1" nextAc="seek">
+              <p:cTn id="2" dur="indefinite" nodeType="mainSeq">
+                <p:childTnLst>
+                  <p:par>
+                    <p:cTn id="3" fill="hold">
+                      <p:stCondLst>
+                        <p:cond delay="indefinite"/>
+                      </p:stCondLst>
+                      <p:childTnLst>
+                        <p:par>
+                          <p:cTn id="4" fill="hold">
+                            <p:stCondLst>
+                              <p:cond delay="0"/>
+                            </p:stCondLst>
+                            <p:childTnLst>
+                              <p:par>
+                                <p:cTn id="5" presetID="2" presetClass="entr" presetSubtype="1" fill="hold" grpId="0" nodeType="clickEffect">
+                                  <p:stCondLst>
+                                    <p:cond delay="0"/>
+                                  </p:stCondLst>
+                                  <p:childTnLst>
+                                    <p:set>
+                                      <p:cBhvr>
+                                        <p:cTn id="6" dur="1" fill="hold">
+                                          <p:stCondLst>
+                                            <p:cond delay="0"/>
+                                          </p:stCondLst>
+                                        </p:cTn>
+                                        <p:tgtEl>
+                                          <p:spTgt spid="10">
+                                            <p:graphicEl>
+                                              <a:dgm id="{C428F6D7-B04F-4444-8CC6-5A6BD9DC88BD}"/>
+                                            </p:graphicEl>
+                                          </p:spTgt>
+                                        </p:tgtEl>
+                                        <p:attrNameLst>
+                                          <p:attrName>style.visibility</p:attrName>
+                                        </p:attrNameLst>
+                                      </p:cBhvr>
+                                      <p:to>
+                                        <p:strVal val="visible"/>
+                                      </p:to>
+                                    </p:set>
+                                    <p:anim calcmode="lin" valueType="num">
+                                      <p:cBhvr additive="base">
+                                        <p:cTn id="7" dur="500" fill="hold"/>
+                                        <p:tgtEl>
+                                          <p:spTgt spid="10">
+                                            <p:graphicEl>
+                                              <a:dgm id="{C428F6D7-B04F-4444-8CC6-5A6BD9DC88BD}"/>
+                                            </p:graphicEl>
+                                          </p:spTgt>
+                                        </p:tgtEl>
+                                        <p:attrNameLst>
+                                          <p:attrName>ppt_x</p:attrName>
+                                        </p:attrNameLst>
+                                      </p:cBhvr>
+                                      <p:tavLst>
+                                        <p:tav tm="0">
+                                          <p:val>
+                                            <p:strVal val="#ppt_x"/>
+                                          </p:val>
+                                        </p:tav>
+                                        <p:tav tm="100000">
+                                          <p:val>
+                                            <p:strVal val="#ppt_x"/>
+                                          </p:val>
+                                        </p:tav>
+                                      </p:tavLst>
+                                    </p:anim>
+                                    <p:anim calcmode="lin" valueType="num">
+                                      <p:cBhvr additive="base">
+                                        <p:cTn id="8" dur="500" fill="hold"/>
+                                        <p:tgtEl>
+                                          <p:spTgt spid="10">
+                                            <p:graphicEl>
+                                              <a:dgm id="{C428F6D7-B04F-4444-8CC6-5A6BD9DC88BD}"/>
+                                            </p:graphicEl>
+                                          </p:spTgt>
+                                        </p:tgtEl>
+                                        <p:attrNameLst>
+                                          <p:attrName>ppt_y</p:attrName>
+                                        </p:attrNameLst>
+                                      </p:cBhvr>
+                                      <p:tavLst>
+                                        <p:tav tm="0">
+                                          <p:val>
+                                            <p:strVal val="0-#ppt_h/2"/>
+                                          </p:val>
+                                        </p:tav>
+                                        <p:tav tm="100000">
+                                          <p:val>
+                                            <p:strVal val="#ppt_y"/>
+                                          </p:val>
+                                        </p:tav>
+                                      </p:tavLst>
+                                    </p:anim>
+                                  </p:childTnLst>
+                                </p:cTn>
+                              </p:par>
+                              <p:par>
+                                <p:cTn id="9" presetID="2" presetClass="entr" presetSubtype="1" fill="hold" grpId="0" nodeType="withEffect">
+                                  <p:stCondLst>
+                                    <p:cond delay="0"/>
+                                  </p:stCondLst>
+                                  <p:childTnLst>
+                                    <p:set>
+                                      <p:cBhvr>
+                                        <p:cTn id="10" dur="1" fill="hold">
+                                          <p:stCondLst>
+                                            <p:cond delay="0"/>
+                                          </p:stCondLst>
+                                        </p:cTn>
+                                        <p:tgtEl>
+                                          <p:spTgt spid="10">
+                                            <p:graphicEl>
+                                              <a:dgm id="{6F5235EF-161E-4D0C-9E5E-DD5C130D3AF5}"/>
+                                            </p:graphicEl>
+                                          </p:spTgt>
+                                        </p:tgtEl>
+                                        <p:attrNameLst>
+                                          <p:attrName>style.visibility</p:attrName>
+                                        </p:attrNameLst>
+                                      </p:cBhvr>
+                                      <p:to>
+                                        <p:strVal val="visible"/>
+                                      </p:to>
+                                    </p:set>
+                                    <p:anim calcmode="lin" valueType="num">
+                                      <p:cBhvr additive="base">
+                                        <p:cTn id="11" dur="500" fill="hold"/>
+                                        <p:tgtEl>
+                                          <p:spTgt spid="10">
+                                            <p:graphicEl>
+                                              <a:dgm id="{6F5235EF-161E-4D0C-9E5E-DD5C130D3AF5}"/>
+                                            </p:graphicEl>
+                                          </p:spTgt>
+                                        </p:tgtEl>
+                                        <p:attrNameLst>
+                                          <p:attrName>ppt_x</p:attrName>
+                                        </p:attrNameLst>
+                                      </p:cBhvr>
+                                      <p:tavLst>
+                                        <p:tav tm="0">
+                                          <p:val>
+                                            <p:strVal val="#ppt_x"/>
+                                          </p:val>
+                                        </p:tav>
+                                        <p:tav tm="100000">
+                                          <p:val>
+                                            <p:strVal val="#ppt_x"/>
+                                          </p:val>
+                                        </p:tav>
+                                      </p:tavLst>
+                                    </p:anim>
+                                    <p:anim calcmode="lin" valueType="num">
+                                      <p:cBhvr additive="base">
+                                        <p:cTn id="12" dur="500" fill="hold"/>
+                                        <p:tgtEl>
+                                          <p:spTgt spid="10">
+                                            <p:graphicEl>
+                                              <a:dgm id="{6F5235EF-161E-4D0C-9E5E-DD5C130D3AF5}"/>
+                                            </p:graphicEl>
+                                          </p:spTgt>
+                                        </p:tgtEl>
+                                        <p:attrNameLst>
+                                          <p:attrName>ppt_y</p:attrName>
+                                        </p:attrNameLst>
+                                      </p:cBhvr>
+                                      <p:tavLst>
+                                        <p:tav tm="0">
+                                          <p:val>
+                                            <p:strVal val="0-#ppt_h/2"/>
+                                          </p:val>
+                                        </p:tav>
+                                        <p:tav tm="100000">
+                                          <p:val>
+                                            <p:strVal val="#ppt_y"/>
+                                          </p:val>
+                                        </p:tav>
+                                      </p:tavLst>
+                                    </p:anim>
+                                  </p:childTnLst>
+                                </p:cTn>
+                              </p:par>
+                            </p:childTnLst>
+                          </p:cTn>
+                        </p:par>
+                      </p:childTnLst>
+                    </p:cTn>
+                  </p:par>
+                  <p:par>
+                    <p:cTn id="13" fill="hold">
+                      <p:stCondLst>
+                        <p:cond delay="indefinite"/>
+                      </p:stCondLst>
+                      <p:childTnLst>
+                        <p:par>
+                          <p:cTn id="14" fill="hold">
+                            <p:stCondLst>
+                              <p:cond delay="0"/>
+                            </p:stCondLst>
+                            <p:childTnLst>
+                              <p:par>
+                                <p:cTn id="15" presetID="2" presetClass="entr" presetSubtype="1" fill="hold" grpId="0" nodeType="clickEffect">
+                                  <p:stCondLst>
+                                    <p:cond delay="0"/>
+                                  </p:stCondLst>
+                                  <p:childTnLst>
+                                    <p:set>
+                                      <p:cBhvr>
+                                        <p:cTn id="16" dur="1" fill="hold">
+                                          <p:stCondLst>
+                                            <p:cond delay="0"/>
+                                          </p:stCondLst>
+                                        </p:cTn>
+                                        <p:tgtEl>
+                                          <p:spTgt spid="10">
+                                            <p:graphicEl>
+                                              <a:dgm id="{F70C7747-D673-45ED-B6DE-E990DCD0C5F6}"/>
+                                            </p:graphicEl>
+                                          </p:spTgt>
+                                        </p:tgtEl>
+                                        <p:attrNameLst>
+                                          <p:attrName>style.visibility</p:attrName>
+                                        </p:attrNameLst>
+                                      </p:cBhvr>
+                                      <p:to>
+                                        <p:strVal val="visible"/>
+                                      </p:to>
+                                    </p:set>
+                                    <p:anim calcmode="lin" valueType="num">
+                                      <p:cBhvr additive="base">
+                                        <p:cTn id="17" dur="500" fill="hold"/>
+                                        <p:tgtEl>
+                                          <p:spTgt spid="10">
+                                            <p:graphicEl>
+                                              <a:dgm id="{F70C7747-D673-45ED-B6DE-E990DCD0C5F6}"/>
+                                            </p:graphicEl>
+                                          </p:spTgt>
+                                        </p:tgtEl>
+                                        <p:attrNameLst>
+                                          <p:attrName>ppt_x</p:attrName>
+                                        </p:attrNameLst>
+                                      </p:cBhvr>
+                                      <p:tavLst>
+                                        <p:tav tm="0">
+                                          <p:val>
+                                            <p:strVal val="#ppt_x"/>
+                                          </p:val>
+                                        </p:tav>
+                                        <p:tav tm="100000">
+                                          <p:val>
+                                            <p:strVal val="#ppt_x"/>
+                                          </p:val>
+                                        </p:tav>
+                                      </p:tavLst>
+                                    </p:anim>
+                                    <p:anim calcmode="lin" valueType="num">
+                                      <p:cBhvr additive="base">
+                                        <p:cTn id="18" dur="500" fill="hold"/>
+                                        <p:tgtEl>
+                                          <p:spTgt spid="10">
+                                            <p:graphicEl>
+                                              <a:dgm id="{F70C7747-D673-45ED-B6DE-E990DCD0C5F6}"/>
+                                            </p:graphicEl>
+                                          </p:spTgt>
+                                        </p:tgtEl>
+                                        <p:attrNameLst>
+                                          <p:attrName>ppt_y</p:attrName>
+                                        </p:attrNameLst>
+                                      </p:cBhvr>
+                                      <p:tavLst>
+                                        <p:tav tm="0">
+                                          <p:val>
+                                            <p:strVal val="0-#ppt_h/2"/>
+                                          </p:val>
+                                        </p:tav>
+                                        <p:tav tm="100000">
+                                          <p:val>
+                                            <p:strVal val="#ppt_y"/>
+                                          </p:val>
+                                        </p:tav>
+                                      </p:tavLst>
+                                    </p:anim>
+                                  </p:childTnLst>
+                                </p:cTn>
+                              </p:par>
+                              <p:par>
+                                <p:cTn id="19" presetID="2" presetClass="entr" presetSubtype="1" fill="hold" grpId="0" nodeType="withEffect">
+                                  <p:stCondLst>
+                                    <p:cond delay="0"/>
+                                  </p:stCondLst>
+                                  <p:childTnLst>
+                                    <p:set>
+                                      <p:cBhvr>
+                                        <p:cTn id="20" dur="1" fill="hold">
+                                          <p:stCondLst>
+                                            <p:cond delay="0"/>
+                                          </p:stCondLst>
+                                        </p:cTn>
+                                        <p:tgtEl>
+                                          <p:spTgt spid="10">
+                                            <p:graphicEl>
+                                              <a:dgm id="{268FFB2C-DBAF-48E2-8D77-683684470F8A}"/>
+                                            </p:graphicEl>
+                                          </p:spTgt>
+                                        </p:tgtEl>
+                                        <p:attrNameLst>
+                                          <p:attrName>style.visibility</p:attrName>
+                                        </p:attrNameLst>
+                                      </p:cBhvr>
+                                      <p:to>
+                                        <p:strVal val="visible"/>
+                                      </p:to>
+                                    </p:set>
+                                    <p:anim calcmode="lin" valueType="num">
+                                      <p:cBhvr additive="base">
+                                        <p:cTn id="21" dur="500" fill="hold"/>
+                                        <p:tgtEl>
+                                          <p:spTgt spid="10">
+                                            <p:graphicEl>
+                                              <a:dgm id="{268FFB2C-DBAF-48E2-8D77-683684470F8A}"/>
+                                            </p:graphicEl>
+                                          </p:spTgt>
+                                        </p:tgtEl>
+                                        <p:attrNameLst>
+                                          <p:attrName>ppt_x</p:attrName>
+                                        </p:attrNameLst>
+                                      </p:cBhvr>
+                                      <p:tavLst>
+                                        <p:tav tm="0">
+                                          <p:val>
+                                            <p:strVal val="#ppt_x"/>
+                                          </p:val>
+                                        </p:tav>
+                                        <p:tav tm="100000">
+                                          <p:val>
+                                            <p:strVal val="#ppt_x"/>
+                                          </p:val>
+                                        </p:tav>
+                                      </p:tavLst>
+                                    </p:anim>
+                                    <p:anim calcmode="lin" valueType="num">
+                                      <p:cBhvr additive="base">
+                                        <p:cTn id="22" dur="500" fill="hold"/>
+                                        <p:tgtEl>
+                                          <p:spTgt spid="10">
+                                            <p:graphicEl>
+                                              <a:dgm id="{268FFB2C-DBAF-48E2-8D77-683684470F8A}"/>
+                                            </p:graphicEl>
+                                          </p:spTgt>
+                                        </p:tgtEl>
+                                        <p:attrNameLst>
+                                          <p:attrName>ppt_y</p:attrName>
+                                        </p:attrNameLst>
+                                      </p:cBhvr>
+                                      <p:tavLst>
+                                        <p:tav tm="0">
+                                          <p:val>
+                                            <p:strVal val="0-#ppt_h/2"/>
+                                          </p:val>
+                                        </p:tav>
+                                        <p:tav tm="100000">
+                                          <p:val>
+                                            <p:strVal val="#ppt_y"/>
+                                          </p:val>
+                                        </p:tav>
+                                      </p:tavLst>
+                                    </p:anim>
+                                  </p:childTnLst>
+                                </p:cTn>
+                              </p:par>
+                            </p:childTnLst>
+                          </p:cTn>
+                        </p:par>
+                      </p:childTnLst>
+                    </p:cTn>
+                  </p:par>
+                  <p:par>
+                    <p:cTn id="23" fill="hold">
+                      <p:stCondLst>
+                        <p:cond delay="indefinite"/>
+                      </p:stCondLst>
+                      <p:childTnLst>
+                        <p:par>
+                          <p:cTn id="24" fill="hold">
+                            <p:stCondLst>
+                              <p:cond delay="0"/>
+                            </p:stCondLst>
+                            <p:childTnLst>
+                              <p:par>
+                                <p:cTn id="25" presetID="2" presetClass="entr" presetSubtype="1" fill="hold" grpId="0" nodeType="clickEffect">
+                                  <p:stCondLst>
+                                    <p:cond delay="0"/>
+                                  </p:stCondLst>
+                                  <p:childTnLst>
+                                    <p:set>
+                                      <p:cBhvr>
+                                        <p:cTn id="26" dur="1" fill="hold">
+                                          <p:stCondLst>
+                                            <p:cond delay="0"/>
+                                          </p:stCondLst>
+                                        </p:cTn>
+                                        <p:tgtEl>
+                                          <p:spTgt spid="10">
+                                            <p:graphicEl>
+                                              <a:dgm id="{3187AE09-E498-451E-B527-F93981C1E3BB}"/>
+                                            </p:graphicEl>
+                                          </p:spTgt>
+                                        </p:tgtEl>
+                                        <p:attrNameLst>
+                                          <p:attrName>style.visibility</p:attrName>
+                                        </p:attrNameLst>
+                                      </p:cBhvr>
+                                      <p:to>
+                                        <p:strVal val="visible"/>
+                                      </p:to>
+                                    </p:set>
+                                    <p:anim calcmode="lin" valueType="num">
+                                      <p:cBhvr additive="base">
+                                        <p:cTn id="27" dur="500" fill="hold"/>
+                                        <p:tgtEl>
+                                          <p:spTgt spid="10">
+                                            <p:graphicEl>
+                                              <a:dgm id="{3187AE09-E498-451E-B527-F93981C1E3BB}"/>
+                                            </p:graphicEl>
+                                          </p:spTgt>
+                                        </p:tgtEl>
+                                        <p:attrNameLst>
+                                          <p:attrName>ppt_x</p:attrName>
+                                        </p:attrNameLst>
+                                      </p:cBhvr>
+                                      <p:tavLst>
+                                        <p:tav tm="0">
+                                          <p:val>
+                                            <p:strVal val="#ppt_x"/>
+                                          </p:val>
+                                        </p:tav>
+                                        <p:tav tm="100000">
+                                          <p:val>
+                                            <p:strVal val="#ppt_x"/>
+                                          </p:val>
+                                        </p:tav>
+                                      </p:tavLst>
+                                    </p:anim>
+                                    <p:anim calcmode="lin" valueType="num">
+                                      <p:cBhvr additive="base">
+                                        <p:cTn id="28" dur="500" fill="hold"/>
+                                        <p:tgtEl>
+                                          <p:spTgt spid="10">
+                                            <p:graphicEl>
+                                              <a:dgm id="{3187AE09-E498-451E-B527-F93981C1E3BB}"/>
+                                            </p:graphicEl>
+                                          </p:spTgt>
+                                        </p:tgtEl>
+                                        <p:attrNameLst>
+                                          <p:attrName>ppt_y</p:attrName>
+                                        </p:attrNameLst>
+                                      </p:cBhvr>
+                                      <p:tavLst>
+                                        <p:tav tm="0">
+                                          <p:val>
+                                            <p:strVal val="0-#ppt_h/2"/>
+                                          </p:val>
+                                        </p:tav>
+                                        <p:tav tm="100000">
+                                          <p:val>
+                                            <p:strVal val="#ppt_y"/>
+                                          </p:val>
+                                        </p:tav>
+                                      </p:tavLst>
+                                    </p:anim>
+                                  </p:childTnLst>
+                                </p:cTn>
+                              </p:par>
+                              <p:par>
+                                <p:cTn id="29" presetID="2" presetClass="entr" presetSubtype="1" fill="hold" grpId="0" nodeType="withEffect">
+                                  <p:stCondLst>
+                                    <p:cond delay="0"/>
+                                  </p:stCondLst>
+                                  <p:childTnLst>
+                                    <p:set>
+                                      <p:cBhvr>
+                                        <p:cTn id="30" dur="1" fill="hold">
+                                          <p:stCondLst>
+                                            <p:cond delay="0"/>
+                                          </p:stCondLst>
+                                        </p:cTn>
+                                        <p:tgtEl>
+                                          <p:spTgt spid="10">
+                                            <p:graphicEl>
+                                              <a:dgm id="{EE153214-89E6-4E9A-9E46-ED71ED379AD8}"/>
+                                            </p:graphicEl>
+                                          </p:spTgt>
+                                        </p:tgtEl>
+                                        <p:attrNameLst>
+                                          <p:attrName>style.visibility</p:attrName>
+                                        </p:attrNameLst>
+                                      </p:cBhvr>
+                                      <p:to>
+                                        <p:strVal val="visible"/>
+                                      </p:to>
+                                    </p:set>
+                                    <p:anim calcmode="lin" valueType="num">
+                                      <p:cBhvr additive="base">
+                                        <p:cTn id="31" dur="500" fill="hold"/>
+                                        <p:tgtEl>
+                                          <p:spTgt spid="10">
+                                            <p:graphicEl>
+                                              <a:dgm id="{EE153214-89E6-4E9A-9E46-ED71ED379AD8}"/>
+                                            </p:graphicEl>
+                                          </p:spTgt>
+                                        </p:tgtEl>
+                                        <p:attrNameLst>
+                                          <p:attrName>ppt_x</p:attrName>
+                                        </p:attrNameLst>
+                                      </p:cBhvr>
+                                      <p:tavLst>
+                                        <p:tav tm="0">
+                                          <p:val>
+                                            <p:strVal val="#ppt_x"/>
+                                          </p:val>
+                                        </p:tav>
+                                        <p:tav tm="100000">
+                                          <p:val>
+                                            <p:strVal val="#ppt_x"/>
+                                          </p:val>
+                                        </p:tav>
+                                      </p:tavLst>
+                                    </p:anim>
+                                    <p:anim calcmode="lin" valueType="num">
+                                      <p:cBhvr additive="base">
+                                        <p:cTn id="32" dur="500" fill="hold"/>
+                                        <p:tgtEl>
+                                          <p:spTgt spid="10">
+                                            <p:graphicEl>
+                                              <a:dgm id="{EE153214-89E6-4E9A-9E46-ED71ED379AD8}"/>
+                                            </p:graphicEl>
+                                          </p:spTgt>
+                                        </p:tgtEl>
+                                        <p:attrNameLst>
+                                          <p:attrName>ppt_y</p:attrName>
+                                        </p:attrNameLst>
+                                      </p:cBhvr>
+                                      <p:tavLst>
+                                        <p:tav tm="0">
+                                          <p:val>
+                                            <p:strVal val="0-#ppt_h/2"/>
+                                          </p:val>
+                                        </p:tav>
+                                        <p:tav tm="100000">
+                                          <p:val>
+                                            <p:strVal val="#ppt_y"/>
+                                          </p:val>
+                                        </p:tav>
+                                      </p:tavLst>
+                                    </p:anim>
+                                  </p:childTnLst>
+                                </p:cTn>
+                              </p:par>
+                            </p:childTnLst>
+                          </p:cTn>
+                        </p:par>
+                      </p:childTnLst>
+                    </p:cTn>
+                  </p:par>
+                </p:childTnLst>
+              </p:cTn>
+              <p:prevCondLst>
+                <p:cond evt="onPrev" delay="0">
+                  <p:tgtEl>
+                    <p:sldTgt/>
+                  </p:tgtEl>
+                </p:cond>
+              </p:prevCondLst>
+              <p:nextCondLst>
+                <p:cond evt="onNext" delay="0">
+                  <p:tgtEl>
+                    <p:sldTgt/>
+                  </p:tgtEl>
+                </p:cond>
+              </p:nextCondLst>
+            </p:seq>
+          </p:childTnLst>
+        </p:cTn>
+      </p:par>
+    </p:tnLst>
+    <p:bldLst>
+      <p:bldGraphic spid="10" grpId="0" uiExpand="1">
+        <p:bldSub>
+          <a:bldDgm bld="one"/>
+        </p:bldSub>
+      </p:bldGraphic>
+    </p:bldLst>
+  </p:timing>
+</p:sld>
+</file>
+
+<file path=ppt/slides/slide24.xml><?xml version="1.0" encoding="utf-8"?>
+<p:sld xmlns:a="http://schemas.openxmlformats.org/drawingml/2006/main" xmlns:r="http://schemas.openxmlformats.org/officeDocument/2006/relationships" xmlns:p="http://schemas.openxmlformats.org/presentationml/2006/main">
+  <p:cSld>
+    <p:spTree>
+      <p:nvGrpSpPr>
+        <p:cNvPr id="1" name=""/>
+        <p:cNvGrpSpPr/>
+        <p:nvPr/>
+      </p:nvGrpSpPr>
+      <p:grpSpPr>
+        <a:xfrm>
+          <a:off x="0" y="0"/>
+          <a:ext cx="0" cy="0"/>
+          <a:chOff x="0" y="0"/>
+          <a:chExt cx="0" cy="0"/>
+        </a:xfrm>
+      </p:grpSpPr>
+      <p:sp>
+        <p:nvSpPr>
+          <p:cNvPr id="2" name="Title 1"/>
+          <p:cNvSpPr>
+            <a:spLocks noGrp="1"/>
+          </p:cNvSpPr>
+          <p:nvPr>
+            <p:ph type="title"/>
+          </p:nvPr>
+        </p:nvSpPr>
+        <p:spPr/>
+        <p:txBody>
+          <a:bodyPr/>
+          <a:lstStyle/>
+          <a:p>
+            <a:pPr rtl="0"/>
+            <a:r>
+              <a:rPr lang="en-US" dirty="0" smtClean="0"/>
+              <a:t>BDD Advantages</a:t>
+            </a:r>
+            <a:endParaRPr lang="fa-IR" dirty="0"/>
+          </a:p>
+        </p:txBody>
+      </p:sp>
+      <p:sp>
+        <p:nvSpPr>
+          <p:cNvPr id="3" name="Content Placeholder 2"/>
+          <p:cNvSpPr>
+            <a:spLocks noGrp="1"/>
+          </p:cNvSpPr>
+          <p:nvPr>
+            <p:ph idx="1"/>
+          </p:nvPr>
+        </p:nvSpPr>
+        <p:spPr/>
+        <p:txBody>
+          <a:bodyPr/>
+          <a:lstStyle/>
+          <a:p>
+            <a:pPr algn="l" rtl="0"/>
+            <a:r>
+              <a:rPr lang="en-IN" dirty="0">
+                <a:latin typeface="Arial" pitchFamily="34" charset="0"/>
+                <a:cs typeface="Arial" pitchFamily="34" charset="0"/>
+              </a:rPr>
+              <a:t>Strong Team Communication</a:t>
+            </a:r>
+            <a:endParaRPr lang="en-US" dirty="0">
+              <a:latin typeface="Arial" pitchFamily="34" charset="0"/>
+              <a:cs typeface="Arial" pitchFamily="34" charset="0"/>
+            </a:endParaRPr>
+          </a:p>
+          <a:p>
+            <a:pPr algn="l" rtl="0"/>
+            <a:r>
+              <a:rPr lang="en-IN" dirty="0">
+                <a:latin typeface="Arial" pitchFamily="34" charset="0"/>
+                <a:cs typeface="Arial" pitchFamily="34" charset="0"/>
+              </a:rPr>
+              <a:t>Better Team Understanding</a:t>
+            </a:r>
+            <a:endParaRPr lang="en-US" dirty="0">
+              <a:latin typeface="Arial" pitchFamily="34" charset="0"/>
+              <a:cs typeface="Arial" pitchFamily="34" charset="0"/>
+            </a:endParaRPr>
+          </a:p>
+          <a:p>
+            <a:pPr algn="l" rtl="0"/>
+            <a:r>
+              <a:rPr lang="en-IN" dirty="0">
+                <a:latin typeface="Arial" pitchFamily="34" charset="0"/>
+                <a:cs typeface="Arial" pitchFamily="34" charset="0"/>
+              </a:rPr>
+              <a:t>Better Requirement Understanding</a:t>
+            </a:r>
+            <a:endParaRPr lang="en-US" dirty="0">
+              <a:latin typeface="Arial" pitchFamily="34" charset="0"/>
+              <a:cs typeface="Arial" pitchFamily="34" charset="0"/>
+            </a:endParaRPr>
+          </a:p>
+          <a:p>
+            <a:pPr algn="l" rtl="0"/>
+            <a:r>
+              <a:rPr lang="en-IN" dirty="0">
+                <a:latin typeface="Arial" pitchFamily="34" charset="0"/>
+                <a:cs typeface="Arial" pitchFamily="34" charset="0"/>
+              </a:rPr>
+              <a:t>Better Build </a:t>
+            </a:r>
+            <a:r>
+              <a:rPr lang="en-IN" dirty="0" smtClean="0">
+                <a:latin typeface="Arial" pitchFamily="34" charset="0"/>
+                <a:cs typeface="Arial" pitchFamily="34" charset="0"/>
+              </a:rPr>
+              <a:t>Quality</a:t>
+            </a:r>
+            <a:endParaRPr lang="en-US" dirty="0">
+              <a:latin typeface="Arial" pitchFamily="34" charset="0"/>
+              <a:cs typeface="Arial" pitchFamily="34" charset="0"/>
+            </a:endParaRPr>
+          </a:p>
+          <a:p>
+            <a:pPr algn="l" rtl="0"/>
+            <a:r>
+              <a:rPr lang="en-IN" dirty="0">
+                <a:latin typeface="Arial" pitchFamily="34" charset="0"/>
+                <a:cs typeface="Arial" pitchFamily="34" charset="0"/>
+              </a:rPr>
+              <a:t>Ensures Automation at early stage of </a:t>
+            </a:r>
+            <a:r>
+              <a:rPr lang="en-IN" dirty="0" smtClean="0">
+                <a:latin typeface="Arial" pitchFamily="34" charset="0"/>
+                <a:cs typeface="Arial" pitchFamily="34" charset="0"/>
+              </a:rPr>
+              <a:t>development</a:t>
+            </a:r>
+          </a:p>
+          <a:p>
+            <a:pPr algn="l" rtl="0"/>
+            <a:r>
+              <a:rPr lang="en-US" dirty="0" smtClean="0">
+                <a:latin typeface="Arial" pitchFamily="34" charset="0"/>
+                <a:cs typeface="Arial" pitchFamily="34" charset="0"/>
+              </a:rPr>
+              <a:t>New release of our software should pass the </a:t>
+            </a:r>
+            <a:r>
+              <a:rPr lang="en-US" dirty="0">
+                <a:latin typeface="Arial" pitchFamily="34" charset="0"/>
+                <a:cs typeface="Arial" pitchFamily="34" charset="0"/>
+              </a:rPr>
+              <a:t>whole designed </a:t>
+            </a:r>
+            <a:r>
+              <a:rPr lang="en-US" dirty="0" smtClean="0">
+                <a:latin typeface="Arial" pitchFamily="34" charset="0"/>
+                <a:cs typeface="Arial" pitchFamily="34" charset="0"/>
+              </a:rPr>
+              <a:t>scenarios</a:t>
+            </a:r>
+            <a:endParaRPr lang="fa-IR" dirty="0">
+              <a:latin typeface="Arial" pitchFamily="34" charset="0"/>
+              <a:cs typeface="Arial" pitchFamily="34" charset="0"/>
+            </a:endParaRPr>
+          </a:p>
+        </p:txBody>
+      </p:sp>
+    </p:spTree>
+    <p:extLst>
+      <p:ext uri="{BB962C8B-B14F-4D97-AF65-F5344CB8AC3E}">
+        <p14:creationId xmlns:p14="http://schemas.microsoft.com/office/powerpoint/2010/main" val="2796410415"/>
+      </p:ext>
+    </p:extLst>
+  </p:cSld>
+  <p:clrMapOvr>
+    <a:masterClrMapping/>
+  </p:clrMapOvr>
+  <p:timing>
+    <p:tnLst>
+      <p:par>
+        <p:cTn id="1" dur="indefinite" restart="never" nodeType="tmRoot"/>
+      </p:par>
+    </p:tnLst>
+  </p:timing>
+</p:sld>
+</file>
+
+<file path=ppt/slides/slide25.xml><?xml version="1.0" encoding="utf-8"?>
+<p:sld xmlns:a="http://schemas.openxmlformats.org/drawingml/2006/main" xmlns:r="http://schemas.openxmlformats.org/officeDocument/2006/relationships" xmlns:p="http://schemas.openxmlformats.org/presentationml/2006/main">
+  <p:cSld>
+    <p:spTree>
+      <p:nvGrpSpPr>
+        <p:cNvPr id="1" name=""/>
+        <p:cNvGrpSpPr/>
+        <p:nvPr/>
+      </p:nvGrpSpPr>
+      <p:grpSpPr>
+        <a:xfrm>
+          <a:off x="0" y="0"/>
+          <a:ext cx="0" cy="0"/>
+          <a:chOff x="0" y="0"/>
+          <a:chExt cx="0" cy="0"/>
+        </a:xfrm>
+      </p:grpSpPr>
+      <p:sp>
+        <p:nvSpPr>
           <p:cNvPr id="31" name="Shape 30"/>
           <p:cNvSpPr/>
           <p:nvPr/>
@@ -16342,7 +22117,711 @@
           </a:ln>
           <a:extLst>
             <a:ext uri="{C572A759-6A51-4108-AA02-DFA0A04FC94B}">
-              <ma14:wrappingTextBoxFlag xmlns:ma14="http://schemas.microsoft.com/office/mac/drawingml/2011/main" xmlns="" val="1"/>
+              <ma14:wrappingTextBoxFlag xmlns="" xmlns:ma14="http://schemas.microsoft.com/office/mac/drawingml/2011/main" val="1"/>
+            </a:ext>
+          </a:extLst>
+        </p:spPr>
+        <p:txBody>
+          <a:bodyPr wrap="square" lIns="0" tIns="0" rIns="0" bIns="0" anchor="ctr">
+            <a:spAutoFit/>
+          </a:bodyPr>
+          <a:lstStyle>
+            <a:lvl1pPr algn="ctr" defTabSz="390525">
+              <a:defRPr sz="4400">
+                <a:solidFill>
+                  <a:srgbClr val="FFFFFF"/>
+                </a:solidFill>
+              </a:defRPr>
+            </a:lvl1pPr>
+          </a:lstStyle>
+          <a:p>
+            <a:r>
+              <a:rPr lang="en-US" sz="3600" dirty="0">
+                <a:solidFill>
+                  <a:schemeClr val="tx1"/>
+                </a:solidFill>
+              </a:rPr>
+              <a:t>W. Edwards </a:t>
+            </a:r>
+            <a:r>
+              <a:rPr lang="en-US" sz="3600" dirty="0" smtClean="0">
+                <a:solidFill>
+                  <a:schemeClr val="tx1"/>
+                </a:solidFill>
+              </a:rPr>
+              <a:t>Deming</a:t>
+            </a:r>
+            <a:r>
+              <a:rPr lang="en-US" sz="3600" baseline="30000" dirty="0" smtClean="0">
+                <a:solidFill>
+                  <a:schemeClr val="tx1"/>
+                </a:solidFill>
+              </a:rPr>
+              <a:t>1</a:t>
+            </a:r>
+            <a:endParaRPr sz="3600" baseline="30000" dirty="0">
+              <a:solidFill>
+                <a:schemeClr val="tx1"/>
+              </a:solidFill>
+            </a:endParaRPr>
+          </a:p>
+        </p:txBody>
+      </p:sp>
+      <p:sp>
+        <p:nvSpPr>
+          <p:cNvPr id="32" name="Content Placeholder 2"/>
+          <p:cNvSpPr txBox="1">
+            <a:spLocks/>
+          </p:cNvSpPr>
+          <p:nvPr/>
+        </p:nvSpPr>
+        <p:spPr>
+          <a:xfrm>
+            <a:off x="531151" y="1524001"/>
+            <a:ext cx="7126949" cy="4419600"/>
+          </a:xfrm>
+          <a:prstGeom prst="rect">
+            <a:avLst/>
+          </a:prstGeom>
+        </p:spPr>
+        <p:txBody>
+          <a:bodyPr vert="horz" lIns="91440" tIns="45720" rIns="91440" bIns="45720" rtlCol="0">
+            <a:normAutofit/>
+          </a:bodyPr>
+          <a:lstStyle>
+            <a:lvl1pPr marL="0" indent="0" algn="ctr" defTabSz="914400" rtl="0" eaLnBrk="1" latinLnBrk="0" hangingPunct="1">
+              <a:lnSpc>
+                <a:spcPct val="90000"/>
+              </a:lnSpc>
+              <a:spcBef>
+                <a:spcPts val="1000"/>
+              </a:spcBef>
+              <a:buFont typeface="Arial" panose="020B0604020202020204" pitchFamily="34" charset="0"/>
+              <a:buNone/>
+              <a:defRPr sz="2400" kern="1200">
+                <a:solidFill>
+                  <a:schemeClr val="tx1"/>
+                </a:solidFill>
+                <a:latin typeface="+mn-lt"/>
+                <a:ea typeface="+mn-ea"/>
+                <a:cs typeface="+mn-cs"/>
+              </a:defRPr>
+            </a:lvl1pPr>
+            <a:lvl2pPr marL="457200" indent="0" algn="ctr" defTabSz="914400" rtl="0" eaLnBrk="1" latinLnBrk="0" hangingPunct="1">
+              <a:lnSpc>
+                <a:spcPct val="90000"/>
+              </a:lnSpc>
+              <a:spcBef>
+                <a:spcPts val="500"/>
+              </a:spcBef>
+              <a:buFont typeface="Arial" panose="020B0604020202020204" pitchFamily="34" charset="0"/>
+              <a:buNone/>
+              <a:defRPr sz="2000" kern="1200">
+                <a:solidFill>
+                  <a:schemeClr val="tx1"/>
+                </a:solidFill>
+                <a:latin typeface="+mn-lt"/>
+                <a:ea typeface="+mn-ea"/>
+                <a:cs typeface="+mn-cs"/>
+              </a:defRPr>
+            </a:lvl2pPr>
+            <a:lvl3pPr marL="914400" indent="0" algn="ctr" defTabSz="914400" rtl="0" eaLnBrk="1" latinLnBrk="0" hangingPunct="1">
+              <a:lnSpc>
+                <a:spcPct val="90000"/>
+              </a:lnSpc>
+              <a:spcBef>
+                <a:spcPts val="500"/>
+              </a:spcBef>
+              <a:buFont typeface="Arial" panose="020B0604020202020204" pitchFamily="34" charset="0"/>
+              <a:buNone/>
+              <a:defRPr sz="1800" kern="1200">
+                <a:solidFill>
+                  <a:schemeClr val="tx1"/>
+                </a:solidFill>
+                <a:latin typeface="+mn-lt"/>
+                <a:ea typeface="+mn-ea"/>
+                <a:cs typeface="+mn-cs"/>
+              </a:defRPr>
+            </a:lvl3pPr>
+            <a:lvl4pPr marL="1371600" indent="0" algn="ctr" defTabSz="914400" rtl="0" eaLnBrk="1" latinLnBrk="0" hangingPunct="1">
+              <a:lnSpc>
+                <a:spcPct val="90000"/>
+              </a:lnSpc>
+              <a:spcBef>
+                <a:spcPts val="500"/>
+              </a:spcBef>
+              <a:buFont typeface="Arial" panose="020B0604020202020204" pitchFamily="34" charset="0"/>
+              <a:buNone/>
+              <a:defRPr sz="1600" kern="1200">
+                <a:solidFill>
+                  <a:schemeClr val="tx1"/>
+                </a:solidFill>
+                <a:latin typeface="+mn-lt"/>
+                <a:ea typeface="+mn-ea"/>
+                <a:cs typeface="+mn-cs"/>
+              </a:defRPr>
+            </a:lvl4pPr>
+            <a:lvl5pPr marL="1828800" indent="0" algn="ctr" defTabSz="914400" rtl="0" eaLnBrk="1" latinLnBrk="0" hangingPunct="1">
+              <a:lnSpc>
+                <a:spcPct val="90000"/>
+              </a:lnSpc>
+              <a:spcBef>
+                <a:spcPts val="500"/>
+              </a:spcBef>
+              <a:buFont typeface="Arial" panose="020B0604020202020204" pitchFamily="34" charset="0"/>
+              <a:buNone/>
+              <a:defRPr sz="1600" kern="1200">
+                <a:solidFill>
+                  <a:schemeClr val="tx1"/>
+                </a:solidFill>
+                <a:latin typeface="+mn-lt"/>
+                <a:ea typeface="+mn-ea"/>
+                <a:cs typeface="+mn-cs"/>
+              </a:defRPr>
+            </a:lvl5pPr>
+            <a:lvl6pPr marL="2286000" indent="0" algn="ctr" defTabSz="914400" rtl="0" eaLnBrk="1" latinLnBrk="0" hangingPunct="1">
+              <a:lnSpc>
+                <a:spcPct val="90000"/>
+              </a:lnSpc>
+              <a:spcBef>
+                <a:spcPts val="500"/>
+              </a:spcBef>
+              <a:buFont typeface="Arial" panose="020B0604020202020204" pitchFamily="34" charset="0"/>
+              <a:buNone/>
+              <a:defRPr sz="1600" kern="1200">
+                <a:solidFill>
+                  <a:schemeClr val="tx1"/>
+                </a:solidFill>
+                <a:latin typeface="+mn-lt"/>
+                <a:ea typeface="+mn-ea"/>
+                <a:cs typeface="+mn-cs"/>
+              </a:defRPr>
+            </a:lvl6pPr>
+            <a:lvl7pPr marL="2743200" indent="0" algn="ctr" defTabSz="914400" rtl="0" eaLnBrk="1" latinLnBrk="0" hangingPunct="1">
+              <a:lnSpc>
+                <a:spcPct val="90000"/>
+              </a:lnSpc>
+              <a:spcBef>
+                <a:spcPts val="500"/>
+              </a:spcBef>
+              <a:buFont typeface="Arial" panose="020B0604020202020204" pitchFamily="34" charset="0"/>
+              <a:buNone/>
+              <a:defRPr sz="1600" kern="1200">
+                <a:solidFill>
+                  <a:schemeClr val="tx1"/>
+                </a:solidFill>
+                <a:latin typeface="+mn-lt"/>
+                <a:ea typeface="+mn-ea"/>
+                <a:cs typeface="+mn-cs"/>
+              </a:defRPr>
+            </a:lvl7pPr>
+            <a:lvl8pPr marL="3200400" indent="0" algn="ctr" defTabSz="914400" rtl="0" eaLnBrk="1" latinLnBrk="0" hangingPunct="1">
+              <a:lnSpc>
+                <a:spcPct val="90000"/>
+              </a:lnSpc>
+              <a:spcBef>
+                <a:spcPts val="500"/>
+              </a:spcBef>
+              <a:buFont typeface="Arial" panose="020B0604020202020204" pitchFamily="34" charset="0"/>
+              <a:buNone/>
+              <a:defRPr sz="1600" kern="1200">
+                <a:solidFill>
+                  <a:schemeClr val="tx1"/>
+                </a:solidFill>
+                <a:latin typeface="+mn-lt"/>
+                <a:ea typeface="+mn-ea"/>
+                <a:cs typeface="+mn-cs"/>
+              </a:defRPr>
+            </a:lvl8pPr>
+            <a:lvl9pPr marL="3657600" indent="0" algn="ctr" defTabSz="914400" rtl="0" eaLnBrk="1" latinLnBrk="0" hangingPunct="1">
+              <a:lnSpc>
+                <a:spcPct val="90000"/>
+              </a:lnSpc>
+              <a:spcBef>
+                <a:spcPts val="500"/>
+              </a:spcBef>
+              <a:buFont typeface="Arial" panose="020B0604020202020204" pitchFamily="34" charset="0"/>
+              <a:buNone/>
+              <a:defRPr sz="1600" kern="1200">
+                <a:solidFill>
+                  <a:schemeClr val="tx1"/>
+                </a:solidFill>
+                <a:latin typeface="+mn-lt"/>
+                <a:ea typeface="+mn-ea"/>
+                <a:cs typeface="+mn-cs"/>
+              </a:defRPr>
+            </a:lvl9pPr>
+          </a:lstStyle>
+          <a:p>
+            <a:pPr algn="l"/>
+            <a:r>
+              <a:rPr lang="en-US" sz="2800" dirty="0"/>
+              <a:t>“Quality comes not from inspection, but from improvement of the production process. </a:t>
+            </a:r>
+            <a:r>
+              <a:rPr lang="en-US" sz="2800" dirty="0" smtClean="0"/>
+              <a:t>“</a:t>
+            </a:r>
+          </a:p>
+        </p:txBody>
+      </p:sp>
+      <p:pic>
+        <p:nvPicPr>
+          <p:cNvPr id="2" name="Picture 1"/>
+          <p:cNvPicPr>
+            <a:picLocks noChangeAspect="1"/>
+          </p:cNvPicPr>
+          <p:nvPr/>
+        </p:nvPicPr>
+        <p:blipFill>
+          <a:blip r:embed="rId3"/>
+          <a:stretch>
+            <a:fillRect/>
+          </a:stretch>
+        </p:blipFill>
+        <p:spPr>
+          <a:xfrm>
+            <a:off x="8020050" y="1524001"/>
+            <a:ext cx="3726329" cy="4419600"/>
+          </a:xfrm>
+          <a:prstGeom prst="rect">
+            <a:avLst/>
+          </a:prstGeom>
+        </p:spPr>
+      </p:pic>
+      <p:sp>
+        <p:nvSpPr>
+          <p:cNvPr id="3" name="Footer Placeholder 2"/>
+          <p:cNvSpPr>
+            <a:spLocks noGrp="1"/>
+          </p:cNvSpPr>
+          <p:nvPr>
+            <p:ph type="ftr" sz="quarter" idx="11"/>
+          </p:nvPr>
+        </p:nvSpPr>
+        <p:spPr>
+          <a:xfrm>
+            <a:off x="531151" y="6356350"/>
+            <a:ext cx="8727149" cy="365125"/>
+          </a:xfrm>
+        </p:spPr>
+        <p:txBody>
+          <a:bodyPr/>
+          <a:lstStyle/>
+          <a:p>
+            <a:r>
+              <a:rPr lang="en-US" dirty="0"/>
+              <a:t>1. was an American statistician, college professor, author, lecturer, and consultant, known for his work in the field of quality management</a:t>
+            </a:r>
+          </a:p>
+        </p:txBody>
+      </p:sp>
+      <p:sp>
+        <p:nvSpPr>
+          <p:cNvPr id="6" name="Content Placeholder 2"/>
+          <p:cNvSpPr txBox="1">
+            <a:spLocks/>
+          </p:cNvSpPr>
+          <p:nvPr/>
+        </p:nvSpPr>
+        <p:spPr>
+          <a:xfrm>
+            <a:off x="531151" y="2438400"/>
+            <a:ext cx="7126949" cy="4419600"/>
+          </a:xfrm>
+          <a:prstGeom prst="rect">
+            <a:avLst/>
+          </a:prstGeom>
+        </p:spPr>
+        <p:txBody>
+          <a:bodyPr vert="horz" lIns="91440" tIns="45720" rIns="91440" bIns="45720" rtlCol="0">
+            <a:normAutofit/>
+          </a:bodyPr>
+          <a:lstStyle>
+            <a:lvl1pPr marL="0" indent="0" algn="ctr" defTabSz="914400" rtl="0" eaLnBrk="1" latinLnBrk="0" hangingPunct="1">
+              <a:lnSpc>
+                <a:spcPct val="90000"/>
+              </a:lnSpc>
+              <a:spcBef>
+                <a:spcPts val="1000"/>
+              </a:spcBef>
+              <a:buFont typeface="Arial" panose="020B0604020202020204" pitchFamily="34" charset="0"/>
+              <a:buNone/>
+              <a:defRPr sz="2400" kern="1200">
+                <a:solidFill>
+                  <a:schemeClr val="tx1"/>
+                </a:solidFill>
+                <a:latin typeface="+mn-lt"/>
+                <a:ea typeface="+mn-ea"/>
+                <a:cs typeface="+mn-cs"/>
+              </a:defRPr>
+            </a:lvl1pPr>
+            <a:lvl2pPr marL="457200" indent="0" algn="ctr" defTabSz="914400" rtl="0" eaLnBrk="1" latinLnBrk="0" hangingPunct="1">
+              <a:lnSpc>
+                <a:spcPct val="90000"/>
+              </a:lnSpc>
+              <a:spcBef>
+                <a:spcPts val="500"/>
+              </a:spcBef>
+              <a:buFont typeface="Arial" panose="020B0604020202020204" pitchFamily="34" charset="0"/>
+              <a:buNone/>
+              <a:defRPr sz="2000" kern="1200">
+                <a:solidFill>
+                  <a:schemeClr val="tx1"/>
+                </a:solidFill>
+                <a:latin typeface="+mn-lt"/>
+                <a:ea typeface="+mn-ea"/>
+                <a:cs typeface="+mn-cs"/>
+              </a:defRPr>
+            </a:lvl2pPr>
+            <a:lvl3pPr marL="914400" indent="0" algn="ctr" defTabSz="914400" rtl="0" eaLnBrk="1" latinLnBrk="0" hangingPunct="1">
+              <a:lnSpc>
+                <a:spcPct val="90000"/>
+              </a:lnSpc>
+              <a:spcBef>
+                <a:spcPts val="500"/>
+              </a:spcBef>
+              <a:buFont typeface="Arial" panose="020B0604020202020204" pitchFamily="34" charset="0"/>
+              <a:buNone/>
+              <a:defRPr sz="1800" kern="1200">
+                <a:solidFill>
+                  <a:schemeClr val="tx1"/>
+                </a:solidFill>
+                <a:latin typeface="+mn-lt"/>
+                <a:ea typeface="+mn-ea"/>
+                <a:cs typeface="+mn-cs"/>
+              </a:defRPr>
+            </a:lvl3pPr>
+            <a:lvl4pPr marL="1371600" indent="0" algn="ctr" defTabSz="914400" rtl="0" eaLnBrk="1" latinLnBrk="0" hangingPunct="1">
+              <a:lnSpc>
+                <a:spcPct val="90000"/>
+              </a:lnSpc>
+              <a:spcBef>
+                <a:spcPts val="500"/>
+              </a:spcBef>
+              <a:buFont typeface="Arial" panose="020B0604020202020204" pitchFamily="34" charset="0"/>
+              <a:buNone/>
+              <a:defRPr sz="1600" kern="1200">
+                <a:solidFill>
+                  <a:schemeClr val="tx1"/>
+                </a:solidFill>
+                <a:latin typeface="+mn-lt"/>
+                <a:ea typeface="+mn-ea"/>
+                <a:cs typeface="+mn-cs"/>
+              </a:defRPr>
+            </a:lvl4pPr>
+            <a:lvl5pPr marL="1828800" indent="0" algn="ctr" defTabSz="914400" rtl="0" eaLnBrk="1" latinLnBrk="0" hangingPunct="1">
+              <a:lnSpc>
+                <a:spcPct val="90000"/>
+              </a:lnSpc>
+              <a:spcBef>
+                <a:spcPts val="500"/>
+              </a:spcBef>
+              <a:buFont typeface="Arial" panose="020B0604020202020204" pitchFamily="34" charset="0"/>
+              <a:buNone/>
+              <a:defRPr sz="1600" kern="1200">
+                <a:solidFill>
+                  <a:schemeClr val="tx1"/>
+                </a:solidFill>
+                <a:latin typeface="+mn-lt"/>
+                <a:ea typeface="+mn-ea"/>
+                <a:cs typeface="+mn-cs"/>
+              </a:defRPr>
+            </a:lvl5pPr>
+            <a:lvl6pPr marL="2286000" indent="0" algn="ctr" defTabSz="914400" rtl="0" eaLnBrk="1" latinLnBrk="0" hangingPunct="1">
+              <a:lnSpc>
+                <a:spcPct val="90000"/>
+              </a:lnSpc>
+              <a:spcBef>
+                <a:spcPts val="500"/>
+              </a:spcBef>
+              <a:buFont typeface="Arial" panose="020B0604020202020204" pitchFamily="34" charset="0"/>
+              <a:buNone/>
+              <a:defRPr sz="1600" kern="1200">
+                <a:solidFill>
+                  <a:schemeClr val="tx1"/>
+                </a:solidFill>
+                <a:latin typeface="+mn-lt"/>
+                <a:ea typeface="+mn-ea"/>
+                <a:cs typeface="+mn-cs"/>
+              </a:defRPr>
+            </a:lvl6pPr>
+            <a:lvl7pPr marL="2743200" indent="0" algn="ctr" defTabSz="914400" rtl="0" eaLnBrk="1" latinLnBrk="0" hangingPunct="1">
+              <a:lnSpc>
+                <a:spcPct val="90000"/>
+              </a:lnSpc>
+              <a:spcBef>
+                <a:spcPts val="500"/>
+              </a:spcBef>
+              <a:buFont typeface="Arial" panose="020B0604020202020204" pitchFamily="34" charset="0"/>
+              <a:buNone/>
+              <a:defRPr sz="1600" kern="1200">
+                <a:solidFill>
+                  <a:schemeClr val="tx1"/>
+                </a:solidFill>
+                <a:latin typeface="+mn-lt"/>
+                <a:ea typeface="+mn-ea"/>
+                <a:cs typeface="+mn-cs"/>
+              </a:defRPr>
+            </a:lvl7pPr>
+            <a:lvl8pPr marL="3200400" indent="0" algn="ctr" defTabSz="914400" rtl="0" eaLnBrk="1" latinLnBrk="0" hangingPunct="1">
+              <a:lnSpc>
+                <a:spcPct val="90000"/>
+              </a:lnSpc>
+              <a:spcBef>
+                <a:spcPts val="500"/>
+              </a:spcBef>
+              <a:buFont typeface="Arial" panose="020B0604020202020204" pitchFamily="34" charset="0"/>
+              <a:buNone/>
+              <a:defRPr sz="1600" kern="1200">
+                <a:solidFill>
+                  <a:schemeClr val="tx1"/>
+                </a:solidFill>
+                <a:latin typeface="+mn-lt"/>
+                <a:ea typeface="+mn-ea"/>
+                <a:cs typeface="+mn-cs"/>
+              </a:defRPr>
+            </a:lvl8pPr>
+            <a:lvl9pPr marL="3657600" indent="0" algn="ctr" defTabSz="914400" rtl="0" eaLnBrk="1" latinLnBrk="0" hangingPunct="1">
+              <a:lnSpc>
+                <a:spcPct val="90000"/>
+              </a:lnSpc>
+              <a:spcBef>
+                <a:spcPts val="500"/>
+              </a:spcBef>
+              <a:buFont typeface="Arial" panose="020B0604020202020204" pitchFamily="34" charset="0"/>
+              <a:buNone/>
+              <a:defRPr sz="1600" kern="1200">
+                <a:solidFill>
+                  <a:schemeClr val="tx1"/>
+                </a:solidFill>
+                <a:latin typeface="+mn-lt"/>
+                <a:ea typeface="+mn-ea"/>
+                <a:cs typeface="+mn-cs"/>
+              </a:defRPr>
+            </a:lvl9pPr>
+          </a:lstStyle>
+          <a:p>
+            <a:pPr algn="l"/>
+            <a:r>
+              <a:rPr lang="en-US" sz="2800" dirty="0" smtClean="0"/>
+              <a:t>“</a:t>
+            </a:r>
+            <a:r>
+              <a:rPr lang="en-US" sz="2800" dirty="0"/>
+              <a:t>We cannot rely on mass inspection to improve </a:t>
+            </a:r>
+            <a:r>
+              <a:rPr lang="en-US" sz="2800" dirty="0" smtClean="0"/>
+              <a:t>quality… </a:t>
+            </a:r>
+            <a:r>
+              <a:rPr lang="en-US" sz="2800" dirty="0"/>
+              <a:t>As Harold S. Dodge said many years ago, 'You cannot inspect quality into a product.' The quality is there or it isn't by the time it's inspected. </a:t>
+            </a:r>
+            <a:r>
+              <a:rPr lang="en-US" sz="2800" dirty="0" smtClean="0"/>
+              <a:t>“</a:t>
+            </a:r>
+          </a:p>
+        </p:txBody>
+      </p:sp>
+    </p:spTree>
+    <p:extLst>
+      <p:ext uri="{BB962C8B-B14F-4D97-AF65-F5344CB8AC3E}">
+        <p14:creationId xmlns:p14="http://schemas.microsoft.com/office/powerpoint/2010/main" val="1284197915"/>
+      </p:ext>
+    </p:extLst>
+  </p:cSld>
+  <p:clrMapOvr>
+    <a:masterClrMapping/>
+  </p:clrMapOvr>
+  <p:timing>
+    <p:tnLst>
+      <p:par>
+        <p:cTn id="1" dur="indefinite" restart="never" nodeType="tmRoot">
+          <p:childTnLst>
+            <p:seq concurrent="1" nextAc="seek">
+              <p:cTn id="2" dur="indefinite" nodeType="mainSeq">
+                <p:childTnLst>
+                  <p:par>
+                    <p:cTn id="3" fill="hold">
+                      <p:stCondLst>
+                        <p:cond delay="indefinite"/>
+                        <p:cond evt="onBegin" delay="0">
+                          <p:tn val="2"/>
+                        </p:cond>
+                      </p:stCondLst>
+                      <p:childTnLst>
+                        <p:par>
+                          <p:cTn id="4" fill="hold">
+                            <p:stCondLst>
+                              <p:cond delay="0"/>
+                            </p:stCondLst>
+                            <p:childTnLst>
+                              <p:par>
+                                <p:cTn id="5" presetID="22" presetClass="entr" presetSubtype="8" fill="hold" nodeType="afterEffect">
+                                  <p:stCondLst>
+                                    <p:cond delay="0"/>
+                                  </p:stCondLst>
+                                  <p:childTnLst>
+                                    <p:set>
+                                      <p:cBhvr>
+                                        <p:cTn id="6" dur="1" fill="hold">
+                                          <p:stCondLst>
+                                            <p:cond delay="0"/>
+                                          </p:stCondLst>
+                                        </p:cTn>
+                                        <p:tgtEl>
+                                          <p:spTgt spid="32">
+                                            <p:txEl>
+                                              <p:pRg st="0" end="0"/>
+                                            </p:txEl>
+                                          </p:spTgt>
+                                        </p:tgtEl>
+                                        <p:attrNameLst>
+                                          <p:attrName>style.visibility</p:attrName>
+                                        </p:attrNameLst>
+                                      </p:cBhvr>
+                                      <p:to>
+                                        <p:strVal val="visible"/>
+                                      </p:to>
+                                    </p:set>
+                                    <p:animEffect transition="in" filter="wipe(left)">
+                                      <p:cBhvr>
+                                        <p:cTn id="7" dur="500"/>
+                                        <p:tgtEl>
+                                          <p:spTgt spid="32">
+                                            <p:txEl>
+                                              <p:pRg st="0" end="0"/>
+                                            </p:txEl>
+                                          </p:spTgt>
+                                        </p:tgtEl>
+                                      </p:cBhvr>
+                                    </p:animEffect>
+                                  </p:childTnLst>
+                                </p:cTn>
+                              </p:par>
+                            </p:childTnLst>
+                          </p:cTn>
+                        </p:par>
+                        <p:par>
+                          <p:cTn id="8" fill="hold">
+                            <p:stCondLst>
+                              <p:cond delay="500"/>
+                            </p:stCondLst>
+                            <p:childTnLst>
+                              <p:par>
+                                <p:cTn id="9" presetID="22" presetClass="entr" presetSubtype="8" fill="hold" nodeType="afterEffect">
+                                  <p:stCondLst>
+                                    <p:cond delay="0"/>
+                                  </p:stCondLst>
+                                  <p:childTnLst>
+                                    <p:set>
+                                      <p:cBhvr>
+                                        <p:cTn id="10" dur="1" fill="hold">
+                                          <p:stCondLst>
+                                            <p:cond delay="0"/>
+                                          </p:stCondLst>
+                                        </p:cTn>
+                                        <p:tgtEl>
+                                          <p:spTgt spid="6">
+                                            <p:txEl>
+                                              <p:pRg st="0" end="0"/>
+                                            </p:txEl>
+                                          </p:spTgt>
+                                        </p:tgtEl>
+                                        <p:attrNameLst>
+                                          <p:attrName>style.visibility</p:attrName>
+                                        </p:attrNameLst>
+                                      </p:cBhvr>
+                                      <p:to>
+                                        <p:strVal val="visible"/>
+                                      </p:to>
+                                    </p:set>
+                                    <p:animEffect transition="in" filter="wipe(left)">
+                                      <p:cBhvr>
+                                        <p:cTn id="11" dur="500"/>
+                                        <p:tgtEl>
+                                          <p:spTgt spid="6">
+                                            <p:txEl>
+                                              <p:pRg st="0" end="0"/>
+                                            </p:txEl>
+                                          </p:spTgt>
+                                        </p:tgtEl>
+                                      </p:cBhvr>
+                                    </p:animEffect>
+                                  </p:childTnLst>
+                                </p:cTn>
+                              </p:par>
+                            </p:childTnLst>
+                          </p:cTn>
+                        </p:par>
+                      </p:childTnLst>
+                    </p:cTn>
+                  </p:par>
+                </p:childTnLst>
+              </p:cTn>
+              <p:prevCondLst>
+                <p:cond evt="onPrev" delay="0">
+                  <p:tgtEl>
+                    <p:sldTgt/>
+                  </p:tgtEl>
+                </p:cond>
+              </p:prevCondLst>
+              <p:nextCondLst>
+                <p:cond evt="onNext" delay="0">
+                  <p:tgtEl>
+                    <p:sldTgt/>
+                  </p:tgtEl>
+                </p:cond>
+              </p:nextCondLst>
+            </p:seq>
+          </p:childTnLst>
+        </p:cTn>
+      </p:par>
+    </p:tnLst>
+  </p:timing>
+</p:sld>
+</file>
+
+<file path=ppt/slides/slide26.xml><?xml version="1.0" encoding="utf-8"?>
+<p:sld xmlns:a="http://schemas.openxmlformats.org/drawingml/2006/main" xmlns:r="http://schemas.openxmlformats.org/officeDocument/2006/relationships" xmlns:p="http://schemas.openxmlformats.org/presentationml/2006/main">
+  <p:cSld>
+    <p:spTree>
+      <p:nvGrpSpPr>
+        <p:cNvPr id="1" name=""/>
+        <p:cNvGrpSpPr/>
+        <p:nvPr/>
+      </p:nvGrpSpPr>
+      <p:grpSpPr>
+        <a:xfrm>
+          <a:off x="0" y="0"/>
+          <a:ext cx="0" cy="0"/>
+          <a:chOff x="0" y="0"/>
+          <a:chExt cx="0" cy="0"/>
+        </a:xfrm>
+      </p:grpSpPr>
+      <p:sp>
+        <p:nvSpPr>
+          <p:cNvPr id="31" name="Shape 30"/>
+          <p:cNvSpPr/>
+          <p:nvPr/>
+        </p:nvSpPr>
+        <p:spPr>
+          <a:xfrm>
+            <a:off x="154745" y="315344"/>
+            <a:ext cx="11929403" cy="553998"/>
+          </a:xfrm>
+          <a:prstGeom prst="rect">
+            <a:avLst/>
+          </a:prstGeom>
+          <a:ln w="12700">
+            <a:miter lim="400000"/>
+          </a:ln>
+          <a:extLst>
+            <a:ext uri="{C572A759-6A51-4108-AA02-DFA0A04FC94B}">
+              <ma14:wrappingTextBoxFlag xmlns="" xmlns:ma14="http://schemas.microsoft.com/office/mac/drawingml/2011/main" val="1"/>
             </a:ext>
           </a:extLst>
         </p:spPr>
@@ -17024,7 +23503,7 @@
           </a:ln>
           <a:extLst>
             <a:ext uri="{C572A759-6A51-4108-AA02-DFA0A04FC94B}">
-              <ma14:wrappingTextBoxFlag xmlns:ma14="http://schemas.microsoft.com/office/mac/drawingml/2011/main" xmlns="" val="1"/>
+              <ma14:wrappingTextBoxFlag xmlns="" xmlns:ma14="http://schemas.microsoft.com/office/mac/drawingml/2011/main" val="1"/>
             </a:ext>
           </a:extLst>
         </p:spPr>

--- a/TDD_BDD Introduction.pptx
+++ b/TDD_BDD Introduction.pptx
@@ -1384,19 +1384,19 @@
     </dgm:pt>
   </dgm:ptLst>
   <dgm:cxnLst>
-    <dgm:cxn modelId="{367967B8-CBFA-4926-B9D9-F06A4BEC2874}" srcId="{ACBDDFBC-01E5-4CC2-8891-5EA2D367FD7B}" destId="{C1E9A2DE-653C-4AAF-BAC7-242EC2D52876}" srcOrd="2" destOrd="0" parTransId="{0CF2CEC2-9381-4CB5-9162-BD1A317D69EC}" sibTransId="{E93AFC08-326A-4D81-8CFC-BA0142A7C781}"/>
     <dgm:cxn modelId="{F2031042-A51C-47C6-BD35-AF46579D90B9}" type="presOf" srcId="{C1E9A2DE-653C-4AAF-BAC7-242EC2D52876}" destId="{3187AE09-E498-451E-B527-F93981C1E3BB}" srcOrd="0" destOrd="0" presId="urn:microsoft.com/office/officeart/2005/8/layout/chevron2"/>
     <dgm:cxn modelId="{307FCB9B-C90E-4800-98CD-09E68CA18A1C}" type="presOf" srcId="{0D7BDDB5-87DE-4D45-9F0B-9856F3853635}" destId="{268FFB2C-DBAF-48E2-8D77-683684470F8A}" srcOrd="0" destOrd="0" presId="urn:microsoft.com/office/officeart/2005/8/layout/chevron2"/>
+    <dgm:cxn modelId="{0F00A51F-D9ED-4C3F-B07D-8FF2FF23A5EB}" srcId="{C1E9A2DE-653C-4AAF-BAC7-242EC2D52876}" destId="{94DC652A-D785-4694-B4AD-733917B3D241}" srcOrd="0" destOrd="0" parTransId="{7BB6E05E-E6E7-423E-AAD6-A049AF7B1594}" sibTransId="{222606E0-9BC2-4A3F-AE76-A58EC196B842}"/>
+    <dgm:cxn modelId="{7ACBE7FB-3A86-41B6-9C10-0D94D3B74751}" type="presOf" srcId="{ACBDDFBC-01E5-4CC2-8891-5EA2D367FD7B}" destId="{211FBC8A-ECAF-4F26-8AF9-D95E100B47E0}" srcOrd="0" destOrd="0" presId="urn:microsoft.com/office/officeart/2005/8/layout/chevron2"/>
     <dgm:cxn modelId="{BA735303-C764-42C8-BFC1-B7F6FD2C934B}" srcId="{3EC688CC-9B74-4DF4-BD13-6DD390A6230B}" destId="{0D7BDDB5-87DE-4D45-9F0B-9856F3853635}" srcOrd="0" destOrd="0" parTransId="{991727A3-BC66-4834-90A9-C6D1DDC118C4}" sibTransId="{EFF5D862-666B-46C3-B798-D647A2EAB03F}"/>
-    <dgm:cxn modelId="{0F00A51F-D9ED-4C3F-B07D-8FF2FF23A5EB}" srcId="{C1E9A2DE-653C-4AAF-BAC7-242EC2D52876}" destId="{94DC652A-D785-4694-B4AD-733917B3D241}" srcOrd="0" destOrd="0" parTransId="{7BB6E05E-E6E7-423E-AAD6-A049AF7B1594}" sibTransId="{222606E0-9BC2-4A3F-AE76-A58EC196B842}"/>
-    <dgm:cxn modelId="{DDBB4A7B-897E-4066-B1CD-24D628FAADDF}" srcId="{3F8BB553-48DB-4901-BC3A-9006432974CB}" destId="{586BA02E-2C83-44D6-917F-92843ABC26FE}" srcOrd="0" destOrd="0" parTransId="{1465802E-3A7D-4278-8B0E-C5BFED3C0BCB}" sibTransId="{0EDADA45-1D6F-4CD8-B153-BDFB716645C2}"/>
-    <dgm:cxn modelId="{27413567-BE04-4FA3-9528-C0AFD72BA1C4}" type="presOf" srcId="{3F8BB553-48DB-4901-BC3A-9006432974CB}" destId="{C428F6D7-B04F-4444-8CC6-5A6BD9DC88BD}" srcOrd="0" destOrd="0" presId="urn:microsoft.com/office/officeart/2005/8/layout/chevron2"/>
-    <dgm:cxn modelId="{7ACBE7FB-3A86-41B6-9C10-0D94D3B74751}" type="presOf" srcId="{ACBDDFBC-01E5-4CC2-8891-5EA2D367FD7B}" destId="{211FBC8A-ECAF-4F26-8AF9-D95E100B47E0}" srcOrd="0" destOrd="0" presId="urn:microsoft.com/office/officeart/2005/8/layout/chevron2"/>
+    <dgm:cxn modelId="{AEAF9062-9ABC-4360-A2FE-4FCDFA0B781E}" type="presOf" srcId="{94DC652A-D785-4694-B4AD-733917B3D241}" destId="{EE153214-89E6-4E9A-9E46-ED71ED379AD8}" srcOrd="0" destOrd="0" presId="urn:microsoft.com/office/officeart/2005/8/layout/chevron2"/>
+    <dgm:cxn modelId="{A6787D86-C13D-4308-99AE-7FE7A30D86A1}" type="presOf" srcId="{3EC688CC-9B74-4DF4-BD13-6DD390A6230B}" destId="{F70C7747-D673-45ED-B6DE-E990DCD0C5F6}" srcOrd="0" destOrd="0" presId="urn:microsoft.com/office/officeart/2005/8/layout/chevron2"/>
     <dgm:cxn modelId="{F717CE59-518C-4B84-AA0C-E72932E8F9E7}" srcId="{ACBDDFBC-01E5-4CC2-8891-5EA2D367FD7B}" destId="{3F8BB553-48DB-4901-BC3A-9006432974CB}" srcOrd="0" destOrd="0" parTransId="{C452B442-A84A-49B8-8770-A29288FA3C11}" sibTransId="{F273069B-9671-4635-9B32-CC25486FA0A4}"/>
     <dgm:cxn modelId="{9D5796F8-5D37-4FEA-81C3-F2E15E51A838}" srcId="{ACBDDFBC-01E5-4CC2-8891-5EA2D367FD7B}" destId="{3EC688CC-9B74-4DF4-BD13-6DD390A6230B}" srcOrd="1" destOrd="0" parTransId="{045AFE43-951F-49B7-81A4-2068B8E15A88}" sibTransId="{ED0B8448-7F66-45D7-B5A3-C31BD327B707}"/>
+    <dgm:cxn modelId="{DDBB4A7B-897E-4066-B1CD-24D628FAADDF}" srcId="{3F8BB553-48DB-4901-BC3A-9006432974CB}" destId="{586BA02E-2C83-44D6-917F-92843ABC26FE}" srcOrd="0" destOrd="0" parTransId="{1465802E-3A7D-4278-8B0E-C5BFED3C0BCB}" sibTransId="{0EDADA45-1D6F-4CD8-B153-BDFB716645C2}"/>
+    <dgm:cxn modelId="{367967B8-CBFA-4926-B9D9-F06A4BEC2874}" srcId="{ACBDDFBC-01E5-4CC2-8891-5EA2D367FD7B}" destId="{C1E9A2DE-653C-4AAF-BAC7-242EC2D52876}" srcOrd="2" destOrd="0" parTransId="{0CF2CEC2-9381-4CB5-9162-BD1A317D69EC}" sibTransId="{E93AFC08-326A-4D81-8CFC-BA0142A7C781}"/>
+    <dgm:cxn modelId="{27413567-BE04-4FA3-9528-C0AFD72BA1C4}" type="presOf" srcId="{3F8BB553-48DB-4901-BC3A-9006432974CB}" destId="{C428F6D7-B04F-4444-8CC6-5A6BD9DC88BD}" srcOrd="0" destOrd="0" presId="urn:microsoft.com/office/officeart/2005/8/layout/chevron2"/>
     <dgm:cxn modelId="{A5A84F18-2902-45A7-A483-D7327D76D94F}" type="presOf" srcId="{586BA02E-2C83-44D6-917F-92843ABC26FE}" destId="{6F5235EF-161E-4D0C-9E5E-DD5C130D3AF5}" srcOrd="0" destOrd="0" presId="urn:microsoft.com/office/officeart/2005/8/layout/chevron2"/>
-    <dgm:cxn modelId="{AEAF9062-9ABC-4360-A2FE-4FCDFA0B781E}" type="presOf" srcId="{94DC652A-D785-4694-B4AD-733917B3D241}" destId="{EE153214-89E6-4E9A-9E46-ED71ED379AD8}" srcOrd="0" destOrd="0" presId="urn:microsoft.com/office/officeart/2005/8/layout/chevron2"/>
-    <dgm:cxn modelId="{A6787D86-C13D-4308-99AE-7FE7A30D86A1}" type="presOf" srcId="{3EC688CC-9B74-4DF4-BD13-6DD390A6230B}" destId="{F70C7747-D673-45ED-B6DE-E990DCD0C5F6}" srcOrd="0" destOrd="0" presId="urn:microsoft.com/office/officeart/2005/8/layout/chevron2"/>
     <dgm:cxn modelId="{F7541BBD-D86C-4E32-9E27-66291CCCEB37}" type="presParOf" srcId="{211FBC8A-ECAF-4F26-8AF9-D95E100B47E0}" destId="{361FD6E1-91FF-435B-83BB-FFBCC958D7BB}" srcOrd="0" destOrd="0" presId="urn:microsoft.com/office/officeart/2005/8/layout/chevron2"/>
     <dgm:cxn modelId="{1F4FD12E-599C-4BF3-A2D9-F4804DCD264A}" type="presParOf" srcId="{361FD6E1-91FF-435B-83BB-FFBCC958D7BB}" destId="{C428F6D7-B04F-4444-8CC6-5A6BD9DC88BD}" srcOrd="0" destOrd="0" presId="urn:microsoft.com/office/officeart/2005/8/layout/chevron2"/>
     <dgm:cxn modelId="{F2F6908A-17E9-4A38-917E-5A35FA698DAE}" type="presParOf" srcId="{361FD6E1-91FF-435B-83BB-FFBCC958D7BB}" destId="{6F5235EF-161E-4D0C-9E5E-DD5C130D3AF5}" srcOrd="1" destOrd="0" presId="urn:microsoft.com/office/officeart/2005/8/layout/chevron2"/>
@@ -10957,7 +10957,7 @@
           </a:ln>
           <a:extLst>
             <a:ext uri="{C572A759-6A51-4108-AA02-DFA0A04FC94B}">
-              <ma14:wrappingTextBoxFlag xmlns="" xmlns:ma14="http://schemas.microsoft.com/office/mac/drawingml/2011/main" val="1"/>
+              <ma14:wrappingTextBoxFlag xmlns:ma14="http://schemas.microsoft.com/office/mac/drawingml/2011/main" xmlns="" val="1"/>
             </a:ext>
           </a:extLst>
         </p:spPr>
@@ -21021,11 +21021,7 @@
           <a:p>
             <a:r>
               <a:rPr lang="en-US" dirty="0" smtClean="0"/>
-              <a:t>Integration </a:t>
-            </a:r>
-            <a:r>
-              <a:rPr lang="en-US" dirty="0" smtClean="0"/>
-              <a:t>Class With Spring Framework</a:t>
+              <a:t>Integration Class With Spring Framework</a:t>
             </a:r>
             <a:endParaRPr lang="fa-IR" dirty="0"/>
           </a:p>
@@ -21153,11 +21149,7 @@
           <a:p>
             <a:r>
               <a:rPr lang="en-US" dirty="0" smtClean="0"/>
-              <a:t>Corresponding Steps </a:t>
-            </a:r>
-            <a:r>
-              <a:rPr lang="en-US" dirty="0" smtClean="0"/>
-              <a:t>Class</a:t>
+              <a:t>Corresponding Steps Class</a:t>
             </a:r>
             <a:endParaRPr lang="fa-IR" dirty="0"/>
           </a:p>
@@ -22117,7 +22109,7 @@
           </a:ln>
           <a:extLst>
             <a:ext uri="{C572A759-6A51-4108-AA02-DFA0A04FC94B}">
-              <ma14:wrappingTextBoxFlag xmlns="" xmlns:ma14="http://schemas.microsoft.com/office/mac/drawingml/2011/main" val="1"/>
+              <ma14:wrappingTextBoxFlag xmlns:ma14="http://schemas.microsoft.com/office/mac/drawingml/2011/main" xmlns="" val="1"/>
             </a:ext>
           </a:extLst>
         </p:spPr>
@@ -22821,7 +22813,7 @@
           </a:ln>
           <a:extLst>
             <a:ext uri="{C572A759-6A51-4108-AA02-DFA0A04FC94B}">
-              <ma14:wrappingTextBoxFlag xmlns="" xmlns:ma14="http://schemas.microsoft.com/office/mac/drawingml/2011/main" val="1"/>
+              <ma14:wrappingTextBoxFlag xmlns:ma14="http://schemas.microsoft.com/office/mac/drawingml/2011/main" xmlns="" val="1"/>
             </a:ext>
           </a:extLst>
         </p:spPr>
@@ -23503,7 +23495,7 @@
           </a:ln>
           <a:extLst>
             <a:ext uri="{C572A759-6A51-4108-AA02-DFA0A04FC94B}">
-              <ma14:wrappingTextBoxFlag xmlns="" xmlns:ma14="http://schemas.microsoft.com/office/mac/drawingml/2011/main" val="1"/>
+              <ma14:wrappingTextBoxFlag xmlns:ma14="http://schemas.microsoft.com/office/mac/drawingml/2011/main" xmlns="" val="1"/>
             </a:ext>
           </a:extLst>
         </p:spPr>
@@ -23527,7 +23519,23 @@
                   <a:schemeClr val="tx1"/>
                 </a:solidFill>
               </a:rPr>
-              <a:t>Test Driver Development(TDD) lifecycle</a:t>
+              <a:t>Test </a:t>
+            </a:r>
+            <a:r>
+              <a:rPr lang="en-US" sz="3600" dirty="0" smtClean="0">
+                <a:solidFill>
+                  <a:schemeClr val="tx1"/>
+                </a:solidFill>
+              </a:rPr>
+              <a:t>Driven </a:t>
+            </a:r>
+            <a:r>
+              <a:rPr lang="en-US" sz="3600" dirty="0" smtClean="0">
+                <a:solidFill>
+                  <a:schemeClr val="tx1"/>
+                </a:solidFill>
+              </a:rPr>
+              <a:t>Development(TDD) lifecycle</a:t>
             </a:r>
             <a:endParaRPr sz="3600" dirty="0">
               <a:solidFill>

--- a/TDD_BDD Introduction.pptx
+++ b/TDD_BDD Introduction.pptx
@@ -1385,18 +1385,18 @@
   </dgm:ptLst>
   <dgm:cxnLst>
     <dgm:cxn modelId="{F2031042-A51C-47C6-BD35-AF46579D90B9}" type="presOf" srcId="{C1E9A2DE-653C-4AAF-BAC7-242EC2D52876}" destId="{3187AE09-E498-451E-B527-F93981C1E3BB}" srcOrd="0" destOrd="0" presId="urn:microsoft.com/office/officeart/2005/8/layout/chevron2"/>
-    <dgm:cxn modelId="{307FCB9B-C90E-4800-98CD-09E68CA18A1C}" type="presOf" srcId="{0D7BDDB5-87DE-4D45-9F0B-9856F3853635}" destId="{268FFB2C-DBAF-48E2-8D77-683684470F8A}" srcOrd="0" destOrd="0" presId="urn:microsoft.com/office/officeart/2005/8/layout/chevron2"/>
-    <dgm:cxn modelId="{0F00A51F-D9ED-4C3F-B07D-8FF2FF23A5EB}" srcId="{C1E9A2DE-653C-4AAF-BAC7-242EC2D52876}" destId="{94DC652A-D785-4694-B4AD-733917B3D241}" srcOrd="0" destOrd="0" parTransId="{7BB6E05E-E6E7-423E-AAD6-A049AF7B1594}" sibTransId="{222606E0-9BC2-4A3F-AE76-A58EC196B842}"/>
-    <dgm:cxn modelId="{7ACBE7FB-3A86-41B6-9C10-0D94D3B74751}" type="presOf" srcId="{ACBDDFBC-01E5-4CC2-8891-5EA2D367FD7B}" destId="{211FBC8A-ECAF-4F26-8AF9-D95E100B47E0}" srcOrd="0" destOrd="0" presId="urn:microsoft.com/office/officeart/2005/8/layout/chevron2"/>
-    <dgm:cxn modelId="{BA735303-C764-42C8-BFC1-B7F6FD2C934B}" srcId="{3EC688CC-9B74-4DF4-BD13-6DD390A6230B}" destId="{0D7BDDB5-87DE-4D45-9F0B-9856F3853635}" srcOrd="0" destOrd="0" parTransId="{991727A3-BC66-4834-90A9-C6D1DDC118C4}" sibTransId="{EFF5D862-666B-46C3-B798-D647A2EAB03F}"/>
-    <dgm:cxn modelId="{AEAF9062-9ABC-4360-A2FE-4FCDFA0B781E}" type="presOf" srcId="{94DC652A-D785-4694-B4AD-733917B3D241}" destId="{EE153214-89E6-4E9A-9E46-ED71ED379AD8}" srcOrd="0" destOrd="0" presId="urn:microsoft.com/office/officeart/2005/8/layout/chevron2"/>
     <dgm:cxn modelId="{A6787D86-C13D-4308-99AE-7FE7A30D86A1}" type="presOf" srcId="{3EC688CC-9B74-4DF4-BD13-6DD390A6230B}" destId="{F70C7747-D673-45ED-B6DE-E990DCD0C5F6}" srcOrd="0" destOrd="0" presId="urn:microsoft.com/office/officeart/2005/8/layout/chevron2"/>
-    <dgm:cxn modelId="{F717CE59-518C-4B84-AA0C-E72932E8F9E7}" srcId="{ACBDDFBC-01E5-4CC2-8891-5EA2D367FD7B}" destId="{3F8BB553-48DB-4901-BC3A-9006432974CB}" srcOrd="0" destOrd="0" parTransId="{C452B442-A84A-49B8-8770-A29288FA3C11}" sibTransId="{F273069B-9671-4635-9B32-CC25486FA0A4}"/>
-    <dgm:cxn modelId="{9D5796F8-5D37-4FEA-81C3-F2E15E51A838}" srcId="{ACBDDFBC-01E5-4CC2-8891-5EA2D367FD7B}" destId="{3EC688CC-9B74-4DF4-BD13-6DD390A6230B}" srcOrd="1" destOrd="0" parTransId="{045AFE43-951F-49B7-81A4-2068B8E15A88}" sibTransId="{ED0B8448-7F66-45D7-B5A3-C31BD327B707}"/>
     <dgm:cxn modelId="{DDBB4A7B-897E-4066-B1CD-24D628FAADDF}" srcId="{3F8BB553-48DB-4901-BC3A-9006432974CB}" destId="{586BA02E-2C83-44D6-917F-92843ABC26FE}" srcOrd="0" destOrd="0" parTransId="{1465802E-3A7D-4278-8B0E-C5BFED3C0BCB}" sibTransId="{0EDADA45-1D6F-4CD8-B153-BDFB716645C2}"/>
     <dgm:cxn modelId="{367967B8-CBFA-4926-B9D9-F06A4BEC2874}" srcId="{ACBDDFBC-01E5-4CC2-8891-5EA2D367FD7B}" destId="{C1E9A2DE-653C-4AAF-BAC7-242EC2D52876}" srcOrd="2" destOrd="0" parTransId="{0CF2CEC2-9381-4CB5-9162-BD1A317D69EC}" sibTransId="{E93AFC08-326A-4D81-8CFC-BA0142A7C781}"/>
+    <dgm:cxn modelId="{BA735303-C764-42C8-BFC1-B7F6FD2C934B}" srcId="{3EC688CC-9B74-4DF4-BD13-6DD390A6230B}" destId="{0D7BDDB5-87DE-4D45-9F0B-9856F3853635}" srcOrd="0" destOrd="0" parTransId="{991727A3-BC66-4834-90A9-C6D1DDC118C4}" sibTransId="{EFF5D862-666B-46C3-B798-D647A2EAB03F}"/>
     <dgm:cxn modelId="{27413567-BE04-4FA3-9528-C0AFD72BA1C4}" type="presOf" srcId="{3F8BB553-48DB-4901-BC3A-9006432974CB}" destId="{C428F6D7-B04F-4444-8CC6-5A6BD9DC88BD}" srcOrd="0" destOrd="0" presId="urn:microsoft.com/office/officeart/2005/8/layout/chevron2"/>
+    <dgm:cxn modelId="{AEAF9062-9ABC-4360-A2FE-4FCDFA0B781E}" type="presOf" srcId="{94DC652A-D785-4694-B4AD-733917B3D241}" destId="{EE153214-89E6-4E9A-9E46-ED71ED379AD8}" srcOrd="0" destOrd="0" presId="urn:microsoft.com/office/officeart/2005/8/layout/chevron2"/>
+    <dgm:cxn modelId="{F717CE59-518C-4B84-AA0C-E72932E8F9E7}" srcId="{ACBDDFBC-01E5-4CC2-8891-5EA2D367FD7B}" destId="{3F8BB553-48DB-4901-BC3A-9006432974CB}" srcOrd="0" destOrd="0" parTransId="{C452B442-A84A-49B8-8770-A29288FA3C11}" sibTransId="{F273069B-9671-4635-9B32-CC25486FA0A4}"/>
     <dgm:cxn modelId="{A5A84F18-2902-45A7-A483-D7327D76D94F}" type="presOf" srcId="{586BA02E-2C83-44D6-917F-92843ABC26FE}" destId="{6F5235EF-161E-4D0C-9E5E-DD5C130D3AF5}" srcOrd="0" destOrd="0" presId="urn:microsoft.com/office/officeart/2005/8/layout/chevron2"/>
+    <dgm:cxn modelId="{307FCB9B-C90E-4800-98CD-09E68CA18A1C}" type="presOf" srcId="{0D7BDDB5-87DE-4D45-9F0B-9856F3853635}" destId="{268FFB2C-DBAF-48E2-8D77-683684470F8A}" srcOrd="0" destOrd="0" presId="urn:microsoft.com/office/officeart/2005/8/layout/chevron2"/>
+    <dgm:cxn modelId="{7ACBE7FB-3A86-41B6-9C10-0D94D3B74751}" type="presOf" srcId="{ACBDDFBC-01E5-4CC2-8891-5EA2D367FD7B}" destId="{211FBC8A-ECAF-4F26-8AF9-D95E100B47E0}" srcOrd="0" destOrd="0" presId="urn:microsoft.com/office/officeart/2005/8/layout/chevron2"/>
+    <dgm:cxn modelId="{0F00A51F-D9ED-4C3F-B07D-8FF2FF23A5EB}" srcId="{C1E9A2DE-653C-4AAF-BAC7-242EC2D52876}" destId="{94DC652A-D785-4694-B4AD-733917B3D241}" srcOrd="0" destOrd="0" parTransId="{7BB6E05E-E6E7-423E-AAD6-A049AF7B1594}" sibTransId="{222606E0-9BC2-4A3F-AE76-A58EC196B842}"/>
+    <dgm:cxn modelId="{9D5796F8-5D37-4FEA-81C3-F2E15E51A838}" srcId="{ACBDDFBC-01E5-4CC2-8891-5EA2D367FD7B}" destId="{3EC688CC-9B74-4DF4-BD13-6DD390A6230B}" srcOrd="1" destOrd="0" parTransId="{045AFE43-951F-49B7-81A4-2068B8E15A88}" sibTransId="{ED0B8448-7F66-45D7-B5A3-C31BD327B707}"/>
     <dgm:cxn modelId="{F7541BBD-D86C-4E32-9E27-66291CCCEB37}" type="presParOf" srcId="{211FBC8A-ECAF-4F26-8AF9-D95E100B47E0}" destId="{361FD6E1-91FF-435B-83BB-FFBCC958D7BB}" srcOrd="0" destOrd="0" presId="urn:microsoft.com/office/officeart/2005/8/layout/chevron2"/>
     <dgm:cxn modelId="{1F4FD12E-599C-4BF3-A2D9-F4804DCD264A}" type="presParOf" srcId="{361FD6E1-91FF-435B-83BB-FFBCC958D7BB}" destId="{C428F6D7-B04F-4444-8CC6-5A6BD9DC88BD}" srcOrd="0" destOrd="0" presId="urn:microsoft.com/office/officeart/2005/8/layout/chevron2"/>
     <dgm:cxn modelId="{F2F6908A-17E9-4A38-917E-5A35FA698DAE}" type="presParOf" srcId="{361FD6E1-91FF-435B-83BB-FFBCC958D7BB}" destId="{6F5235EF-161E-4D0C-9E5E-DD5C130D3AF5}" srcOrd="1" destOrd="0" presId="urn:microsoft.com/office/officeart/2005/8/layout/chevron2"/>
@@ -3342,7 +3342,7 @@
           <a:p>
             <a:fld id="{3C74A5D0-F500-4656-A06F-8877668FA90E}" type="datetimeFigureOut">
               <a:rPr lang="en-US" smtClean="0"/>
-              <a:t>9/18/2019</a:t>
+              <a:t>9/21/2019</a:t>
             </a:fld>
             <a:endParaRPr lang="en-US"/>
           </a:p>
@@ -5498,7 +5498,7 @@
           <a:p>
             <a:fld id="{F3B70C1F-EA92-4B9F-A69C-D9C40072B96D}" type="datetimeFigureOut">
               <a:rPr lang="en-US" smtClean="0"/>
-              <a:t>9/18/2019</a:t>
+              <a:t>9/21/2019</a:t>
             </a:fld>
             <a:endParaRPr lang="en-US"/>
           </a:p>
@@ -5668,7 +5668,7 @@
           <a:p>
             <a:fld id="{F3B70C1F-EA92-4B9F-A69C-D9C40072B96D}" type="datetimeFigureOut">
               <a:rPr lang="en-US" smtClean="0"/>
-              <a:t>9/18/2019</a:t>
+              <a:t>9/21/2019</a:t>
             </a:fld>
             <a:endParaRPr lang="en-US"/>
           </a:p>
@@ -5914,7 +5914,7 @@
           <a:p>
             <a:fld id="{F3B70C1F-EA92-4B9F-A69C-D9C40072B96D}" type="datetimeFigureOut">
               <a:rPr lang="en-US" smtClean="0"/>
-              <a:t>9/18/2019</a:t>
+              <a:t>9/21/2019</a:t>
             </a:fld>
             <a:endParaRPr lang="en-US"/>
           </a:p>
@@ -6146,7 +6146,7 @@
           <a:p>
             <a:fld id="{F3B70C1F-EA92-4B9F-A69C-D9C40072B96D}" type="datetimeFigureOut">
               <a:rPr lang="en-US" smtClean="0"/>
-              <a:t>9/18/2019</a:t>
+              <a:t>9/21/2019</a:t>
             </a:fld>
             <a:endParaRPr lang="en-US"/>
           </a:p>
@@ -6513,7 +6513,7 @@
           <a:p>
             <a:fld id="{F3B70C1F-EA92-4B9F-A69C-D9C40072B96D}" type="datetimeFigureOut">
               <a:rPr lang="en-US" smtClean="0"/>
-              <a:t>9/18/2019</a:t>
+              <a:t>9/21/2019</a:t>
             </a:fld>
             <a:endParaRPr lang="en-US"/>
           </a:p>
@@ -6669,7 +6669,7 @@
           <a:p>
             <a:fld id="{F3B70C1F-EA92-4B9F-A69C-D9C40072B96D}" type="datetimeFigureOut">
               <a:rPr lang="en-US" smtClean="0"/>
-              <a:t>9/18/2019</a:t>
+              <a:t>9/21/2019</a:t>
             </a:fld>
             <a:endParaRPr lang="en-US"/>
           </a:p>
@@ -6764,7 +6764,7 @@
           <a:p>
             <a:fld id="{F3B70C1F-EA92-4B9F-A69C-D9C40072B96D}" type="datetimeFigureOut">
               <a:rPr lang="en-US" smtClean="0"/>
-              <a:t>9/18/2019</a:t>
+              <a:t>9/21/2019</a:t>
             </a:fld>
             <a:endParaRPr lang="en-US"/>
           </a:p>
@@ -7041,7 +7041,7 @@
           <a:p>
             <a:fld id="{F3B70C1F-EA92-4B9F-A69C-D9C40072B96D}" type="datetimeFigureOut">
               <a:rPr lang="en-US" smtClean="0"/>
-              <a:t>9/18/2019</a:t>
+              <a:t>9/21/2019</a:t>
             </a:fld>
             <a:endParaRPr lang="en-US"/>
           </a:p>
@@ -7298,7 +7298,7 @@
           <a:p>
             <a:fld id="{F3B70C1F-EA92-4B9F-A69C-D9C40072B96D}" type="datetimeFigureOut">
               <a:rPr lang="en-US" smtClean="0"/>
-              <a:t>9/18/2019</a:t>
+              <a:t>9/21/2019</a:t>
             </a:fld>
             <a:endParaRPr lang="en-US"/>
           </a:p>
@@ -7468,7 +7468,7 @@
           <a:p>
             <a:fld id="{F3B70C1F-EA92-4B9F-A69C-D9C40072B96D}" type="datetimeFigureOut">
               <a:rPr lang="en-US" smtClean="0"/>
-              <a:t>9/18/2019</a:t>
+              <a:t>9/21/2019</a:t>
             </a:fld>
             <a:endParaRPr lang="en-US"/>
           </a:p>
@@ -7648,7 +7648,7 @@
           <a:p>
             <a:fld id="{F3B70C1F-EA92-4B9F-A69C-D9C40072B96D}" type="datetimeFigureOut">
               <a:rPr lang="en-US" smtClean="0"/>
-              <a:t>9/18/2019</a:t>
+              <a:t>9/21/2019</a:t>
             </a:fld>
             <a:endParaRPr lang="en-US"/>
           </a:p>
@@ -8976,7 +8976,7 @@
                 <a:sym typeface="Circular Pro Medium"/>
               </a:rPr>
               <a:pPr defTabSz="609585"/>
-              <a:t>9/18/2019</a:t>
+              <a:t>9/21/2019</a:t>
             </a:fld>
             <a:endParaRPr lang="en-US">
               <a:solidFill>
@@ -10353,7 +10353,7 @@
                 <a:sym typeface="Circular Pro Medium"/>
               </a:rPr>
               <a:pPr defTabSz="609585"/>
-              <a:t>9/18/2019</a:t>
+              <a:t>9/21/2019</a:t>
             </a:fld>
             <a:endParaRPr lang="en-US">
               <a:solidFill>
@@ -10957,7 +10957,7 @@
           </a:ln>
           <a:extLst>
             <a:ext uri="{C572A759-6A51-4108-AA02-DFA0A04FC94B}">
-              <ma14:wrappingTextBoxFlag xmlns:ma14="http://schemas.microsoft.com/office/mac/drawingml/2011/main" xmlns="" val="1"/>
+              <ma14:wrappingTextBoxFlag xmlns="" xmlns:ma14="http://schemas.microsoft.com/office/mac/drawingml/2011/main" val="1"/>
             </a:ext>
           </a:extLst>
         </p:spPr>
@@ -19686,7 +19686,31 @@
                 <a:latin typeface="Arial" pitchFamily="34" charset="0"/>
                 <a:cs typeface="Arial" pitchFamily="34" charset="0"/>
               </a:rPr>
-              <a:t>where to begin</a:t>
+              <a:t>where to </a:t>
+            </a:r>
+            <a:r>
+              <a:rPr lang="en-IN" sz="2200" u="sng" dirty="0" smtClean="0">
+                <a:latin typeface="Arial" pitchFamily="34" charset="0"/>
+                <a:cs typeface="Arial" pitchFamily="34" charset="0"/>
+              </a:rPr>
+              <a:t>begin</a:t>
+            </a:r>
+          </a:p>
+          <a:p>
+            <a:pPr algn="l" rtl="0"/>
+            <a:r>
+              <a:rPr lang="en-IN" sz="2200" dirty="0" smtClean="0">
+                <a:latin typeface="Arial" pitchFamily="34" charset="0"/>
+                <a:cs typeface="Arial" pitchFamily="34" charset="0"/>
+              </a:rPr>
+              <a:t>Post-design test scenario may not </a:t>
+            </a:r>
+            <a:r>
+              <a:rPr lang="en-IN" sz="2200" u="sng" dirty="0" smtClean="0">
+                <a:latin typeface="Arial" pitchFamily="34" charset="0"/>
+                <a:cs typeface="Arial" pitchFamily="34" charset="0"/>
+              </a:rPr>
+              <a:t>cover the whole system features</a:t>
             </a:r>
             <a:endParaRPr lang="en-US" sz="2200" u="sng" dirty="0">
               <a:latin typeface="Arial" pitchFamily="34" charset="0"/>
@@ -20578,6 +20602,121 @@
                       </p:childTnLst>
                     </p:cTn>
                   </p:par>
+                  <p:par>
+                    <p:cTn id="68" fill="hold">
+                      <p:stCondLst>
+                        <p:cond delay="indefinite"/>
+                      </p:stCondLst>
+                      <p:childTnLst>
+                        <p:par>
+                          <p:cTn id="69" fill="hold">
+                            <p:stCondLst>
+                              <p:cond delay="0"/>
+                            </p:stCondLst>
+                            <p:childTnLst>
+                              <p:par>
+                                <p:cTn id="70" presetID="50" presetClass="entr" presetSubtype="0" decel="100000" fill="hold" nodeType="clickEffect">
+                                  <p:stCondLst>
+                                    <p:cond delay="0"/>
+                                  </p:stCondLst>
+                                  <p:childTnLst>
+                                    <p:set>
+                                      <p:cBhvr>
+                                        <p:cTn id="71" dur="1" fill="hold">
+                                          <p:stCondLst>
+                                            <p:cond delay="0"/>
+                                          </p:stCondLst>
+                                        </p:cTn>
+                                        <p:tgtEl>
+                                          <p:spTgt spid="39">
+                                            <p:txEl>
+                                              <p:pRg st="4" end="4"/>
+                                            </p:txEl>
+                                          </p:spTgt>
+                                        </p:tgtEl>
+                                        <p:attrNameLst>
+                                          <p:attrName>style.visibility</p:attrName>
+                                        </p:attrNameLst>
+                                      </p:cBhvr>
+                                      <p:to>
+                                        <p:strVal val="visible"/>
+                                      </p:to>
+                                    </p:set>
+                                    <p:anim calcmode="lin" valueType="num">
+                                      <p:cBhvr>
+                                        <p:cTn id="72" dur="1000" fill="hold"/>
+                                        <p:tgtEl>
+                                          <p:spTgt spid="39">
+                                            <p:txEl>
+                                              <p:pRg st="4" end="4"/>
+                                            </p:txEl>
+                                          </p:spTgt>
+                                        </p:tgtEl>
+                                        <p:attrNameLst>
+                                          <p:attrName>ppt_w</p:attrName>
+                                        </p:attrNameLst>
+                                      </p:cBhvr>
+                                      <p:tavLst>
+                                        <p:tav tm="0">
+                                          <p:val>
+                                            <p:strVal val="#ppt_w+.3"/>
+                                          </p:val>
+                                        </p:tav>
+                                        <p:tav tm="100000">
+                                          <p:val>
+                                            <p:strVal val="#ppt_w"/>
+                                          </p:val>
+                                        </p:tav>
+                                      </p:tavLst>
+                                    </p:anim>
+                                    <p:anim calcmode="lin" valueType="num">
+                                      <p:cBhvr>
+                                        <p:cTn id="73" dur="1000" fill="hold"/>
+                                        <p:tgtEl>
+                                          <p:spTgt spid="39">
+                                            <p:txEl>
+                                              <p:pRg st="4" end="4"/>
+                                            </p:txEl>
+                                          </p:spTgt>
+                                        </p:tgtEl>
+                                        <p:attrNameLst>
+                                          <p:attrName>ppt_h</p:attrName>
+                                        </p:attrNameLst>
+                                      </p:cBhvr>
+                                      <p:tavLst>
+                                        <p:tav tm="0">
+                                          <p:val>
+                                            <p:strVal val="#ppt_h"/>
+                                          </p:val>
+                                        </p:tav>
+                                        <p:tav tm="100000">
+                                          <p:val>
+                                            <p:strVal val="#ppt_h"/>
+                                          </p:val>
+                                        </p:tav>
+                                      </p:tavLst>
+                                    </p:anim>
+                                    <p:animEffect transition="in" filter="fade">
+                                      <p:cBhvr>
+                                        <p:cTn id="74" dur="1000"/>
+                                        <p:tgtEl>
+                                          <p:spTgt spid="39">
+                                            <p:txEl>
+                                              <p:pRg st="4" end="4"/>
+                                            </p:txEl>
+                                          </p:spTgt>
+                                        </p:tgtEl>
+                                      </p:cBhvr>
+                                    </p:animEffect>
+                                  </p:childTnLst>
+                                </p:cTn>
+                              </p:par>
+                            </p:childTnLst>
+                          </p:cTn>
+                        </p:par>
+                      </p:childTnLst>
+                    </p:cTn>
+                  </p:par>
                 </p:childTnLst>
               </p:cTn>
               <p:prevCondLst>
@@ -22109,7 +22248,7 @@
           </a:ln>
           <a:extLst>
             <a:ext uri="{C572A759-6A51-4108-AA02-DFA0A04FC94B}">
-              <ma14:wrappingTextBoxFlag xmlns:ma14="http://schemas.microsoft.com/office/mac/drawingml/2011/main" xmlns="" val="1"/>
+              <ma14:wrappingTextBoxFlag xmlns="" xmlns:ma14="http://schemas.microsoft.com/office/mac/drawingml/2011/main" val="1"/>
             </a:ext>
           </a:extLst>
         </p:spPr>
@@ -22813,7 +22952,7 @@
           </a:ln>
           <a:extLst>
             <a:ext uri="{C572A759-6A51-4108-AA02-DFA0A04FC94B}">
-              <ma14:wrappingTextBoxFlag xmlns:ma14="http://schemas.microsoft.com/office/mac/drawingml/2011/main" xmlns="" val="1"/>
+              <ma14:wrappingTextBoxFlag xmlns="" xmlns:ma14="http://schemas.microsoft.com/office/mac/drawingml/2011/main" val="1"/>
             </a:ext>
           </a:extLst>
         </p:spPr>
@@ -23495,7 +23634,7 @@
           </a:ln>
           <a:extLst>
             <a:ext uri="{C572A759-6A51-4108-AA02-DFA0A04FC94B}">
-              <ma14:wrappingTextBoxFlag xmlns:ma14="http://schemas.microsoft.com/office/mac/drawingml/2011/main" xmlns="" val="1"/>
+              <ma14:wrappingTextBoxFlag xmlns="" xmlns:ma14="http://schemas.microsoft.com/office/mac/drawingml/2011/main" val="1"/>
             </a:ext>
           </a:extLst>
         </p:spPr>
@@ -23519,23 +23658,7 @@
                   <a:schemeClr val="tx1"/>
                 </a:solidFill>
               </a:rPr>
-              <a:t>Test </a:t>
-            </a:r>
-            <a:r>
-              <a:rPr lang="en-US" sz="3600" dirty="0" smtClean="0">
-                <a:solidFill>
-                  <a:schemeClr val="tx1"/>
-                </a:solidFill>
-              </a:rPr>
-              <a:t>Driven </a:t>
-            </a:r>
-            <a:r>
-              <a:rPr lang="en-US" sz="3600" dirty="0" smtClean="0">
-                <a:solidFill>
-                  <a:schemeClr val="tx1"/>
-                </a:solidFill>
-              </a:rPr>
-              <a:t>Development(TDD) lifecycle</a:t>
+              <a:t>Test Driven Development(TDD) lifecycle</a:t>
             </a:r>
             <a:endParaRPr sz="3600" dirty="0">
               <a:solidFill>
@@ -24265,7 +24388,15 @@
             </a:pPr>
             <a:r>
               <a:rPr lang="en-US" dirty="0" smtClean="0"/>
-              <a:t>Write some unit test[s]</a:t>
+              <a:t>Write some </a:t>
+            </a:r>
+            <a:r>
+              <a:rPr lang="en-US" dirty="0" smtClean="0"/>
+              <a:t>test case[s</a:t>
+            </a:r>
+            <a:r>
+              <a:rPr lang="en-US" dirty="0" smtClean="0"/>
+              <a:t>]</a:t>
             </a:r>
           </a:p>
           <a:p>
@@ -24329,12 +24460,16 @@
               <a:buNone/>
             </a:pPr>
             <a:r>
-              <a:rPr lang="en-US" dirty="0"/>
-              <a:t>u</a:t>
-            </a:r>
-            <a:r>
               <a:rPr lang="en-US" dirty="0" smtClean="0"/>
-              <a:t>nit tests will be 100%</a:t>
+              <a:t>test case[s] </a:t>
+            </a:r>
+            <a:r>
+              <a:rPr lang="en-US" dirty="0" smtClean="0"/>
+              <a:t>will </a:t>
+            </a:r>
+            <a:r>
+              <a:rPr lang="en-US" dirty="0" smtClean="0"/>
+              <a:t>be 100%</a:t>
             </a:r>
           </a:p>
         </p:txBody>
@@ -24494,7 +24629,11 @@
                                           </p:stCondLst>
                                         </p:cTn>
                                         <p:tgtEl>
-                                          <p:spTgt spid="11"/>
+                                          <p:spTgt spid="3">
+                                            <p:txEl>
+                                              <p:pRg st="0" end="0"/>
+                                            </p:txEl>
+                                          </p:spTgt>
                                         </p:tgtEl>
                                         <p:attrNameLst>
                                           <p:attrName>style.visibility</p:attrName>
@@ -24510,30 +24649,74 @@
                             </p:childTnLst>
                           </p:cTn>
                         </p:par>
-                      </p:childTnLst>
-                    </p:cTn>
-                  </p:par>
-                  <p:par>
-                    <p:cTn id="7" fill="hold">
-                      <p:stCondLst>
-                        <p:cond delay="indefinite"/>
-                      </p:stCondLst>
-                      <p:childTnLst>
                         <p:par>
-                          <p:cTn id="8" fill="hold">
+                          <p:cTn id="7" fill="hold">
                             <p:stCondLst>
                               <p:cond delay="0"/>
                             </p:stCondLst>
                             <p:childTnLst>
                               <p:par>
-                                <p:cTn id="9" presetID="1" presetClass="entr" presetSubtype="0" fill="hold" nodeType="clickEffect">
+                                <p:cTn id="8" presetID="10" presetClass="entr" presetSubtype="0" fill="hold" nodeType="afterEffect">
                                   <p:stCondLst>
                                     <p:cond delay="0"/>
                                   </p:stCondLst>
                                   <p:childTnLst>
                                     <p:set>
                                       <p:cBhvr>
-                                        <p:cTn id="10" dur="1" fill="hold">
+                                        <p:cTn id="9" dur="1" fill="hold">
+                                          <p:stCondLst>
+                                            <p:cond delay="0"/>
+                                          </p:stCondLst>
+                                        </p:cTn>
+                                        <p:tgtEl>
+                                          <p:spTgt spid="11"/>
+                                        </p:tgtEl>
+                                        <p:attrNameLst>
+                                          <p:attrName>style.visibility</p:attrName>
+                                        </p:attrNameLst>
+                                      </p:cBhvr>
+                                      <p:to>
+                                        <p:strVal val="visible"/>
+                                      </p:to>
+                                    </p:set>
+                                    <p:animEffect transition="in" filter="fade">
+                                      <p:cBhvr>
+                                        <p:cTn id="10" dur="500"/>
+                                        <p:tgtEl>
+                                          <p:spTgt spid="11"/>
+                                        </p:tgtEl>
+                                      </p:cBhvr>
+                                    </p:animEffect>
+                                  </p:childTnLst>
+                                </p:cTn>
+                              </p:par>
+                            </p:childTnLst>
+                          </p:cTn>
+                        </p:par>
+                      </p:childTnLst>
+                    </p:cTn>
+                  </p:par>
+                  <p:par>
+                    <p:cTn id="11" fill="hold">
+                      <p:stCondLst>
+                        <p:cond delay="indefinite"/>
+                      </p:stCondLst>
+                      <p:childTnLst>
+                        <p:par>
+                          <p:cTn id="12" fill="hold">
+                            <p:stCondLst>
+                              <p:cond delay="0"/>
+                            </p:stCondLst>
+                            <p:childTnLst>
+                              <p:par>
+                                <p:cTn id="13" presetID="1" presetClass="entr" presetSubtype="0" fill="hold" nodeType="clickEffect">
+                                  <p:stCondLst>
+                                    <p:cond delay="0"/>
+                                  </p:stCondLst>
+                                  <p:childTnLst>
+                                    <p:set>
+                                      <p:cBhvr>
+                                        <p:cTn id="14" dur="1" fill="hold">
                                           <p:stCondLst>
                                             <p:cond delay="0"/>
                                           </p:stCondLst>
@@ -24557,52 +24740,7 @@
                                 </p:cTn>
                               </p:par>
                               <p:par>
-                                <p:cTn id="11" presetID="1" presetClass="entr" presetSubtype="0" fill="hold" grpId="0" nodeType="withEffect">
-                                  <p:stCondLst>
-                                    <p:cond delay="0"/>
-                                  </p:stCondLst>
-                                  <p:childTnLst>
-                                    <p:set>
-                                      <p:cBhvr>
-                                        <p:cTn id="12" dur="1" fill="hold">
-                                          <p:stCondLst>
-                                            <p:cond delay="0"/>
-                                          </p:stCondLst>
-                                        </p:cTn>
-                                        <p:tgtEl>
-                                          <p:spTgt spid="6"/>
-                                        </p:tgtEl>
-                                        <p:attrNameLst>
-                                          <p:attrName>style.visibility</p:attrName>
-                                        </p:attrNameLst>
-                                      </p:cBhvr>
-                                      <p:to>
-                                        <p:strVal val="visible"/>
-                                      </p:to>
-                                    </p:set>
-                                  </p:childTnLst>
-                                </p:cTn>
-                              </p:par>
-                            </p:childTnLst>
-                          </p:cTn>
-                        </p:par>
-                      </p:childTnLst>
-                    </p:cTn>
-                  </p:par>
-                  <p:par>
-                    <p:cTn id="13" fill="hold">
-                      <p:stCondLst>
-                        <p:cond delay="indefinite"/>
-                      </p:stCondLst>
-                      <p:childTnLst>
-                        <p:par>
-                          <p:cTn id="14" fill="hold">
-                            <p:stCondLst>
-                              <p:cond delay="0"/>
-                            </p:stCondLst>
-                            <p:childTnLst>
-                              <p:par>
-                                <p:cTn id="15" presetID="1" presetClass="entr" presetSubtype="0" fill="hold" nodeType="clickEffect">
+                                <p:cTn id="15" presetID="1" presetClass="entr" presetSubtype="0" fill="hold" grpId="0" nodeType="withEffect">
                                   <p:stCondLst>
                                     <p:cond delay="0"/>
                                   </p:stCondLst>
@@ -24615,11 +24753,7 @@
                                           </p:stCondLst>
                                         </p:cTn>
                                         <p:tgtEl>
-                                          <p:spTgt spid="3">
-                                            <p:txEl>
-                                              <p:pRg st="2" end="2"/>
-                                            </p:txEl>
-                                          </p:spTgt>
+                                          <p:spTgt spid="6"/>
                                         </p:tgtEl>
                                         <p:attrNameLst>
                                           <p:attrName>style.visibility</p:attrName>
@@ -24664,7 +24798,11 @@
                                           </p:stCondLst>
                                         </p:cTn>
                                         <p:tgtEl>
-                                          <p:spTgt spid="7"/>
+                                          <p:spTgt spid="3">
+                                            <p:txEl>
+                                              <p:pRg st="2" end="2"/>
+                                            </p:txEl>
+                                          </p:spTgt>
                                         </p:tgtEl>
                                         <p:attrNameLst>
                                           <p:attrName>style.visibility</p:attrName>
@@ -24709,6 +24847,51 @@
                                           </p:stCondLst>
                                         </p:cTn>
                                         <p:tgtEl>
+                                          <p:spTgt spid="7"/>
+                                        </p:tgtEl>
+                                        <p:attrNameLst>
+                                          <p:attrName>style.visibility</p:attrName>
+                                        </p:attrNameLst>
+                                      </p:cBhvr>
+                                      <p:to>
+                                        <p:strVal val="visible"/>
+                                      </p:to>
+                                    </p:set>
+                                  </p:childTnLst>
+                                </p:cTn>
+                              </p:par>
+                            </p:childTnLst>
+                          </p:cTn>
+                        </p:par>
+                      </p:childTnLst>
+                    </p:cTn>
+                  </p:par>
+                  <p:par>
+                    <p:cTn id="25" fill="hold">
+                      <p:stCondLst>
+                        <p:cond delay="indefinite"/>
+                      </p:stCondLst>
+                      <p:childTnLst>
+                        <p:par>
+                          <p:cTn id="26" fill="hold">
+                            <p:stCondLst>
+                              <p:cond delay="0"/>
+                            </p:stCondLst>
+                            <p:childTnLst>
+                              <p:par>
+                                <p:cTn id="27" presetID="1" presetClass="entr" presetSubtype="0" fill="hold" nodeType="clickEffect">
+                                  <p:stCondLst>
+                                    <p:cond delay="0"/>
+                                  </p:stCondLst>
+                                  <p:childTnLst>
+                                    <p:set>
+                                      <p:cBhvr>
+                                        <p:cTn id="28" dur="1" fill="hold">
+                                          <p:stCondLst>
+                                            <p:cond delay="0"/>
+                                          </p:stCondLst>
+                                        </p:cTn>
+                                        <p:tgtEl>
                                           <p:spTgt spid="3">
                                             <p:txEl>
                                               <p:pRg st="3" end="3"/>
@@ -24727,14 +24910,14 @@
                                 </p:cTn>
                               </p:par>
                               <p:par>
-                                <p:cTn id="25" presetID="1" presetClass="exit" presetSubtype="0" fill="hold" grpId="1" nodeType="withEffect">
+                                <p:cTn id="29" presetID="1" presetClass="exit" presetSubtype="0" fill="hold" grpId="1" nodeType="withEffect">
                                   <p:stCondLst>
                                     <p:cond delay="0"/>
                                   </p:stCondLst>
                                   <p:childTnLst>
                                     <p:set>
                                       <p:cBhvr>
-                                        <p:cTn id="26" dur="1" fill="hold">
+                                        <p:cTn id="30" dur="1" fill="hold">
                                           <p:stCondLst>
                                             <p:cond delay="0"/>
                                           </p:stCondLst>
@@ -24754,52 +24937,7 @@
                                 </p:cTn>
                               </p:par>
                               <p:par>
-                                <p:cTn id="27" presetID="1" presetClass="entr" presetSubtype="0" fill="hold" grpId="0" nodeType="withEffect">
-                                  <p:stCondLst>
-                                    <p:cond delay="0"/>
-                                  </p:stCondLst>
-                                  <p:childTnLst>
-                                    <p:set>
-                                      <p:cBhvr>
-                                        <p:cTn id="28" dur="1" fill="hold">
-                                          <p:stCondLst>
-                                            <p:cond delay="0"/>
-                                          </p:stCondLst>
-                                        </p:cTn>
-                                        <p:tgtEl>
-                                          <p:spTgt spid="8"/>
-                                        </p:tgtEl>
-                                        <p:attrNameLst>
-                                          <p:attrName>style.visibility</p:attrName>
-                                        </p:attrNameLst>
-                                      </p:cBhvr>
-                                      <p:to>
-                                        <p:strVal val="visible"/>
-                                      </p:to>
-                                    </p:set>
-                                  </p:childTnLst>
-                                </p:cTn>
-                              </p:par>
-                            </p:childTnLst>
-                          </p:cTn>
-                        </p:par>
-                      </p:childTnLst>
-                    </p:cTn>
-                  </p:par>
-                  <p:par>
-                    <p:cTn id="29" fill="hold">
-                      <p:stCondLst>
-                        <p:cond delay="indefinite"/>
-                      </p:stCondLst>
-                      <p:childTnLst>
-                        <p:par>
-                          <p:cTn id="30" fill="hold">
-                            <p:stCondLst>
-                              <p:cond delay="0"/>
-                            </p:stCondLst>
-                            <p:childTnLst>
-                              <p:par>
-                                <p:cTn id="31" presetID="1" presetClass="entr" presetSubtype="0" fill="hold" nodeType="clickEffect">
+                                <p:cTn id="31" presetID="1" presetClass="entr" presetSubtype="0" fill="hold" grpId="0" nodeType="withEffect">
                                   <p:stCondLst>
                                     <p:cond delay="0"/>
                                   </p:stCondLst>
@@ -24812,11 +24950,7 @@
                                           </p:stCondLst>
                                         </p:cTn>
                                         <p:tgtEl>
-                                          <p:spTgt spid="3">
-                                            <p:txEl>
-                                              <p:pRg st="4" end="4"/>
-                                            </p:txEl>
-                                          </p:spTgt>
+                                          <p:spTgt spid="8"/>
                                         </p:tgtEl>
                                         <p:attrNameLst>
                                           <p:attrName>style.visibility</p:attrName>
@@ -24863,6 +24997,55 @@
                                         <p:tgtEl>
                                           <p:spTgt spid="3">
                                             <p:txEl>
+                                              <p:pRg st="4" end="4"/>
+                                            </p:txEl>
+                                          </p:spTgt>
+                                        </p:tgtEl>
+                                        <p:attrNameLst>
+                                          <p:attrName>style.visibility</p:attrName>
+                                        </p:attrNameLst>
+                                      </p:cBhvr>
+                                      <p:to>
+                                        <p:strVal val="visible"/>
+                                      </p:to>
+                                    </p:set>
+                                  </p:childTnLst>
+                                </p:cTn>
+                              </p:par>
+                            </p:childTnLst>
+                          </p:cTn>
+                        </p:par>
+                      </p:childTnLst>
+                    </p:cTn>
+                  </p:par>
+                  <p:par>
+                    <p:cTn id="37" fill="hold">
+                      <p:stCondLst>
+                        <p:cond delay="indefinite"/>
+                      </p:stCondLst>
+                      <p:childTnLst>
+                        <p:par>
+                          <p:cTn id="38" fill="hold">
+                            <p:stCondLst>
+                              <p:cond delay="0"/>
+                            </p:stCondLst>
+                            <p:childTnLst>
+                              <p:par>
+                                <p:cTn id="39" presetID="1" presetClass="entr" presetSubtype="0" fill="hold" nodeType="clickEffect">
+                                  <p:stCondLst>
+                                    <p:cond delay="0"/>
+                                  </p:stCondLst>
+                                  <p:childTnLst>
+                                    <p:set>
+                                      <p:cBhvr>
+                                        <p:cTn id="40" dur="1" fill="hold">
+                                          <p:stCondLst>
+                                            <p:cond delay="0"/>
+                                          </p:stCondLst>
+                                        </p:cTn>
+                                        <p:tgtEl>
+                                          <p:spTgt spid="3">
+                                            <p:txEl>
                                               <p:pRg st="6" end="6"/>
                                             </p:txEl>
                                           </p:spTgt>
@@ -24879,14 +25062,14 @@
                                 </p:cTn>
                               </p:par>
                               <p:par>
-                                <p:cTn id="37" presetID="1" presetClass="entr" presetSubtype="0" fill="hold" nodeType="withEffect">
+                                <p:cTn id="41" presetID="1" presetClass="entr" presetSubtype="0" fill="hold" nodeType="withEffect">
                                   <p:stCondLst>
                                     <p:cond delay="0"/>
                                   </p:stCondLst>
                                   <p:childTnLst>
                                     <p:set>
                                       <p:cBhvr>
-                                        <p:cTn id="38" dur="1" fill="hold">
+                                        <p:cTn id="42" dur="1" fill="hold">
                                           <p:stCondLst>
                                             <p:cond delay="0"/>
                                           </p:stCondLst>

--- a/TDD_BDD Introduction.pptx
+++ b/TDD_BDD Introduction.pptx
@@ -7,35 +7,36 @@
     <p:sldMasterId id="2147483716" r:id="rId3"/>
   </p:sldMasterIdLst>
   <p:notesMasterIdLst>
-    <p:notesMasterId r:id="rId30"/>
+    <p:notesMasterId r:id="rId31"/>
   </p:notesMasterIdLst>
   <p:sldIdLst>
     <p:sldId id="256" r:id="rId4"/>
     <p:sldId id="319" r:id="rId5"/>
     <p:sldId id="257" r:id="rId6"/>
     <p:sldId id="298" r:id="rId7"/>
-    <p:sldId id="299" r:id="rId8"/>
-    <p:sldId id="301" r:id="rId9"/>
-    <p:sldId id="300" r:id="rId10"/>
-    <p:sldId id="302" r:id="rId11"/>
-    <p:sldId id="303" r:id="rId12"/>
-    <p:sldId id="304" r:id="rId13"/>
-    <p:sldId id="305" r:id="rId14"/>
-    <p:sldId id="306" r:id="rId15"/>
-    <p:sldId id="317" r:id="rId16"/>
-    <p:sldId id="308" r:id="rId17"/>
-    <p:sldId id="318" r:id="rId18"/>
-    <p:sldId id="309" r:id="rId19"/>
-    <p:sldId id="311" r:id="rId20"/>
-    <p:sldId id="312" r:id="rId21"/>
-    <p:sldId id="313" r:id="rId22"/>
-    <p:sldId id="314" r:id="rId23"/>
-    <p:sldId id="315" r:id="rId24"/>
-    <p:sldId id="316" r:id="rId25"/>
-    <p:sldId id="321" r:id="rId26"/>
-    <p:sldId id="320" r:id="rId27"/>
-    <p:sldId id="292" r:id="rId28"/>
-    <p:sldId id="290" r:id="rId29"/>
+    <p:sldId id="322" r:id="rId8"/>
+    <p:sldId id="299" r:id="rId9"/>
+    <p:sldId id="301" r:id="rId10"/>
+    <p:sldId id="300" r:id="rId11"/>
+    <p:sldId id="302" r:id="rId12"/>
+    <p:sldId id="303" r:id="rId13"/>
+    <p:sldId id="304" r:id="rId14"/>
+    <p:sldId id="305" r:id="rId15"/>
+    <p:sldId id="306" r:id="rId16"/>
+    <p:sldId id="317" r:id="rId17"/>
+    <p:sldId id="308" r:id="rId18"/>
+    <p:sldId id="318" r:id="rId19"/>
+    <p:sldId id="309" r:id="rId20"/>
+    <p:sldId id="311" r:id="rId21"/>
+    <p:sldId id="312" r:id="rId22"/>
+    <p:sldId id="313" r:id="rId23"/>
+    <p:sldId id="314" r:id="rId24"/>
+    <p:sldId id="315" r:id="rId25"/>
+    <p:sldId id="316" r:id="rId26"/>
+    <p:sldId id="321" r:id="rId27"/>
+    <p:sldId id="320" r:id="rId28"/>
+    <p:sldId id="292" r:id="rId29"/>
+    <p:sldId id="290" r:id="rId30"/>
   </p:sldIdLst>
   <p:sldSz cx="12192000" cy="6858000"/>
   <p:notesSz cx="6858000" cy="9144000"/>
@@ -1385,18 +1386,18 @@
   </dgm:ptLst>
   <dgm:cxnLst>
     <dgm:cxn modelId="{F2031042-A51C-47C6-BD35-AF46579D90B9}" type="presOf" srcId="{C1E9A2DE-653C-4AAF-BAC7-242EC2D52876}" destId="{3187AE09-E498-451E-B527-F93981C1E3BB}" srcOrd="0" destOrd="0" presId="urn:microsoft.com/office/officeart/2005/8/layout/chevron2"/>
+    <dgm:cxn modelId="{307FCB9B-C90E-4800-98CD-09E68CA18A1C}" type="presOf" srcId="{0D7BDDB5-87DE-4D45-9F0B-9856F3853635}" destId="{268FFB2C-DBAF-48E2-8D77-683684470F8A}" srcOrd="0" destOrd="0" presId="urn:microsoft.com/office/officeart/2005/8/layout/chevron2"/>
+    <dgm:cxn modelId="{0F00A51F-D9ED-4C3F-B07D-8FF2FF23A5EB}" srcId="{C1E9A2DE-653C-4AAF-BAC7-242EC2D52876}" destId="{94DC652A-D785-4694-B4AD-733917B3D241}" srcOrd="0" destOrd="0" parTransId="{7BB6E05E-E6E7-423E-AAD6-A049AF7B1594}" sibTransId="{222606E0-9BC2-4A3F-AE76-A58EC196B842}"/>
+    <dgm:cxn modelId="{7ACBE7FB-3A86-41B6-9C10-0D94D3B74751}" type="presOf" srcId="{ACBDDFBC-01E5-4CC2-8891-5EA2D367FD7B}" destId="{211FBC8A-ECAF-4F26-8AF9-D95E100B47E0}" srcOrd="0" destOrd="0" presId="urn:microsoft.com/office/officeart/2005/8/layout/chevron2"/>
+    <dgm:cxn modelId="{BA735303-C764-42C8-BFC1-B7F6FD2C934B}" srcId="{3EC688CC-9B74-4DF4-BD13-6DD390A6230B}" destId="{0D7BDDB5-87DE-4D45-9F0B-9856F3853635}" srcOrd="0" destOrd="0" parTransId="{991727A3-BC66-4834-90A9-C6D1DDC118C4}" sibTransId="{EFF5D862-666B-46C3-B798-D647A2EAB03F}"/>
+    <dgm:cxn modelId="{AEAF9062-9ABC-4360-A2FE-4FCDFA0B781E}" type="presOf" srcId="{94DC652A-D785-4694-B4AD-733917B3D241}" destId="{EE153214-89E6-4E9A-9E46-ED71ED379AD8}" srcOrd="0" destOrd="0" presId="urn:microsoft.com/office/officeart/2005/8/layout/chevron2"/>
     <dgm:cxn modelId="{A6787D86-C13D-4308-99AE-7FE7A30D86A1}" type="presOf" srcId="{3EC688CC-9B74-4DF4-BD13-6DD390A6230B}" destId="{F70C7747-D673-45ED-B6DE-E990DCD0C5F6}" srcOrd="0" destOrd="0" presId="urn:microsoft.com/office/officeart/2005/8/layout/chevron2"/>
+    <dgm:cxn modelId="{F717CE59-518C-4B84-AA0C-E72932E8F9E7}" srcId="{ACBDDFBC-01E5-4CC2-8891-5EA2D367FD7B}" destId="{3F8BB553-48DB-4901-BC3A-9006432974CB}" srcOrd="0" destOrd="0" parTransId="{C452B442-A84A-49B8-8770-A29288FA3C11}" sibTransId="{F273069B-9671-4635-9B32-CC25486FA0A4}"/>
+    <dgm:cxn modelId="{9D5796F8-5D37-4FEA-81C3-F2E15E51A838}" srcId="{ACBDDFBC-01E5-4CC2-8891-5EA2D367FD7B}" destId="{3EC688CC-9B74-4DF4-BD13-6DD390A6230B}" srcOrd="1" destOrd="0" parTransId="{045AFE43-951F-49B7-81A4-2068B8E15A88}" sibTransId="{ED0B8448-7F66-45D7-B5A3-C31BD327B707}"/>
     <dgm:cxn modelId="{DDBB4A7B-897E-4066-B1CD-24D628FAADDF}" srcId="{3F8BB553-48DB-4901-BC3A-9006432974CB}" destId="{586BA02E-2C83-44D6-917F-92843ABC26FE}" srcOrd="0" destOrd="0" parTransId="{1465802E-3A7D-4278-8B0E-C5BFED3C0BCB}" sibTransId="{0EDADA45-1D6F-4CD8-B153-BDFB716645C2}"/>
     <dgm:cxn modelId="{367967B8-CBFA-4926-B9D9-F06A4BEC2874}" srcId="{ACBDDFBC-01E5-4CC2-8891-5EA2D367FD7B}" destId="{C1E9A2DE-653C-4AAF-BAC7-242EC2D52876}" srcOrd="2" destOrd="0" parTransId="{0CF2CEC2-9381-4CB5-9162-BD1A317D69EC}" sibTransId="{E93AFC08-326A-4D81-8CFC-BA0142A7C781}"/>
-    <dgm:cxn modelId="{BA735303-C764-42C8-BFC1-B7F6FD2C934B}" srcId="{3EC688CC-9B74-4DF4-BD13-6DD390A6230B}" destId="{0D7BDDB5-87DE-4D45-9F0B-9856F3853635}" srcOrd="0" destOrd="0" parTransId="{991727A3-BC66-4834-90A9-C6D1DDC118C4}" sibTransId="{EFF5D862-666B-46C3-B798-D647A2EAB03F}"/>
     <dgm:cxn modelId="{27413567-BE04-4FA3-9528-C0AFD72BA1C4}" type="presOf" srcId="{3F8BB553-48DB-4901-BC3A-9006432974CB}" destId="{C428F6D7-B04F-4444-8CC6-5A6BD9DC88BD}" srcOrd="0" destOrd="0" presId="urn:microsoft.com/office/officeart/2005/8/layout/chevron2"/>
-    <dgm:cxn modelId="{AEAF9062-9ABC-4360-A2FE-4FCDFA0B781E}" type="presOf" srcId="{94DC652A-D785-4694-B4AD-733917B3D241}" destId="{EE153214-89E6-4E9A-9E46-ED71ED379AD8}" srcOrd="0" destOrd="0" presId="urn:microsoft.com/office/officeart/2005/8/layout/chevron2"/>
-    <dgm:cxn modelId="{F717CE59-518C-4B84-AA0C-E72932E8F9E7}" srcId="{ACBDDFBC-01E5-4CC2-8891-5EA2D367FD7B}" destId="{3F8BB553-48DB-4901-BC3A-9006432974CB}" srcOrd="0" destOrd="0" parTransId="{C452B442-A84A-49B8-8770-A29288FA3C11}" sibTransId="{F273069B-9671-4635-9B32-CC25486FA0A4}"/>
     <dgm:cxn modelId="{A5A84F18-2902-45A7-A483-D7327D76D94F}" type="presOf" srcId="{586BA02E-2C83-44D6-917F-92843ABC26FE}" destId="{6F5235EF-161E-4D0C-9E5E-DD5C130D3AF5}" srcOrd="0" destOrd="0" presId="urn:microsoft.com/office/officeart/2005/8/layout/chevron2"/>
-    <dgm:cxn modelId="{307FCB9B-C90E-4800-98CD-09E68CA18A1C}" type="presOf" srcId="{0D7BDDB5-87DE-4D45-9F0B-9856F3853635}" destId="{268FFB2C-DBAF-48E2-8D77-683684470F8A}" srcOrd="0" destOrd="0" presId="urn:microsoft.com/office/officeart/2005/8/layout/chevron2"/>
-    <dgm:cxn modelId="{7ACBE7FB-3A86-41B6-9C10-0D94D3B74751}" type="presOf" srcId="{ACBDDFBC-01E5-4CC2-8891-5EA2D367FD7B}" destId="{211FBC8A-ECAF-4F26-8AF9-D95E100B47E0}" srcOrd="0" destOrd="0" presId="urn:microsoft.com/office/officeart/2005/8/layout/chevron2"/>
-    <dgm:cxn modelId="{0F00A51F-D9ED-4C3F-B07D-8FF2FF23A5EB}" srcId="{C1E9A2DE-653C-4AAF-BAC7-242EC2D52876}" destId="{94DC652A-D785-4694-B4AD-733917B3D241}" srcOrd="0" destOrd="0" parTransId="{7BB6E05E-E6E7-423E-AAD6-A049AF7B1594}" sibTransId="{222606E0-9BC2-4A3F-AE76-A58EC196B842}"/>
-    <dgm:cxn modelId="{9D5796F8-5D37-4FEA-81C3-F2E15E51A838}" srcId="{ACBDDFBC-01E5-4CC2-8891-5EA2D367FD7B}" destId="{3EC688CC-9B74-4DF4-BD13-6DD390A6230B}" srcOrd="1" destOrd="0" parTransId="{045AFE43-951F-49B7-81A4-2068B8E15A88}" sibTransId="{ED0B8448-7F66-45D7-B5A3-C31BD327B707}"/>
     <dgm:cxn modelId="{F7541BBD-D86C-4E32-9E27-66291CCCEB37}" type="presParOf" srcId="{211FBC8A-ECAF-4F26-8AF9-D95E100B47E0}" destId="{361FD6E1-91FF-435B-83BB-FFBCC958D7BB}" srcOrd="0" destOrd="0" presId="urn:microsoft.com/office/officeart/2005/8/layout/chevron2"/>
     <dgm:cxn modelId="{1F4FD12E-599C-4BF3-A2D9-F4804DCD264A}" type="presParOf" srcId="{361FD6E1-91FF-435B-83BB-FFBCC958D7BB}" destId="{C428F6D7-B04F-4444-8CC6-5A6BD9DC88BD}" srcOrd="0" destOrd="0" presId="urn:microsoft.com/office/officeart/2005/8/layout/chevron2"/>
     <dgm:cxn modelId="{F2F6908A-17E9-4A38-917E-5A35FA698DAE}" type="presParOf" srcId="{361FD6E1-91FF-435B-83BB-FFBCC958D7BB}" destId="{6F5235EF-161E-4D0C-9E5E-DD5C130D3AF5}" srcOrd="1" destOrd="0" presId="urn:microsoft.com/office/officeart/2005/8/layout/chevron2"/>
@@ -3342,7 +3343,7 @@
           <a:p>
             <a:fld id="{3C74A5D0-F500-4656-A06F-8877668FA90E}" type="datetimeFigureOut">
               <a:rPr lang="en-US" smtClean="0"/>
-              <a:t>9/21/2019</a:t>
+              <a:t>9/25/2019</a:t>
             </a:fld>
             <a:endParaRPr lang="en-US"/>
           </a:p>
@@ -3783,7 +3784,7 @@
           <a:p>
             <a:fld id="{C2454028-0B7A-4366-8D40-A23547F3B64D}" type="slidenum">
               <a:rPr lang="en-US" smtClean="0"/>
-              <a:t>4</a:t>
+              <a:t>2</a:t>
             </a:fld>
             <a:endParaRPr lang="en-US"/>
           </a:p>
@@ -3792,7 +3793,7 @@
     </p:spTree>
     <p:extLst>
       <p:ext uri="{BB962C8B-B14F-4D97-AF65-F5344CB8AC3E}">
-        <p14:creationId xmlns:p14="http://schemas.microsoft.com/office/powerpoint/2010/main" val="3384715996"/>
+        <p14:creationId xmlns:p14="http://schemas.microsoft.com/office/powerpoint/2010/main" val="2004125483"/>
       </p:ext>
     </p:extLst>
   </p:cSld>
@@ -3867,7 +3868,7 @@
           <a:p>
             <a:fld id="{C2454028-0B7A-4366-8D40-A23547F3B64D}" type="slidenum">
               <a:rPr lang="en-US" smtClean="0"/>
-              <a:t>11</a:t>
+              <a:t>4</a:t>
             </a:fld>
             <a:endParaRPr lang="en-US"/>
           </a:p>
@@ -3876,7 +3877,7 @@
     </p:spTree>
     <p:extLst>
       <p:ext uri="{BB962C8B-B14F-4D97-AF65-F5344CB8AC3E}">
-        <p14:creationId xmlns:p14="http://schemas.microsoft.com/office/powerpoint/2010/main" val="80050091"/>
+        <p14:creationId xmlns:p14="http://schemas.microsoft.com/office/powerpoint/2010/main" val="3384715996"/>
       </p:ext>
     </p:extLst>
   </p:cSld>
@@ -3930,7 +3931,7 @@
           <a:bodyPr/>
           <a:lstStyle/>
           <a:p>
-            <a:endParaRPr lang="fa-IR"/>
+            <a:endParaRPr lang="fa-IR" dirty="0"/>
           </a:p>
         </p:txBody>
       </p:sp>
@@ -3951,7 +3952,7 @@
           <a:p>
             <a:fld id="{C2454028-0B7A-4366-8D40-A23547F3B64D}" type="slidenum">
               <a:rPr lang="en-US" smtClean="0"/>
-              <a:t>15</a:t>
+              <a:t>5</a:t>
             </a:fld>
             <a:endParaRPr lang="en-US"/>
           </a:p>
@@ -3960,7 +3961,7 @@
     </p:spTree>
     <p:extLst>
       <p:ext uri="{BB962C8B-B14F-4D97-AF65-F5344CB8AC3E}">
-        <p14:creationId xmlns:p14="http://schemas.microsoft.com/office/powerpoint/2010/main" val="1667428087"/>
+        <p14:creationId xmlns:p14="http://schemas.microsoft.com/office/powerpoint/2010/main" val="1188836295"/>
       </p:ext>
     </p:extLst>
   </p:cSld>
@@ -4014,24 +4015,7 @@
           <a:bodyPr/>
           <a:lstStyle/>
           <a:p>
-            <a:pPr marL="0" marR="0" lvl="0" indent="0" algn="l" defTabSz="914400" rtl="0" eaLnBrk="1" fontAlgn="auto" latinLnBrk="0" hangingPunct="1">
-              <a:lnSpc>
-                <a:spcPct val="100000"/>
-              </a:lnSpc>
-              <a:spcBef>
-                <a:spcPts val="0"/>
-              </a:spcBef>
-              <a:spcAft>
-                <a:spcPts val="0"/>
-              </a:spcAft>
-              <a:buClrTx/>
-              <a:buSzTx/>
-              <a:buFontTx/>
-              <a:buNone/>
-              <a:tabLst/>
-              <a:defRPr/>
-            </a:pPr>
-            <a:endParaRPr lang="en-US" dirty="0" smtClean="0"/>
+            <a:endParaRPr lang="fa-IR" dirty="0"/>
           </a:p>
         </p:txBody>
       </p:sp>
@@ -4052,7 +4036,7 @@
           <a:p>
             <a:fld id="{C2454028-0B7A-4366-8D40-A23547F3B64D}" type="slidenum">
               <a:rPr lang="en-US" smtClean="0"/>
-              <a:t>25</a:t>
+              <a:t>12</a:t>
             </a:fld>
             <a:endParaRPr lang="en-US"/>
           </a:p>
@@ -4061,7 +4045,7 @@
     </p:spTree>
     <p:extLst>
       <p:ext uri="{BB962C8B-B14F-4D97-AF65-F5344CB8AC3E}">
-        <p14:creationId xmlns:p14="http://schemas.microsoft.com/office/powerpoint/2010/main" val="4016406261"/>
+        <p14:creationId xmlns:p14="http://schemas.microsoft.com/office/powerpoint/2010/main" val="80050091"/>
       </p:ext>
     </p:extLst>
   </p:cSld>
@@ -4115,6 +4099,90 @@
           <a:bodyPr/>
           <a:lstStyle/>
           <a:p>
+            <a:endParaRPr lang="fa-IR"/>
+          </a:p>
+        </p:txBody>
+      </p:sp>
+      <p:sp>
+        <p:nvSpPr>
+          <p:cNvPr id="4" name="Slide Number Placeholder 3"/>
+          <p:cNvSpPr>
+            <a:spLocks noGrp="1"/>
+          </p:cNvSpPr>
+          <p:nvPr>
+            <p:ph type="sldNum" sz="quarter" idx="10"/>
+          </p:nvPr>
+        </p:nvSpPr>
+        <p:spPr/>
+        <p:txBody>
+          <a:bodyPr/>
+          <a:lstStyle/>
+          <a:p>
+            <a:fld id="{C2454028-0B7A-4366-8D40-A23547F3B64D}" type="slidenum">
+              <a:rPr lang="en-US" smtClean="0"/>
+              <a:t>16</a:t>
+            </a:fld>
+            <a:endParaRPr lang="en-US"/>
+          </a:p>
+        </p:txBody>
+      </p:sp>
+    </p:spTree>
+    <p:extLst>
+      <p:ext uri="{BB962C8B-B14F-4D97-AF65-F5344CB8AC3E}">
+        <p14:creationId xmlns:p14="http://schemas.microsoft.com/office/powerpoint/2010/main" val="1667428087"/>
+      </p:ext>
+    </p:extLst>
+  </p:cSld>
+  <p:clrMapOvr>
+    <a:masterClrMapping/>
+  </p:clrMapOvr>
+</p:notes>
+</file>
+
+<file path=ppt/notesSlides/notesSlide7.xml><?xml version="1.0" encoding="utf-8"?>
+<p:notes xmlns:a="http://schemas.openxmlformats.org/drawingml/2006/main" xmlns:r="http://schemas.openxmlformats.org/officeDocument/2006/relationships" xmlns:p="http://schemas.openxmlformats.org/presentationml/2006/main">
+  <p:cSld>
+    <p:spTree>
+      <p:nvGrpSpPr>
+        <p:cNvPr id="1" name=""/>
+        <p:cNvGrpSpPr/>
+        <p:nvPr/>
+      </p:nvGrpSpPr>
+      <p:grpSpPr>
+        <a:xfrm>
+          <a:off x="0" y="0"/>
+          <a:ext cx="0" cy="0"/>
+          <a:chOff x="0" y="0"/>
+          <a:chExt cx="0" cy="0"/>
+        </a:xfrm>
+      </p:grpSpPr>
+      <p:sp>
+        <p:nvSpPr>
+          <p:cNvPr id="2" name="Slide Image Placeholder 1"/>
+          <p:cNvSpPr>
+            <a:spLocks noGrp="1" noRot="1" noChangeAspect="1"/>
+          </p:cNvSpPr>
+          <p:nvPr>
+            <p:ph type="sldImg"/>
+          </p:nvPr>
+        </p:nvSpPr>
+        <p:spPr/>
+      </p:sp>
+      <p:sp>
+        <p:nvSpPr>
+          <p:cNvPr id="3" name="Notes Placeholder 2"/>
+          <p:cNvSpPr>
+            <a:spLocks noGrp="1"/>
+          </p:cNvSpPr>
+          <p:nvPr>
+            <p:ph type="body" idx="1"/>
+          </p:nvPr>
+        </p:nvSpPr>
+        <p:spPr/>
+        <p:txBody>
+          <a:bodyPr/>
+          <a:lstStyle/>
+          <a:p>
             <a:pPr marL="0" marR="0" lvl="0" indent="0" algn="l" defTabSz="914400" rtl="0" eaLnBrk="1" fontAlgn="auto" latinLnBrk="0" hangingPunct="1">
               <a:lnSpc>
                 <a:spcPct val="100000"/>
@@ -4154,6 +4222,107 @@
             <a:fld id="{C2454028-0B7A-4366-8D40-A23547F3B64D}" type="slidenum">
               <a:rPr lang="en-US" smtClean="0"/>
               <a:t>26</a:t>
+            </a:fld>
+            <a:endParaRPr lang="en-US"/>
+          </a:p>
+        </p:txBody>
+      </p:sp>
+    </p:spTree>
+    <p:extLst>
+      <p:ext uri="{BB962C8B-B14F-4D97-AF65-F5344CB8AC3E}">
+        <p14:creationId xmlns:p14="http://schemas.microsoft.com/office/powerpoint/2010/main" val="4016406261"/>
+      </p:ext>
+    </p:extLst>
+  </p:cSld>
+  <p:clrMapOvr>
+    <a:masterClrMapping/>
+  </p:clrMapOvr>
+</p:notes>
+</file>
+
+<file path=ppt/notesSlides/notesSlide8.xml><?xml version="1.0" encoding="utf-8"?>
+<p:notes xmlns:a="http://schemas.openxmlformats.org/drawingml/2006/main" xmlns:r="http://schemas.openxmlformats.org/officeDocument/2006/relationships" xmlns:p="http://schemas.openxmlformats.org/presentationml/2006/main">
+  <p:cSld>
+    <p:spTree>
+      <p:nvGrpSpPr>
+        <p:cNvPr id="1" name=""/>
+        <p:cNvGrpSpPr/>
+        <p:nvPr/>
+      </p:nvGrpSpPr>
+      <p:grpSpPr>
+        <a:xfrm>
+          <a:off x="0" y="0"/>
+          <a:ext cx="0" cy="0"/>
+          <a:chOff x="0" y="0"/>
+          <a:chExt cx="0" cy="0"/>
+        </a:xfrm>
+      </p:grpSpPr>
+      <p:sp>
+        <p:nvSpPr>
+          <p:cNvPr id="2" name="Slide Image Placeholder 1"/>
+          <p:cNvSpPr>
+            <a:spLocks noGrp="1" noRot="1" noChangeAspect="1"/>
+          </p:cNvSpPr>
+          <p:nvPr>
+            <p:ph type="sldImg"/>
+          </p:nvPr>
+        </p:nvSpPr>
+        <p:spPr/>
+      </p:sp>
+      <p:sp>
+        <p:nvSpPr>
+          <p:cNvPr id="3" name="Notes Placeholder 2"/>
+          <p:cNvSpPr>
+            <a:spLocks noGrp="1"/>
+          </p:cNvSpPr>
+          <p:nvPr>
+            <p:ph type="body" idx="1"/>
+          </p:nvPr>
+        </p:nvSpPr>
+        <p:spPr/>
+        <p:txBody>
+          <a:bodyPr/>
+          <a:lstStyle/>
+          <a:p>
+            <a:pPr marL="0" marR="0" lvl="0" indent="0" algn="l" defTabSz="914400" rtl="0" eaLnBrk="1" fontAlgn="auto" latinLnBrk="0" hangingPunct="1">
+              <a:lnSpc>
+                <a:spcPct val="100000"/>
+              </a:lnSpc>
+              <a:spcBef>
+                <a:spcPts val="0"/>
+              </a:spcBef>
+              <a:spcAft>
+                <a:spcPts val="0"/>
+              </a:spcAft>
+              <a:buClrTx/>
+              <a:buSzTx/>
+              <a:buFontTx/>
+              <a:buNone/>
+              <a:tabLst/>
+              <a:defRPr/>
+            </a:pPr>
+            <a:endParaRPr lang="en-US" dirty="0" smtClean="0"/>
+          </a:p>
+        </p:txBody>
+      </p:sp>
+      <p:sp>
+        <p:nvSpPr>
+          <p:cNvPr id="4" name="Slide Number Placeholder 3"/>
+          <p:cNvSpPr>
+            <a:spLocks noGrp="1"/>
+          </p:cNvSpPr>
+          <p:nvPr>
+            <p:ph type="sldNum" sz="quarter" idx="10"/>
+          </p:nvPr>
+        </p:nvSpPr>
+        <p:spPr/>
+        <p:txBody>
+          <a:bodyPr/>
+          <a:lstStyle/>
+          <a:p>
+            <a:fld id="{C2454028-0B7A-4366-8D40-A23547F3B64D}" type="slidenum">
+              <a:rPr lang="en-US" smtClean="0"/>
+              <a:t>27</a:t>
             </a:fld>
             <a:endParaRPr lang="en-US"/>
           </a:p>
@@ -5498,7 +5667,7 @@
           <a:p>
             <a:fld id="{F3B70C1F-EA92-4B9F-A69C-D9C40072B96D}" type="datetimeFigureOut">
               <a:rPr lang="en-US" smtClean="0"/>
-              <a:t>9/21/2019</a:t>
+              <a:t>9/25/2019</a:t>
             </a:fld>
             <a:endParaRPr lang="en-US"/>
           </a:p>
@@ -5668,7 +5837,7 @@
           <a:p>
             <a:fld id="{F3B70C1F-EA92-4B9F-A69C-D9C40072B96D}" type="datetimeFigureOut">
               <a:rPr lang="en-US" smtClean="0"/>
-              <a:t>9/21/2019</a:t>
+              <a:t>9/25/2019</a:t>
             </a:fld>
             <a:endParaRPr lang="en-US"/>
           </a:p>
@@ -5914,7 +6083,7 @@
           <a:p>
             <a:fld id="{F3B70C1F-EA92-4B9F-A69C-D9C40072B96D}" type="datetimeFigureOut">
               <a:rPr lang="en-US" smtClean="0"/>
-              <a:t>9/21/2019</a:t>
+              <a:t>9/25/2019</a:t>
             </a:fld>
             <a:endParaRPr lang="en-US"/>
           </a:p>
@@ -6146,7 +6315,7 @@
           <a:p>
             <a:fld id="{F3B70C1F-EA92-4B9F-A69C-D9C40072B96D}" type="datetimeFigureOut">
               <a:rPr lang="en-US" smtClean="0"/>
-              <a:t>9/21/2019</a:t>
+              <a:t>9/25/2019</a:t>
             </a:fld>
             <a:endParaRPr lang="en-US"/>
           </a:p>
@@ -6513,7 +6682,7 @@
           <a:p>
             <a:fld id="{F3B70C1F-EA92-4B9F-A69C-D9C40072B96D}" type="datetimeFigureOut">
               <a:rPr lang="en-US" smtClean="0"/>
-              <a:t>9/21/2019</a:t>
+              <a:t>9/25/2019</a:t>
             </a:fld>
             <a:endParaRPr lang="en-US"/>
           </a:p>
@@ -6669,7 +6838,7 @@
           <a:p>
             <a:fld id="{F3B70C1F-EA92-4B9F-A69C-D9C40072B96D}" type="datetimeFigureOut">
               <a:rPr lang="en-US" smtClean="0"/>
-              <a:t>9/21/2019</a:t>
+              <a:t>9/25/2019</a:t>
             </a:fld>
             <a:endParaRPr lang="en-US"/>
           </a:p>
@@ -6764,7 +6933,7 @@
           <a:p>
             <a:fld id="{F3B70C1F-EA92-4B9F-A69C-D9C40072B96D}" type="datetimeFigureOut">
               <a:rPr lang="en-US" smtClean="0"/>
-              <a:t>9/21/2019</a:t>
+              <a:t>9/25/2019</a:t>
             </a:fld>
             <a:endParaRPr lang="en-US"/>
           </a:p>
@@ -7041,7 +7210,7 @@
           <a:p>
             <a:fld id="{F3B70C1F-EA92-4B9F-A69C-D9C40072B96D}" type="datetimeFigureOut">
               <a:rPr lang="en-US" smtClean="0"/>
-              <a:t>9/21/2019</a:t>
+              <a:t>9/25/2019</a:t>
             </a:fld>
             <a:endParaRPr lang="en-US"/>
           </a:p>
@@ -7298,7 +7467,7 @@
           <a:p>
             <a:fld id="{F3B70C1F-EA92-4B9F-A69C-D9C40072B96D}" type="datetimeFigureOut">
               <a:rPr lang="en-US" smtClean="0"/>
-              <a:t>9/21/2019</a:t>
+              <a:t>9/25/2019</a:t>
             </a:fld>
             <a:endParaRPr lang="en-US"/>
           </a:p>
@@ -7468,7 +7637,7 @@
           <a:p>
             <a:fld id="{F3B70C1F-EA92-4B9F-A69C-D9C40072B96D}" type="datetimeFigureOut">
               <a:rPr lang="en-US" smtClean="0"/>
-              <a:t>9/21/2019</a:t>
+              <a:t>9/25/2019</a:t>
             </a:fld>
             <a:endParaRPr lang="en-US"/>
           </a:p>
@@ -7648,7 +7817,7 @@
           <a:p>
             <a:fld id="{F3B70C1F-EA92-4B9F-A69C-D9C40072B96D}" type="datetimeFigureOut">
               <a:rPr lang="en-US" smtClean="0"/>
-              <a:t>9/21/2019</a:t>
+              <a:t>9/25/2019</a:t>
             </a:fld>
             <a:endParaRPr lang="en-US"/>
           </a:p>
@@ -8976,7 +9145,7 @@
                 <a:sym typeface="Circular Pro Medium"/>
               </a:rPr>
               <a:pPr defTabSz="609585"/>
-              <a:t>9/21/2019</a:t>
+              <a:t>9/25/2019</a:t>
             </a:fld>
             <a:endParaRPr lang="en-US">
               <a:solidFill>
@@ -10353,7 +10522,7 @@
                 <a:sym typeface="Circular Pro Medium"/>
               </a:rPr>
               <a:pPr defTabSz="609585"/>
-              <a:t>9/21/2019</a:t>
+              <a:t>9/25/2019</a:t>
             </a:fld>
             <a:endParaRPr lang="en-US">
               <a:solidFill>
@@ -10957,7 +11126,7 @@
           </a:ln>
           <a:extLst>
             <a:ext uri="{C572A759-6A51-4108-AA02-DFA0A04FC94B}">
-              <ma14:wrappingTextBoxFlag xmlns="" xmlns:ma14="http://schemas.microsoft.com/office/mac/drawingml/2011/main" val="1"/>
+              <ma14:wrappingTextBoxFlag xmlns:ma14="http://schemas.microsoft.com/office/mac/drawingml/2011/main" xmlns="" val="1"/>
             </a:ext>
           </a:extLst>
         </p:spPr>
@@ -11080,6 +11249,92 @@
 </file>
 
 <file path=ppt/slides/slide10.xml><?xml version="1.0" encoding="utf-8"?>
+<p:sld xmlns:a="http://schemas.openxmlformats.org/drawingml/2006/main" xmlns:r="http://schemas.openxmlformats.org/officeDocument/2006/relationships" xmlns:p="http://schemas.openxmlformats.org/presentationml/2006/main">
+  <p:cSld>
+    <p:spTree>
+      <p:nvGrpSpPr>
+        <p:cNvPr id="1" name=""/>
+        <p:cNvGrpSpPr/>
+        <p:nvPr/>
+      </p:nvGrpSpPr>
+      <p:grpSpPr>
+        <a:xfrm>
+          <a:off x="0" y="0"/>
+          <a:ext cx="0" cy="0"/>
+          <a:chOff x="0" y="0"/>
+          <a:chExt cx="0" cy="0"/>
+        </a:xfrm>
+      </p:grpSpPr>
+      <p:sp>
+        <p:nvSpPr>
+          <p:cNvPr id="2" name="Title 1"/>
+          <p:cNvSpPr>
+            <a:spLocks noGrp="1"/>
+          </p:cNvSpPr>
+          <p:nvPr>
+            <p:ph type="title"/>
+          </p:nvPr>
+        </p:nvSpPr>
+        <p:spPr/>
+        <p:txBody>
+          <a:bodyPr/>
+          <a:lstStyle/>
+          <a:p>
+            <a:r>
+              <a:rPr lang="en-US" dirty="0" err="1" smtClean="0"/>
+              <a:t>Wiremock</a:t>
+            </a:r>
+            <a:endParaRPr lang="fa-IR" dirty="0"/>
+          </a:p>
+        </p:txBody>
+      </p:sp>
+      <p:pic>
+        <p:nvPicPr>
+          <p:cNvPr id="4" name="Content Placeholder 3"/>
+          <p:cNvPicPr>
+            <a:picLocks noGrp="1" noChangeAspect="1"/>
+          </p:cNvPicPr>
+          <p:nvPr>
+            <p:ph idx="1"/>
+          </p:nvPr>
+        </p:nvPicPr>
+        <p:blipFill>
+          <a:blip r:embed="rId2"/>
+          <a:stretch>
+            <a:fillRect/>
+          </a:stretch>
+        </p:blipFill>
+        <p:spPr>
+          <a:xfrm>
+            <a:off x="2280826" y="1482436"/>
+            <a:ext cx="7832991" cy="5171506"/>
+          </a:xfrm>
+          <a:prstGeom prst="rect">
+            <a:avLst/>
+          </a:prstGeom>
+        </p:spPr>
+      </p:pic>
+    </p:spTree>
+    <p:extLst>
+      <p:ext uri="{BB962C8B-B14F-4D97-AF65-F5344CB8AC3E}">
+        <p14:creationId xmlns:p14="http://schemas.microsoft.com/office/powerpoint/2010/main" val="188893187"/>
+      </p:ext>
+    </p:extLst>
+  </p:cSld>
+  <p:clrMapOvr>
+    <a:masterClrMapping/>
+  </p:clrMapOvr>
+  <p:timing>
+    <p:tnLst>
+      <p:par>
+        <p:cTn id="1" dur="indefinite" restart="never" nodeType="tmRoot"/>
+      </p:par>
+    </p:tnLst>
+  </p:timing>
+</p:sld>
+</file>
+
+<file path=ppt/slides/slide11.xml><?xml version="1.0" encoding="utf-8"?>
 <p:sld xmlns:a="http://schemas.openxmlformats.org/drawingml/2006/main" xmlns:r="http://schemas.openxmlformats.org/officeDocument/2006/relationships" xmlns:p="http://schemas.openxmlformats.org/presentationml/2006/main">
   <p:cSld>
     <p:spTree>
@@ -11331,7 +11586,7 @@
 </p:sld>
 </file>
 
-<file path=ppt/slides/slide11.xml><?xml version="1.0" encoding="utf-8"?>
+<file path=ppt/slides/slide12.xml><?xml version="1.0" encoding="utf-8"?>
 <p:sld xmlns:a="http://schemas.openxmlformats.org/drawingml/2006/main" xmlns:r="http://schemas.openxmlformats.org/officeDocument/2006/relationships" xmlns:p="http://schemas.openxmlformats.org/presentationml/2006/main">
   <p:cSld>
     <p:spTree>
@@ -12629,7 +12884,7 @@
 </p:sld>
 </file>
 
-<file path=ppt/slides/slide12.xml><?xml version="1.0" encoding="utf-8"?>
+<file path=ppt/slides/slide13.xml><?xml version="1.0" encoding="utf-8"?>
 <p:sld xmlns:a="http://schemas.openxmlformats.org/drawingml/2006/main" xmlns:r="http://schemas.openxmlformats.org/officeDocument/2006/relationships" xmlns:p="http://schemas.openxmlformats.org/presentationml/2006/main">
   <p:cSld>
     <p:spTree>
@@ -15780,7 +16035,7 @@
 </p:sld>
 </file>
 
-<file path=ppt/slides/slide13.xml><?xml version="1.0" encoding="utf-8"?>
+<file path=ppt/slides/slide14.xml><?xml version="1.0" encoding="utf-8"?>
 <p:sld xmlns:a="http://schemas.openxmlformats.org/drawingml/2006/main" xmlns:r="http://schemas.openxmlformats.org/officeDocument/2006/relationships" xmlns:p="http://schemas.openxmlformats.org/presentationml/2006/main">
   <p:cSld>
     <p:spTree>
@@ -17006,7 +17261,7 @@
 </p:sld>
 </file>
 
-<file path=ppt/slides/slide14.xml><?xml version="1.0" encoding="utf-8"?>
+<file path=ppt/slides/slide15.xml><?xml version="1.0" encoding="utf-8"?>
 <p:sld xmlns:a="http://schemas.openxmlformats.org/drawingml/2006/main" xmlns:r="http://schemas.openxmlformats.org/officeDocument/2006/relationships" xmlns:p="http://schemas.openxmlformats.org/presentationml/2006/main">
   <p:cSld>
     <p:spTree>
@@ -17510,7 +17765,7 @@
 </p:sld>
 </file>
 
-<file path=ppt/slides/slide15.xml><?xml version="1.0" encoding="utf-8"?>
+<file path=ppt/slides/slide16.xml><?xml version="1.0" encoding="utf-8"?>
 <p:sld xmlns:a="http://schemas.openxmlformats.org/drawingml/2006/main" xmlns:r="http://schemas.openxmlformats.org/officeDocument/2006/relationships" xmlns:p="http://schemas.openxmlformats.org/presentationml/2006/main">
   <p:cSld>
     <p:spTree>
@@ -18467,171 +18722,6 @@
 </p:sld>
 </file>
 
-<file path=ppt/slides/slide16.xml><?xml version="1.0" encoding="utf-8"?>
-<p:sld xmlns:a="http://schemas.openxmlformats.org/drawingml/2006/main" xmlns:r="http://schemas.openxmlformats.org/officeDocument/2006/relationships" xmlns:p="http://schemas.openxmlformats.org/presentationml/2006/main">
-  <p:cSld>
-    <p:spTree>
-      <p:nvGrpSpPr>
-        <p:cNvPr id="1" name=""/>
-        <p:cNvGrpSpPr/>
-        <p:nvPr/>
-      </p:nvGrpSpPr>
-      <p:grpSpPr>
-        <a:xfrm>
-          <a:off x="0" y="0"/>
-          <a:ext cx="0" cy="0"/>
-          <a:chOff x="0" y="0"/>
-          <a:chExt cx="0" cy="0"/>
-        </a:xfrm>
-      </p:grpSpPr>
-      <p:sp>
-        <p:nvSpPr>
-          <p:cNvPr id="2" name="Title 1"/>
-          <p:cNvSpPr>
-            <a:spLocks noGrp="1"/>
-          </p:cNvSpPr>
-          <p:nvPr>
-            <p:ph type="title"/>
-          </p:nvPr>
-        </p:nvSpPr>
-        <p:spPr/>
-        <p:txBody>
-          <a:bodyPr/>
-          <a:lstStyle/>
-          <a:p>
-            <a:r>
-              <a:rPr lang="en-US" dirty="0" smtClean="0"/>
-              <a:t>When the developers begin their work</a:t>
-            </a:r>
-            <a:endParaRPr lang="fa-IR" dirty="0"/>
-          </a:p>
-        </p:txBody>
-      </p:sp>
-      <p:sp>
-        <p:nvSpPr>
-          <p:cNvPr id="3" name="Content Placeholder 2"/>
-          <p:cNvSpPr>
-            <a:spLocks noGrp="1"/>
-          </p:cNvSpPr>
-          <p:nvPr>
-            <p:ph idx="1"/>
-          </p:nvPr>
-        </p:nvSpPr>
-        <p:spPr/>
-        <p:txBody>
-          <a:bodyPr/>
-          <a:lstStyle/>
-          <a:p>
-            <a:pPr algn="l" rtl="0"/>
-            <a:r>
-              <a:rPr lang="en-US" dirty="0" smtClean="0">
-                <a:solidFill>
-                  <a:schemeClr val="accent2">
-                    <a:lumMod val="50000"/>
-                  </a:schemeClr>
-                </a:solidFill>
-              </a:rPr>
-              <a:t>Behavioral Test</a:t>
-            </a:r>
-          </a:p>
-          <a:p>
-            <a:pPr algn="l" rtl="0"/>
-            <a:endParaRPr lang="en-US" dirty="0">
-              <a:solidFill>
-                <a:schemeClr val="accent2">
-                  <a:lumMod val="50000"/>
-                </a:schemeClr>
-              </a:solidFill>
-            </a:endParaRPr>
-          </a:p>
-          <a:p>
-            <a:pPr algn="l" rtl="0"/>
-            <a:r>
-              <a:rPr lang="en-US" dirty="0" smtClean="0">
-                <a:solidFill>
-                  <a:schemeClr val="accent2">
-                    <a:lumMod val="50000"/>
-                  </a:schemeClr>
-                </a:solidFill>
-              </a:rPr>
-              <a:t>Behavioral Test</a:t>
-            </a:r>
-          </a:p>
-          <a:p>
-            <a:pPr algn="l" rtl="0"/>
-            <a:endParaRPr lang="en-US" dirty="0">
-              <a:solidFill>
-                <a:schemeClr val="accent2">
-                  <a:lumMod val="50000"/>
-                </a:schemeClr>
-              </a:solidFill>
-            </a:endParaRPr>
-          </a:p>
-          <a:p>
-            <a:pPr algn="l" rtl="0"/>
-            <a:r>
-              <a:rPr lang="en-US" dirty="0" smtClean="0">
-                <a:solidFill>
-                  <a:schemeClr val="accent2">
-                    <a:lumMod val="50000"/>
-                  </a:schemeClr>
-                </a:solidFill>
-              </a:rPr>
-              <a:t>…</a:t>
-            </a:r>
-          </a:p>
-          <a:p>
-            <a:pPr algn="l" rtl="0"/>
-            <a:endParaRPr lang="en-US" dirty="0">
-              <a:solidFill>
-                <a:schemeClr val="accent2">
-                  <a:lumMod val="50000"/>
-                </a:schemeClr>
-              </a:solidFill>
-            </a:endParaRPr>
-          </a:p>
-          <a:p>
-            <a:pPr algn="l" rtl="0"/>
-            <a:r>
-              <a:rPr lang="en-US" dirty="0" smtClean="0">
-                <a:solidFill>
-                  <a:schemeClr val="accent2">
-                    <a:lumMod val="50000"/>
-                  </a:schemeClr>
-                </a:solidFill>
-              </a:rPr>
-              <a:t>Behavioral Test</a:t>
-            </a:r>
-            <a:endParaRPr lang="fa-IR" dirty="0">
-              <a:solidFill>
-                <a:schemeClr val="accent2">
-                  <a:lumMod val="50000"/>
-                </a:schemeClr>
-              </a:solidFill>
-            </a:endParaRPr>
-          </a:p>
-        </p:txBody>
-      </p:sp>
-    </p:spTree>
-    <p:extLst>
-      <p:ext uri="{BB962C8B-B14F-4D97-AF65-F5344CB8AC3E}">
-        <p14:creationId xmlns:p14="http://schemas.microsoft.com/office/powerpoint/2010/main" val="2667353948"/>
-      </p:ext>
-    </p:extLst>
-  </p:cSld>
-  <p:clrMapOvr>
-    <a:masterClrMapping/>
-  </p:clrMapOvr>
-  <p:timing>
-    <p:tnLst>
-      <p:par>
-        <p:cTn id="1" dur="indefinite" restart="never" nodeType="tmRoot"/>
-      </p:par>
-    </p:tnLst>
-  </p:timing>
-</p:sld>
-</file>
-
 <file path=ppt/slides/slide17.xml><?xml version="1.0" encoding="utf-8"?>
 <p:sld xmlns:a="http://schemas.openxmlformats.org/drawingml/2006/main" xmlns:r="http://schemas.openxmlformats.org/officeDocument/2006/relationships" xmlns:p="http://schemas.openxmlformats.org/presentationml/2006/main">
   <p:cSld>
@@ -18691,18 +18781,12 @@
             <a:r>
               <a:rPr lang="en-US" dirty="0" smtClean="0">
                 <a:solidFill>
-                  <a:schemeClr val="accent6"/>
+                  <a:schemeClr val="accent2">
+                    <a:lumMod val="50000"/>
+                  </a:schemeClr>
                 </a:solidFill>
               </a:rPr>
-              <a:t>Behavioral Test	</a:t>
-            </a:r>
-            <a:r>
-              <a:rPr lang="en-US" dirty="0" smtClean="0">
-                <a:solidFill>
-                  <a:schemeClr val="accent5"/>
-                </a:solidFill>
-              </a:rPr>
-              <a:t>New Feature</a:t>
+              <a:t>Behavioral Test</a:t>
             </a:r>
           </a:p>
           <a:p>
@@ -18786,25 +18870,13 @@
     </p:spTree>
     <p:extLst>
       <p:ext uri="{BB962C8B-B14F-4D97-AF65-F5344CB8AC3E}">
-        <p14:creationId xmlns:p14="http://schemas.microsoft.com/office/powerpoint/2010/main" val="3894212532"/>
+        <p14:creationId xmlns:p14="http://schemas.microsoft.com/office/powerpoint/2010/main" val="2667353948"/>
       </p:ext>
     </p:extLst>
   </p:cSld>
   <p:clrMapOvr>
     <a:masterClrMapping/>
   </p:clrMapOvr>
-  <mc:AlternateContent xmlns:mc="http://schemas.openxmlformats.org/markup-compatibility/2006" xmlns:p14="http://schemas.microsoft.com/office/powerpoint/2010/main">
-    <mc:Choice Requires="p14">
-      <p:transition spd="med" p14:dur="700">
-        <p:fade/>
-      </p:transition>
-    </mc:Choice>
-    <mc:Fallback xmlns="">
-      <p:transition spd="med">
-        <p:fade/>
-      </p:transition>
-    </mc:Fallback>
-  </mc:AlternateContent>
   <p:timing>
     <p:tnLst>
       <p:par>
@@ -18901,42 +18973,15 @@
           <a:p>
             <a:pPr algn="l" rtl="0"/>
             <a:r>
-              <a:rPr lang="en-US" dirty="0">
+              <a:rPr lang="en-US" dirty="0" smtClean="0">
                 <a:solidFill>
-                  <a:schemeClr val="accent6"/>
+                  <a:schemeClr val="accent2">
+                    <a:lumMod val="50000"/>
+                  </a:schemeClr>
                 </a:solidFill>
               </a:rPr>
-              <a:t>Behavioral </a:t>
-            </a:r>
-            <a:r>
-              <a:rPr lang="en-US" dirty="0" smtClean="0">
-                <a:solidFill>
-                  <a:schemeClr val="accent6"/>
-                </a:solidFill>
-              </a:rPr>
-              <a:t>Test	</a:t>
-            </a:r>
-            <a:r>
-              <a:rPr lang="en-US" dirty="0">
-                <a:solidFill>
-                  <a:schemeClr val="accent5"/>
-                </a:solidFill>
-              </a:rPr>
-              <a:t>New </a:t>
-            </a:r>
-            <a:r>
-              <a:rPr lang="en-US" dirty="0" smtClean="0">
-                <a:solidFill>
-                  <a:schemeClr val="accent5"/>
-                </a:solidFill>
-              </a:rPr>
-              <a:t>Feature</a:t>
-            </a:r>
-            <a:endParaRPr lang="en-US" dirty="0">
-              <a:solidFill>
-                <a:schemeClr val="accent6"/>
-              </a:solidFill>
-            </a:endParaRPr>
+              <a:t>Behavioral Test</a:t>
+            </a:r>
           </a:p>
           <a:p>
             <a:pPr algn="l" rtl="0"/>
@@ -18996,7 +19041,7 @@
     </p:spTree>
     <p:extLst>
       <p:ext uri="{BB962C8B-B14F-4D97-AF65-F5344CB8AC3E}">
-        <p14:creationId xmlns:p14="http://schemas.microsoft.com/office/powerpoint/2010/main" val="1928248716"/>
+        <p14:creationId xmlns:p14="http://schemas.microsoft.com/office/powerpoint/2010/main" val="3894212532"/>
       </p:ext>
     </p:extLst>
   </p:cSld>
@@ -19161,9 +19206,11 @@
           <a:p>
             <a:pPr algn="l" rtl="0"/>
             <a:r>
-              <a:rPr lang="en-US" dirty="0">
+              <a:rPr lang="en-US" dirty="0" smtClean="0">
                 <a:solidFill>
-                  <a:schemeClr val="accent6"/>
+                  <a:schemeClr val="accent2">
+                    <a:lumMod val="50000"/>
+                  </a:schemeClr>
                 </a:solidFill>
               </a:rPr>
               <a:t>…</a:t>
@@ -19173,39 +19220,29 @@
             <a:pPr algn="l" rtl="0"/>
             <a:endParaRPr lang="en-US" dirty="0">
               <a:solidFill>
-                <a:schemeClr val="accent6"/>
+                <a:schemeClr val="accent2">
+                  <a:lumMod val="50000"/>
+                </a:schemeClr>
               </a:solidFill>
             </a:endParaRPr>
           </a:p>
           <a:p>
             <a:pPr algn="l" rtl="0"/>
             <a:r>
-              <a:rPr lang="en-US" dirty="0">
+              <a:rPr lang="en-US" dirty="0" smtClean="0">
                 <a:solidFill>
-                  <a:schemeClr val="accent6"/>
+                  <a:schemeClr val="accent2">
+                    <a:lumMod val="50000"/>
+                  </a:schemeClr>
                 </a:solidFill>
               </a:rPr>
-              <a:t>Behavioral </a:t>
-            </a:r>
-            <a:r>
-              <a:rPr lang="en-US" dirty="0" smtClean="0">
-                <a:solidFill>
-                  <a:schemeClr val="accent6"/>
-                </a:solidFill>
-              </a:rPr>
-              <a:t>Test	</a:t>
-            </a:r>
-            <a:r>
-              <a:rPr lang="en-US" dirty="0">
-                <a:solidFill>
-                  <a:schemeClr val="accent5"/>
-                </a:solidFill>
-              </a:rPr>
-              <a:t> New Feature</a:t>
+              <a:t>Behavioral Test</a:t>
             </a:r>
             <a:endParaRPr lang="fa-IR" dirty="0">
               <a:solidFill>
-                <a:schemeClr val="accent6"/>
+                <a:schemeClr val="accent2">
+                  <a:lumMod val="50000"/>
+                </a:schemeClr>
               </a:solidFill>
             </a:endParaRPr>
           </a:p>
@@ -19214,7 +19251,7 @@
     </p:spTree>
     <p:extLst>
       <p:ext uri="{BB962C8B-B14F-4D97-AF65-F5344CB8AC3E}">
-        <p14:creationId xmlns:p14="http://schemas.microsoft.com/office/powerpoint/2010/main" val="2499999301"/>
+        <p14:creationId xmlns:p14="http://schemas.microsoft.com/office/powerpoint/2010/main" val="1928248716"/>
       </p:ext>
     </p:extLst>
   </p:cSld>
@@ -19371,7 +19408,7 @@
           <p:nvPr/>
         </p:nvPicPr>
         <p:blipFill>
-          <a:blip r:embed="rId2"/>
+          <a:blip r:embed="rId3"/>
           <a:stretch>
             <a:fillRect/>
           </a:stretch>
@@ -19395,7 +19432,7 @@
           <p:nvPr/>
         </p:nvPicPr>
         <p:blipFill>
-          <a:blip r:embed="rId3"/>
+          <a:blip r:embed="rId4"/>
           <a:stretch>
             <a:fillRect/>
           </a:stretch>
@@ -19419,7 +19456,7 @@
           <p:nvPr/>
         </p:nvPicPr>
         <p:blipFill>
-          <a:blip r:embed="rId4"/>
+          <a:blip r:embed="rId5"/>
           <a:stretch>
             <a:fillRect/>
           </a:stretch>
@@ -19443,7 +19480,7 @@
           <p:nvPr/>
         </p:nvPicPr>
         <p:blipFill>
-          <a:blip r:embed="rId5"/>
+          <a:blip r:embed="rId6"/>
           <a:stretch>
             <a:fillRect/>
           </a:stretch>
@@ -19467,7 +19504,7 @@
           <p:nvPr/>
         </p:nvPicPr>
         <p:blipFill>
-          <a:blip r:embed="rId6"/>
+          <a:blip r:embed="rId7"/>
           <a:stretch>
             <a:fillRect/>
           </a:stretch>
@@ -19686,14 +19723,7 @@
                 <a:latin typeface="Arial" pitchFamily="34" charset="0"/>
                 <a:cs typeface="Arial" pitchFamily="34" charset="0"/>
               </a:rPr>
-              <a:t>where to </a:t>
-            </a:r>
-            <a:r>
-              <a:rPr lang="en-IN" sz="2200" u="sng" dirty="0" smtClean="0">
-                <a:latin typeface="Arial" pitchFamily="34" charset="0"/>
-                <a:cs typeface="Arial" pitchFamily="34" charset="0"/>
-              </a:rPr>
-              <a:t>begin</a:t>
+              <a:t>where to begin</a:t>
             </a:r>
           </a:p>
           <a:p>
@@ -20774,6 +20804,224 @@
           <a:bodyPr/>
           <a:lstStyle/>
           <a:p>
+            <a:r>
+              <a:rPr lang="en-US" dirty="0" smtClean="0"/>
+              <a:t>When the developers begin their work</a:t>
+            </a:r>
+            <a:endParaRPr lang="fa-IR" dirty="0"/>
+          </a:p>
+        </p:txBody>
+      </p:sp>
+      <p:sp>
+        <p:nvSpPr>
+          <p:cNvPr id="3" name="Content Placeholder 2"/>
+          <p:cNvSpPr>
+            <a:spLocks noGrp="1"/>
+          </p:cNvSpPr>
+          <p:nvPr>
+            <p:ph idx="1"/>
+          </p:nvPr>
+        </p:nvSpPr>
+        <p:spPr/>
+        <p:txBody>
+          <a:bodyPr/>
+          <a:lstStyle/>
+          <a:p>
+            <a:pPr algn="l" rtl="0"/>
+            <a:r>
+              <a:rPr lang="en-US" dirty="0" smtClean="0">
+                <a:solidFill>
+                  <a:schemeClr val="accent6"/>
+                </a:solidFill>
+              </a:rPr>
+              <a:t>Behavioral Test	</a:t>
+            </a:r>
+            <a:r>
+              <a:rPr lang="en-US" dirty="0" smtClean="0">
+                <a:solidFill>
+                  <a:schemeClr val="accent5"/>
+                </a:solidFill>
+              </a:rPr>
+              <a:t>New Feature</a:t>
+            </a:r>
+          </a:p>
+          <a:p>
+            <a:pPr algn="l" rtl="0"/>
+            <a:endParaRPr lang="en-US" dirty="0">
+              <a:solidFill>
+                <a:schemeClr val="accent2">
+                  <a:lumMod val="50000"/>
+                </a:schemeClr>
+              </a:solidFill>
+            </a:endParaRPr>
+          </a:p>
+          <a:p>
+            <a:pPr algn="l" rtl="0"/>
+            <a:r>
+              <a:rPr lang="en-US" dirty="0">
+                <a:solidFill>
+                  <a:schemeClr val="accent6"/>
+                </a:solidFill>
+              </a:rPr>
+              <a:t>Behavioral </a:t>
+            </a:r>
+            <a:r>
+              <a:rPr lang="en-US" dirty="0" smtClean="0">
+                <a:solidFill>
+                  <a:schemeClr val="accent6"/>
+                </a:solidFill>
+              </a:rPr>
+              <a:t>Test	</a:t>
+            </a:r>
+            <a:r>
+              <a:rPr lang="en-US" dirty="0">
+                <a:solidFill>
+                  <a:schemeClr val="accent5"/>
+                </a:solidFill>
+              </a:rPr>
+              <a:t>New </a:t>
+            </a:r>
+            <a:r>
+              <a:rPr lang="en-US" dirty="0" smtClean="0">
+                <a:solidFill>
+                  <a:schemeClr val="accent5"/>
+                </a:solidFill>
+              </a:rPr>
+              <a:t>Feature</a:t>
+            </a:r>
+            <a:endParaRPr lang="en-US" dirty="0">
+              <a:solidFill>
+                <a:schemeClr val="accent6"/>
+              </a:solidFill>
+            </a:endParaRPr>
+          </a:p>
+          <a:p>
+            <a:pPr algn="l" rtl="0"/>
+            <a:endParaRPr lang="en-US" dirty="0">
+              <a:solidFill>
+                <a:schemeClr val="accent2">
+                  <a:lumMod val="50000"/>
+                </a:schemeClr>
+              </a:solidFill>
+            </a:endParaRPr>
+          </a:p>
+          <a:p>
+            <a:pPr algn="l" rtl="0"/>
+            <a:r>
+              <a:rPr lang="en-US" dirty="0">
+                <a:solidFill>
+                  <a:schemeClr val="accent6"/>
+                </a:solidFill>
+              </a:rPr>
+              <a:t>…</a:t>
+            </a:r>
+          </a:p>
+          <a:p>
+            <a:pPr algn="l" rtl="0"/>
+            <a:endParaRPr lang="en-US" dirty="0">
+              <a:solidFill>
+                <a:schemeClr val="accent6"/>
+              </a:solidFill>
+            </a:endParaRPr>
+          </a:p>
+          <a:p>
+            <a:pPr algn="l" rtl="0"/>
+            <a:r>
+              <a:rPr lang="en-US" dirty="0">
+                <a:solidFill>
+                  <a:schemeClr val="accent6"/>
+                </a:solidFill>
+              </a:rPr>
+              <a:t>Behavioral </a:t>
+            </a:r>
+            <a:r>
+              <a:rPr lang="en-US" dirty="0" smtClean="0">
+                <a:solidFill>
+                  <a:schemeClr val="accent6"/>
+                </a:solidFill>
+              </a:rPr>
+              <a:t>Test	</a:t>
+            </a:r>
+            <a:r>
+              <a:rPr lang="en-US" dirty="0">
+                <a:solidFill>
+                  <a:schemeClr val="accent5"/>
+                </a:solidFill>
+              </a:rPr>
+              <a:t> New Feature</a:t>
+            </a:r>
+            <a:endParaRPr lang="fa-IR" dirty="0">
+              <a:solidFill>
+                <a:schemeClr val="accent6"/>
+              </a:solidFill>
+            </a:endParaRPr>
+          </a:p>
+        </p:txBody>
+      </p:sp>
+    </p:spTree>
+    <p:extLst>
+      <p:ext uri="{BB962C8B-B14F-4D97-AF65-F5344CB8AC3E}">
+        <p14:creationId xmlns:p14="http://schemas.microsoft.com/office/powerpoint/2010/main" val="2499999301"/>
+      </p:ext>
+    </p:extLst>
+  </p:cSld>
+  <p:clrMapOvr>
+    <a:masterClrMapping/>
+  </p:clrMapOvr>
+  <mc:AlternateContent xmlns:mc="http://schemas.openxmlformats.org/markup-compatibility/2006" xmlns:p14="http://schemas.microsoft.com/office/powerpoint/2010/main">
+    <mc:Choice Requires="p14">
+      <p:transition spd="med" p14:dur="700">
+        <p:fade/>
+      </p:transition>
+    </mc:Choice>
+    <mc:Fallback xmlns="">
+      <p:transition spd="med">
+        <p:fade/>
+      </p:transition>
+    </mc:Fallback>
+  </mc:AlternateContent>
+  <p:timing>
+    <p:tnLst>
+      <p:par>
+        <p:cTn id="1" dur="indefinite" restart="never" nodeType="tmRoot"/>
+      </p:par>
+    </p:tnLst>
+  </p:timing>
+</p:sld>
+</file>
+
+<file path=ppt/slides/slide21.xml><?xml version="1.0" encoding="utf-8"?>
+<p:sld xmlns:a="http://schemas.openxmlformats.org/drawingml/2006/main" xmlns:r="http://schemas.openxmlformats.org/officeDocument/2006/relationships" xmlns:p="http://schemas.openxmlformats.org/presentationml/2006/main">
+  <p:cSld>
+    <p:spTree>
+      <p:nvGrpSpPr>
+        <p:cNvPr id="1" name=""/>
+        <p:cNvGrpSpPr/>
+        <p:nvPr/>
+      </p:nvGrpSpPr>
+      <p:grpSpPr>
+        <a:xfrm>
+          <a:off x="0" y="0"/>
+          <a:ext cx="0" cy="0"/>
+          <a:chOff x="0" y="0"/>
+          <a:chExt cx="0" cy="0"/>
+        </a:xfrm>
+      </p:grpSpPr>
+      <p:sp>
+        <p:nvSpPr>
+          <p:cNvPr id="2" name="Title 1"/>
+          <p:cNvSpPr>
+            <a:spLocks noGrp="1"/>
+          </p:cNvSpPr>
+          <p:nvPr>
+            <p:ph type="title"/>
+          </p:nvPr>
+        </p:nvSpPr>
+        <p:spPr/>
+        <p:txBody>
+          <a:bodyPr/>
+          <a:lstStyle/>
+          <a:p>
             <a:pPr rtl="0"/>
             <a:r>
               <a:rPr lang="en-US" dirty="0" smtClean="0"/>
@@ -21070,7 +21318,7 @@
 </p:sld>
 </file>
 
-<file path=ppt/slides/slide21.xml><?xml version="1.0" encoding="utf-8"?>
+<file path=ppt/slides/slide22.xml><?xml version="1.0" encoding="utf-8"?>
 <p:sld xmlns:a="http://schemas.openxmlformats.org/drawingml/2006/main" xmlns:r="http://schemas.openxmlformats.org/officeDocument/2006/relationships" xmlns:p="http://schemas.openxmlformats.org/presentationml/2006/main">
   <p:cSld>
     <p:spTree>
@@ -21198,7 +21446,7 @@
 </p:sld>
 </file>
 
-<file path=ppt/slides/slide22.xml><?xml version="1.0" encoding="utf-8"?>
+<file path=ppt/slides/slide23.xml><?xml version="1.0" encoding="utf-8"?>
 <p:sld xmlns:a="http://schemas.openxmlformats.org/drawingml/2006/main" xmlns:r="http://schemas.openxmlformats.org/officeDocument/2006/relationships" xmlns:p="http://schemas.openxmlformats.org/presentationml/2006/main">
   <p:cSld>
     <p:spTree>
@@ -21326,7 +21574,7 @@
 </p:sld>
 </file>
 
-<file path=ppt/slides/slide23.xml><?xml version="1.0" encoding="utf-8"?>
+<file path=ppt/slides/slide24.xml><?xml version="1.0" encoding="utf-8"?>
 <p:sld xmlns:a="http://schemas.openxmlformats.org/drawingml/2006/main" xmlns:r="http://schemas.openxmlformats.org/officeDocument/2006/relationships" xmlns:p="http://schemas.openxmlformats.org/presentationml/2006/main">
   <p:cSld>
     <p:spTree>
@@ -22027,7 +22275,7 @@
 </p:sld>
 </file>
 
-<file path=ppt/slides/slide24.xml><?xml version="1.0" encoding="utf-8"?>
+<file path=ppt/slides/slide25.xml><?xml version="1.0" encoding="utf-8"?>
 <p:sld xmlns:a="http://schemas.openxmlformats.org/drawingml/2006/main" xmlns:r="http://schemas.openxmlformats.org/officeDocument/2006/relationships" xmlns:p="http://schemas.openxmlformats.org/presentationml/2006/main">
   <p:cSld>
     <p:spTree>
@@ -22212,7 +22460,7 @@
 </p:sld>
 </file>
 
-<file path=ppt/slides/slide25.xml><?xml version="1.0" encoding="utf-8"?>
+<file path=ppt/slides/slide26.xml><?xml version="1.0" encoding="utf-8"?>
 <p:sld xmlns:a="http://schemas.openxmlformats.org/drawingml/2006/main" xmlns:r="http://schemas.openxmlformats.org/officeDocument/2006/relationships" xmlns:p="http://schemas.openxmlformats.org/presentationml/2006/main">
   <p:cSld>
     <p:spTree>
@@ -22248,7 +22496,7 @@
           </a:ln>
           <a:extLst>
             <a:ext uri="{C572A759-6A51-4108-AA02-DFA0A04FC94B}">
-              <ma14:wrappingTextBoxFlag xmlns="" xmlns:ma14="http://schemas.microsoft.com/office/mac/drawingml/2011/main" val="1"/>
+              <ma14:wrappingTextBoxFlag xmlns:ma14="http://schemas.microsoft.com/office/mac/drawingml/2011/main" xmlns="" val="1"/>
             </a:ext>
           </a:extLst>
         </p:spPr>
@@ -22916,7 +23164,7 @@
 </p:sld>
 </file>
 
-<file path=ppt/slides/slide26.xml><?xml version="1.0" encoding="utf-8"?>
+<file path=ppt/slides/slide27.xml><?xml version="1.0" encoding="utf-8"?>
 <p:sld xmlns:a="http://schemas.openxmlformats.org/drawingml/2006/main" xmlns:r="http://schemas.openxmlformats.org/officeDocument/2006/relationships" xmlns:p="http://schemas.openxmlformats.org/presentationml/2006/main">
   <p:cSld>
     <p:spTree>
@@ -22952,7 +23200,7 @@
           </a:ln>
           <a:extLst>
             <a:ext uri="{C572A759-6A51-4108-AA02-DFA0A04FC94B}">
-              <ma14:wrappingTextBoxFlag xmlns="" xmlns:ma14="http://schemas.microsoft.com/office/mac/drawingml/2011/main" val="1"/>
+              <ma14:wrappingTextBoxFlag xmlns:ma14="http://schemas.microsoft.com/office/mac/drawingml/2011/main" xmlns="" val="1"/>
             </a:ext>
           </a:extLst>
         </p:spPr>
@@ -23634,7 +23882,7 @@
           </a:ln>
           <a:extLst>
             <a:ext uri="{C572A759-6A51-4108-AA02-DFA0A04FC94B}">
-              <ma14:wrappingTextBoxFlag xmlns="" xmlns:ma14="http://schemas.microsoft.com/office/mac/drawingml/2011/main" val="1"/>
+              <ma14:wrappingTextBoxFlag xmlns:ma14="http://schemas.microsoft.com/office/mac/drawingml/2011/main" xmlns="" val="1"/>
             </a:ext>
           </a:extLst>
         </p:spPr>
@@ -24342,6 +24590,30 @@
           </a:prstGeom>
         </p:spPr>
       </p:pic>
+      <p:pic>
+        <p:nvPicPr>
+          <p:cNvPr id="4" name="Picture 3"/>
+          <p:cNvPicPr>
+            <a:picLocks noChangeAspect="1"/>
+          </p:cNvPicPr>
+          <p:nvPr/>
+        </p:nvPicPr>
+        <p:blipFill>
+          <a:blip r:embed="rId4"/>
+          <a:stretch>
+            <a:fillRect/>
+          </a:stretch>
+        </p:blipFill>
+        <p:spPr>
+          <a:xfrm>
+            <a:off x="5642697" y="4844904"/>
+            <a:ext cx="5199473" cy="1687063"/>
+          </a:xfrm>
+          <a:prstGeom prst="rect">
+            <a:avLst/>
+          </a:prstGeom>
+        </p:spPr>
+      </p:pic>
       <p:sp>
         <p:nvSpPr>
           <p:cNvPr id="2" name="Title 1"/>
@@ -24388,15 +24660,7 @@
             </a:pPr>
             <a:r>
               <a:rPr lang="en-US" dirty="0" smtClean="0"/>
-              <a:t>Write some </a:t>
-            </a:r>
-            <a:r>
-              <a:rPr lang="en-US" dirty="0" smtClean="0"/>
-              <a:t>test case[s</a:t>
-            </a:r>
-            <a:r>
-              <a:rPr lang="en-US" dirty="0" smtClean="0"/>
-              <a:t>]</a:t>
+              <a:t>Write some test case[s]</a:t>
             </a:r>
           </a:p>
           <a:p>
@@ -24413,7 +24677,11 @@
             </a:pPr>
             <a:r>
               <a:rPr lang="en-US" dirty="0" smtClean="0"/>
-              <a:t>Try to correct it</a:t>
+              <a:t>Try to correct </a:t>
+            </a:r>
+            <a:r>
+              <a:rPr lang="en-US" dirty="0" smtClean="0"/>
+              <a:t>it</a:t>
             </a:r>
           </a:p>
           <a:p>
@@ -24425,52 +24693,7 @@
               <a:rPr lang="en-US" dirty="0" smtClean="0"/>
               <a:t>Pass test[s]</a:t>
             </a:r>
-          </a:p>
-          <a:p>
-            <a:pPr marL="514350" indent="-514350" algn="l" rtl="0">
-              <a:buFont typeface="+mj-lt"/>
-              <a:buAutoNum type="arabicPeriod"/>
-            </a:pPr>
-            <a:r>
-              <a:rPr lang="en-US" dirty="0" smtClean="0"/>
-              <a:t>Code refactor</a:t>
-            </a:r>
-          </a:p>
-          <a:p>
-            <a:pPr marL="0" indent="0" algn="l" rtl="0">
-              <a:buNone/>
-            </a:pPr>
-            <a:endParaRPr lang="en-US" b="1" dirty="0" smtClean="0"/>
-          </a:p>
-          <a:p>
-            <a:pPr marL="0" indent="0" algn="l" rtl="0">
-              <a:buNone/>
-            </a:pPr>
-            <a:r>
-              <a:rPr lang="en-US" b="1" dirty="0" smtClean="0"/>
-              <a:t>Outcome:</a:t>
-            </a:r>
-            <a:r>
-              <a:rPr lang="en-US" dirty="0" smtClean="0"/>
-              <a:t> The code coverage of </a:t>
-            </a:r>
-          </a:p>
-          <a:p>
-            <a:pPr marL="0" indent="0" algn="l" rtl="0">
-              <a:buNone/>
-            </a:pPr>
-            <a:r>
-              <a:rPr lang="en-US" dirty="0" smtClean="0"/>
-              <a:t>test case[s] </a:t>
-            </a:r>
-            <a:r>
-              <a:rPr lang="en-US" dirty="0" smtClean="0"/>
-              <a:t>will </a:t>
-            </a:r>
-            <a:r>
-              <a:rPr lang="en-US" dirty="0" smtClean="0"/>
-              <a:t>be 100%</a:t>
-            </a:r>
+            <a:endParaRPr lang="en-US" dirty="0" smtClean="0"/>
           </a:p>
         </p:txBody>
       </p:sp>
@@ -24522,30 +24745,6 @@
           </a:p>
         </p:txBody>
       </p:sp>
-      <p:pic>
-        <p:nvPicPr>
-          <p:cNvPr id="7" name="Picture 6"/>
-          <p:cNvPicPr>
-            <a:picLocks noChangeAspect="1"/>
-          </p:cNvPicPr>
-          <p:nvPr/>
-        </p:nvPicPr>
-        <p:blipFill>
-          <a:blip r:embed="rId4"/>
-          <a:stretch>
-            <a:fillRect/>
-          </a:stretch>
-        </p:blipFill>
-        <p:spPr>
-          <a:xfrm>
-            <a:off x="5642698" y="4844905"/>
-            <a:ext cx="5838825" cy="1285875"/>
-          </a:xfrm>
-          <a:prstGeom prst="rect">
-            <a:avLst/>
-          </a:prstGeom>
-        </p:spPr>
-      </p:pic>
       <p:sp>
         <p:nvSpPr>
           <p:cNvPr id="8" name="TextBox 7"/>
@@ -24815,39 +25014,21 @@
                                   </p:childTnLst>
                                 </p:cTn>
                               </p:par>
-                            </p:childTnLst>
-                          </p:cTn>
-                        </p:par>
-                      </p:childTnLst>
-                    </p:cTn>
-                  </p:par>
-                  <p:par>
-                    <p:cTn id="21" fill="hold">
-                      <p:stCondLst>
-                        <p:cond delay="indefinite"/>
-                      </p:stCondLst>
-                      <p:childTnLst>
-                        <p:par>
-                          <p:cTn id="22" fill="hold">
-                            <p:stCondLst>
-                              <p:cond delay="0"/>
-                            </p:stCondLst>
-                            <p:childTnLst>
                               <p:par>
-                                <p:cTn id="23" presetID="1" presetClass="entr" presetSubtype="0" fill="hold" nodeType="clickEffect">
+                                <p:cTn id="21" presetID="10" presetClass="entr" presetSubtype="0" fill="hold" nodeType="withEffect">
                                   <p:stCondLst>
                                     <p:cond delay="0"/>
                                   </p:stCondLst>
                                   <p:childTnLst>
                                     <p:set>
                                       <p:cBhvr>
-                                        <p:cTn id="24" dur="1" fill="hold">
+                                        <p:cTn id="22" dur="1" fill="hold">
                                           <p:stCondLst>
                                             <p:cond delay="0"/>
                                           </p:stCondLst>
                                         </p:cTn>
                                         <p:tgtEl>
-                                          <p:spTgt spid="7"/>
+                                          <p:spTgt spid="4"/>
                                         </p:tgtEl>
                                         <p:attrNameLst>
                                           <p:attrName>style.visibility</p:attrName>
@@ -24857,6 +25038,14 @@
                                         <p:strVal val="visible"/>
                                       </p:to>
                                     </p:set>
+                                    <p:animEffect transition="in" filter="fade">
+                                      <p:cBhvr>
+                                        <p:cTn id="23" dur="500"/>
+                                        <p:tgtEl>
+                                          <p:spTgt spid="4"/>
+                                        </p:tgtEl>
+                                      </p:cBhvr>
+                                    </p:animEffect>
                                   </p:childTnLst>
                                 </p:cTn>
                               </p:par>
@@ -24867,26 +25056,26 @@
                     </p:cTn>
                   </p:par>
                   <p:par>
-                    <p:cTn id="25" fill="hold">
+                    <p:cTn id="24" fill="hold">
                       <p:stCondLst>
                         <p:cond delay="indefinite"/>
                       </p:stCondLst>
                       <p:childTnLst>
                         <p:par>
-                          <p:cTn id="26" fill="hold">
+                          <p:cTn id="25" fill="hold">
                             <p:stCondLst>
                               <p:cond delay="0"/>
                             </p:stCondLst>
                             <p:childTnLst>
                               <p:par>
-                                <p:cTn id="27" presetID="1" presetClass="entr" presetSubtype="0" fill="hold" nodeType="clickEffect">
+                                <p:cTn id="26" presetID="1" presetClass="entr" presetSubtype="0" fill="hold" nodeType="clickEffect">
                                   <p:stCondLst>
                                     <p:cond delay="0"/>
                                   </p:stCondLst>
                                   <p:childTnLst>
                                     <p:set>
                                       <p:cBhvr>
-                                        <p:cTn id="28" dur="1" fill="hold">
+                                        <p:cTn id="27" dur="1" fill="hold">
                                           <p:stCondLst>
                                             <p:cond delay="0"/>
                                           </p:stCondLst>
@@ -24910,14 +25099,14 @@
                                 </p:cTn>
                               </p:par>
                               <p:par>
-                                <p:cTn id="29" presetID="1" presetClass="exit" presetSubtype="0" fill="hold" grpId="1" nodeType="withEffect">
+                                <p:cTn id="28" presetID="1" presetClass="exit" presetSubtype="0" fill="hold" grpId="1" nodeType="withEffect">
                                   <p:stCondLst>
                                     <p:cond delay="0"/>
                                   </p:stCondLst>
                                   <p:childTnLst>
                                     <p:set>
                                       <p:cBhvr>
-                                        <p:cTn id="30" dur="1" fill="hold">
+                                        <p:cTn id="29" dur="1" fill="hold">
                                           <p:stCondLst>
                                             <p:cond delay="0"/>
                                           </p:stCondLst>
@@ -24937,14 +25126,14 @@
                                 </p:cTn>
                               </p:par>
                               <p:par>
-                                <p:cTn id="31" presetID="1" presetClass="entr" presetSubtype="0" fill="hold" grpId="0" nodeType="withEffect">
+                                <p:cTn id="30" presetID="1" presetClass="entr" presetSubtype="0" fill="hold" grpId="0" nodeType="withEffect">
                                   <p:stCondLst>
                                     <p:cond delay="0"/>
                                   </p:stCondLst>
                                   <p:childTnLst>
                                     <p:set>
                                       <p:cBhvr>
-                                        <p:cTn id="32" dur="1" fill="hold">
+                                        <p:cTn id="31" dur="1" fill="hold">
                                           <p:stCondLst>
                                             <p:cond delay="0"/>
                                           </p:stCondLst>
@@ -24969,27 +25158,298 @@
                       </p:childTnLst>
                     </p:cTn>
                   </p:par>
+                </p:childTnLst>
+              </p:cTn>
+              <p:prevCondLst>
+                <p:cond evt="onPrev" delay="0">
+                  <p:tgtEl>
+                    <p:sldTgt/>
+                  </p:tgtEl>
+                </p:cond>
+              </p:prevCondLst>
+              <p:nextCondLst>
+                <p:cond evt="onNext" delay="0">
+                  <p:tgtEl>
+                    <p:sldTgt/>
+                  </p:tgtEl>
+                </p:cond>
+              </p:nextCondLst>
+            </p:seq>
+          </p:childTnLst>
+        </p:cTn>
+      </p:par>
+    </p:tnLst>
+    <p:bldLst>
+      <p:bldP spid="6" grpId="0" animBg="1"/>
+      <p:bldP spid="6" grpId="1" animBg="1"/>
+      <p:bldP spid="8" grpId="0"/>
+    </p:bldLst>
+  </p:timing>
+</p:sld>
+</file>
+
+<file path=ppt/slides/slide5.xml><?xml version="1.0" encoding="utf-8"?>
+<p:sld xmlns:a="http://schemas.openxmlformats.org/drawingml/2006/main" xmlns:r="http://schemas.openxmlformats.org/officeDocument/2006/relationships" xmlns:p="http://schemas.openxmlformats.org/presentationml/2006/main">
+  <p:cSld>
+    <p:spTree>
+      <p:nvGrpSpPr>
+        <p:cNvPr id="1" name=""/>
+        <p:cNvGrpSpPr/>
+        <p:nvPr/>
+      </p:nvGrpSpPr>
+      <p:grpSpPr>
+        <a:xfrm>
+          <a:off x="0" y="0"/>
+          <a:ext cx="0" cy="0"/>
+          <a:chOff x="0" y="0"/>
+          <a:chExt cx="0" cy="0"/>
+        </a:xfrm>
+      </p:grpSpPr>
+      <p:pic>
+        <p:nvPicPr>
+          <p:cNvPr id="11" name="Picture 10"/>
+          <p:cNvPicPr>
+            <a:picLocks noChangeAspect="1"/>
+          </p:cNvPicPr>
+          <p:nvPr/>
+        </p:nvPicPr>
+        <p:blipFill>
+          <a:blip r:embed="rId3"/>
+          <a:stretch>
+            <a:fillRect/>
+          </a:stretch>
+        </p:blipFill>
+        <p:spPr>
+          <a:xfrm>
+            <a:off x="5642698" y="376093"/>
+            <a:ext cx="6296025" cy="4333875"/>
+          </a:xfrm>
+          <a:prstGeom prst="rect">
+            <a:avLst/>
+          </a:prstGeom>
+        </p:spPr>
+      </p:pic>
+      <p:sp>
+        <p:nvSpPr>
+          <p:cNvPr id="2" name="Title 1"/>
+          <p:cNvSpPr>
+            <a:spLocks noGrp="1"/>
+          </p:cNvSpPr>
+          <p:nvPr>
+            <p:ph type="title"/>
+          </p:nvPr>
+        </p:nvSpPr>
+        <p:spPr/>
+        <p:txBody>
+          <a:bodyPr/>
+          <a:lstStyle/>
+          <a:p>
+            <a:r>
+              <a:rPr lang="en-US" dirty="0" smtClean="0"/>
+              <a:t>TDD Steps</a:t>
+            </a:r>
+            <a:endParaRPr lang="fa-IR" dirty="0"/>
+          </a:p>
+        </p:txBody>
+      </p:sp>
+      <p:sp>
+        <p:nvSpPr>
+          <p:cNvPr id="3" name="Content Placeholder 2"/>
+          <p:cNvSpPr>
+            <a:spLocks noGrp="1"/>
+          </p:cNvSpPr>
+          <p:nvPr>
+            <p:ph idx="1"/>
+          </p:nvPr>
+        </p:nvSpPr>
+        <p:spPr/>
+        <p:txBody>
+          <a:bodyPr>
+            <a:normAutofit/>
+          </a:bodyPr>
+          <a:lstStyle/>
+          <a:p>
+            <a:pPr marL="514350" indent="-514350" algn="l" rtl="0">
+              <a:buFont typeface="+mj-lt"/>
+              <a:buAutoNum type="arabicPeriod"/>
+            </a:pPr>
+            <a:r>
+              <a:rPr lang="en-US" dirty="0" smtClean="0"/>
+              <a:t>Write some test case[s]</a:t>
+            </a:r>
+          </a:p>
+          <a:p>
+            <a:pPr lvl="1" algn="l" rtl="0"/>
+            <a:r>
+              <a:rPr lang="en-US" dirty="0" smtClean="0"/>
+              <a:t>It definitely fails</a:t>
+            </a:r>
+          </a:p>
+          <a:p>
+            <a:pPr marL="514350" indent="-514350" algn="l" rtl="0">
+              <a:buFont typeface="+mj-lt"/>
+              <a:buAutoNum type="arabicPeriod"/>
+            </a:pPr>
+            <a:r>
+              <a:rPr lang="en-US" dirty="0" smtClean="0"/>
+              <a:t>Try to correct it</a:t>
+            </a:r>
+          </a:p>
+          <a:p>
+            <a:pPr marL="514350" indent="-514350" algn="l" rtl="0">
+              <a:buFont typeface="+mj-lt"/>
+              <a:buAutoNum type="arabicPeriod"/>
+            </a:pPr>
+            <a:r>
+              <a:rPr lang="en-US" dirty="0" smtClean="0"/>
+              <a:t>Pass test[s]</a:t>
+            </a:r>
+          </a:p>
+          <a:p>
+            <a:pPr marL="514350" indent="-514350" algn="l" rtl="0">
+              <a:buFont typeface="+mj-lt"/>
+              <a:buAutoNum type="arabicPeriod"/>
+            </a:pPr>
+            <a:r>
+              <a:rPr lang="en-US" dirty="0" smtClean="0"/>
+              <a:t>Code refactor</a:t>
+            </a:r>
+          </a:p>
+          <a:p>
+            <a:pPr marL="0" indent="0" algn="l" rtl="0">
+              <a:buNone/>
+            </a:pPr>
+            <a:endParaRPr lang="en-US" b="1" dirty="0" smtClean="0"/>
+          </a:p>
+          <a:p>
+            <a:pPr marL="0" indent="0" algn="l" rtl="0">
+              <a:buNone/>
+            </a:pPr>
+            <a:r>
+              <a:rPr lang="en-US" b="1" dirty="0" smtClean="0"/>
+              <a:t>Outcome:</a:t>
+            </a:r>
+            <a:r>
+              <a:rPr lang="en-US" dirty="0" smtClean="0"/>
+              <a:t> The code coverage of </a:t>
+            </a:r>
+          </a:p>
+          <a:p>
+            <a:pPr marL="0" indent="0" algn="l" rtl="0">
+              <a:buNone/>
+            </a:pPr>
+            <a:r>
+              <a:rPr lang="en-US" dirty="0" smtClean="0"/>
+              <a:t>test case[s] will be 100%</a:t>
+            </a:r>
+          </a:p>
+        </p:txBody>
+      </p:sp>
+      <p:pic>
+        <p:nvPicPr>
+          <p:cNvPr id="7" name="Picture 6"/>
+          <p:cNvPicPr>
+            <a:picLocks noChangeAspect="1"/>
+          </p:cNvPicPr>
+          <p:nvPr/>
+        </p:nvPicPr>
+        <p:blipFill>
+          <a:blip r:embed="rId4"/>
+          <a:stretch>
+            <a:fillRect/>
+          </a:stretch>
+        </p:blipFill>
+        <p:spPr>
+          <a:xfrm>
+            <a:off x="5642698" y="4844905"/>
+            <a:ext cx="5838825" cy="1285875"/>
+          </a:xfrm>
+          <a:prstGeom prst="rect">
+            <a:avLst/>
+          </a:prstGeom>
+        </p:spPr>
+      </p:pic>
+      <p:sp>
+        <p:nvSpPr>
+          <p:cNvPr id="8" name="TextBox 7"/>
+          <p:cNvSpPr txBox="1"/>
+          <p:nvPr/>
+        </p:nvSpPr>
+        <p:spPr>
+          <a:xfrm>
+            <a:off x="11206450" y="3878971"/>
+            <a:ext cx="668773" cy="830997"/>
+          </a:xfrm>
+          <a:prstGeom prst="rect">
+            <a:avLst/>
+          </a:prstGeom>
+          <a:noFill/>
+        </p:spPr>
+        <p:txBody>
+          <a:bodyPr wrap="none" rtlCol="1">
+            <a:spAutoFit/>
+          </a:bodyPr>
+          <a:lstStyle/>
+          <a:p>
+            <a:r>
+              <a:rPr lang="fa-IR" sz="4800" dirty="0" smtClean="0">
+                <a:solidFill>
+                  <a:srgbClr val="00B050"/>
+                </a:solidFill>
+                <a:sym typeface="Wingdings" panose="05000000000000000000" pitchFamily="2" charset="2"/>
+              </a:rPr>
+              <a:t></a:t>
+            </a:r>
+            <a:endParaRPr lang="fa-IR" sz="4800" dirty="0">
+              <a:solidFill>
+                <a:srgbClr val="00B050"/>
+              </a:solidFill>
+            </a:endParaRPr>
+          </a:p>
+        </p:txBody>
+      </p:sp>
+    </p:spTree>
+    <p:extLst>
+      <p:ext uri="{BB962C8B-B14F-4D97-AF65-F5344CB8AC3E}">
+        <p14:creationId xmlns:p14="http://schemas.microsoft.com/office/powerpoint/2010/main" val="1723504718"/>
+      </p:ext>
+    </p:extLst>
+  </p:cSld>
+  <p:clrMapOvr>
+    <a:masterClrMapping/>
+  </p:clrMapOvr>
+  <p:timing>
+    <p:tnLst>
+      <p:par>
+        <p:cTn id="1" dur="indefinite" restart="never" nodeType="tmRoot">
+          <p:childTnLst>
+            <p:seq concurrent="1" nextAc="seek">
+              <p:cTn id="2" dur="indefinite" nodeType="mainSeq">
+                <p:childTnLst>
                   <p:par>
-                    <p:cTn id="33" fill="hold">
+                    <p:cTn id="3" fill="hold">
                       <p:stCondLst>
                         <p:cond delay="indefinite"/>
+                        <p:cond evt="onBegin" delay="0">
+                          <p:tn val="2"/>
+                        </p:cond>
                       </p:stCondLst>
                       <p:childTnLst>
                         <p:par>
-                          <p:cTn id="34" fill="hold">
+                          <p:cTn id="4" fill="hold">
                             <p:stCondLst>
                               <p:cond delay="0"/>
                             </p:stCondLst>
                             <p:childTnLst>
                               <p:par>
-                                <p:cTn id="35" presetID="1" presetClass="entr" presetSubtype="0" fill="hold" nodeType="clickEffect">
+                                <p:cTn id="5" presetID="1" presetClass="entr" presetSubtype="0" fill="hold" nodeType="withEffect">
                                   <p:stCondLst>
                                     <p:cond delay="0"/>
                                   </p:stCondLst>
                                   <p:childTnLst>
                                     <p:set>
                                       <p:cBhvr>
-                                        <p:cTn id="36" dur="1" fill="hold">
+                                        <p:cTn id="6" dur="1" fill="hold">
                                           <p:stCondLst>
                                             <p:cond delay="0"/>
                                           </p:stCondLst>
@@ -25012,6 +25472,41 @@
                                   </p:childTnLst>
                                 </p:cTn>
                               </p:par>
+                              <p:par>
+                                <p:cTn id="7" presetID="10" presetClass="entr" presetSubtype="0" fill="hold" nodeType="withEffect">
+                                  <p:stCondLst>
+                                    <p:cond delay="0"/>
+                                  </p:stCondLst>
+                                  <p:childTnLst>
+                                    <p:set>
+                                      <p:cBhvr>
+                                        <p:cTn id="8" dur="1" fill="hold">
+                                          <p:stCondLst>
+                                            <p:cond delay="0"/>
+                                          </p:stCondLst>
+                                        </p:cTn>
+                                        <p:tgtEl>
+                                          <p:spTgt spid="7"/>
+                                        </p:tgtEl>
+                                        <p:attrNameLst>
+                                          <p:attrName>style.visibility</p:attrName>
+                                        </p:attrNameLst>
+                                      </p:cBhvr>
+                                      <p:to>
+                                        <p:strVal val="visible"/>
+                                      </p:to>
+                                    </p:set>
+                                    <p:animEffect transition="in" filter="fade">
+                                      <p:cBhvr>
+                                        <p:cTn id="9" dur="500"/>
+                                        <p:tgtEl>
+                                          <p:spTgt spid="7"/>
+                                        </p:tgtEl>
+                                      </p:cBhvr>
+                                    </p:animEffect>
+                                  </p:childTnLst>
+                                </p:cTn>
+                              </p:par>
                             </p:childTnLst>
                           </p:cTn>
                         </p:par>
@@ -25019,26 +25514,26 @@
                     </p:cTn>
                   </p:par>
                   <p:par>
-                    <p:cTn id="37" fill="hold">
+                    <p:cTn id="10" fill="hold">
                       <p:stCondLst>
                         <p:cond delay="indefinite"/>
                       </p:stCondLst>
                       <p:childTnLst>
                         <p:par>
-                          <p:cTn id="38" fill="hold">
+                          <p:cTn id="11" fill="hold">
                             <p:stCondLst>
                               <p:cond delay="0"/>
                             </p:stCondLst>
                             <p:childTnLst>
                               <p:par>
-                                <p:cTn id="39" presetID="1" presetClass="entr" presetSubtype="0" fill="hold" nodeType="clickEffect">
+                                <p:cTn id="12" presetID="1" presetClass="entr" presetSubtype="0" fill="hold" nodeType="clickEffect">
                                   <p:stCondLst>
                                     <p:cond delay="0"/>
                                   </p:stCondLst>
                                   <p:childTnLst>
                                     <p:set>
                                       <p:cBhvr>
-                                        <p:cTn id="40" dur="1" fill="hold">
+                                        <p:cTn id="13" dur="1" fill="hold">
                                           <p:stCondLst>
                                             <p:cond delay="0"/>
                                           </p:stCondLst>
@@ -25062,14 +25557,14 @@
                                 </p:cTn>
                               </p:par>
                               <p:par>
-                                <p:cTn id="41" presetID="1" presetClass="entr" presetSubtype="0" fill="hold" nodeType="withEffect">
+                                <p:cTn id="14" presetID="1" presetClass="entr" presetSubtype="0" fill="hold" nodeType="withEffect">
                                   <p:stCondLst>
                                     <p:cond delay="0"/>
                                   </p:stCondLst>
                                   <p:childTnLst>
                                     <p:set>
                                       <p:cBhvr>
-                                        <p:cTn id="42" dur="1" fill="hold">
+                                        <p:cTn id="15" dur="1" fill="hold">
                                           <p:stCondLst>
                                             <p:cond delay="0"/>
                                           </p:stCondLst>
@@ -25119,16 +25614,11 @@
         </p:cTn>
       </p:par>
     </p:tnLst>
-    <p:bldLst>
-      <p:bldP spid="6" grpId="0" animBg="1"/>
-      <p:bldP spid="6" grpId="1" animBg="1"/>
-      <p:bldP spid="8" grpId="0"/>
-    </p:bldLst>
   </p:timing>
 </p:sld>
 </file>
 
-<file path=ppt/slides/slide5.xml><?xml version="1.0" encoding="utf-8"?>
+<file path=ppt/slides/slide6.xml><?xml version="1.0" encoding="utf-8"?>
 <p:sld xmlns:a="http://schemas.openxmlformats.org/drawingml/2006/main" xmlns:r="http://schemas.openxmlformats.org/officeDocument/2006/relationships" xmlns:p="http://schemas.openxmlformats.org/presentationml/2006/main">
   <p:cSld>
     <p:spTree>
@@ -25383,7 +25873,7 @@
 </p:sld>
 </file>
 
-<file path=ppt/slides/slide6.xml><?xml version="1.0" encoding="utf-8"?>
+<file path=ppt/slides/slide7.xml><?xml version="1.0" encoding="utf-8"?>
 <p:sld xmlns:a="http://schemas.openxmlformats.org/drawingml/2006/main" xmlns:r="http://schemas.openxmlformats.org/officeDocument/2006/relationships" xmlns:p="http://schemas.openxmlformats.org/presentationml/2006/main">
   <p:cSld>
     <p:spTree>
@@ -25469,7 +25959,7 @@
 </p:sld>
 </file>
 
-<file path=ppt/slides/slide7.xml><?xml version="1.0" encoding="utf-8"?>
+<file path=ppt/slides/slide8.xml><?xml version="1.0" encoding="utf-8"?>
 <p:sld xmlns:a="http://schemas.openxmlformats.org/drawingml/2006/main" xmlns:r="http://schemas.openxmlformats.org/officeDocument/2006/relationships" xmlns:p="http://schemas.openxmlformats.org/presentationml/2006/main">
   <p:cSld>
     <p:spTree>
@@ -25555,7 +26045,7 @@
 </p:sld>
 </file>
 
-<file path=ppt/slides/slide8.xml><?xml version="1.0" encoding="utf-8"?>
+<file path=ppt/slides/slide9.xml><?xml version="1.0" encoding="utf-8"?>
 <p:sld xmlns:a="http://schemas.openxmlformats.org/drawingml/2006/main" xmlns:r="http://schemas.openxmlformats.org/officeDocument/2006/relationships" xmlns:p="http://schemas.openxmlformats.org/presentationml/2006/main">
   <p:cSld>
     <p:spTree>
@@ -25817,92 +26307,6 @@
             </p:seq>
           </p:childTnLst>
         </p:cTn>
-      </p:par>
-    </p:tnLst>
-  </p:timing>
-</p:sld>
-</file>
-
-<file path=ppt/slides/slide9.xml><?xml version="1.0" encoding="utf-8"?>
-<p:sld xmlns:a="http://schemas.openxmlformats.org/drawingml/2006/main" xmlns:r="http://schemas.openxmlformats.org/officeDocument/2006/relationships" xmlns:p="http://schemas.openxmlformats.org/presentationml/2006/main">
-  <p:cSld>
-    <p:spTree>
-      <p:nvGrpSpPr>
-        <p:cNvPr id="1" name=""/>
-        <p:cNvGrpSpPr/>
-        <p:nvPr/>
-      </p:nvGrpSpPr>
-      <p:grpSpPr>
-        <a:xfrm>
-          <a:off x="0" y="0"/>
-          <a:ext cx="0" cy="0"/>
-          <a:chOff x="0" y="0"/>
-          <a:chExt cx="0" cy="0"/>
-        </a:xfrm>
-      </p:grpSpPr>
-      <p:sp>
-        <p:nvSpPr>
-          <p:cNvPr id="2" name="Title 1"/>
-          <p:cNvSpPr>
-            <a:spLocks noGrp="1"/>
-          </p:cNvSpPr>
-          <p:nvPr>
-            <p:ph type="title"/>
-          </p:nvPr>
-        </p:nvSpPr>
-        <p:spPr/>
-        <p:txBody>
-          <a:bodyPr/>
-          <a:lstStyle/>
-          <a:p>
-            <a:r>
-              <a:rPr lang="en-US" dirty="0" err="1" smtClean="0"/>
-              <a:t>Wiremock</a:t>
-            </a:r>
-            <a:endParaRPr lang="fa-IR" dirty="0"/>
-          </a:p>
-        </p:txBody>
-      </p:sp>
-      <p:pic>
-        <p:nvPicPr>
-          <p:cNvPr id="4" name="Content Placeholder 3"/>
-          <p:cNvPicPr>
-            <a:picLocks noGrp="1" noChangeAspect="1"/>
-          </p:cNvPicPr>
-          <p:nvPr>
-            <p:ph idx="1"/>
-          </p:nvPr>
-        </p:nvPicPr>
-        <p:blipFill>
-          <a:blip r:embed="rId2"/>
-          <a:stretch>
-            <a:fillRect/>
-          </a:stretch>
-        </p:blipFill>
-        <p:spPr>
-          <a:xfrm>
-            <a:off x="2280826" y="1482436"/>
-            <a:ext cx="7832991" cy="5171506"/>
-          </a:xfrm>
-          <a:prstGeom prst="rect">
-            <a:avLst/>
-          </a:prstGeom>
-        </p:spPr>
-      </p:pic>
-    </p:spTree>
-    <p:extLst>
-      <p:ext uri="{BB962C8B-B14F-4D97-AF65-F5344CB8AC3E}">
-        <p14:creationId xmlns:p14="http://schemas.microsoft.com/office/powerpoint/2010/main" val="188893187"/>
-      </p:ext>
-    </p:extLst>
-  </p:cSld>
-  <p:clrMapOvr>
-    <a:masterClrMapping/>
-  </p:clrMapOvr>
-  <p:timing>
-    <p:tnLst>
-      <p:par>
-        <p:cTn id="1" dur="indefinite" restart="never" nodeType="tmRoot"/>
       </p:par>
     </p:tnLst>
   </p:timing>
